--- a/images/snapshot.pptx
+++ b/images/snapshot.pptx
@@ -4,13 +4,15 @@
   <p:sldMasterIdLst>
     <p:sldMasterId id="2147483648" r:id="rId1"/>
   </p:sldMasterIdLst>
+  <p:notesMasterIdLst>
+    <p:notesMasterId r:id="rId7"/>
+  </p:notesMasterIdLst>
   <p:sldIdLst>
-    <p:sldId id="256" r:id="rId2"/>
-    <p:sldId id="257" r:id="rId3"/>
-    <p:sldId id="258" r:id="rId4"/>
-    <p:sldId id="259" r:id="rId5"/>
-    <p:sldId id="260" r:id="rId6"/>
-    <p:sldId id="261" r:id="rId7"/>
+    <p:sldId id="258" r:id="rId2"/>
+    <p:sldId id="259" r:id="rId3"/>
+    <p:sldId id="260" r:id="rId4"/>
+    <p:sldId id="261" r:id="rId5"/>
+    <p:sldId id="257" r:id="rId6"/>
   </p:sldIdLst>
   <p:sldSz cx="12192000" cy="6858000"/>
   <p:notesSz cx="6858000" cy="9144000"/>
@@ -110,6 +112,439 @@
     </a:lvl9pPr>
   </p:defaultTextStyle>
 </p:presentation>
+</file>
+
+<file path=ppt/notesMasters/notesMaster1.xml><?xml version="1.0" encoding="utf-8"?>
+<p:notesMaster xmlns:a="http://schemas.openxmlformats.org/drawingml/2006/main" xmlns:r="http://schemas.openxmlformats.org/officeDocument/2006/relationships" xmlns:p="http://schemas.openxmlformats.org/presentationml/2006/main">
+  <p:cSld>
+    <p:bg>
+      <p:bgRef idx="1001">
+        <a:schemeClr val="bg1"/>
+      </p:bgRef>
+    </p:bg>
+    <p:spTree>
+      <p:nvGrpSpPr>
+        <p:cNvPr id="1" name=""/>
+        <p:cNvGrpSpPr/>
+        <p:nvPr/>
+      </p:nvGrpSpPr>
+      <p:grpSpPr>
+        <a:xfrm>
+          <a:off x="0" y="0"/>
+          <a:ext cx="0" cy="0"/>
+          <a:chOff x="0" y="0"/>
+          <a:chExt cx="0" cy="0"/>
+        </a:xfrm>
+      </p:grpSpPr>
+      <p:sp>
+        <p:nvSpPr>
+          <p:cNvPr id="2" name="Header Placeholder 1"/>
+          <p:cNvSpPr>
+            <a:spLocks noGrp="1"/>
+          </p:cNvSpPr>
+          <p:nvPr>
+            <p:ph type="hdr" sz="quarter"/>
+          </p:nvPr>
+        </p:nvSpPr>
+        <p:spPr>
+          <a:xfrm>
+            <a:off x="0" y="0"/>
+            <a:ext cx="2971800" cy="458788"/>
+          </a:xfrm>
+          <a:prstGeom prst="rect">
+            <a:avLst/>
+          </a:prstGeom>
+        </p:spPr>
+        <p:txBody>
+          <a:bodyPr vert="horz" lIns="91440" tIns="45720" rIns="91440" bIns="45720" rtlCol="0"/>
+          <a:lstStyle>
+            <a:lvl1pPr algn="l">
+              <a:defRPr sz="1200"/>
+            </a:lvl1pPr>
+          </a:lstStyle>
+          <a:p>
+            <a:endParaRPr lang="en-US"/>
+          </a:p>
+        </p:txBody>
+      </p:sp>
+      <p:sp>
+        <p:nvSpPr>
+          <p:cNvPr id="3" name="Date Placeholder 2"/>
+          <p:cNvSpPr>
+            <a:spLocks noGrp="1"/>
+          </p:cNvSpPr>
+          <p:nvPr>
+            <p:ph type="dt" idx="1"/>
+          </p:nvPr>
+        </p:nvSpPr>
+        <p:spPr>
+          <a:xfrm>
+            <a:off x="3884613" y="0"/>
+            <a:ext cx="2971800" cy="458788"/>
+          </a:xfrm>
+          <a:prstGeom prst="rect">
+            <a:avLst/>
+          </a:prstGeom>
+        </p:spPr>
+        <p:txBody>
+          <a:bodyPr vert="horz" lIns="91440" tIns="45720" rIns="91440" bIns="45720" rtlCol="0"/>
+          <a:lstStyle>
+            <a:lvl1pPr algn="r">
+              <a:defRPr sz="1200"/>
+            </a:lvl1pPr>
+          </a:lstStyle>
+          <a:p>
+            <a:fld id="{97C13C39-9C1C-2842-8080-1306AA0197AA}" type="datetimeFigureOut">
+              <a:rPr lang="en-US" smtClean="0"/>
+              <a:t>5/13/25</a:t>
+            </a:fld>
+            <a:endParaRPr lang="en-US"/>
+          </a:p>
+        </p:txBody>
+      </p:sp>
+      <p:sp>
+        <p:nvSpPr>
+          <p:cNvPr id="4" name="Slide Image Placeholder 3"/>
+          <p:cNvSpPr>
+            <a:spLocks noGrp="1" noRot="1" noChangeAspect="1"/>
+          </p:cNvSpPr>
+          <p:nvPr>
+            <p:ph type="sldImg" idx="2"/>
+          </p:nvPr>
+        </p:nvSpPr>
+        <p:spPr>
+          <a:xfrm>
+            <a:off x="685800" y="1143000"/>
+            <a:ext cx="5486400" cy="3086100"/>
+          </a:xfrm>
+          <a:prstGeom prst="rect">
+            <a:avLst/>
+          </a:prstGeom>
+          <a:noFill/>
+          <a:ln w="12700">
+            <a:solidFill>
+              <a:prstClr val="black"/>
+            </a:solidFill>
+          </a:ln>
+        </p:spPr>
+        <p:txBody>
+          <a:bodyPr vert="horz" lIns="91440" tIns="45720" rIns="91440" bIns="45720" rtlCol="0" anchor="ctr"/>
+          <a:lstStyle/>
+          <a:p>
+            <a:endParaRPr lang="en-US"/>
+          </a:p>
+        </p:txBody>
+      </p:sp>
+      <p:sp>
+        <p:nvSpPr>
+          <p:cNvPr id="5" name="Notes Placeholder 4"/>
+          <p:cNvSpPr>
+            <a:spLocks noGrp="1"/>
+          </p:cNvSpPr>
+          <p:nvPr>
+            <p:ph type="body" sz="quarter" idx="3"/>
+          </p:nvPr>
+        </p:nvSpPr>
+        <p:spPr>
+          <a:xfrm>
+            <a:off x="685800" y="4400550"/>
+            <a:ext cx="5486400" cy="3600450"/>
+          </a:xfrm>
+          <a:prstGeom prst="rect">
+            <a:avLst/>
+          </a:prstGeom>
+        </p:spPr>
+        <p:txBody>
+          <a:bodyPr vert="horz" lIns="91440" tIns="45720" rIns="91440" bIns="45720" rtlCol="0"/>
+          <a:lstStyle/>
+          <a:p>
+            <a:pPr lvl="0"/>
+            <a:r>
+              <a:rPr lang="en-US"/>
+              <a:t>Click to edit Master text styles</a:t>
+            </a:r>
+          </a:p>
+          <a:p>
+            <a:pPr lvl="1"/>
+            <a:r>
+              <a:rPr lang="en-US"/>
+              <a:t>Second level</a:t>
+            </a:r>
+          </a:p>
+          <a:p>
+            <a:pPr lvl="2"/>
+            <a:r>
+              <a:rPr lang="en-US"/>
+              <a:t>Third level</a:t>
+            </a:r>
+          </a:p>
+          <a:p>
+            <a:pPr lvl="3"/>
+            <a:r>
+              <a:rPr lang="en-US"/>
+              <a:t>Fourth level</a:t>
+            </a:r>
+          </a:p>
+          <a:p>
+            <a:pPr lvl="4"/>
+            <a:r>
+              <a:rPr lang="en-US"/>
+              <a:t>Fifth level</a:t>
+            </a:r>
+          </a:p>
+        </p:txBody>
+      </p:sp>
+      <p:sp>
+        <p:nvSpPr>
+          <p:cNvPr id="6" name="Footer Placeholder 5"/>
+          <p:cNvSpPr>
+            <a:spLocks noGrp="1"/>
+          </p:cNvSpPr>
+          <p:nvPr>
+            <p:ph type="ftr" sz="quarter" idx="4"/>
+          </p:nvPr>
+        </p:nvSpPr>
+        <p:spPr>
+          <a:xfrm>
+            <a:off x="0" y="8685213"/>
+            <a:ext cx="2971800" cy="458787"/>
+          </a:xfrm>
+          <a:prstGeom prst="rect">
+            <a:avLst/>
+          </a:prstGeom>
+        </p:spPr>
+        <p:txBody>
+          <a:bodyPr vert="horz" lIns="91440" tIns="45720" rIns="91440" bIns="45720" rtlCol="0" anchor="b"/>
+          <a:lstStyle>
+            <a:lvl1pPr algn="l">
+              <a:defRPr sz="1200"/>
+            </a:lvl1pPr>
+          </a:lstStyle>
+          <a:p>
+            <a:endParaRPr lang="en-US"/>
+          </a:p>
+        </p:txBody>
+      </p:sp>
+      <p:sp>
+        <p:nvSpPr>
+          <p:cNvPr id="7" name="Slide Number Placeholder 6"/>
+          <p:cNvSpPr>
+            <a:spLocks noGrp="1"/>
+          </p:cNvSpPr>
+          <p:nvPr>
+            <p:ph type="sldNum" sz="quarter" idx="5"/>
+          </p:nvPr>
+        </p:nvSpPr>
+        <p:spPr>
+          <a:xfrm>
+            <a:off x="3884613" y="8685213"/>
+            <a:ext cx="2971800" cy="458787"/>
+          </a:xfrm>
+          <a:prstGeom prst="rect">
+            <a:avLst/>
+          </a:prstGeom>
+        </p:spPr>
+        <p:txBody>
+          <a:bodyPr vert="horz" lIns="91440" tIns="45720" rIns="91440" bIns="45720" rtlCol="0" anchor="b"/>
+          <a:lstStyle>
+            <a:lvl1pPr algn="r">
+              <a:defRPr sz="1200"/>
+            </a:lvl1pPr>
+          </a:lstStyle>
+          <a:p>
+            <a:fld id="{77932060-9B3E-9748-8055-3D57AA26FE72}" type="slidenum">
+              <a:rPr lang="en-US" smtClean="0"/>
+              <a:t>‹#›</a:t>
+            </a:fld>
+            <a:endParaRPr lang="en-US"/>
+          </a:p>
+        </p:txBody>
+      </p:sp>
+    </p:spTree>
+    <p:extLst>
+      <p:ext uri="{BB962C8B-B14F-4D97-AF65-F5344CB8AC3E}">
+        <p14:creationId xmlns:p14="http://schemas.microsoft.com/office/powerpoint/2010/main" val="3528771369"/>
+      </p:ext>
+    </p:extLst>
+  </p:cSld>
+  <p:clrMap bg1="lt1" tx1="dk1" bg2="lt2" tx2="dk2" accent1="accent1" accent2="accent2" accent3="accent3" accent4="accent4" accent5="accent5" accent6="accent6" hlink="hlink" folHlink="folHlink"/>
+  <p:notesStyle>
+    <a:lvl1pPr marL="0" algn="l" defTabSz="914400" rtl="0" eaLnBrk="1" latinLnBrk="0" hangingPunct="1">
+      <a:defRPr sz="1200" kern="1200">
+        <a:solidFill>
+          <a:schemeClr val="tx1"/>
+        </a:solidFill>
+        <a:latin typeface="+mn-lt"/>
+        <a:ea typeface="+mn-ea"/>
+        <a:cs typeface="+mn-cs"/>
+      </a:defRPr>
+    </a:lvl1pPr>
+    <a:lvl2pPr marL="457200" algn="l" defTabSz="914400" rtl="0" eaLnBrk="1" latinLnBrk="0" hangingPunct="1">
+      <a:defRPr sz="1200" kern="1200">
+        <a:solidFill>
+          <a:schemeClr val="tx1"/>
+        </a:solidFill>
+        <a:latin typeface="+mn-lt"/>
+        <a:ea typeface="+mn-ea"/>
+        <a:cs typeface="+mn-cs"/>
+      </a:defRPr>
+    </a:lvl2pPr>
+    <a:lvl3pPr marL="914400" algn="l" defTabSz="914400" rtl="0" eaLnBrk="1" latinLnBrk="0" hangingPunct="1">
+      <a:defRPr sz="1200" kern="1200">
+        <a:solidFill>
+          <a:schemeClr val="tx1"/>
+        </a:solidFill>
+        <a:latin typeface="+mn-lt"/>
+        <a:ea typeface="+mn-ea"/>
+        <a:cs typeface="+mn-cs"/>
+      </a:defRPr>
+    </a:lvl3pPr>
+    <a:lvl4pPr marL="1371600" algn="l" defTabSz="914400" rtl="0" eaLnBrk="1" latinLnBrk="0" hangingPunct="1">
+      <a:defRPr sz="1200" kern="1200">
+        <a:solidFill>
+          <a:schemeClr val="tx1"/>
+        </a:solidFill>
+        <a:latin typeface="+mn-lt"/>
+        <a:ea typeface="+mn-ea"/>
+        <a:cs typeface="+mn-cs"/>
+      </a:defRPr>
+    </a:lvl4pPr>
+    <a:lvl5pPr marL="1828800" algn="l" defTabSz="914400" rtl="0" eaLnBrk="1" latinLnBrk="0" hangingPunct="1">
+      <a:defRPr sz="1200" kern="1200">
+        <a:solidFill>
+          <a:schemeClr val="tx1"/>
+        </a:solidFill>
+        <a:latin typeface="+mn-lt"/>
+        <a:ea typeface="+mn-ea"/>
+        <a:cs typeface="+mn-cs"/>
+      </a:defRPr>
+    </a:lvl5pPr>
+    <a:lvl6pPr marL="2286000" algn="l" defTabSz="914400" rtl="0" eaLnBrk="1" latinLnBrk="0" hangingPunct="1">
+      <a:defRPr sz="1200" kern="1200">
+        <a:solidFill>
+          <a:schemeClr val="tx1"/>
+        </a:solidFill>
+        <a:latin typeface="+mn-lt"/>
+        <a:ea typeface="+mn-ea"/>
+        <a:cs typeface="+mn-cs"/>
+      </a:defRPr>
+    </a:lvl6pPr>
+    <a:lvl7pPr marL="2743200" algn="l" defTabSz="914400" rtl="0" eaLnBrk="1" latinLnBrk="0" hangingPunct="1">
+      <a:defRPr sz="1200" kern="1200">
+        <a:solidFill>
+          <a:schemeClr val="tx1"/>
+        </a:solidFill>
+        <a:latin typeface="+mn-lt"/>
+        <a:ea typeface="+mn-ea"/>
+        <a:cs typeface="+mn-cs"/>
+      </a:defRPr>
+    </a:lvl7pPr>
+    <a:lvl8pPr marL="3200400" algn="l" defTabSz="914400" rtl="0" eaLnBrk="1" latinLnBrk="0" hangingPunct="1">
+      <a:defRPr sz="1200" kern="1200">
+        <a:solidFill>
+          <a:schemeClr val="tx1"/>
+        </a:solidFill>
+        <a:latin typeface="+mn-lt"/>
+        <a:ea typeface="+mn-ea"/>
+        <a:cs typeface="+mn-cs"/>
+      </a:defRPr>
+    </a:lvl8pPr>
+    <a:lvl9pPr marL="3657600" algn="l" defTabSz="914400" rtl="0" eaLnBrk="1" latinLnBrk="0" hangingPunct="1">
+      <a:defRPr sz="1200" kern="1200">
+        <a:solidFill>
+          <a:schemeClr val="tx1"/>
+        </a:solidFill>
+        <a:latin typeface="+mn-lt"/>
+        <a:ea typeface="+mn-ea"/>
+        <a:cs typeface="+mn-cs"/>
+      </a:defRPr>
+    </a:lvl9pPr>
+  </p:notesStyle>
+</p:notesMaster>
+</file>
+
+<file path=ppt/notesSlides/notesSlide1.xml><?xml version="1.0" encoding="utf-8"?>
+<p:notes xmlns:a="http://schemas.openxmlformats.org/drawingml/2006/main" xmlns:r="http://schemas.openxmlformats.org/officeDocument/2006/relationships" xmlns:p="http://schemas.openxmlformats.org/presentationml/2006/main">
+  <p:cSld>
+    <p:spTree>
+      <p:nvGrpSpPr>
+        <p:cNvPr id="1" name=""/>
+        <p:cNvGrpSpPr/>
+        <p:nvPr/>
+      </p:nvGrpSpPr>
+      <p:grpSpPr>
+        <a:xfrm>
+          <a:off x="0" y="0"/>
+          <a:ext cx="0" cy="0"/>
+          <a:chOff x="0" y="0"/>
+          <a:chExt cx="0" cy="0"/>
+        </a:xfrm>
+      </p:grpSpPr>
+      <p:sp>
+        <p:nvSpPr>
+          <p:cNvPr id="2" name="Slide Image Placeholder 1"/>
+          <p:cNvSpPr>
+            <a:spLocks noGrp="1" noRot="1" noChangeAspect="1"/>
+          </p:cNvSpPr>
+          <p:nvPr>
+            <p:ph type="sldImg"/>
+          </p:nvPr>
+        </p:nvSpPr>
+        <p:spPr/>
+      </p:sp>
+      <p:sp>
+        <p:nvSpPr>
+          <p:cNvPr id="3" name="Notes Placeholder 2"/>
+          <p:cNvSpPr>
+            <a:spLocks noGrp="1"/>
+          </p:cNvSpPr>
+          <p:nvPr>
+            <p:ph type="body" idx="1"/>
+          </p:nvPr>
+        </p:nvSpPr>
+        <p:spPr/>
+        <p:txBody>
+          <a:bodyPr/>
+          <a:lstStyle/>
+          <a:p>
+            <a:endParaRPr lang="en-US" dirty="0"/>
+          </a:p>
+        </p:txBody>
+      </p:sp>
+      <p:sp>
+        <p:nvSpPr>
+          <p:cNvPr id="4" name="Slide Number Placeholder 3"/>
+          <p:cNvSpPr>
+            <a:spLocks noGrp="1"/>
+          </p:cNvSpPr>
+          <p:nvPr>
+            <p:ph type="sldNum" sz="quarter" idx="5"/>
+          </p:nvPr>
+        </p:nvSpPr>
+        <p:spPr/>
+        <p:txBody>
+          <a:bodyPr/>
+          <a:lstStyle/>
+          <a:p>
+            <a:fld id="{77932060-9B3E-9748-8055-3D57AA26FE72}" type="slidenum">
+              <a:rPr lang="en-US" smtClean="0"/>
+              <a:t>4</a:t>
+            </a:fld>
+            <a:endParaRPr lang="en-US"/>
+          </a:p>
+        </p:txBody>
+      </p:sp>
+    </p:spTree>
+    <p:extLst>
+      <p:ext uri="{BB962C8B-B14F-4D97-AF65-F5344CB8AC3E}">
+        <p14:creationId xmlns:p14="http://schemas.microsoft.com/office/powerpoint/2010/main" val="2080571377"/>
+      </p:ext>
+    </p:extLst>
+  </p:cSld>
+  <p:clrMapOvr>
+    <a:masterClrMapping/>
+  </p:clrMapOvr>
+</p:notes>
 </file>
 
 <file path=ppt/slideLayouts/slideLayout1.xml><?xml version="1.0" encoding="utf-8"?>
@@ -3314,1298 +3749,6 @@
   <p:cSld>
     <p:spTree>
       <p:nvGrpSpPr>
-        <p:cNvPr id="1" name=""/>
-        <p:cNvGrpSpPr/>
-        <p:nvPr/>
-      </p:nvGrpSpPr>
-      <p:grpSpPr>
-        <a:xfrm>
-          <a:off x="0" y="0"/>
-          <a:ext cx="0" cy="0"/>
-          <a:chOff x="0" y="0"/>
-          <a:chExt cx="0" cy="0"/>
-        </a:xfrm>
-      </p:grpSpPr>
-      <p:pic>
-        <p:nvPicPr>
-          <p:cNvPr id="51" name="Graphic 50" descr="Landing with solid fill">
-            <a:extLst>
-              <a:ext uri="{FF2B5EF4-FFF2-40B4-BE49-F238E27FC236}">
-                <a16:creationId xmlns:a16="http://schemas.microsoft.com/office/drawing/2014/main" id="{B54A68F0-FA1A-D68A-67FF-8FFF6D8C0841}"/>
-              </a:ext>
-            </a:extLst>
-          </p:cNvPr>
-          <p:cNvPicPr>
-            <a:picLocks noChangeAspect="1"/>
-          </p:cNvPicPr>
-          <p:nvPr/>
-        </p:nvPicPr>
-        <p:blipFill>
-          <a:blip r:embed="rId2">
-            <a:extLst>
-              <a:ext uri="{96DAC541-7B7A-43D3-8B79-37D633B846F1}">
-                <asvg:svgBlip xmlns:asvg="http://schemas.microsoft.com/office/drawing/2016/SVG/main" r:embed="rId3"/>
-              </a:ext>
-            </a:extLst>
-          </a:blip>
-          <a:stretch>
-            <a:fillRect/>
-          </a:stretch>
-        </p:blipFill>
-        <p:spPr>
-          <a:xfrm rot="20995220">
-            <a:off x="6426082" y="3025295"/>
-            <a:ext cx="2566086" cy="2566086"/>
-          </a:xfrm>
-          <a:prstGeom prst="rect">
-            <a:avLst/>
-          </a:prstGeom>
-        </p:spPr>
-      </p:pic>
-      <p:sp>
-        <p:nvSpPr>
-          <p:cNvPr id="52" name="Rectangle 51">
-            <a:extLst>
-              <a:ext uri="{FF2B5EF4-FFF2-40B4-BE49-F238E27FC236}">
-                <a16:creationId xmlns:a16="http://schemas.microsoft.com/office/drawing/2014/main" id="{28DC75E0-C92A-10EE-6FA2-E6FF65A774DA}"/>
-              </a:ext>
-            </a:extLst>
-          </p:cNvPr>
-          <p:cNvSpPr/>
-          <p:nvPr/>
-        </p:nvSpPr>
-        <p:spPr>
-          <a:xfrm rot="20413074">
-            <a:off x="6559948" y="4550050"/>
-            <a:ext cx="2817341" cy="694690"/>
-          </a:xfrm>
-          <a:prstGeom prst="rect">
-            <a:avLst/>
-          </a:prstGeom>
-          <a:solidFill>
-            <a:schemeClr val="bg1"/>
-          </a:solidFill>
-          <a:ln>
-            <a:noFill/>
-          </a:ln>
-        </p:spPr>
-        <p:style>
-          <a:lnRef idx="2">
-            <a:schemeClr val="accent1">
-              <a:shade val="15000"/>
-            </a:schemeClr>
-          </a:lnRef>
-          <a:fillRef idx="1">
-            <a:schemeClr val="accent1"/>
-          </a:fillRef>
-          <a:effectRef idx="0">
-            <a:schemeClr val="accent1"/>
-          </a:effectRef>
-          <a:fontRef idx="minor">
-            <a:schemeClr val="lt1"/>
-          </a:fontRef>
-        </p:style>
-        <p:txBody>
-          <a:bodyPr rtlCol="0" anchor="ctr"/>
-          <a:lstStyle/>
-          <a:p>
-            <a:pPr algn="ctr"/>
-            <a:endParaRPr lang="en-US"/>
-          </a:p>
-        </p:txBody>
-      </p:sp>
-      <p:pic>
-        <p:nvPicPr>
-          <p:cNvPr id="47" name="Graphic 46" descr="Landing with solid fill">
-            <a:extLst>
-              <a:ext uri="{FF2B5EF4-FFF2-40B4-BE49-F238E27FC236}">
-                <a16:creationId xmlns:a16="http://schemas.microsoft.com/office/drawing/2014/main" id="{32769B1E-A3CB-83B0-9BAF-936E88395BDC}"/>
-              </a:ext>
-            </a:extLst>
-          </p:cNvPr>
-          <p:cNvPicPr>
-            <a:picLocks noChangeAspect="1"/>
-          </p:cNvPicPr>
-          <p:nvPr/>
-        </p:nvPicPr>
-        <p:blipFill>
-          <a:blip r:embed="rId2">
-            <a:extLst>
-              <a:ext uri="{96DAC541-7B7A-43D3-8B79-37D633B846F1}">
-                <asvg:svgBlip xmlns:asvg="http://schemas.microsoft.com/office/drawing/2016/SVG/main" r:embed="rId3"/>
-              </a:ext>
-            </a:extLst>
-          </a:blip>
-          <a:stretch>
-            <a:fillRect/>
-          </a:stretch>
-        </p:blipFill>
-        <p:spPr>
-          <a:xfrm rot="20995220">
-            <a:off x="3826182" y="2502192"/>
-            <a:ext cx="2566086" cy="2566086"/>
-          </a:xfrm>
-          <a:prstGeom prst="rect">
-            <a:avLst/>
-          </a:prstGeom>
-        </p:spPr>
-      </p:pic>
-      <p:sp>
-        <p:nvSpPr>
-          <p:cNvPr id="48" name="Rectangle 47">
-            <a:extLst>
-              <a:ext uri="{FF2B5EF4-FFF2-40B4-BE49-F238E27FC236}">
-                <a16:creationId xmlns:a16="http://schemas.microsoft.com/office/drawing/2014/main" id="{BBCD3F43-FEF3-0C9E-DAEB-88A780DD448F}"/>
-              </a:ext>
-            </a:extLst>
-          </p:cNvPr>
-          <p:cNvSpPr/>
-          <p:nvPr/>
-        </p:nvSpPr>
-        <p:spPr>
-          <a:xfrm rot="20413074">
-            <a:off x="3960048" y="4026947"/>
-            <a:ext cx="2817341" cy="694690"/>
-          </a:xfrm>
-          <a:prstGeom prst="rect">
-            <a:avLst/>
-          </a:prstGeom>
-          <a:solidFill>
-            <a:schemeClr val="bg1"/>
-          </a:solidFill>
-          <a:ln>
-            <a:noFill/>
-          </a:ln>
-        </p:spPr>
-        <p:style>
-          <a:lnRef idx="2">
-            <a:schemeClr val="accent1">
-              <a:shade val="15000"/>
-            </a:schemeClr>
-          </a:lnRef>
-          <a:fillRef idx="1">
-            <a:schemeClr val="accent1"/>
-          </a:fillRef>
-          <a:effectRef idx="0">
-            <a:schemeClr val="accent1"/>
-          </a:effectRef>
-          <a:fontRef idx="minor">
-            <a:schemeClr val="lt1"/>
-          </a:fontRef>
-        </p:style>
-        <p:txBody>
-          <a:bodyPr rtlCol="0" anchor="ctr"/>
-          <a:lstStyle/>
-          <a:p>
-            <a:pPr algn="ctr"/>
-            <a:endParaRPr lang="en-US"/>
-          </a:p>
-        </p:txBody>
-      </p:sp>
-      <p:pic>
-        <p:nvPicPr>
-          <p:cNvPr id="45" name="Graphic 44" descr="Landing with solid fill">
-            <a:extLst>
-              <a:ext uri="{FF2B5EF4-FFF2-40B4-BE49-F238E27FC236}">
-                <a16:creationId xmlns:a16="http://schemas.microsoft.com/office/drawing/2014/main" id="{6F0CDD5E-108E-B596-6AF6-4312F62AD350}"/>
-              </a:ext>
-            </a:extLst>
-          </p:cNvPr>
-          <p:cNvPicPr>
-            <a:picLocks noChangeAspect="1"/>
-          </p:cNvPicPr>
-          <p:nvPr/>
-        </p:nvPicPr>
-        <p:blipFill>
-          <a:blip r:embed="rId2">
-            <a:extLst>
-              <a:ext uri="{96DAC541-7B7A-43D3-8B79-37D633B846F1}">
-                <asvg:svgBlip xmlns:asvg="http://schemas.microsoft.com/office/drawing/2016/SVG/main" r:embed="rId3"/>
-              </a:ext>
-            </a:extLst>
-          </a:blip>
-          <a:stretch>
-            <a:fillRect/>
-          </a:stretch>
-        </p:blipFill>
-        <p:spPr>
-          <a:xfrm rot="20995220">
-            <a:off x="1576350" y="1209556"/>
-            <a:ext cx="2566086" cy="2566086"/>
-          </a:xfrm>
-          <a:prstGeom prst="rect">
-            <a:avLst/>
-          </a:prstGeom>
-        </p:spPr>
-      </p:pic>
-      <p:sp>
-        <p:nvSpPr>
-          <p:cNvPr id="46" name="Rectangle 45">
-            <a:extLst>
-              <a:ext uri="{FF2B5EF4-FFF2-40B4-BE49-F238E27FC236}">
-                <a16:creationId xmlns:a16="http://schemas.microsoft.com/office/drawing/2014/main" id="{A2BC684B-4238-8561-B610-9107125F40A2}"/>
-              </a:ext>
-            </a:extLst>
-          </p:cNvPr>
-          <p:cNvSpPr/>
-          <p:nvPr/>
-        </p:nvSpPr>
-        <p:spPr>
-          <a:xfrm rot="20413074">
-            <a:off x="1710216" y="2734311"/>
-            <a:ext cx="2817341" cy="694690"/>
-          </a:xfrm>
-          <a:prstGeom prst="rect">
-            <a:avLst/>
-          </a:prstGeom>
-          <a:solidFill>
-            <a:schemeClr val="bg1"/>
-          </a:solidFill>
-          <a:ln>
-            <a:noFill/>
-          </a:ln>
-        </p:spPr>
-        <p:style>
-          <a:lnRef idx="2">
-            <a:schemeClr val="accent1">
-              <a:shade val="15000"/>
-            </a:schemeClr>
-          </a:lnRef>
-          <a:fillRef idx="1">
-            <a:schemeClr val="accent1"/>
-          </a:fillRef>
-          <a:effectRef idx="0">
-            <a:schemeClr val="accent1"/>
-          </a:effectRef>
-          <a:fontRef idx="minor">
-            <a:schemeClr val="lt1"/>
-          </a:fontRef>
-        </p:style>
-        <p:txBody>
-          <a:bodyPr rtlCol="0" anchor="ctr"/>
-          <a:lstStyle/>
-          <a:p>
-            <a:pPr algn="ctr"/>
-            <a:endParaRPr lang="en-US"/>
-          </a:p>
-        </p:txBody>
-      </p:sp>
-      <p:cxnSp>
-        <p:nvCxnSpPr>
-          <p:cNvPr id="25" name="Straight Connector 24">
-            <a:extLst>
-              <a:ext uri="{FF2B5EF4-FFF2-40B4-BE49-F238E27FC236}">
-                <a16:creationId xmlns:a16="http://schemas.microsoft.com/office/drawing/2014/main" id="{CC9C9307-DC04-F526-40AA-6459923C7A8A}"/>
-              </a:ext>
-            </a:extLst>
-          </p:cNvPr>
-          <p:cNvCxnSpPr/>
-          <p:nvPr/>
-        </p:nvCxnSpPr>
-        <p:spPr>
-          <a:xfrm>
-            <a:off x="0" y="4609071"/>
-            <a:ext cx="12192000" cy="0"/>
-          </a:xfrm>
-          <a:prstGeom prst="line">
-            <a:avLst/>
-          </a:prstGeom>
-          <a:ln w="127000"/>
-        </p:spPr>
-        <p:style>
-          <a:lnRef idx="2">
-            <a:schemeClr val="dk1"/>
-          </a:lnRef>
-          <a:fillRef idx="0">
-            <a:schemeClr val="dk1"/>
-          </a:fillRef>
-          <a:effectRef idx="1">
-            <a:schemeClr val="dk1"/>
-          </a:effectRef>
-          <a:fontRef idx="minor">
-            <a:schemeClr val="tx1"/>
-          </a:fontRef>
-        </p:style>
-      </p:cxnSp>
-      <p:pic>
-        <p:nvPicPr>
-          <p:cNvPr id="27" name="Graphic 26" descr="Landing with solid fill">
-            <a:extLst>
-              <a:ext uri="{FF2B5EF4-FFF2-40B4-BE49-F238E27FC236}">
-                <a16:creationId xmlns:a16="http://schemas.microsoft.com/office/drawing/2014/main" id="{AF285AB0-EB8E-E5A2-877C-1AB65DA3FBA3}"/>
-              </a:ext>
-            </a:extLst>
-          </p:cNvPr>
-          <p:cNvPicPr>
-            <a:picLocks noChangeAspect="1"/>
-          </p:cNvPicPr>
-          <p:nvPr/>
-        </p:nvPicPr>
-        <p:blipFill>
-          <a:blip r:embed="rId2">
-            <a:extLst>
-              <a:ext uri="{96DAC541-7B7A-43D3-8B79-37D633B846F1}">
-                <asvg:svgBlip xmlns:asvg="http://schemas.microsoft.com/office/drawing/2016/SVG/main" r:embed="rId3"/>
-              </a:ext>
-            </a:extLst>
-          </a:blip>
-          <a:stretch>
-            <a:fillRect/>
-          </a:stretch>
-        </p:blipFill>
-        <p:spPr>
-          <a:xfrm rot="20995220">
-            <a:off x="9700055" y="3229123"/>
-            <a:ext cx="2566086" cy="2566086"/>
-          </a:xfrm>
-          <a:prstGeom prst="rect">
-            <a:avLst/>
-          </a:prstGeom>
-        </p:spPr>
-      </p:pic>
-      <p:pic>
-        <p:nvPicPr>
-          <p:cNvPr id="33" name="Graphic 32" descr="Landing with solid fill">
-            <a:extLst>
-              <a:ext uri="{FF2B5EF4-FFF2-40B4-BE49-F238E27FC236}">
-                <a16:creationId xmlns:a16="http://schemas.microsoft.com/office/drawing/2014/main" id="{DFBD5204-44C2-E86B-17A9-A3E0D6760FCB}"/>
-              </a:ext>
-            </a:extLst>
-          </p:cNvPr>
-          <p:cNvPicPr>
-            <a:picLocks noChangeAspect="1"/>
-          </p:cNvPicPr>
-          <p:nvPr/>
-        </p:nvPicPr>
-        <p:blipFill>
-          <a:blip r:embed="rId2">
-            <a:extLst>
-              <a:ext uri="{96DAC541-7B7A-43D3-8B79-37D633B846F1}">
-                <asvg:svgBlip xmlns:asvg="http://schemas.microsoft.com/office/drawing/2016/SVG/main" r:embed="rId3"/>
-              </a:ext>
-            </a:extLst>
-          </a:blip>
-          <a:stretch>
-            <a:fillRect/>
-          </a:stretch>
-        </p:blipFill>
-        <p:spPr>
-          <a:xfrm rot="20995220">
-            <a:off x="3786" y="-395629"/>
-            <a:ext cx="2566086" cy="2566086"/>
-          </a:xfrm>
-          <a:prstGeom prst="rect">
-            <a:avLst/>
-          </a:prstGeom>
-        </p:spPr>
-      </p:pic>
-      <p:cxnSp>
-        <p:nvCxnSpPr>
-          <p:cNvPr id="35" name="Straight Connector 34">
-            <a:extLst>
-              <a:ext uri="{FF2B5EF4-FFF2-40B4-BE49-F238E27FC236}">
-                <a16:creationId xmlns:a16="http://schemas.microsoft.com/office/drawing/2014/main" id="{4D80F461-64F5-FD6B-6F38-D1B7E3826469}"/>
-              </a:ext>
-            </a:extLst>
-          </p:cNvPr>
-          <p:cNvCxnSpPr>
-            <a:cxnSpLocks/>
-          </p:cNvCxnSpPr>
-          <p:nvPr/>
-        </p:nvCxnSpPr>
-        <p:spPr>
-          <a:xfrm>
-            <a:off x="2669059" y="2248929"/>
-            <a:ext cx="2281883" cy="1396314"/>
-          </a:xfrm>
-          <a:prstGeom prst="line">
-            <a:avLst/>
-          </a:prstGeom>
-          <a:ln w="63500">
-            <a:solidFill>
-              <a:schemeClr val="accent2"/>
-            </a:solidFill>
-            <a:prstDash val="sysDot"/>
-          </a:ln>
-        </p:spPr>
-        <p:style>
-          <a:lnRef idx="2">
-            <a:schemeClr val="dk1"/>
-          </a:lnRef>
-          <a:fillRef idx="0">
-            <a:schemeClr val="dk1"/>
-          </a:fillRef>
-          <a:effectRef idx="1">
-            <a:schemeClr val="dk1"/>
-          </a:effectRef>
-          <a:fontRef idx="minor">
-            <a:schemeClr val="tx1"/>
-          </a:fontRef>
-        </p:style>
-      </p:cxnSp>
-      <p:cxnSp>
-        <p:nvCxnSpPr>
-          <p:cNvPr id="37" name="Straight Connector 36">
-            <a:extLst>
-              <a:ext uri="{FF2B5EF4-FFF2-40B4-BE49-F238E27FC236}">
-                <a16:creationId xmlns:a16="http://schemas.microsoft.com/office/drawing/2014/main" id="{087FC5A7-C083-FB95-0E30-79416055ACC1}"/>
-              </a:ext>
-            </a:extLst>
-          </p:cNvPr>
-          <p:cNvCxnSpPr>
-            <a:cxnSpLocks/>
-          </p:cNvCxnSpPr>
-          <p:nvPr/>
-        </p:nvCxnSpPr>
-        <p:spPr>
-          <a:xfrm>
-            <a:off x="4950942" y="3645243"/>
-            <a:ext cx="2784388" cy="543698"/>
-          </a:xfrm>
-          <a:prstGeom prst="line">
-            <a:avLst/>
-          </a:prstGeom>
-          <a:ln w="63500">
-            <a:solidFill>
-              <a:schemeClr val="accent2"/>
-            </a:solidFill>
-            <a:prstDash val="sysDot"/>
-          </a:ln>
-        </p:spPr>
-        <p:style>
-          <a:lnRef idx="2">
-            <a:schemeClr val="dk1"/>
-          </a:lnRef>
-          <a:fillRef idx="0">
-            <a:schemeClr val="dk1"/>
-          </a:fillRef>
-          <a:effectRef idx="1">
-            <a:schemeClr val="dk1"/>
-          </a:effectRef>
-          <a:fontRef idx="minor">
-            <a:schemeClr val="tx1"/>
-          </a:fontRef>
-        </p:style>
-      </p:cxnSp>
-      <p:cxnSp>
-        <p:nvCxnSpPr>
-          <p:cNvPr id="39" name="Straight Connector 38">
-            <a:extLst>
-              <a:ext uri="{FF2B5EF4-FFF2-40B4-BE49-F238E27FC236}">
-                <a16:creationId xmlns:a16="http://schemas.microsoft.com/office/drawing/2014/main" id="{F1372F3E-CEA2-2781-E304-19B895525466}"/>
-              </a:ext>
-            </a:extLst>
-          </p:cNvPr>
-          <p:cNvCxnSpPr>
-            <a:cxnSpLocks/>
-          </p:cNvCxnSpPr>
-          <p:nvPr/>
-        </p:nvCxnSpPr>
-        <p:spPr>
-          <a:xfrm>
-            <a:off x="7792996" y="4188941"/>
-            <a:ext cx="3190102" cy="185351"/>
-          </a:xfrm>
-          <a:prstGeom prst="line">
-            <a:avLst/>
-          </a:prstGeom>
-          <a:ln w="63500">
-            <a:solidFill>
-              <a:schemeClr val="accent2"/>
-            </a:solidFill>
-            <a:prstDash val="sysDot"/>
-          </a:ln>
-        </p:spPr>
-        <p:style>
-          <a:lnRef idx="2">
-            <a:schemeClr val="dk1"/>
-          </a:lnRef>
-          <a:fillRef idx="0">
-            <a:schemeClr val="dk1"/>
-          </a:fillRef>
-          <a:effectRef idx="1">
-            <a:schemeClr val="dk1"/>
-          </a:effectRef>
-          <a:fontRef idx="minor">
-            <a:schemeClr val="tx1"/>
-          </a:fontRef>
-        </p:style>
-      </p:cxnSp>
-      <p:sp>
-        <p:nvSpPr>
-          <p:cNvPr id="44" name="Rectangle 43">
-            <a:extLst>
-              <a:ext uri="{FF2B5EF4-FFF2-40B4-BE49-F238E27FC236}">
-                <a16:creationId xmlns:a16="http://schemas.microsoft.com/office/drawing/2014/main" id="{17A20787-37C3-5AA9-1F9D-38D4AC36AFD9}"/>
-              </a:ext>
-            </a:extLst>
-          </p:cNvPr>
-          <p:cNvSpPr/>
-          <p:nvPr/>
-        </p:nvSpPr>
-        <p:spPr>
-          <a:xfrm rot="21181766">
-            <a:off x="135924" y="1129125"/>
-            <a:ext cx="2829698" cy="593123"/>
-          </a:xfrm>
-          <a:prstGeom prst="rect">
-            <a:avLst/>
-          </a:prstGeom>
-          <a:solidFill>
-            <a:schemeClr val="bg1"/>
-          </a:solidFill>
-          <a:ln>
-            <a:noFill/>
-          </a:ln>
-        </p:spPr>
-        <p:style>
-          <a:lnRef idx="2">
-            <a:schemeClr val="accent1">
-              <a:shade val="15000"/>
-            </a:schemeClr>
-          </a:lnRef>
-          <a:fillRef idx="1">
-            <a:schemeClr val="accent1"/>
-          </a:fillRef>
-          <a:effectRef idx="0">
-            <a:schemeClr val="accent1"/>
-          </a:effectRef>
-          <a:fontRef idx="minor">
-            <a:schemeClr val="lt1"/>
-          </a:fontRef>
-        </p:style>
-        <p:txBody>
-          <a:bodyPr rtlCol="0" anchor="ctr"/>
-          <a:lstStyle/>
-          <a:p>
-            <a:pPr algn="ctr"/>
-            <a:endParaRPr lang="en-US"/>
-          </a:p>
-        </p:txBody>
-      </p:sp>
-      <p:cxnSp>
-        <p:nvCxnSpPr>
-          <p:cNvPr id="30" name="Straight Connector 29">
-            <a:extLst>
-              <a:ext uri="{FF2B5EF4-FFF2-40B4-BE49-F238E27FC236}">
-                <a16:creationId xmlns:a16="http://schemas.microsoft.com/office/drawing/2014/main" id="{40801318-105C-1C8D-E103-A773BBC3BEB4}"/>
-              </a:ext>
-            </a:extLst>
-          </p:cNvPr>
-          <p:cNvCxnSpPr>
-            <a:cxnSpLocks/>
-          </p:cNvCxnSpPr>
-          <p:nvPr/>
-        </p:nvCxnSpPr>
-        <p:spPr>
-          <a:xfrm>
-            <a:off x="1371600" y="870397"/>
-            <a:ext cx="1297459" cy="1387423"/>
-          </a:xfrm>
-          <a:prstGeom prst="line">
-            <a:avLst/>
-          </a:prstGeom>
-          <a:ln w="63500">
-            <a:solidFill>
-              <a:schemeClr val="accent2"/>
-            </a:solidFill>
-            <a:prstDash val="sysDot"/>
-          </a:ln>
-        </p:spPr>
-        <p:style>
-          <a:lnRef idx="2">
-            <a:schemeClr val="dk1"/>
-          </a:lnRef>
-          <a:fillRef idx="0">
-            <a:schemeClr val="dk1"/>
-          </a:fillRef>
-          <a:effectRef idx="1">
-            <a:schemeClr val="dk1"/>
-          </a:effectRef>
-          <a:fontRef idx="minor">
-            <a:schemeClr val="tx1"/>
-          </a:fontRef>
-        </p:style>
-      </p:cxnSp>
-      <p:sp>
-        <p:nvSpPr>
-          <p:cNvPr id="53" name="Rectangle 52">
-            <a:extLst>
-              <a:ext uri="{FF2B5EF4-FFF2-40B4-BE49-F238E27FC236}">
-                <a16:creationId xmlns:a16="http://schemas.microsoft.com/office/drawing/2014/main" id="{F7CEC37E-16D5-89F6-B952-30BCDEB2B470}"/>
-              </a:ext>
-            </a:extLst>
-          </p:cNvPr>
-          <p:cNvSpPr/>
-          <p:nvPr/>
-        </p:nvSpPr>
-        <p:spPr>
-          <a:xfrm rot="20990497">
-            <a:off x="9574428" y="4977076"/>
-            <a:ext cx="2817341" cy="694690"/>
-          </a:xfrm>
-          <a:prstGeom prst="rect">
-            <a:avLst/>
-          </a:prstGeom>
-          <a:solidFill>
-            <a:schemeClr val="bg1"/>
-          </a:solidFill>
-          <a:ln>
-            <a:noFill/>
-          </a:ln>
-        </p:spPr>
-        <p:style>
-          <a:lnRef idx="2">
-            <a:schemeClr val="accent1">
-              <a:shade val="15000"/>
-            </a:schemeClr>
-          </a:lnRef>
-          <a:fillRef idx="1">
-            <a:schemeClr val="accent1"/>
-          </a:fillRef>
-          <a:effectRef idx="0">
-            <a:schemeClr val="accent1"/>
-          </a:effectRef>
-          <a:fontRef idx="minor">
-            <a:schemeClr val="lt1"/>
-          </a:fontRef>
-        </p:style>
-        <p:txBody>
-          <a:bodyPr rtlCol="0" anchor="ctr"/>
-          <a:lstStyle/>
-          <a:p>
-            <a:pPr algn="ctr"/>
-            <a:endParaRPr lang="en-US"/>
-          </a:p>
-        </p:txBody>
-      </p:sp>
-    </p:spTree>
-    <p:extLst>
-      <p:ext uri="{BB962C8B-B14F-4D97-AF65-F5344CB8AC3E}">
-        <p14:creationId xmlns:p14="http://schemas.microsoft.com/office/powerpoint/2010/main" val="1907602022"/>
-      </p:ext>
-    </p:extLst>
-  </p:cSld>
-  <p:clrMapOvr>
-    <a:masterClrMapping/>
-  </p:clrMapOvr>
-</p:sld>
-</file>
-
-<file path=ppt/slides/slide2.xml><?xml version="1.0" encoding="utf-8"?>
-<p:sld xmlns:a="http://schemas.openxmlformats.org/drawingml/2006/main" xmlns:r="http://schemas.openxmlformats.org/officeDocument/2006/relationships" xmlns:p="http://schemas.openxmlformats.org/presentationml/2006/main">
-  <p:cSld>
-    <p:spTree>
-      <p:nvGrpSpPr>
-        <p:cNvPr id="1" name="">
-          <a:extLst>
-            <a:ext uri="{FF2B5EF4-FFF2-40B4-BE49-F238E27FC236}">
-              <a16:creationId xmlns:a16="http://schemas.microsoft.com/office/drawing/2014/main" id="{5398AA28-ADF7-399D-4ABE-72A7ED90537B}"/>
-            </a:ext>
-          </a:extLst>
-        </p:cNvPr>
-        <p:cNvGrpSpPr/>
-        <p:nvPr/>
-      </p:nvGrpSpPr>
-      <p:grpSpPr>
-        <a:xfrm>
-          <a:off x="0" y="0"/>
-          <a:ext cx="0" cy="0"/>
-          <a:chOff x="0" y="0"/>
-          <a:chExt cx="0" cy="0"/>
-        </a:xfrm>
-      </p:grpSpPr>
-      <p:sp>
-        <p:nvSpPr>
-          <p:cNvPr id="44" name="Rectangle 43">
-            <a:extLst>
-              <a:ext uri="{FF2B5EF4-FFF2-40B4-BE49-F238E27FC236}">
-                <a16:creationId xmlns:a16="http://schemas.microsoft.com/office/drawing/2014/main" id="{75E2276E-E173-BDB7-01DF-A2042407F8A8}"/>
-              </a:ext>
-            </a:extLst>
-          </p:cNvPr>
-          <p:cNvSpPr/>
-          <p:nvPr/>
-        </p:nvSpPr>
-        <p:spPr>
-          <a:xfrm rot="21181766">
-            <a:off x="135924" y="1112108"/>
-            <a:ext cx="2829698" cy="593123"/>
-          </a:xfrm>
-          <a:prstGeom prst="rect">
-            <a:avLst/>
-          </a:prstGeom>
-          <a:solidFill>
-            <a:schemeClr val="bg1"/>
-          </a:solidFill>
-          <a:ln>
-            <a:noFill/>
-          </a:ln>
-        </p:spPr>
-        <p:style>
-          <a:lnRef idx="2">
-            <a:schemeClr val="accent1">
-              <a:shade val="15000"/>
-            </a:schemeClr>
-          </a:lnRef>
-          <a:fillRef idx="1">
-            <a:schemeClr val="accent1"/>
-          </a:fillRef>
-          <a:effectRef idx="0">
-            <a:schemeClr val="accent1"/>
-          </a:effectRef>
-          <a:fontRef idx="minor">
-            <a:schemeClr val="lt1"/>
-          </a:fontRef>
-        </p:style>
-        <p:txBody>
-          <a:bodyPr rtlCol="0" anchor="ctr"/>
-          <a:lstStyle/>
-          <a:p>
-            <a:pPr algn="ctr"/>
-            <a:endParaRPr lang="en-US"/>
-          </a:p>
-        </p:txBody>
-      </p:sp>
-      <p:cxnSp>
-        <p:nvCxnSpPr>
-          <p:cNvPr id="37" name="Straight Connector 36">
-            <a:extLst>
-              <a:ext uri="{FF2B5EF4-FFF2-40B4-BE49-F238E27FC236}">
-                <a16:creationId xmlns:a16="http://schemas.microsoft.com/office/drawing/2014/main" id="{EBEF2350-199E-4300-D043-C979152D04D8}"/>
-              </a:ext>
-            </a:extLst>
-          </p:cNvPr>
-          <p:cNvCxnSpPr>
-            <a:cxnSpLocks/>
-          </p:cNvCxnSpPr>
-          <p:nvPr/>
-        </p:nvCxnSpPr>
-        <p:spPr>
-          <a:xfrm>
-            <a:off x="1296055" y="1147551"/>
-            <a:ext cx="2700536" cy="2601800"/>
-          </a:xfrm>
-          <a:prstGeom prst="line">
-            <a:avLst/>
-          </a:prstGeom>
-          <a:ln w="63500">
-            <a:solidFill>
-              <a:schemeClr val="accent2"/>
-            </a:solidFill>
-            <a:prstDash val="sysDot"/>
-          </a:ln>
-        </p:spPr>
-        <p:style>
-          <a:lnRef idx="2">
-            <a:schemeClr val="dk1"/>
-          </a:lnRef>
-          <a:fillRef idx="0">
-            <a:schemeClr val="dk1"/>
-          </a:fillRef>
-          <a:effectRef idx="1">
-            <a:schemeClr val="dk1"/>
-          </a:effectRef>
-          <a:fontRef idx="minor">
-            <a:schemeClr val="tx1"/>
-          </a:fontRef>
-        </p:style>
-      </p:cxnSp>
-      <p:cxnSp>
-        <p:nvCxnSpPr>
-          <p:cNvPr id="8" name="Straight Connector 7">
-            <a:extLst>
-              <a:ext uri="{FF2B5EF4-FFF2-40B4-BE49-F238E27FC236}">
-                <a16:creationId xmlns:a16="http://schemas.microsoft.com/office/drawing/2014/main" id="{A64E13A6-FF67-BFB9-4D04-B706A10AD783}"/>
-              </a:ext>
-            </a:extLst>
-          </p:cNvPr>
-          <p:cNvCxnSpPr>
-            <a:cxnSpLocks/>
-          </p:cNvCxnSpPr>
-          <p:nvPr/>
-        </p:nvCxnSpPr>
-        <p:spPr>
-          <a:xfrm>
-            <a:off x="4063295" y="3749351"/>
-            <a:ext cx="3886200" cy="1115094"/>
-          </a:xfrm>
-          <a:prstGeom prst="line">
-            <a:avLst/>
-          </a:prstGeom>
-          <a:ln w="63500">
-            <a:solidFill>
-              <a:schemeClr val="accent2"/>
-            </a:solidFill>
-            <a:prstDash val="sysDot"/>
-          </a:ln>
-        </p:spPr>
-        <p:style>
-          <a:lnRef idx="2">
-            <a:schemeClr val="dk1"/>
-          </a:lnRef>
-          <a:fillRef idx="0">
-            <a:schemeClr val="dk1"/>
-          </a:fillRef>
-          <a:effectRef idx="1">
-            <a:schemeClr val="dk1"/>
-          </a:effectRef>
-          <a:fontRef idx="minor">
-            <a:schemeClr val="tx1"/>
-          </a:fontRef>
-        </p:style>
-      </p:cxnSp>
-      <p:cxnSp>
-        <p:nvCxnSpPr>
-          <p:cNvPr id="10" name="Straight Connector 9">
-            <a:extLst>
-              <a:ext uri="{FF2B5EF4-FFF2-40B4-BE49-F238E27FC236}">
-                <a16:creationId xmlns:a16="http://schemas.microsoft.com/office/drawing/2014/main" id="{A5C3A95B-43AB-D14B-6A7B-884547ABC8BA}"/>
-              </a:ext>
-            </a:extLst>
-          </p:cNvPr>
-          <p:cNvCxnSpPr>
-            <a:cxnSpLocks/>
-          </p:cNvCxnSpPr>
-          <p:nvPr/>
-        </p:nvCxnSpPr>
-        <p:spPr>
-          <a:xfrm>
-            <a:off x="7949495" y="4896396"/>
-            <a:ext cx="3398690" cy="284327"/>
-          </a:xfrm>
-          <a:prstGeom prst="line">
-            <a:avLst/>
-          </a:prstGeom>
-          <a:ln w="63500">
-            <a:solidFill>
-              <a:schemeClr val="accent2"/>
-            </a:solidFill>
-            <a:prstDash val="sysDot"/>
-          </a:ln>
-        </p:spPr>
-        <p:style>
-          <a:lnRef idx="2">
-            <a:schemeClr val="dk1"/>
-          </a:lnRef>
-          <a:fillRef idx="0">
-            <a:schemeClr val="dk1"/>
-          </a:fillRef>
-          <a:effectRef idx="1">
-            <a:schemeClr val="dk1"/>
-          </a:effectRef>
-          <a:fontRef idx="minor">
-            <a:schemeClr val="tx1"/>
-          </a:fontRef>
-        </p:style>
-      </p:cxnSp>
-      <p:pic>
-        <p:nvPicPr>
-          <p:cNvPr id="17" name="Graphic 16" descr="Landing with solid fill">
-            <a:extLst>
-              <a:ext uri="{FF2B5EF4-FFF2-40B4-BE49-F238E27FC236}">
-                <a16:creationId xmlns:a16="http://schemas.microsoft.com/office/drawing/2014/main" id="{B0011AC4-B2FF-8F3E-E219-57D5A4B4E56F}"/>
-              </a:ext>
-            </a:extLst>
-          </p:cNvPr>
-          <p:cNvPicPr>
-            <a:picLocks noChangeAspect="1"/>
-          </p:cNvPicPr>
-          <p:nvPr/>
-        </p:nvPicPr>
-        <p:blipFill>
-          <a:blip r:embed="rId2">
-            <a:extLst>
-              <a:ext uri="{96DAC541-7B7A-43D3-8B79-37D633B846F1}">
-                <asvg:svgBlip xmlns:asvg="http://schemas.microsoft.com/office/drawing/2016/SVG/main" r:embed="rId3"/>
-              </a:ext>
-            </a:extLst>
-          </a:blip>
-          <a:stretch>
-            <a:fillRect/>
-          </a:stretch>
-        </p:blipFill>
-        <p:spPr>
-          <a:xfrm rot="2001250">
-            <a:off x="-53692" y="-109638"/>
-            <a:ext cx="2566086" cy="2566086"/>
-          </a:xfrm>
-          <a:prstGeom prst="rect">
-            <a:avLst/>
-          </a:prstGeom>
-        </p:spPr>
-      </p:pic>
-      <p:sp>
-        <p:nvSpPr>
-          <p:cNvPr id="18" name="Rectangle 17">
-            <a:extLst>
-              <a:ext uri="{FF2B5EF4-FFF2-40B4-BE49-F238E27FC236}">
-                <a16:creationId xmlns:a16="http://schemas.microsoft.com/office/drawing/2014/main" id="{36B3A4A0-E6AB-8806-C859-2385D16FE9E0}"/>
-              </a:ext>
-            </a:extLst>
-          </p:cNvPr>
-          <p:cNvSpPr/>
-          <p:nvPr/>
-        </p:nvSpPr>
-        <p:spPr>
-          <a:xfrm rot="2117527">
-            <a:off x="-455181" y="1497918"/>
-            <a:ext cx="2829698" cy="593123"/>
-          </a:xfrm>
-          <a:prstGeom prst="rect">
-            <a:avLst/>
-          </a:prstGeom>
-          <a:solidFill>
-            <a:schemeClr val="bg1"/>
-          </a:solidFill>
-          <a:ln>
-            <a:noFill/>
-          </a:ln>
-        </p:spPr>
-        <p:style>
-          <a:lnRef idx="2">
-            <a:schemeClr val="accent1">
-              <a:shade val="15000"/>
-            </a:schemeClr>
-          </a:lnRef>
-          <a:fillRef idx="1">
-            <a:schemeClr val="accent1"/>
-          </a:fillRef>
-          <a:effectRef idx="0">
-            <a:schemeClr val="accent1"/>
-          </a:effectRef>
-          <a:fontRef idx="minor">
-            <a:schemeClr val="lt1"/>
-          </a:fontRef>
-        </p:style>
-        <p:txBody>
-          <a:bodyPr rtlCol="0" anchor="ctr"/>
-          <a:lstStyle/>
-          <a:p>
-            <a:pPr algn="ctr"/>
-            <a:endParaRPr lang="en-US"/>
-          </a:p>
-        </p:txBody>
-      </p:sp>
-      <p:pic>
-        <p:nvPicPr>
-          <p:cNvPr id="21" name="Graphic 20" descr="Landing with solid fill">
-            <a:extLst>
-              <a:ext uri="{FF2B5EF4-FFF2-40B4-BE49-F238E27FC236}">
-                <a16:creationId xmlns:a16="http://schemas.microsoft.com/office/drawing/2014/main" id="{F67ADC1A-54EB-F06B-4A78-4729ED214DCE}"/>
-              </a:ext>
-            </a:extLst>
-          </p:cNvPr>
-          <p:cNvPicPr>
-            <a:picLocks noChangeAspect="1"/>
-          </p:cNvPicPr>
-          <p:nvPr/>
-        </p:nvPicPr>
-        <p:blipFill>
-          <a:blip r:embed="rId2">
-            <a:extLst>
-              <a:ext uri="{96DAC541-7B7A-43D3-8B79-37D633B846F1}">
-                <asvg:svgBlip xmlns:asvg="http://schemas.microsoft.com/office/drawing/2016/SVG/main" r:embed="rId3"/>
-              </a:ext>
-            </a:extLst>
-          </a:blip>
-          <a:stretch>
-            <a:fillRect/>
-          </a:stretch>
-        </p:blipFill>
-        <p:spPr>
-          <a:xfrm>
-            <a:off x="2752768" y="2666199"/>
-            <a:ext cx="2566086" cy="2566086"/>
-          </a:xfrm>
-          <a:prstGeom prst="rect">
-            <a:avLst/>
-          </a:prstGeom>
-        </p:spPr>
-      </p:pic>
-      <p:sp>
-        <p:nvSpPr>
-          <p:cNvPr id="22" name="Rectangle 21">
-            <a:extLst>
-              <a:ext uri="{FF2B5EF4-FFF2-40B4-BE49-F238E27FC236}">
-                <a16:creationId xmlns:a16="http://schemas.microsoft.com/office/drawing/2014/main" id="{0EE23064-764D-C728-464D-B224F41802C0}"/>
-              </a:ext>
-            </a:extLst>
-          </p:cNvPr>
-          <p:cNvSpPr/>
-          <p:nvPr/>
-        </p:nvSpPr>
-        <p:spPr>
-          <a:xfrm rot="167212">
-            <a:off x="2434594" y="4328551"/>
-            <a:ext cx="2829698" cy="593123"/>
-          </a:xfrm>
-          <a:prstGeom prst="rect">
-            <a:avLst/>
-          </a:prstGeom>
-          <a:solidFill>
-            <a:schemeClr val="bg1"/>
-          </a:solidFill>
-          <a:ln>
-            <a:noFill/>
-          </a:ln>
-        </p:spPr>
-        <p:style>
-          <a:lnRef idx="2">
-            <a:schemeClr val="accent1">
-              <a:shade val="15000"/>
-            </a:schemeClr>
-          </a:lnRef>
-          <a:fillRef idx="1">
-            <a:schemeClr val="accent1"/>
-          </a:fillRef>
-          <a:effectRef idx="0">
-            <a:schemeClr val="accent1"/>
-          </a:effectRef>
-          <a:fontRef idx="minor">
-            <a:schemeClr val="lt1"/>
-          </a:fontRef>
-        </p:style>
-        <p:txBody>
-          <a:bodyPr rtlCol="0" anchor="ctr"/>
-          <a:lstStyle/>
-          <a:p>
-            <a:pPr algn="ctr"/>
-            <a:endParaRPr lang="en-US"/>
-          </a:p>
-        </p:txBody>
-      </p:sp>
-      <p:pic>
-        <p:nvPicPr>
-          <p:cNvPr id="28" name="Graphic 27" descr="Landing with solid fill">
-            <a:extLst>
-              <a:ext uri="{FF2B5EF4-FFF2-40B4-BE49-F238E27FC236}">
-                <a16:creationId xmlns:a16="http://schemas.microsoft.com/office/drawing/2014/main" id="{DB91DE68-4E5C-4EF0-7886-8AE26399B29E}"/>
-              </a:ext>
-            </a:extLst>
-          </p:cNvPr>
-          <p:cNvPicPr>
-            <a:picLocks noChangeAspect="1"/>
-          </p:cNvPicPr>
-          <p:nvPr/>
-        </p:nvPicPr>
-        <p:blipFill>
-          <a:blip r:embed="rId2">
-            <a:extLst>
-              <a:ext uri="{96DAC541-7B7A-43D3-8B79-37D633B846F1}">
-                <asvg:svgBlip xmlns:asvg="http://schemas.microsoft.com/office/drawing/2016/SVG/main" r:embed="rId3"/>
-              </a:ext>
-            </a:extLst>
-          </a:blip>
-          <a:stretch>
-            <a:fillRect/>
-          </a:stretch>
-        </p:blipFill>
-        <p:spPr>
-          <a:xfrm rot="21056599">
-            <a:off x="6441025" y="3707071"/>
-            <a:ext cx="2566086" cy="2566086"/>
-          </a:xfrm>
-          <a:prstGeom prst="rect">
-            <a:avLst/>
-          </a:prstGeom>
-        </p:spPr>
-      </p:pic>
-      <p:sp>
-        <p:nvSpPr>
-          <p:cNvPr id="29" name="Rectangle 28">
-            <a:extLst>
-              <a:ext uri="{FF2B5EF4-FFF2-40B4-BE49-F238E27FC236}">
-                <a16:creationId xmlns:a16="http://schemas.microsoft.com/office/drawing/2014/main" id="{60205280-3978-31F5-18C0-97801DB8AD04}"/>
-              </a:ext>
-            </a:extLst>
-          </p:cNvPr>
-          <p:cNvSpPr/>
-          <p:nvPr/>
-        </p:nvSpPr>
-        <p:spPr>
-          <a:xfrm rot="167212">
-            <a:off x="6122851" y="5369423"/>
-            <a:ext cx="2829698" cy="593123"/>
-          </a:xfrm>
-          <a:prstGeom prst="rect">
-            <a:avLst/>
-          </a:prstGeom>
-          <a:solidFill>
-            <a:schemeClr val="bg1"/>
-          </a:solidFill>
-          <a:ln>
-            <a:noFill/>
-          </a:ln>
-        </p:spPr>
-        <p:style>
-          <a:lnRef idx="2">
-            <a:schemeClr val="accent1">
-              <a:shade val="15000"/>
-            </a:schemeClr>
-          </a:lnRef>
-          <a:fillRef idx="1">
-            <a:schemeClr val="accent1"/>
-          </a:fillRef>
-          <a:effectRef idx="0">
-            <a:schemeClr val="accent1"/>
-          </a:effectRef>
-          <a:fontRef idx="minor">
-            <a:schemeClr val="lt1"/>
-          </a:fontRef>
-        </p:style>
-        <p:txBody>
-          <a:bodyPr rtlCol="0" anchor="ctr"/>
-          <a:lstStyle/>
-          <a:p>
-            <a:pPr algn="ctr"/>
-            <a:endParaRPr lang="en-US"/>
-          </a:p>
-        </p:txBody>
-      </p:sp>
-      <p:pic>
-        <p:nvPicPr>
-          <p:cNvPr id="31" name="Graphic 30" descr="Landing with solid fill">
-            <a:extLst>
-              <a:ext uri="{FF2B5EF4-FFF2-40B4-BE49-F238E27FC236}">
-                <a16:creationId xmlns:a16="http://schemas.microsoft.com/office/drawing/2014/main" id="{BAFF4248-E7C4-A305-D64C-8C2517D63767}"/>
-              </a:ext>
-            </a:extLst>
-          </p:cNvPr>
-          <p:cNvPicPr>
-            <a:picLocks noChangeAspect="1"/>
-          </p:cNvPicPr>
-          <p:nvPr/>
-        </p:nvPicPr>
-        <p:blipFill>
-          <a:blip r:embed="rId2">
-            <a:extLst>
-              <a:ext uri="{96DAC541-7B7A-43D3-8B79-37D633B846F1}">
-                <asvg:svgBlip xmlns:asvg="http://schemas.microsoft.com/office/drawing/2016/SVG/main" r:embed="rId3"/>
-              </a:ext>
-            </a:extLst>
-          </a:blip>
-          <a:stretch>
-            <a:fillRect/>
-          </a:stretch>
-        </p:blipFill>
-        <p:spPr>
-          <a:xfrm rot="21032214">
-            <a:off x="9900526" y="4017940"/>
-            <a:ext cx="2566086" cy="2566086"/>
-          </a:xfrm>
-          <a:prstGeom prst="rect">
-            <a:avLst/>
-          </a:prstGeom>
-        </p:spPr>
-      </p:pic>
-      <p:sp>
-        <p:nvSpPr>
-          <p:cNvPr id="32" name="Rectangle 31">
-            <a:extLst>
-              <a:ext uri="{FF2B5EF4-FFF2-40B4-BE49-F238E27FC236}">
-                <a16:creationId xmlns:a16="http://schemas.microsoft.com/office/drawing/2014/main" id="{6A2D22C5-F966-AE6C-C7E6-C9DF36C00DCC}"/>
-              </a:ext>
-            </a:extLst>
-          </p:cNvPr>
-          <p:cNvSpPr/>
-          <p:nvPr/>
-        </p:nvSpPr>
-        <p:spPr>
-          <a:xfrm rot="21396444">
-            <a:off x="9623085" y="5774503"/>
-            <a:ext cx="2829698" cy="593123"/>
-          </a:xfrm>
-          <a:prstGeom prst="rect">
-            <a:avLst/>
-          </a:prstGeom>
-          <a:solidFill>
-            <a:schemeClr val="bg1"/>
-          </a:solidFill>
-          <a:ln>
-            <a:noFill/>
-          </a:ln>
-        </p:spPr>
-        <p:style>
-          <a:lnRef idx="2">
-            <a:schemeClr val="accent1">
-              <a:shade val="15000"/>
-            </a:schemeClr>
-          </a:lnRef>
-          <a:fillRef idx="1">
-            <a:schemeClr val="accent1"/>
-          </a:fillRef>
-          <a:effectRef idx="0">
-            <a:schemeClr val="accent1"/>
-          </a:effectRef>
-          <a:fontRef idx="minor">
-            <a:schemeClr val="lt1"/>
-          </a:fontRef>
-        </p:style>
-        <p:txBody>
-          <a:bodyPr rtlCol="0" anchor="ctr"/>
-          <a:lstStyle/>
-          <a:p>
-            <a:pPr algn="ctr"/>
-            <a:endParaRPr lang="en-US"/>
-          </a:p>
-        </p:txBody>
-      </p:sp>
-      <p:cxnSp>
-        <p:nvCxnSpPr>
-          <p:cNvPr id="25" name="Straight Connector 24">
-            <a:extLst>
-              <a:ext uri="{FF2B5EF4-FFF2-40B4-BE49-F238E27FC236}">
-                <a16:creationId xmlns:a16="http://schemas.microsoft.com/office/drawing/2014/main" id="{2A0A09F7-304B-9C2C-0639-EB443326C0AC}"/>
-              </a:ext>
-            </a:extLst>
-          </p:cNvPr>
-          <p:cNvCxnSpPr/>
-          <p:nvPr/>
-        </p:nvCxnSpPr>
-        <p:spPr>
-          <a:xfrm>
-            <a:off x="14105" y="5395836"/>
-            <a:ext cx="12192000" cy="0"/>
-          </a:xfrm>
-          <a:prstGeom prst="line">
-            <a:avLst/>
-          </a:prstGeom>
-          <a:ln w="127000"/>
-        </p:spPr>
-        <p:style>
-          <a:lnRef idx="2">
-            <a:schemeClr val="dk1"/>
-          </a:lnRef>
-          <a:fillRef idx="0">
-            <a:schemeClr val="dk1"/>
-          </a:fillRef>
-          <a:effectRef idx="1">
-            <a:schemeClr val="dk1"/>
-          </a:effectRef>
-          <a:fontRef idx="minor">
-            <a:schemeClr val="tx1"/>
-          </a:fontRef>
-        </p:style>
-      </p:cxnSp>
-    </p:spTree>
-    <p:extLst>
-      <p:ext uri="{BB962C8B-B14F-4D97-AF65-F5344CB8AC3E}">
-        <p14:creationId xmlns:p14="http://schemas.microsoft.com/office/powerpoint/2010/main" val="3114286991"/>
-      </p:ext>
-    </p:extLst>
-  </p:cSld>
-  <p:clrMapOvr>
-    <a:masterClrMapping/>
-  </p:clrMapOvr>
-</p:sld>
-</file>
-
-<file path=ppt/slides/slide3.xml><?xml version="1.0" encoding="utf-8"?>
-<p:sld xmlns:a="http://schemas.openxmlformats.org/drawingml/2006/main" xmlns:r="http://schemas.openxmlformats.org/officeDocument/2006/relationships" xmlns:p="http://schemas.openxmlformats.org/presentationml/2006/main">
-  <p:cSld>
-    <p:spTree>
-      <p:nvGrpSpPr>
         <p:cNvPr id="1" name="">
           <a:extLst>
             <a:ext uri="{FF2B5EF4-FFF2-40B4-BE49-F238E27FC236}">
@@ -4971,7 +4114,7 @@
         </p:nvSpPr>
         <p:spPr>
           <a:xfrm>
-            <a:off x="1707363" y="377131"/>
+            <a:off x="628984" y="1620676"/>
             <a:ext cx="2567584" cy="923330"/>
           </a:xfrm>
           <a:prstGeom prst="rect">
@@ -5136,7 +4279,7 @@
 </p:sld>
 </file>
 
-<file path=ppt/slides/slide4.xml><?xml version="1.0" encoding="utf-8"?>
+<file path=ppt/slides/slide2.xml><?xml version="1.0" encoding="utf-8"?>
 <p:sld xmlns:a="http://schemas.openxmlformats.org/drawingml/2006/main" xmlns:r="http://schemas.openxmlformats.org/officeDocument/2006/relationships" xmlns:p="http://schemas.openxmlformats.org/presentationml/2006/main">
   <p:cSld>
     <p:spTree>
@@ -5175,8 +4318,8 @@
         </p:nvCxnSpPr>
         <p:spPr>
           <a:xfrm>
-            <a:off x="298383" y="117216"/>
-            <a:ext cx="3698208" cy="3632135"/>
+            <a:off x="1682885" y="1462163"/>
+            <a:ext cx="2313706" cy="2287188"/>
           </a:xfrm>
           <a:prstGeom prst="line">
             <a:avLst/>
@@ -5232,7 +4375,7 @@
           </a:stretch>
         </p:blipFill>
         <p:spPr>
-          <a:xfrm>
+          <a:xfrm rot="20940854">
             <a:off x="2752768" y="2666199"/>
             <a:ext cx="2566086" cy="2566086"/>
           </a:xfrm>
@@ -5254,9 +4397,9 @@
           <p:nvPr/>
         </p:nvSpPr>
         <p:spPr>
-          <a:xfrm rot="167212">
-            <a:off x="2434594" y="4328551"/>
-            <a:ext cx="2829698" cy="593123"/>
+          <a:xfrm rot="20557167">
+            <a:off x="2431909" y="4310986"/>
+            <a:ext cx="2947306" cy="593123"/>
           </a:xfrm>
           <a:prstGeom prst="rect">
             <a:avLst/>
@@ -5431,7 +4574,7 @@
         </p:nvSpPr>
         <p:spPr>
           <a:xfrm>
-            <a:off x="4035062" y="2793340"/>
+            <a:off x="2128441" y="3749351"/>
             <a:ext cx="2567584" cy="923330"/>
           </a:xfrm>
           <a:prstGeom prst="rect">
@@ -5561,7 +4704,7 @@
 </p:sld>
 </file>
 
-<file path=ppt/slides/slide5.xml><?xml version="1.0" encoding="utf-8"?>
+<file path=ppt/slides/slide3.xml><?xml version="1.0" encoding="utf-8"?>
 <p:sld xmlns:a="http://schemas.openxmlformats.org/drawingml/2006/main" xmlns:r="http://schemas.openxmlformats.org/officeDocument/2006/relationships" xmlns:p="http://schemas.openxmlformats.org/presentationml/2006/main">
   <p:cSld>
     <p:spTree>
@@ -5761,7 +4904,7 @@
           </a:stretch>
         </p:blipFill>
         <p:spPr>
-          <a:xfrm rot="21056599">
+          <a:xfrm rot="20498473">
             <a:off x="6441025" y="3707071"/>
             <a:ext cx="2566086" cy="2566086"/>
           </a:xfrm>
@@ -5783,9 +4926,9 @@
           <p:nvPr/>
         </p:nvSpPr>
         <p:spPr>
-          <a:xfrm rot="167212">
-            <a:off x="6122851" y="5369423"/>
-            <a:ext cx="2829698" cy="593123"/>
+          <a:xfrm rot="20801757">
+            <a:off x="6120698" y="5350964"/>
+            <a:ext cx="2990129" cy="593123"/>
           </a:xfrm>
           <a:prstGeom prst="rect">
             <a:avLst/>
@@ -6030,10 +5173,10 @@
       </p:sp>
       <p:cxnSp>
         <p:nvCxnSpPr>
-          <p:cNvPr id="9" name="Straight Connector 8">
-            <a:extLst>
-              <a:ext uri="{FF2B5EF4-FFF2-40B4-BE49-F238E27FC236}">
-                <a16:creationId xmlns:a16="http://schemas.microsoft.com/office/drawing/2014/main" id="{A76FE0D8-4DE4-DD58-2313-8FA841765389}"/>
+          <p:cNvPr id="11" name="Straight Connector 10">
+            <a:extLst>
+              <a:ext uri="{FF2B5EF4-FFF2-40B4-BE49-F238E27FC236}">
+                <a16:creationId xmlns:a16="http://schemas.microsoft.com/office/drawing/2014/main" id="{B3952CE3-F630-433A-6339-85751558CE3D}"/>
               </a:ext>
             </a:extLst>
           </p:cNvPr>
@@ -6044,8 +5187,8 @@
         </p:nvCxnSpPr>
         <p:spPr>
           <a:xfrm>
-            <a:off x="298383" y="117216"/>
-            <a:ext cx="3698208" cy="3632135"/>
+            <a:off x="1682885" y="1462163"/>
+            <a:ext cx="2313706" cy="2287188"/>
           </a:xfrm>
           <a:prstGeom prst="line">
             <a:avLst/>
@@ -6087,7 +5230,7 @@
 </p:sld>
 </file>
 
-<file path=ppt/slides/slide6.xml><?xml version="1.0" encoding="utf-8"?>
+<file path=ppt/slides/slide4.xml><?xml version="1.0" encoding="utf-8"?>
 <p:sld xmlns:a="http://schemas.openxmlformats.org/drawingml/2006/main" xmlns:r="http://schemas.openxmlformats.org/officeDocument/2006/relationships" xmlns:p="http://schemas.openxmlformats.org/presentationml/2006/main">
   <p:cSld>
     <p:spTree>
@@ -6164,10 +5307,10 @@
       </p:sp>
       <p:cxnSp>
         <p:nvCxnSpPr>
-          <p:cNvPr id="37" name="Straight Connector 36">
-            <a:extLst>
-              <a:ext uri="{FF2B5EF4-FFF2-40B4-BE49-F238E27FC236}">
-                <a16:creationId xmlns:a16="http://schemas.microsoft.com/office/drawing/2014/main" id="{9B4123B9-67B9-A4D8-9A1F-D10239553F99}"/>
+          <p:cNvPr id="8" name="Straight Connector 7">
+            <a:extLst>
+              <a:ext uri="{FF2B5EF4-FFF2-40B4-BE49-F238E27FC236}">
+                <a16:creationId xmlns:a16="http://schemas.microsoft.com/office/drawing/2014/main" id="{2B60894C-7454-CD18-1C0E-CD4E20EEED76}"/>
               </a:ext>
             </a:extLst>
           </p:cNvPr>
@@ -6178,8 +5321,635 @@
         </p:nvCxnSpPr>
         <p:spPr>
           <a:xfrm>
-            <a:off x="298383" y="117216"/>
-            <a:ext cx="3698208" cy="3632135"/>
+            <a:off x="4063295" y="3749351"/>
+            <a:ext cx="3886200" cy="1115094"/>
+          </a:xfrm>
+          <a:prstGeom prst="line">
+            <a:avLst/>
+          </a:prstGeom>
+          <a:ln w="63500">
+            <a:solidFill>
+              <a:schemeClr val="bg1">
+                <a:lumMod val="50000"/>
+              </a:schemeClr>
+            </a:solidFill>
+            <a:prstDash val="sysDot"/>
+          </a:ln>
+        </p:spPr>
+        <p:style>
+          <a:lnRef idx="2">
+            <a:schemeClr val="dk1"/>
+          </a:lnRef>
+          <a:fillRef idx="0">
+            <a:schemeClr val="dk1"/>
+          </a:fillRef>
+          <a:effectRef idx="1">
+            <a:schemeClr val="dk1"/>
+          </a:effectRef>
+          <a:fontRef idx="minor">
+            <a:schemeClr val="tx1"/>
+          </a:fontRef>
+        </p:style>
+      </p:cxnSp>
+      <p:cxnSp>
+        <p:nvCxnSpPr>
+          <p:cNvPr id="10" name="Straight Connector 9">
+            <a:extLst>
+              <a:ext uri="{FF2B5EF4-FFF2-40B4-BE49-F238E27FC236}">
+                <a16:creationId xmlns:a16="http://schemas.microsoft.com/office/drawing/2014/main" id="{BCF2027C-50F5-AEBF-3941-A8CBAFC30ED5}"/>
+              </a:ext>
+            </a:extLst>
+          </p:cNvPr>
+          <p:cNvCxnSpPr>
+            <a:cxnSpLocks/>
+          </p:cNvCxnSpPr>
+          <p:nvPr/>
+        </p:nvCxnSpPr>
+        <p:spPr>
+          <a:xfrm>
+            <a:off x="7949495" y="4896396"/>
+            <a:ext cx="3398690" cy="284327"/>
+          </a:xfrm>
+          <a:prstGeom prst="line">
+            <a:avLst/>
+          </a:prstGeom>
+          <a:ln w="63500">
+            <a:solidFill>
+              <a:schemeClr val="bg1">
+                <a:lumMod val="50000"/>
+              </a:schemeClr>
+            </a:solidFill>
+            <a:prstDash val="sysDot"/>
+          </a:ln>
+        </p:spPr>
+        <p:style>
+          <a:lnRef idx="2">
+            <a:schemeClr val="dk1"/>
+          </a:lnRef>
+          <a:fillRef idx="0">
+            <a:schemeClr val="dk1"/>
+          </a:fillRef>
+          <a:effectRef idx="1">
+            <a:schemeClr val="dk1"/>
+          </a:effectRef>
+          <a:fontRef idx="minor">
+            <a:schemeClr val="tx1"/>
+          </a:fontRef>
+        </p:style>
+      </p:cxnSp>
+      <p:sp>
+        <p:nvSpPr>
+          <p:cNvPr id="22" name="Rectangle 21">
+            <a:extLst>
+              <a:ext uri="{FF2B5EF4-FFF2-40B4-BE49-F238E27FC236}">
+                <a16:creationId xmlns:a16="http://schemas.microsoft.com/office/drawing/2014/main" id="{FF8D36B6-17C5-66F5-3044-A592204B64B2}"/>
+              </a:ext>
+            </a:extLst>
+          </p:cNvPr>
+          <p:cNvSpPr/>
+          <p:nvPr/>
+        </p:nvSpPr>
+        <p:spPr>
+          <a:xfrm rot="167212">
+            <a:off x="2434594" y="4328551"/>
+            <a:ext cx="2829698" cy="593123"/>
+          </a:xfrm>
+          <a:prstGeom prst="rect">
+            <a:avLst/>
+          </a:prstGeom>
+          <a:solidFill>
+            <a:schemeClr val="bg1"/>
+          </a:solidFill>
+          <a:ln>
+            <a:noFill/>
+          </a:ln>
+        </p:spPr>
+        <p:style>
+          <a:lnRef idx="2">
+            <a:schemeClr val="accent1">
+              <a:shade val="15000"/>
+            </a:schemeClr>
+          </a:lnRef>
+          <a:fillRef idx="1">
+            <a:schemeClr val="accent1"/>
+          </a:fillRef>
+          <a:effectRef idx="0">
+            <a:schemeClr val="accent1"/>
+          </a:effectRef>
+          <a:fontRef idx="minor">
+            <a:schemeClr val="lt1"/>
+          </a:fontRef>
+        </p:style>
+        <p:txBody>
+          <a:bodyPr rtlCol="0" anchor="ctr"/>
+          <a:lstStyle/>
+          <a:p>
+            <a:pPr algn="ctr"/>
+            <a:endParaRPr lang="en-US"/>
+          </a:p>
+        </p:txBody>
+      </p:sp>
+      <p:sp>
+        <p:nvSpPr>
+          <p:cNvPr id="29" name="Rectangle 28">
+            <a:extLst>
+              <a:ext uri="{FF2B5EF4-FFF2-40B4-BE49-F238E27FC236}">
+                <a16:creationId xmlns:a16="http://schemas.microsoft.com/office/drawing/2014/main" id="{0854FCF6-D95C-F2CB-4D6D-F5197DBF6F06}"/>
+              </a:ext>
+            </a:extLst>
+          </p:cNvPr>
+          <p:cNvSpPr/>
+          <p:nvPr/>
+        </p:nvSpPr>
+        <p:spPr>
+          <a:xfrm rot="167212">
+            <a:off x="6122851" y="5369423"/>
+            <a:ext cx="2829698" cy="593123"/>
+          </a:xfrm>
+          <a:prstGeom prst="rect">
+            <a:avLst/>
+          </a:prstGeom>
+          <a:solidFill>
+            <a:schemeClr val="bg1"/>
+          </a:solidFill>
+          <a:ln>
+            <a:noFill/>
+          </a:ln>
+        </p:spPr>
+        <p:style>
+          <a:lnRef idx="2">
+            <a:schemeClr val="accent1">
+              <a:shade val="15000"/>
+            </a:schemeClr>
+          </a:lnRef>
+          <a:fillRef idx="1">
+            <a:schemeClr val="accent1"/>
+          </a:fillRef>
+          <a:effectRef idx="0">
+            <a:schemeClr val="accent1"/>
+          </a:effectRef>
+          <a:fontRef idx="minor">
+            <a:schemeClr val="lt1"/>
+          </a:fontRef>
+        </p:style>
+        <p:txBody>
+          <a:bodyPr rtlCol="0" anchor="ctr"/>
+          <a:lstStyle/>
+          <a:p>
+            <a:pPr algn="ctr"/>
+            <a:endParaRPr lang="en-US"/>
+          </a:p>
+        </p:txBody>
+      </p:sp>
+      <p:pic>
+        <p:nvPicPr>
+          <p:cNvPr id="31" name="Graphic 30" descr="Landing with solid fill">
+            <a:extLst>
+              <a:ext uri="{FF2B5EF4-FFF2-40B4-BE49-F238E27FC236}">
+                <a16:creationId xmlns:a16="http://schemas.microsoft.com/office/drawing/2014/main" id="{4D538E49-E027-E817-3004-25975BB88450}"/>
+              </a:ext>
+            </a:extLst>
+          </p:cNvPr>
+          <p:cNvPicPr>
+            <a:picLocks noChangeAspect="1"/>
+          </p:cNvPicPr>
+          <p:nvPr/>
+        </p:nvPicPr>
+        <p:blipFill>
+          <a:blip r:embed="rId3">
+            <a:extLst>
+              <a:ext uri="{96DAC541-7B7A-43D3-8B79-37D633B846F1}">
+                <asvg:svgBlip xmlns:asvg="http://schemas.microsoft.com/office/drawing/2016/SVG/main" r:embed="rId4"/>
+              </a:ext>
+            </a:extLst>
+          </a:blip>
+          <a:stretch>
+            <a:fillRect/>
+          </a:stretch>
+        </p:blipFill>
+        <p:spPr>
+          <a:xfrm rot="21032214">
+            <a:off x="9900526" y="4017940"/>
+            <a:ext cx="2566086" cy="2566086"/>
+          </a:xfrm>
+          <a:prstGeom prst="rect">
+            <a:avLst/>
+          </a:prstGeom>
+        </p:spPr>
+      </p:pic>
+      <p:sp>
+        <p:nvSpPr>
+          <p:cNvPr id="32" name="Rectangle 31">
+            <a:extLst>
+              <a:ext uri="{FF2B5EF4-FFF2-40B4-BE49-F238E27FC236}">
+                <a16:creationId xmlns:a16="http://schemas.microsoft.com/office/drawing/2014/main" id="{2E757189-0C48-9594-3688-15BF3ADA432C}"/>
+              </a:ext>
+            </a:extLst>
+          </p:cNvPr>
+          <p:cNvSpPr/>
+          <p:nvPr/>
+        </p:nvSpPr>
+        <p:spPr>
+          <a:xfrm rot="21396444">
+            <a:off x="9623085" y="5774503"/>
+            <a:ext cx="2829698" cy="593123"/>
+          </a:xfrm>
+          <a:prstGeom prst="rect">
+            <a:avLst/>
+          </a:prstGeom>
+          <a:solidFill>
+            <a:schemeClr val="bg1"/>
+          </a:solidFill>
+          <a:ln>
+            <a:noFill/>
+          </a:ln>
+        </p:spPr>
+        <p:style>
+          <a:lnRef idx="2">
+            <a:schemeClr val="accent1">
+              <a:shade val="15000"/>
+            </a:schemeClr>
+          </a:lnRef>
+          <a:fillRef idx="1">
+            <a:schemeClr val="accent1"/>
+          </a:fillRef>
+          <a:effectRef idx="0">
+            <a:schemeClr val="accent1"/>
+          </a:effectRef>
+          <a:fontRef idx="minor">
+            <a:schemeClr val="lt1"/>
+          </a:fontRef>
+        </p:style>
+        <p:txBody>
+          <a:bodyPr rtlCol="0" anchor="ctr"/>
+          <a:lstStyle/>
+          <a:p>
+            <a:pPr algn="ctr"/>
+            <a:endParaRPr lang="en-US"/>
+          </a:p>
+        </p:txBody>
+      </p:sp>
+      <p:cxnSp>
+        <p:nvCxnSpPr>
+          <p:cNvPr id="25" name="Straight Connector 24">
+            <a:extLst>
+              <a:ext uri="{FF2B5EF4-FFF2-40B4-BE49-F238E27FC236}">
+                <a16:creationId xmlns:a16="http://schemas.microsoft.com/office/drawing/2014/main" id="{CDB50A62-BB70-807B-7F2A-6E31D367B3DF}"/>
+              </a:ext>
+            </a:extLst>
+          </p:cNvPr>
+          <p:cNvCxnSpPr/>
+          <p:nvPr/>
+        </p:nvCxnSpPr>
+        <p:spPr>
+          <a:xfrm>
+            <a:off x="14105" y="5395836"/>
+            <a:ext cx="12192000" cy="0"/>
+          </a:xfrm>
+          <a:prstGeom prst="line">
+            <a:avLst/>
+          </a:prstGeom>
+          <a:ln w="127000"/>
+        </p:spPr>
+        <p:style>
+          <a:lnRef idx="2">
+            <a:schemeClr val="dk1"/>
+          </a:lnRef>
+          <a:fillRef idx="0">
+            <a:schemeClr val="dk1"/>
+          </a:fillRef>
+          <a:effectRef idx="1">
+            <a:schemeClr val="dk1"/>
+          </a:effectRef>
+          <a:fontRef idx="minor">
+            <a:schemeClr val="tx1"/>
+          </a:fontRef>
+        </p:style>
+      </p:cxnSp>
+      <p:sp>
+        <p:nvSpPr>
+          <p:cNvPr id="3" name="TextBox 2">
+            <a:extLst>
+              <a:ext uri="{FF2B5EF4-FFF2-40B4-BE49-F238E27FC236}">
+                <a16:creationId xmlns:a16="http://schemas.microsoft.com/office/drawing/2014/main" id="{8A451CF4-2C3C-7A45-90A7-96F825D5CEE9}"/>
+              </a:ext>
+            </a:extLst>
+          </p:cNvPr>
+          <p:cNvSpPr txBox="1"/>
+          <p:nvPr/>
+        </p:nvSpPr>
+        <p:spPr>
+          <a:xfrm>
+            <a:off x="8701239" y="5490691"/>
+            <a:ext cx="3572244" cy="923330"/>
+          </a:xfrm>
+          <a:prstGeom prst="rect">
+            <a:avLst/>
+          </a:prstGeom>
+          <a:noFill/>
+        </p:spPr>
+        <p:txBody>
+          <a:bodyPr wrap="square" rtlCol="0">
+            <a:spAutoFit/>
+          </a:bodyPr>
+          <a:lstStyle/>
+          <a:p>
+            <a:r>
+              <a:rPr lang="en-US" sz="5400" dirty="0"/>
+              <a:t>Production</a:t>
+            </a:r>
+          </a:p>
+        </p:txBody>
+      </p:sp>
+      <p:sp>
+        <p:nvSpPr>
+          <p:cNvPr id="4" name="TextBox 3">
+            <a:extLst>
+              <a:ext uri="{FF2B5EF4-FFF2-40B4-BE49-F238E27FC236}">
+                <a16:creationId xmlns:a16="http://schemas.microsoft.com/office/drawing/2014/main" id="{9662B736-A53C-7C15-2DB7-69148BF9ED6B}"/>
+              </a:ext>
+            </a:extLst>
+          </p:cNvPr>
+          <p:cNvSpPr txBox="1"/>
+          <p:nvPr/>
+        </p:nvSpPr>
+        <p:spPr>
+          <a:xfrm>
+            <a:off x="9590942" y="3707371"/>
+            <a:ext cx="2567584" cy="923330"/>
+          </a:xfrm>
+          <a:prstGeom prst="rect">
+            <a:avLst/>
+          </a:prstGeom>
+          <a:noFill/>
+        </p:spPr>
+        <p:txBody>
+          <a:bodyPr wrap="square" rtlCol="0">
+            <a:spAutoFit/>
+          </a:bodyPr>
+          <a:lstStyle/>
+          <a:p>
+            <a:r>
+              <a:rPr lang="en-US" sz="5400" dirty="0"/>
+              <a:t>Staging</a:t>
+            </a:r>
+          </a:p>
+        </p:txBody>
+      </p:sp>
+      <p:sp>
+        <p:nvSpPr>
+          <p:cNvPr id="6" name="Rounded Rectangle 5">
+            <a:extLst>
+              <a:ext uri="{FF2B5EF4-FFF2-40B4-BE49-F238E27FC236}">
+                <a16:creationId xmlns:a16="http://schemas.microsoft.com/office/drawing/2014/main" id="{3D096380-1733-80D8-9FE5-5FB152E441E3}"/>
+              </a:ext>
+            </a:extLst>
+          </p:cNvPr>
+          <p:cNvSpPr/>
+          <p:nvPr/>
+        </p:nvSpPr>
+        <p:spPr>
+          <a:xfrm>
+            <a:off x="4812632" y="117216"/>
+            <a:ext cx="7268977" cy="2366489"/>
+          </a:xfrm>
+          <a:prstGeom prst="roundRect">
+            <a:avLst/>
+          </a:prstGeom>
+          <a:solidFill>
+            <a:schemeClr val="bg1">
+              <a:lumMod val="75000"/>
+              <a:alpha val="62301"/>
+            </a:schemeClr>
+          </a:solidFill>
+          <a:ln>
+            <a:noFill/>
+          </a:ln>
+        </p:spPr>
+        <p:style>
+          <a:lnRef idx="2">
+            <a:schemeClr val="accent1">
+              <a:shade val="15000"/>
+            </a:schemeClr>
+          </a:lnRef>
+          <a:fillRef idx="1">
+            <a:schemeClr val="accent1"/>
+          </a:fillRef>
+          <a:effectRef idx="0">
+            <a:schemeClr val="accent1"/>
+          </a:effectRef>
+          <a:fontRef idx="minor">
+            <a:schemeClr val="lt1"/>
+          </a:fontRef>
+        </p:style>
+        <p:txBody>
+          <a:bodyPr rtlCol="0" anchor="ctr"/>
+          <a:lstStyle/>
+          <a:p>
+            <a:pPr marL="685800" indent="-685800">
+              <a:buClr>
+                <a:schemeClr val="accent6"/>
+              </a:buClr>
+              <a:buFont typeface="Wingdings" pitchFamily="2" charset="2"/>
+              <a:buChar char="ü"/>
+            </a:pPr>
+            <a:r>
+              <a:rPr lang="en-US" sz="4800" dirty="0">
+                <a:solidFill>
+                  <a:schemeClr val="tx1"/>
+                </a:solidFill>
+              </a:rPr>
+              <a:t>Freeze R and CRAN</a:t>
+            </a:r>
+          </a:p>
+          <a:p>
+            <a:pPr marL="685800" indent="-685800">
+              <a:buClr>
+                <a:schemeClr val="accent6"/>
+              </a:buClr>
+              <a:buFont typeface="Wingdings" pitchFamily="2" charset="2"/>
+              <a:buChar char="ü"/>
+            </a:pPr>
+            <a:r>
+              <a:rPr lang="en-US" sz="4800" dirty="0">
+                <a:solidFill>
+                  <a:schemeClr val="tx1"/>
+                </a:solidFill>
+              </a:rPr>
+              <a:t>Freeze healthy releases</a:t>
+            </a:r>
+          </a:p>
+          <a:p>
+            <a:pPr marL="685800" indent="-685800">
+              <a:buClr>
+                <a:schemeClr val="accent6"/>
+              </a:buClr>
+              <a:buFont typeface="Wingdings" pitchFamily="2" charset="2"/>
+              <a:buChar char="ü"/>
+            </a:pPr>
+            <a:r>
+              <a:rPr lang="en-US" sz="4800" dirty="0">
+                <a:solidFill>
+                  <a:schemeClr val="tx1"/>
+                </a:solidFill>
+              </a:rPr>
+              <a:t>Production snapshot</a:t>
+            </a:r>
+          </a:p>
+        </p:txBody>
+      </p:sp>
+      <p:cxnSp>
+        <p:nvCxnSpPr>
+          <p:cNvPr id="9" name="Straight Connector 8">
+            <a:extLst>
+              <a:ext uri="{FF2B5EF4-FFF2-40B4-BE49-F238E27FC236}">
+                <a16:creationId xmlns:a16="http://schemas.microsoft.com/office/drawing/2014/main" id="{393C6DBD-7C58-786A-F482-9CA2109D9A50}"/>
+              </a:ext>
+            </a:extLst>
+          </p:cNvPr>
+          <p:cNvCxnSpPr>
+            <a:cxnSpLocks/>
+          </p:cNvCxnSpPr>
+          <p:nvPr/>
+        </p:nvCxnSpPr>
+        <p:spPr>
+          <a:xfrm>
+            <a:off x="1682885" y="1462163"/>
+            <a:ext cx="2313706" cy="2287188"/>
+          </a:xfrm>
+          <a:prstGeom prst="line">
+            <a:avLst/>
+          </a:prstGeom>
+          <a:ln w="63500">
+            <a:solidFill>
+              <a:schemeClr val="bg1">
+                <a:lumMod val="50000"/>
+              </a:schemeClr>
+            </a:solidFill>
+            <a:prstDash val="sysDot"/>
+          </a:ln>
+        </p:spPr>
+        <p:style>
+          <a:lnRef idx="2">
+            <a:schemeClr val="dk1"/>
+          </a:lnRef>
+          <a:fillRef idx="0">
+            <a:schemeClr val="dk1"/>
+          </a:fillRef>
+          <a:effectRef idx="1">
+            <a:schemeClr val="dk1"/>
+          </a:effectRef>
+          <a:fontRef idx="minor">
+            <a:schemeClr val="tx1"/>
+          </a:fontRef>
+        </p:style>
+      </p:cxnSp>
+    </p:spTree>
+    <p:extLst>
+      <p:ext uri="{BB962C8B-B14F-4D97-AF65-F5344CB8AC3E}">
+        <p14:creationId xmlns:p14="http://schemas.microsoft.com/office/powerpoint/2010/main" val="1360301296"/>
+      </p:ext>
+    </p:extLst>
+  </p:cSld>
+  <p:clrMapOvr>
+    <a:masterClrMapping/>
+  </p:clrMapOvr>
+</p:sld>
+</file>
+
+<file path=ppt/slides/slide5.xml><?xml version="1.0" encoding="utf-8"?>
+<p:sld xmlns:a="http://schemas.openxmlformats.org/drawingml/2006/main" xmlns:r="http://schemas.openxmlformats.org/officeDocument/2006/relationships" xmlns:p="http://schemas.openxmlformats.org/presentationml/2006/main">
+  <p:cSld>
+    <p:spTree>
+      <p:nvGrpSpPr>
+        <p:cNvPr id="1" name="">
+          <a:extLst>
+            <a:ext uri="{FF2B5EF4-FFF2-40B4-BE49-F238E27FC236}">
+              <a16:creationId xmlns:a16="http://schemas.microsoft.com/office/drawing/2014/main" id="{5398AA28-ADF7-399D-4ABE-72A7ED90537B}"/>
+            </a:ext>
+          </a:extLst>
+        </p:cNvPr>
+        <p:cNvGrpSpPr/>
+        <p:nvPr/>
+      </p:nvGrpSpPr>
+      <p:grpSpPr>
+        <a:xfrm>
+          <a:off x="0" y="0"/>
+          <a:ext cx="0" cy="0"/>
+          <a:chOff x="0" y="0"/>
+          <a:chExt cx="0" cy="0"/>
+        </a:xfrm>
+      </p:grpSpPr>
+      <p:sp>
+        <p:nvSpPr>
+          <p:cNvPr id="44" name="Rectangle 43">
+            <a:extLst>
+              <a:ext uri="{FF2B5EF4-FFF2-40B4-BE49-F238E27FC236}">
+                <a16:creationId xmlns:a16="http://schemas.microsoft.com/office/drawing/2014/main" id="{75E2276E-E173-BDB7-01DF-A2042407F8A8}"/>
+              </a:ext>
+            </a:extLst>
+          </p:cNvPr>
+          <p:cNvSpPr/>
+          <p:nvPr/>
+        </p:nvSpPr>
+        <p:spPr>
+          <a:xfrm rot="21181766">
+            <a:off x="135924" y="1112108"/>
+            <a:ext cx="2829698" cy="593123"/>
+          </a:xfrm>
+          <a:prstGeom prst="rect">
+            <a:avLst/>
+          </a:prstGeom>
+          <a:solidFill>
+            <a:schemeClr val="bg1"/>
+          </a:solidFill>
+          <a:ln>
+            <a:noFill/>
+          </a:ln>
+        </p:spPr>
+        <p:style>
+          <a:lnRef idx="2">
+            <a:schemeClr val="accent1">
+              <a:shade val="15000"/>
+            </a:schemeClr>
+          </a:lnRef>
+          <a:fillRef idx="1">
+            <a:schemeClr val="accent1"/>
+          </a:fillRef>
+          <a:effectRef idx="0">
+            <a:schemeClr val="accent1"/>
+          </a:effectRef>
+          <a:fontRef idx="minor">
+            <a:schemeClr val="lt1"/>
+          </a:fontRef>
+        </p:style>
+        <p:txBody>
+          <a:bodyPr rtlCol="0" anchor="ctr"/>
+          <a:lstStyle/>
+          <a:p>
+            <a:pPr algn="ctr"/>
+            <a:endParaRPr lang="en-US"/>
+          </a:p>
+        </p:txBody>
+      </p:sp>
+      <p:cxnSp>
+        <p:nvCxnSpPr>
+          <p:cNvPr id="37" name="Straight Connector 36">
+            <a:extLst>
+              <a:ext uri="{FF2B5EF4-FFF2-40B4-BE49-F238E27FC236}">
+                <a16:creationId xmlns:a16="http://schemas.microsoft.com/office/drawing/2014/main" id="{EBEF2350-199E-4300-D043-C979152D04D8}"/>
+              </a:ext>
+            </a:extLst>
+          </p:cNvPr>
+          <p:cNvCxnSpPr>
+            <a:cxnSpLocks/>
+          </p:cNvCxnSpPr>
+          <p:nvPr/>
+        </p:nvCxnSpPr>
+        <p:spPr>
+          <a:xfrm>
+            <a:off x="1296055" y="1147551"/>
+            <a:ext cx="2700536" cy="2601800"/>
           </a:xfrm>
           <a:prstGeom prst="line">
             <a:avLst/>
@@ -6213,7 +5983,7 @@
           <p:cNvPr id="8" name="Straight Connector 7">
             <a:extLst>
               <a:ext uri="{FF2B5EF4-FFF2-40B4-BE49-F238E27FC236}">
-                <a16:creationId xmlns:a16="http://schemas.microsoft.com/office/drawing/2014/main" id="{2B60894C-7454-CD18-1C0E-CD4E20EEED76}"/>
+                <a16:creationId xmlns:a16="http://schemas.microsoft.com/office/drawing/2014/main" id="{A64E13A6-FF67-BFB9-4D04-B706A10AD783}"/>
               </a:ext>
             </a:extLst>
           </p:cNvPr>
@@ -6259,7 +6029,7 @@
           <p:cNvPr id="10" name="Straight Connector 9">
             <a:extLst>
               <a:ext uri="{FF2B5EF4-FFF2-40B4-BE49-F238E27FC236}">
-                <a16:creationId xmlns:a16="http://schemas.microsoft.com/office/drawing/2014/main" id="{BCF2027C-50F5-AEBF-3941-A8CBAFC30ED5}"/>
+                <a16:creationId xmlns:a16="http://schemas.microsoft.com/office/drawing/2014/main" id="{A5C3A95B-43AB-D14B-6A7B-884547ABC8BA}"/>
               </a:ext>
             </a:extLst>
           </p:cNvPr>
@@ -6300,12 +6070,48 @@
           </a:fontRef>
         </p:style>
       </p:cxnSp>
-      <p:sp>
-        <p:nvSpPr>
-          <p:cNvPr id="22" name="Rectangle 21">
-            <a:extLst>
-              <a:ext uri="{FF2B5EF4-FFF2-40B4-BE49-F238E27FC236}">
-                <a16:creationId xmlns:a16="http://schemas.microsoft.com/office/drawing/2014/main" id="{FF8D36B6-17C5-66F5-3044-A592204B64B2}"/>
+      <p:pic>
+        <p:nvPicPr>
+          <p:cNvPr id="17" name="Graphic 16" descr="Landing with solid fill">
+            <a:extLst>
+              <a:ext uri="{FF2B5EF4-FFF2-40B4-BE49-F238E27FC236}">
+                <a16:creationId xmlns:a16="http://schemas.microsoft.com/office/drawing/2014/main" id="{B0011AC4-B2FF-8F3E-E219-57D5A4B4E56F}"/>
+              </a:ext>
+            </a:extLst>
+          </p:cNvPr>
+          <p:cNvPicPr>
+            <a:picLocks noChangeAspect="1"/>
+          </p:cNvPicPr>
+          <p:nvPr/>
+        </p:nvPicPr>
+        <p:blipFill>
+          <a:blip r:embed="rId2">
+            <a:extLst>
+              <a:ext uri="{96DAC541-7B7A-43D3-8B79-37D633B846F1}">
+                <asvg:svgBlip xmlns:asvg="http://schemas.microsoft.com/office/drawing/2016/SVG/main" r:embed="rId3"/>
+              </a:ext>
+            </a:extLst>
+          </a:blip>
+          <a:stretch>
+            <a:fillRect/>
+          </a:stretch>
+        </p:blipFill>
+        <p:spPr>
+          <a:xfrm rot="2001250">
+            <a:off x="-53692" y="-109638"/>
+            <a:ext cx="2566086" cy="2566086"/>
+          </a:xfrm>
+          <a:prstGeom prst="rect">
+            <a:avLst/>
+          </a:prstGeom>
+        </p:spPr>
+      </p:pic>
+      <p:sp>
+        <p:nvSpPr>
+          <p:cNvPr id="18" name="Rectangle 17">
+            <a:extLst>
+              <a:ext uri="{FF2B5EF4-FFF2-40B4-BE49-F238E27FC236}">
+                <a16:creationId xmlns:a16="http://schemas.microsoft.com/office/drawing/2014/main" id="{36B3A4A0-E6AB-8806-C859-2385D16FE9E0}"/>
               </a:ext>
             </a:extLst>
           </p:cNvPr>
@@ -6313,8 +6119,8 @@
           <p:nvPr/>
         </p:nvSpPr>
         <p:spPr>
-          <a:xfrm rot="167212">
-            <a:off x="2434594" y="4328551"/>
+          <a:xfrm rot="2117527">
+            <a:off x="-455181" y="1497918"/>
             <a:ext cx="2829698" cy="593123"/>
           </a:xfrm>
           <a:prstGeom prst="rect">
@@ -6352,12 +6158,48 @@
           </a:p>
         </p:txBody>
       </p:sp>
-      <p:sp>
-        <p:nvSpPr>
-          <p:cNvPr id="29" name="Rectangle 28">
-            <a:extLst>
-              <a:ext uri="{FF2B5EF4-FFF2-40B4-BE49-F238E27FC236}">
-                <a16:creationId xmlns:a16="http://schemas.microsoft.com/office/drawing/2014/main" id="{0854FCF6-D95C-F2CB-4D6D-F5197DBF6F06}"/>
+      <p:pic>
+        <p:nvPicPr>
+          <p:cNvPr id="21" name="Graphic 20" descr="Landing with solid fill">
+            <a:extLst>
+              <a:ext uri="{FF2B5EF4-FFF2-40B4-BE49-F238E27FC236}">
+                <a16:creationId xmlns:a16="http://schemas.microsoft.com/office/drawing/2014/main" id="{F67ADC1A-54EB-F06B-4A78-4729ED214DCE}"/>
+              </a:ext>
+            </a:extLst>
+          </p:cNvPr>
+          <p:cNvPicPr>
+            <a:picLocks noChangeAspect="1"/>
+          </p:cNvPicPr>
+          <p:nvPr/>
+        </p:nvPicPr>
+        <p:blipFill>
+          <a:blip r:embed="rId2">
+            <a:extLst>
+              <a:ext uri="{96DAC541-7B7A-43D3-8B79-37D633B846F1}">
+                <asvg:svgBlip xmlns:asvg="http://schemas.microsoft.com/office/drawing/2016/SVG/main" r:embed="rId3"/>
+              </a:ext>
+            </a:extLst>
+          </a:blip>
+          <a:stretch>
+            <a:fillRect/>
+          </a:stretch>
+        </p:blipFill>
+        <p:spPr>
+          <a:xfrm>
+            <a:off x="2752768" y="2666199"/>
+            <a:ext cx="2566086" cy="2566086"/>
+          </a:xfrm>
+          <a:prstGeom prst="rect">
+            <a:avLst/>
+          </a:prstGeom>
+        </p:spPr>
+      </p:pic>
+      <p:sp>
+        <p:nvSpPr>
+          <p:cNvPr id="22" name="Rectangle 21">
+            <a:extLst>
+              <a:ext uri="{FF2B5EF4-FFF2-40B4-BE49-F238E27FC236}">
+                <a16:creationId xmlns:a16="http://schemas.microsoft.com/office/drawing/2014/main" id="{0EE23064-764D-C728-464D-B224F41802C0}"/>
               </a:ext>
             </a:extLst>
           </p:cNvPr>
@@ -6366,7 +6208,7 @@
         </p:nvSpPr>
         <p:spPr>
           <a:xfrm rot="167212">
-            <a:off x="6122851" y="5369423"/>
+            <a:off x="2434594" y="4328551"/>
             <a:ext cx="2829698" cy="593123"/>
           </a:xfrm>
           <a:prstGeom prst="rect">
@@ -6406,10 +6248,10 @@
       </p:sp>
       <p:pic>
         <p:nvPicPr>
-          <p:cNvPr id="31" name="Graphic 30" descr="Landing with solid fill">
-            <a:extLst>
-              <a:ext uri="{FF2B5EF4-FFF2-40B4-BE49-F238E27FC236}">
-                <a16:creationId xmlns:a16="http://schemas.microsoft.com/office/drawing/2014/main" id="{4D538E49-E027-E817-3004-25975BB88450}"/>
+          <p:cNvPr id="28" name="Graphic 27" descr="Landing with solid fill">
+            <a:extLst>
+              <a:ext uri="{FF2B5EF4-FFF2-40B4-BE49-F238E27FC236}">
+                <a16:creationId xmlns:a16="http://schemas.microsoft.com/office/drawing/2014/main" id="{DB91DE68-4E5C-4EF0-7886-8AE26399B29E}"/>
               </a:ext>
             </a:extLst>
           </p:cNvPr>
@@ -6431,8 +6273,8 @@
           </a:stretch>
         </p:blipFill>
         <p:spPr>
-          <a:xfrm rot="21032214">
-            <a:off x="9900526" y="4017940"/>
+          <a:xfrm rot="21056599">
+            <a:off x="6441025" y="3707071"/>
             <a:ext cx="2566086" cy="2566086"/>
           </a:xfrm>
           <a:prstGeom prst="rect">
@@ -6442,10 +6284,10 @@
       </p:pic>
       <p:sp>
         <p:nvSpPr>
-          <p:cNvPr id="32" name="Rectangle 31">
-            <a:extLst>
-              <a:ext uri="{FF2B5EF4-FFF2-40B4-BE49-F238E27FC236}">
-                <a16:creationId xmlns:a16="http://schemas.microsoft.com/office/drawing/2014/main" id="{2E757189-0C48-9594-3688-15BF3ADA432C}"/>
+          <p:cNvPr id="29" name="Rectangle 28">
+            <a:extLst>
+              <a:ext uri="{FF2B5EF4-FFF2-40B4-BE49-F238E27FC236}">
+                <a16:creationId xmlns:a16="http://schemas.microsoft.com/office/drawing/2014/main" id="{60205280-3978-31F5-18C0-97801DB8AD04}"/>
               </a:ext>
             </a:extLst>
           </p:cNvPr>
@@ -6453,8 +6295,8 @@
           <p:nvPr/>
         </p:nvSpPr>
         <p:spPr>
-          <a:xfrm rot="21396444">
-            <a:off x="9623085" y="5774503"/>
+          <a:xfrm rot="167212">
+            <a:off x="6122851" y="5369423"/>
             <a:ext cx="2829698" cy="593123"/>
           </a:xfrm>
           <a:prstGeom prst="rect">
@@ -6492,138 +6334,64 @@
           </a:p>
         </p:txBody>
       </p:sp>
-      <p:cxnSp>
-        <p:nvCxnSpPr>
-          <p:cNvPr id="25" name="Straight Connector 24">
-            <a:extLst>
-              <a:ext uri="{FF2B5EF4-FFF2-40B4-BE49-F238E27FC236}">
-                <a16:creationId xmlns:a16="http://schemas.microsoft.com/office/drawing/2014/main" id="{CDB50A62-BB70-807B-7F2A-6E31D367B3DF}"/>
-              </a:ext>
-            </a:extLst>
-          </p:cNvPr>
-          <p:cNvCxnSpPr/>
+      <p:pic>
+        <p:nvPicPr>
+          <p:cNvPr id="31" name="Graphic 30" descr="Landing with solid fill">
+            <a:extLst>
+              <a:ext uri="{FF2B5EF4-FFF2-40B4-BE49-F238E27FC236}">
+                <a16:creationId xmlns:a16="http://schemas.microsoft.com/office/drawing/2014/main" id="{BAFF4248-E7C4-A305-D64C-8C2517D63767}"/>
+              </a:ext>
+            </a:extLst>
+          </p:cNvPr>
+          <p:cNvPicPr>
+            <a:picLocks noChangeAspect="1"/>
+          </p:cNvPicPr>
           <p:nvPr/>
-        </p:nvCxnSpPr>
-        <p:spPr>
-          <a:xfrm>
-            <a:off x="14105" y="5395836"/>
-            <a:ext cx="12192000" cy="0"/>
-          </a:xfrm>
-          <a:prstGeom prst="line">
-            <a:avLst/>
-          </a:prstGeom>
-          <a:ln w="127000"/>
-        </p:spPr>
-        <p:style>
-          <a:lnRef idx="2">
-            <a:schemeClr val="dk1"/>
-          </a:lnRef>
-          <a:fillRef idx="0">
-            <a:schemeClr val="dk1"/>
-          </a:fillRef>
-          <a:effectRef idx="1">
-            <a:schemeClr val="dk1"/>
-          </a:effectRef>
-          <a:fontRef idx="minor">
-            <a:schemeClr val="tx1"/>
-          </a:fontRef>
-        </p:style>
-      </p:cxnSp>
-      <p:sp>
-        <p:nvSpPr>
-          <p:cNvPr id="3" name="TextBox 2">
-            <a:extLst>
-              <a:ext uri="{FF2B5EF4-FFF2-40B4-BE49-F238E27FC236}">
-                <a16:creationId xmlns:a16="http://schemas.microsoft.com/office/drawing/2014/main" id="{8A451CF4-2C3C-7A45-90A7-96F825D5CEE9}"/>
-              </a:ext>
-            </a:extLst>
-          </p:cNvPr>
-          <p:cNvSpPr txBox="1"/>
-          <p:nvPr/>
-        </p:nvSpPr>
-        <p:spPr>
-          <a:xfrm>
-            <a:off x="8701239" y="5490691"/>
-            <a:ext cx="3572244" cy="923330"/>
+        </p:nvPicPr>
+        <p:blipFill>
+          <a:blip r:embed="rId2">
+            <a:extLst>
+              <a:ext uri="{96DAC541-7B7A-43D3-8B79-37D633B846F1}">
+                <asvg:svgBlip xmlns:asvg="http://schemas.microsoft.com/office/drawing/2016/SVG/main" r:embed="rId3"/>
+              </a:ext>
+            </a:extLst>
+          </a:blip>
+          <a:stretch>
+            <a:fillRect/>
+          </a:stretch>
+        </p:blipFill>
+        <p:spPr>
+          <a:xfrm rot="21032214">
+            <a:off x="9900526" y="4017940"/>
+            <a:ext cx="2566086" cy="2566086"/>
           </a:xfrm>
           <a:prstGeom prst="rect">
             <a:avLst/>
           </a:prstGeom>
-          <a:noFill/>
-        </p:spPr>
-        <p:txBody>
-          <a:bodyPr wrap="square" rtlCol="0">
-            <a:spAutoFit/>
-          </a:bodyPr>
-          <a:lstStyle/>
-          <a:p>
-            <a:r>
-              <a:rPr lang="en-US" sz="5400" dirty="0"/>
-              <a:t>Production</a:t>
-            </a:r>
-          </a:p>
-        </p:txBody>
-      </p:sp>
-      <p:sp>
-        <p:nvSpPr>
-          <p:cNvPr id="4" name="TextBox 3">
-            <a:extLst>
-              <a:ext uri="{FF2B5EF4-FFF2-40B4-BE49-F238E27FC236}">
-                <a16:creationId xmlns:a16="http://schemas.microsoft.com/office/drawing/2014/main" id="{9662B736-A53C-7C15-2DB7-69148BF9ED6B}"/>
-              </a:ext>
-            </a:extLst>
-          </p:cNvPr>
-          <p:cNvSpPr txBox="1"/>
+        </p:spPr>
+      </p:pic>
+      <p:sp>
+        <p:nvSpPr>
+          <p:cNvPr id="32" name="Rectangle 31">
+            <a:extLst>
+              <a:ext uri="{FF2B5EF4-FFF2-40B4-BE49-F238E27FC236}">
+                <a16:creationId xmlns:a16="http://schemas.microsoft.com/office/drawing/2014/main" id="{6A2D22C5-F966-AE6C-C7E6-C9DF36C00DCC}"/>
+              </a:ext>
+            </a:extLst>
+          </p:cNvPr>
+          <p:cNvSpPr/>
           <p:nvPr/>
         </p:nvSpPr>
         <p:spPr>
-          <a:xfrm>
-            <a:off x="9590942" y="3707371"/>
-            <a:ext cx="2567584" cy="923330"/>
+          <a:xfrm rot="21396444">
+            <a:off x="9623085" y="5774503"/>
+            <a:ext cx="2829698" cy="593123"/>
           </a:xfrm>
           <a:prstGeom prst="rect">
             <a:avLst/>
           </a:prstGeom>
-          <a:noFill/>
-        </p:spPr>
-        <p:txBody>
-          <a:bodyPr wrap="square" rtlCol="0">
-            <a:spAutoFit/>
-          </a:bodyPr>
-          <a:lstStyle/>
-          <a:p>
-            <a:r>
-              <a:rPr lang="en-US" sz="5400" dirty="0"/>
-              <a:t>Staging</a:t>
-            </a:r>
-          </a:p>
-        </p:txBody>
-      </p:sp>
-      <p:sp>
-        <p:nvSpPr>
-          <p:cNvPr id="6" name="Rounded Rectangle 5">
-            <a:extLst>
-              <a:ext uri="{FF2B5EF4-FFF2-40B4-BE49-F238E27FC236}">
-                <a16:creationId xmlns:a16="http://schemas.microsoft.com/office/drawing/2014/main" id="{3D096380-1733-80D8-9FE5-5FB152E441E3}"/>
-              </a:ext>
-            </a:extLst>
-          </p:cNvPr>
-          <p:cNvSpPr/>
-          <p:nvPr/>
-        </p:nvSpPr>
-        <p:spPr>
-          <a:xfrm>
-            <a:off x="4812632" y="117216"/>
-            <a:ext cx="7268977" cy="2366489"/>
-          </a:xfrm>
-          <a:prstGeom prst="roundRect">
-            <a:avLst/>
-          </a:prstGeom>
           <a:solidFill>
-            <a:schemeClr val="bg1">
-              <a:lumMod val="75000"/>
-              <a:alpha val="62301"/>
-            </a:schemeClr>
+            <a:schemeClr val="bg1"/>
           </a:solidFill>
           <a:ln>
             <a:noFill/>
@@ -6649,62 +6417,52 @@
           <a:bodyPr rtlCol="0" anchor="ctr"/>
           <a:lstStyle/>
           <a:p>
-            <a:pPr marL="685800" indent="-685800">
-              <a:buClr>
-                <a:schemeClr val="accent6"/>
-              </a:buClr>
-              <a:buFont typeface="Wingdings" pitchFamily="2" charset="2"/>
-              <a:buChar char="ü"/>
-            </a:pPr>
-            <a:r>
-              <a:rPr lang="en-US" sz="4800" dirty="0">
-                <a:solidFill>
-                  <a:schemeClr val="tx1"/>
-                </a:solidFill>
-              </a:rPr>
-              <a:t>Freeze R and CRAN</a:t>
-            </a:r>
-          </a:p>
-          <a:p>
-            <a:pPr marL="685800" indent="-685800">
-              <a:buClr>
-                <a:schemeClr val="accent6"/>
-              </a:buClr>
-              <a:buFont typeface="Wingdings" pitchFamily="2" charset="2"/>
-              <a:buChar char="ü"/>
-            </a:pPr>
-            <a:r>
-              <a:rPr lang="en-US" sz="4800" dirty="0">
-                <a:solidFill>
-                  <a:schemeClr val="tx1"/>
-                </a:solidFill>
-              </a:rPr>
-              <a:t>Freeze healthy releases</a:t>
-            </a:r>
-          </a:p>
-          <a:p>
-            <a:pPr marL="685800" indent="-685800">
-              <a:buClr>
-                <a:schemeClr val="accent6"/>
-              </a:buClr>
-              <a:buFont typeface="Wingdings" pitchFamily="2" charset="2"/>
-              <a:buChar char="ü"/>
-            </a:pPr>
-            <a:r>
-              <a:rPr lang="en-US" sz="4800" dirty="0">
-                <a:solidFill>
-                  <a:schemeClr val="tx1"/>
-                </a:solidFill>
-              </a:rPr>
-              <a:t>Production snapshot</a:t>
-            </a:r>
-          </a:p>
-        </p:txBody>
-      </p:sp>
+            <a:pPr algn="ctr"/>
+            <a:endParaRPr lang="en-US"/>
+          </a:p>
+        </p:txBody>
+      </p:sp>
+      <p:cxnSp>
+        <p:nvCxnSpPr>
+          <p:cNvPr id="25" name="Straight Connector 24">
+            <a:extLst>
+              <a:ext uri="{FF2B5EF4-FFF2-40B4-BE49-F238E27FC236}">
+                <a16:creationId xmlns:a16="http://schemas.microsoft.com/office/drawing/2014/main" id="{2A0A09F7-304B-9C2C-0639-EB443326C0AC}"/>
+              </a:ext>
+            </a:extLst>
+          </p:cNvPr>
+          <p:cNvCxnSpPr/>
+          <p:nvPr/>
+        </p:nvCxnSpPr>
+        <p:spPr>
+          <a:xfrm>
+            <a:off x="14105" y="5395836"/>
+            <a:ext cx="12192000" cy="0"/>
+          </a:xfrm>
+          <a:prstGeom prst="line">
+            <a:avLst/>
+          </a:prstGeom>
+          <a:ln w="127000"/>
+        </p:spPr>
+        <p:style>
+          <a:lnRef idx="2">
+            <a:schemeClr val="dk1"/>
+          </a:lnRef>
+          <a:fillRef idx="0">
+            <a:schemeClr val="dk1"/>
+          </a:fillRef>
+          <a:effectRef idx="1">
+            <a:schemeClr val="dk1"/>
+          </a:effectRef>
+          <a:fontRef idx="minor">
+            <a:schemeClr val="tx1"/>
+          </a:fontRef>
+        </p:style>
+      </p:cxnSp>
     </p:spTree>
     <p:extLst>
       <p:ext uri="{BB962C8B-B14F-4D97-AF65-F5344CB8AC3E}">
-        <p14:creationId xmlns:p14="http://schemas.microsoft.com/office/powerpoint/2010/main" val="1360301296"/>
+        <p14:creationId xmlns:p14="http://schemas.microsoft.com/office/powerpoint/2010/main" val="3114286991"/>
       </p:ext>
     </p:extLst>
   </p:cSld>
@@ -7027,4 +6785,319 @@
     </a:ext>
   </a:extLst>
 </a:theme>
+</file>
+
+<file path=ppt/theme/theme2.xml><?xml version="1.0" encoding="utf-8"?>
+<a:theme xmlns:a="http://schemas.openxmlformats.org/drawingml/2006/main" name="Office Theme">
+  <a:themeElements>
+    <a:clrScheme name="Office">
+      <a:dk1>
+        <a:sysClr val="windowText" lastClr="000000"/>
+      </a:dk1>
+      <a:lt1>
+        <a:sysClr val="window" lastClr="FFFFFF"/>
+      </a:lt1>
+      <a:dk2>
+        <a:srgbClr val="0E2841"/>
+      </a:dk2>
+      <a:lt2>
+        <a:srgbClr val="E8E8E8"/>
+      </a:lt2>
+      <a:accent1>
+        <a:srgbClr val="156082"/>
+      </a:accent1>
+      <a:accent2>
+        <a:srgbClr val="E97132"/>
+      </a:accent2>
+      <a:accent3>
+        <a:srgbClr val="196B24"/>
+      </a:accent3>
+      <a:accent4>
+        <a:srgbClr val="0F9ED5"/>
+      </a:accent4>
+      <a:accent5>
+        <a:srgbClr val="A02B93"/>
+      </a:accent5>
+      <a:accent6>
+        <a:srgbClr val="4EA72E"/>
+      </a:accent6>
+      <a:hlink>
+        <a:srgbClr val="467886"/>
+      </a:hlink>
+      <a:folHlink>
+        <a:srgbClr val="96607D"/>
+      </a:folHlink>
+    </a:clrScheme>
+    <a:fontScheme name="Office">
+      <a:majorFont>
+        <a:latin typeface="Aptos Display" panose="02110004020202020204"/>
+        <a:ea typeface=""/>
+        <a:cs typeface=""/>
+        <a:font script="Jpan" typeface="游ゴシック Light"/>
+        <a:font script="Hang" typeface="맑은 고딕"/>
+        <a:font script="Hans" typeface="等线 Light"/>
+        <a:font script="Hant" typeface="新細明體"/>
+        <a:font script="Arab" typeface="Times New Roman"/>
+        <a:font script="Hebr" typeface="Times New Roman"/>
+        <a:font script="Thai" typeface="Angsana New"/>
+        <a:font script="Ethi" typeface="Nyala"/>
+        <a:font script="Beng" typeface="Vrinda"/>
+        <a:font script="Gujr" typeface="Shruti"/>
+        <a:font script="Khmr" typeface="MoolBoran"/>
+        <a:font script="Knda" typeface="Tunga"/>
+        <a:font script="Guru" typeface="Raavi"/>
+        <a:font script="Cans" typeface="Euphemia"/>
+        <a:font script="Cher" typeface="Plantagenet Cherokee"/>
+        <a:font script="Yiii" typeface="Microsoft Yi Baiti"/>
+        <a:font script="Tibt" typeface="Microsoft Himalaya"/>
+        <a:font script="Thaa" typeface="MV Boli"/>
+        <a:font script="Deva" typeface="Mangal"/>
+        <a:font script="Telu" typeface="Gautami"/>
+        <a:font script="Taml" typeface="Latha"/>
+        <a:font script="Syrc" typeface="Estrangelo Edessa"/>
+        <a:font script="Orya" typeface="Kalinga"/>
+        <a:font script="Mlym" typeface="Kartika"/>
+        <a:font script="Laoo" typeface="DokChampa"/>
+        <a:font script="Sinh" typeface="Iskoola Pota"/>
+        <a:font script="Mong" typeface="Mongolian Baiti"/>
+        <a:font script="Viet" typeface="Times New Roman"/>
+        <a:font script="Uigh" typeface="Microsoft Uighur"/>
+        <a:font script="Geor" typeface="Sylfaen"/>
+        <a:font script="Armn" typeface="Arial"/>
+        <a:font script="Bugi" typeface="Leelawadee UI"/>
+        <a:font script="Bopo" typeface="Microsoft JhengHei"/>
+        <a:font script="Java" typeface="Javanese Text"/>
+        <a:font script="Lisu" typeface="Segoe UI"/>
+        <a:font script="Mymr" typeface="Myanmar Text"/>
+        <a:font script="Nkoo" typeface="Ebrima"/>
+        <a:font script="Olck" typeface="Nirmala UI"/>
+        <a:font script="Osma" typeface="Ebrima"/>
+        <a:font script="Phag" typeface="Phagspa"/>
+        <a:font script="Syrn" typeface="Estrangelo Edessa"/>
+        <a:font script="Syrj" typeface="Estrangelo Edessa"/>
+        <a:font script="Syre" typeface="Estrangelo Edessa"/>
+        <a:font script="Sora" typeface="Nirmala UI"/>
+        <a:font script="Tale" typeface="Microsoft Tai Le"/>
+        <a:font script="Talu" typeface="Microsoft New Tai Lue"/>
+        <a:font script="Tfng" typeface="Ebrima"/>
+      </a:majorFont>
+      <a:minorFont>
+        <a:latin typeface="Aptos" panose="02110004020202020204"/>
+        <a:ea typeface=""/>
+        <a:cs typeface=""/>
+        <a:font script="Jpan" typeface="游ゴシック"/>
+        <a:font script="Hang" typeface="맑은 고딕"/>
+        <a:font script="Hans" typeface="等线"/>
+        <a:font script="Hant" typeface="新細明體"/>
+        <a:font script="Arab" typeface="Arial"/>
+        <a:font script="Hebr" typeface="Arial"/>
+        <a:font script="Thai" typeface="Cordia New"/>
+        <a:font script="Ethi" typeface="Nyala"/>
+        <a:font script="Beng" typeface="Vrinda"/>
+        <a:font script="Gujr" typeface="Shruti"/>
+        <a:font script="Khmr" typeface="DaunPenh"/>
+        <a:font script="Knda" typeface="Tunga"/>
+        <a:font script="Guru" typeface="Raavi"/>
+        <a:font script="Cans" typeface="Euphemia"/>
+        <a:font script="Cher" typeface="Plantagenet Cherokee"/>
+        <a:font script="Yiii" typeface="Microsoft Yi Baiti"/>
+        <a:font script="Tibt" typeface="Microsoft Himalaya"/>
+        <a:font script="Thaa" typeface="MV Boli"/>
+        <a:font script="Deva" typeface="Mangal"/>
+        <a:font script="Telu" typeface="Gautami"/>
+        <a:font script="Taml" typeface="Latha"/>
+        <a:font script="Syrc" typeface="Estrangelo Edessa"/>
+        <a:font script="Orya" typeface="Kalinga"/>
+        <a:font script="Mlym" typeface="Kartika"/>
+        <a:font script="Laoo" typeface="DokChampa"/>
+        <a:font script="Sinh" typeface="Iskoola Pota"/>
+        <a:font script="Mong" typeface="Mongolian Baiti"/>
+        <a:font script="Viet" typeface="Arial"/>
+        <a:font script="Uigh" typeface="Microsoft Uighur"/>
+        <a:font script="Geor" typeface="Sylfaen"/>
+        <a:font script="Armn" typeface="Arial"/>
+        <a:font script="Bugi" typeface="Leelawadee UI"/>
+        <a:font script="Bopo" typeface="Microsoft JhengHei"/>
+        <a:font script="Java" typeface="Javanese Text"/>
+        <a:font script="Lisu" typeface="Segoe UI"/>
+        <a:font script="Mymr" typeface="Myanmar Text"/>
+        <a:font script="Nkoo" typeface="Ebrima"/>
+        <a:font script="Olck" typeface="Nirmala UI"/>
+        <a:font script="Osma" typeface="Ebrima"/>
+        <a:font script="Phag" typeface="Phagspa"/>
+        <a:font script="Syrn" typeface="Estrangelo Edessa"/>
+        <a:font script="Syrj" typeface="Estrangelo Edessa"/>
+        <a:font script="Syre" typeface="Estrangelo Edessa"/>
+        <a:font script="Sora" typeface="Nirmala UI"/>
+        <a:font script="Tale" typeface="Microsoft Tai Le"/>
+        <a:font script="Talu" typeface="Microsoft New Tai Lue"/>
+        <a:font script="Tfng" typeface="Ebrima"/>
+      </a:minorFont>
+    </a:fontScheme>
+    <a:fmtScheme name="Office">
+      <a:fillStyleLst>
+        <a:solidFill>
+          <a:schemeClr val="phClr"/>
+        </a:solidFill>
+        <a:gradFill rotWithShape="1">
+          <a:gsLst>
+            <a:gs pos="0">
+              <a:schemeClr val="phClr">
+                <a:lumMod val="110000"/>
+                <a:satMod val="105000"/>
+                <a:tint val="67000"/>
+              </a:schemeClr>
+            </a:gs>
+            <a:gs pos="50000">
+              <a:schemeClr val="phClr">
+                <a:lumMod val="105000"/>
+                <a:satMod val="103000"/>
+                <a:tint val="73000"/>
+              </a:schemeClr>
+            </a:gs>
+            <a:gs pos="100000">
+              <a:schemeClr val="phClr">
+                <a:lumMod val="105000"/>
+                <a:satMod val="109000"/>
+                <a:tint val="81000"/>
+              </a:schemeClr>
+            </a:gs>
+          </a:gsLst>
+          <a:lin ang="5400000" scaled="0"/>
+        </a:gradFill>
+        <a:gradFill rotWithShape="1">
+          <a:gsLst>
+            <a:gs pos="0">
+              <a:schemeClr val="phClr">
+                <a:satMod val="103000"/>
+                <a:lumMod val="102000"/>
+                <a:tint val="94000"/>
+              </a:schemeClr>
+            </a:gs>
+            <a:gs pos="50000">
+              <a:schemeClr val="phClr">
+                <a:satMod val="110000"/>
+                <a:lumMod val="100000"/>
+                <a:shade val="100000"/>
+              </a:schemeClr>
+            </a:gs>
+            <a:gs pos="100000">
+              <a:schemeClr val="phClr">
+                <a:lumMod val="99000"/>
+                <a:satMod val="120000"/>
+                <a:shade val="78000"/>
+              </a:schemeClr>
+            </a:gs>
+          </a:gsLst>
+          <a:lin ang="5400000" scaled="0"/>
+        </a:gradFill>
+      </a:fillStyleLst>
+      <a:lnStyleLst>
+        <a:ln w="12700" cap="flat" cmpd="sng" algn="ctr">
+          <a:solidFill>
+            <a:schemeClr val="phClr"/>
+          </a:solidFill>
+          <a:prstDash val="solid"/>
+          <a:miter lim="800000"/>
+        </a:ln>
+        <a:ln w="19050" cap="flat" cmpd="sng" algn="ctr">
+          <a:solidFill>
+            <a:schemeClr val="phClr"/>
+          </a:solidFill>
+          <a:prstDash val="solid"/>
+          <a:miter lim="800000"/>
+        </a:ln>
+        <a:ln w="25400" cap="flat" cmpd="sng" algn="ctr">
+          <a:solidFill>
+            <a:schemeClr val="phClr"/>
+          </a:solidFill>
+          <a:prstDash val="solid"/>
+          <a:miter lim="800000"/>
+        </a:ln>
+      </a:lnStyleLst>
+      <a:effectStyleLst>
+        <a:effectStyle>
+          <a:effectLst/>
+        </a:effectStyle>
+        <a:effectStyle>
+          <a:effectLst/>
+        </a:effectStyle>
+        <a:effectStyle>
+          <a:effectLst>
+            <a:outerShdw blurRad="57150" dist="19050" dir="5400000" algn="ctr" rotWithShape="0">
+              <a:srgbClr val="000000">
+                <a:alpha val="63000"/>
+              </a:srgbClr>
+            </a:outerShdw>
+          </a:effectLst>
+        </a:effectStyle>
+      </a:effectStyleLst>
+      <a:bgFillStyleLst>
+        <a:solidFill>
+          <a:schemeClr val="phClr"/>
+        </a:solidFill>
+        <a:solidFill>
+          <a:schemeClr val="phClr">
+            <a:tint val="95000"/>
+            <a:satMod val="170000"/>
+          </a:schemeClr>
+        </a:solidFill>
+        <a:gradFill rotWithShape="1">
+          <a:gsLst>
+            <a:gs pos="0">
+              <a:schemeClr val="phClr">
+                <a:tint val="93000"/>
+                <a:satMod val="150000"/>
+                <a:shade val="98000"/>
+                <a:lumMod val="102000"/>
+              </a:schemeClr>
+            </a:gs>
+            <a:gs pos="50000">
+              <a:schemeClr val="phClr">
+                <a:tint val="98000"/>
+                <a:satMod val="130000"/>
+                <a:shade val="90000"/>
+                <a:lumMod val="103000"/>
+              </a:schemeClr>
+            </a:gs>
+            <a:gs pos="100000">
+              <a:schemeClr val="phClr">
+                <a:shade val="63000"/>
+                <a:satMod val="120000"/>
+              </a:schemeClr>
+            </a:gs>
+          </a:gsLst>
+          <a:lin ang="5400000" scaled="0"/>
+        </a:gradFill>
+      </a:bgFillStyleLst>
+    </a:fmtScheme>
+  </a:themeElements>
+  <a:objectDefaults>
+    <a:lnDef>
+      <a:spPr/>
+      <a:bodyPr/>
+      <a:lstStyle/>
+      <a:style>
+        <a:lnRef idx="2">
+          <a:schemeClr val="accent1"/>
+        </a:lnRef>
+        <a:fillRef idx="0">
+          <a:schemeClr val="accent1"/>
+        </a:fillRef>
+        <a:effectRef idx="1">
+          <a:schemeClr val="accent1"/>
+        </a:effectRef>
+        <a:fontRef idx="minor">
+          <a:schemeClr val="tx1"/>
+        </a:fontRef>
+      </a:style>
+    </a:lnDef>
+  </a:objectDefaults>
+  <a:extraClrSchemeLst/>
+  <a:extLst>
+    <a:ext uri="{05A4C25C-085E-4340-85A3-A5531E510DB2}">
+      <thm15:themeFamily xmlns:thm15="http://schemas.microsoft.com/office/thememl/2012/main" name="Office Theme" id="{2E142A2C-CD16-42D6-873A-C26D2A0506FA}" vid="{1BDDFF52-6CD6-40A5-AB3C-68EB2F1E4D0A}"/>
+    </a:ext>
+  </a:extLst>
+</a:theme>
 </file>
--- a/images/snapshot.pptx
+++ b/images/snapshot.pptx
@@ -8,11 +8,11 @@
     <p:notesMasterId r:id="rId7"/>
   </p:notesMasterIdLst>
   <p:sldIdLst>
-    <p:sldId id="258" r:id="rId2"/>
-    <p:sldId id="259" r:id="rId3"/>
-    <p:sldId id="260" r:id="rId4"/>
-    <p:sldId id="261" r:id="rId5"/>
-    <p:sldId id="257" r:id="rId6"/>
+    <p:sldId id="266" r:id="rId2"/>
+    <p:sldId id="267" r:id="rId3"/>
+    <p:sldId id="268" r:id="rId4"/>
+    <p:sldId id="269" r:id="rId5"/>
+    <p:sldId id="270" r:id="rId6"/>
   </p:sldIdLst>
   <p:sldSz cx="12192000" cy="6858000"/>
   <p:notesSz cx="6858000" cy="9144000"/>
@@ -111,6 +111,11 @@
       </a:defRPr>
     </a:lvl9pPr>
   </p:defaultTextStyle>
+  <p:extLst>
+    <p:ext uri="{EFAFB233-063F-42B5-8137-9DF3F51BA10A}">
+      <p15:sldGuideLst xmlns:p15="http://schemas.microsoft.com/office/powerpoint/2012/main"/>
+    </p:ext>
+  </p:extLst>
 </p:presentation>
 </file>
 
@@ -196,7 +201,7 @@
           <a:p>
             <a:fld id="{97C13C39-9C1C-2842-8080-1306AA0197AA}" type="datetimeFigureOut">
               <a:rPr lang="en-US" smtClean="0"/>
-              <a:t>5/13/25</a:t>
+              <a:t>5/14/25</a:t>
             </a:fld>
             <a:endParaRPr lang="en-US"/>
           </a:p>
@@ -463,90 +468,6 @@
 </p:notesMaster>
 </file>
 
-<file path=ppt/notesSlides/notesSlide1.xml><?xml version="1.0" encoding="utf-8"?>
-<p:notes xmlns:a="http://schemas.openxmlformats.org/drawingml/2006/main" xmlns:r="http://schemas.openxmlformats.org/officeDocument/2006/relationships" xmlns:p="http://schemas.openxmlformats.org/presentationml/2006/main">
-  <p:cSld>
-    <p:spTree>
-      <p:nvGrpSpPr>
-        <p:cNvPr id="1" name=""/>
-        <p:cNvGrpSpPr/>
-        <p:nvPr/>
-      </p:nvGrpSpPr>
-      <p:grpSpPr>
-        <a:xfrm>
-          <a:off x="0" y="0"/>
-          <a:ext cx="0" cy="0"/>
-          <a:chOff x="0" y="0"/>
-          <a:chExt cx="0" cy="0"/>
-        </a:xfrm>
-      </p:grpSpPr>
-      <p:sp>
-        <p:nvSpPr>
-          <p:cNvPr id="2" name="Slide Image Placeholder 1"/>
-          <p:cNvSpPr>
-            <a:spLocks noGrp="1" noRot="1" noChangeAspect="1"/>
-          </p:cNvSpPr>
-          <p:nvPr>
-            <p:ph type="sldImg"/>
-          </p:nvPr>
-        </p:nvSpPr>
-        <p:spPr/>
-      </p:sp>
-      <p:sp>
-        <p:nvSpPr>
-          <p:cNvPr id="3" name="Notes Placeholder 2"/>
-          <p:cNvSpPr>
-            <a:spLocks noGrp="1"/>
-          </p:cNvSpPr>
-          <p:nvPr>
-            <p:ph type="body" idx="1"/>
-          </p:nvPr>
-        </p:nvSpPr>
-        <p:spPr/>
-        <p:txBody>
-          <a:bodyPr/>
-          <a:lstStyle/>
-          <a:p>
-            <a:endParaRPr lang="en-US" dirty="0"/>
-          </a:p>
-        </p:txBody>
-      </p:sp>
-      <p:sp>
-        <p:nvSpPr>
-          <p:cNvPr id="4" name="Slide Number Placeholder 3"/>
-          <p:cNvSpPr>
-            <a:spLocks noGrp="1"/>
-          </p:cNvSpPr>
-          <p:nvPr>
-            <p:ph type="sldNum" sz="quarter" idx="5"/>
-          </p:nvPr>
-        </p:nvSpPr>
-        <p:spPr/>
-        <p:txBody>
-          <a:bodyPr/>
-          <a:lstStyle/>
-          <a:p>
-            <a:fld id="{77932060-9B3E-9748-8055-3D57AA26FE72}" type="slidenum">
-              <a:rPr lang="en-US" smtClean="0"/>
-              <a:t>4</a:t>
-            </a:fld>
-            <a:endParaRPr lang="en-US"/>
-          </a:p>
-        </p:txBody>
-      </p:sp>
-    </p:spTree>
-    <p:extLst>
-      <p:ext uri="{BB962C8B-B14F-4D97-AF65-F5344CB8AC3E}">
-        <p14:creationId xmlns:p14="http://schemas.microsoft.com/office/powerpoint/2010/main" val="2080571377"/>
-      </p:ext>
-    </p:extLst>
-  </p:cSld>
-  <p:clrMapOvr>
-    <a:masterClrMapping/>
-  </p:clrMapOvr>
-</p:notes>
-</file>
-
 <file path=ppt/slideLayouts/slideLayout1.xml><?xml version="1.0" encoding="utf-8"?>
 <p:sldLayout xmlns:a="http://schemas.openxmlformats.org/drawingml/2006/main" xmlns:r="http://schemas.openxmlformats.org/officeDocument/2006/relationships" xmlns:p="http://schemas.openxmlformats.org/presentationml/2006/main" type="title" preserve="1">
   <p:cSld name="Title Slide">
@@ -694,7 +615,7 @@
           <a:p>
             <a:fld id="{DE0FB15D-23E5-D646-B210-BC6078862DA1}" type="datetimeFigureOut">
               <a:rPr lang="en-US" smtClean="0"/>
-              <a:t>5/13/25</a:t>
+              <a:t>5/14/25</a:t>
             </a:fld>
             <a:endParaRPr lang="en-US"/>
           </a:p>
@@ -892,7 +813,7 @@
           <a:p>
             <a:fld id="{DE0FB15D-23E5-D646-B210-BC6078862DA1}" type="datetimeFigureOut">
               <a:rPr lang="en-US" smtClean="0"/>
-              <a:t>5/13/25</a:t>
+              <a:t>5/14/25</a:t>
             </a:fld>
             <a:endParaRPr lang="en-US"/>
           </a:p>
@@ -1100,7 +1021,7 @@
           <a:p>
             <a:fld id="{DE0FB15D-23E5-D646-B210-BC6078862DA1}" type="datetimeFigureOut">
               <a:rPr lang="en-US" smtClean="0"/>
-              <a:t>5/13/25</a:t>
+              <a:t>5/14/25</a:t>
             </a:fld>
             <a:endParaRPr lang="en-US"/>
           </a:p>
@@ -1298,7 +1219,7 @@
           <a:p>
             <a:fld id="{DE0FB15D-23E5-D646-B210-BC6078862DA1}" type="datetimeFigureOut">
               <a:rPr lang="en-US" smtClean="0"/>
-              <a:t>5/13/25</a:t>
+              <a:t>5/14/25</a:t>
             </a:fld>
             <a:endParaRPr lang="en-US"/>
           </a:p>
@@ -1573,7 +1494,7 @@
           <a:p>
             <a:fld id="{DE0FB15D-23E5-D646-B210-BC6078862DA1}" type="datetimeFigureOut">
               <a:rPr lang="en-US" smtClean="0"/>
-              <a:t>5/13/25</a:t>
+              <a:t>5/14/25</a:t>
             </a:fld>
             <a:endParaRPr lang="en-US"/>
           </a:p>
@@ -1838,7 +1759,7 @@
           <a:p>
             <a:fld id="{DE0FB15D-23E5-D646-B210-BC6078862DA1}" type="datetimeFigureOut">
               <a:rPr lang="en-US" smtClean="0"/>
-              <a:t>5/13/25</a:t>
+              <a:t>5/14/25</a:t>
             </a:fld>
             <a:endParaRPr lang="en-US"/>
           </a:p>
@@ -2250,7 +2171,7 @@
           <a:p>
             <a:fld id="{DE0FB15D-23E5-D646-B210-BC6078862DA1}" type="datetimeFigureOut">
               <a:rPr lang="en-US" smtClean="0"/>
-              <a:t>5/13/25</a:t>
+              <a:t>5/14/25</a:t>
             </a:fld>
             <a:endParaRPr lang="en-US"/>
           </a:p>
@@ -2391,7 +2312,7 @@
           <a:p>
             <a:fld id="{DE0FB15D-23E5-D646-B210-BC6078862DA1}" type="datetimeFigureOut">
               <a:rPr lang="en-US" smtClean="0"/>
-              <a:t>5/13/25</a:t>
+              <a:t>5/14/25</a:t>
             </a:fld>
             <a:endParaRPr lang="en-US"/>
           </a:p>
@@ -2504,7 +2425,7 @@
           <a:p>
             <a:fld id="{DE0FB15D-23E5-D646-B210-BC6078862DA1}" type="datetimeFigureOut">
               <a:rPr lang="en-US" smtClean="0"/>
-              <a:t>5/13/25</a:t>
+              <a:t>5/14/25</a:t>
             </a:fld>
             <a:endParaRPr lang="en-US"/>
           </a:p>
@@ -2815,7 +2736,7 @@
           <a:p>
             <a:fld id="{DE0FB15D-23E5-D646-B210-BC6078862DA1}" type="datetimeFigureOut">
               <a:rPr lang="en-US" smtClean="0"/>
-              <a:t>5/13/25</a:t>
+              <a:t>5/14/25</a:t>
             </a:fld>
             <a:endParaRPr lang="en-US"/>
           </a:p>
@@ -3103,7 +3024,7 @@
           <a:p>
             <a:fld id="{DE0FB15D-23E5-D646-B210-BC6078862DA1}" type="datetimeFigureOut">
               <a:rPr lang="en-US" smtClean="0"/>
-              <a:t>5/13/25</a:t>
+              <a:t>5/14/25</a:t>
             </a:fld>
             <a:endParaRPr lang="en-US"/>
           </a:p>
@@ -3344,7 +3265,7 @@
           <a:p>
             <a:fld id="{DE0FB15D-23E5-D646-B210-BC6078862DA1}" type="datetimeFigureOut">
               <a:rPr lang="en-US" smtClean="0"/>
-              <a:t>5/13/25</a:t>
+              <a:t>5/14/25</a:t>
             </a:fld>
             <a:endParaRPr lang="en-US"/>
           </a:p>
@@ -3752,7 +3673,7 @@
         <p:cNvPr id="1" name="">
           <a:extLst>
             <a:ext uri="{FF2B5EF4-FFF2-40B4-BE49-F238E27FC236}">
-              <a16:creationId xmlns:a16="http://schemas.microsoft.com/office/drawing/2014/main" id="{7C9EFBE8-EDFD-0FA1-3CA6-1A1F7C2AA2C6}"/>
+              <a16:creationId xmlns:a16="http://schemas.microsoft.com/office/drawing/2014/main" id="{7AD2C50C-5BE4-2C46-64A5-33DEF27BBC9A}"/>
             </a:ext>
           </a:extLst>
         </p:cNvPr>
@@ -3767,12 +3688,85 @@
           <a:chExt cx="0" cy="0"/>
         </a:xfrm>
       </p:grpSpPr>
-      <p:sp>
-        <p:nvSpPr>
-          <p:cNvPr id="44" name="Rectangle 43">
-            <a:extLst>
-              <a:ext uri="{FF2B5EF4-FFF2-40B4-BE49-F238E27FC236}">
-                <a16:creationId xmlns:a16="http://schemas.microsoft.com/office/drawing/2014/main" id="{A566D67A-2F9E-FB3E-2B56-89113F0339A8}"/>
+      <p:cxnSp>
+        <p:nvCxnSpPr>
+          <p:cNvPr id="25" name="Straight Connector 24">
+            <a:extLst>
+              <a:ext uri="{FF2B5EF4-FFF2-40B4-BE49-F238E27FC236}">
+                <a16:creationId xmlns:a16="http://schemas.microsoft.com/office/drawing/2014/main" id="{2630BA3F-8A34-2B70-D61A-C01809BE7989}"/>
+              </a:ext>
+            </a:extLst>
+          </p:cNvPr>
+          <p:cNvCxnSpPr/>
+          <p:nvPr/>
+        </p:nvCxnSpPr>
+        <p:spPr>
+          <a:xfrm>
+            <a:off x="0" y="5386211"/>
+            <a:ext cx="12192000" cy="0"/>
+          </a:xfrm>
+          <a:prstGeom prst="line">
+            <a:avLst/>
+          </a:prstGeom>
+          <a:ln w="127000"/>
+        </p:spPr>
+        <p:style>
+          <a:lnRef idx="2">
+            <a:schemeClr val="dk1"/>
+          </a:lnRef>
+          <a:fillRef idx="0">
+            <a:schemeClr val="dk1"/>
+          </a:fillRef>
+          <a:effectRef idx="1">
+            <a:schemeClr val="dk1"/>
+          </a:effectRef>
+          <a:fontRef idx="minor">
+            <a:schemeClr val="tx1"/>
+          </a:fontRef>
+        </p:style>
+      </p:cxnSp>
+      <p:pic>
+        <p:nvPicPr>
+          <p:cNvPr id="11" name="Graphic 10" descr="Landing with solid fill">
+            <a:extLst>
+              <a:ext uri="{FF2B5EF4-FFF2-40B4-BE49-F238E27FC236}">
+                <a16:creationId xmlns:a16="http://schemas.microsoft.com/office/drawing/2014/main" id="{AFC5512A-11D8-FDD1-FECC-48108E849CF2}"/>
+              </a:ext>
+            </a:extLst>
+          </p:cNvPr>
+          <p:cNvPicPr>
+            <a:picLocks noChangeAspect="1"/>
+          </p:cNvPicPr>
+          <p:nvPr/>
+        </p:nvPicPr>
+        <p:blipFill>
+          <a:blip r:embed="rId2">
+            <a:extLst>
+              <a:ext uri="{96DAC541-7B7A-43D3-8B79-37D633B846F1}">
+                <asvg:svgBlip xmlns:asvg="http://schemas.microsoft.com/office/drawing/2016/SVG/main" r:embed="rId3"/>
+              </a:ext>
+            </a:extLst>
+          </a:blip>
+          <a:stretch>
+            <a:fillRect/>
+          </a:stretch>
+        </p:blipFill>
+        <p:spPr>
+          <a:xfrm rot="20837245">
+            <a:off x="149700" y="2235187"/>
+            <a:ext cx="2966769" cy="2966769"/>
+          </a:xfrm>
+          <a:prstGeom prst="rect">
+            <a:avLst/>
+          </a:prstGeom>
+        </p:spPr>
+      </p:pic>
+      <p:sp>
+        <p:nvSpPr>
+          <p:cNvPr id="12" name="Rectangle 11">
+            <a:extLst>
+              <a:ext uri="{FF2B5EF4-FFF2-40B4-BE49-F238E27FC236}">
+                <a16:creationId xmlns:a16="http://schemas.microsoft.com/office/drawing/2014/main" id="{1B427C77-B063-2BA2-7730-6C02D2663614}"/>
               </a:ext>
             </a:extLst>
           </p:cNvPr>
@@ -3780,9 +3774,9 @@
           <p:nvPr/>
         </p:nvSpPr>
         <p:spPr>
-          <a:xfrm rot="21181766">
-            <a:off x="135924" y="1112108"/>
-            <a:ext cx="2829698" cy="593123"/>
+          <a:xfrm rot="20788498">
+            <a:off x="416248" y="4289711"/>
+            <a:ext cx="2717061" cy="353499"/>
           </a:xfrm>
           <a:prstGeom prst="rect">
             <a:avLst/>
@@ -3819,293 +3813,12 @@
           </a:p>
         </p:txBody>
       </p:sp>
-      <p:pic>
-        <p:nvPicPr>
-          <p:cNvPr id="17" name="Graphic 16" descr="Landing with solid fill">
-            <a:extLst>
-              <a:ext uri="{FF2B5EF4-FFF2-40B4-BE49-F238E27FC236}">
-                <a16:creationId xmlns:a16="http://schemas.microsoft.com/office/drawing/2014/main" id="{00B874FE-5345-E9B7-DEAC-0A5B37F4420B}"/>
-              </a:ext>
-            </a:extLst>
-          </p:cNvPr>
-          <p:cNvPicPr>
-            <a:picLocks noChangeAspect="1"/>
-          </p:cNvPicPr>
-          <p:nvPr/>
-        </p:nvPicPr>
-        <p:blipFill>
-          <a:blip r:embed="rId2">
-            <a:extLst>
-              <a:ext uri="{96DAC541-7B7A-43D3-8B79-37D633B846F1}">
-                <asvg:svgBlip xmlns:asvg="http://schemas.microsoft.com/office/drawing/2016/SVG/main" r:embed="rId3"/>
-              </a:ext>
-            </a:extLst>
-          </a:blip>
-          <a:stretch>
-            <a:fillRect/>
-          </a:stretch>
-        </p:blipFill>
-        <p:spPr>
-          <a:xfrm rot="2001250">
-            <a:off x="-69032" y="-71015"/>
-            <a:ext cx="2566086" cy="2566086"/>
-          </a:xfrm>
-          <a:prstGeom prst="rect">
-            <a:avLst/>
-          </a:prstGeom>
-        </p:spPr>
-      </p:pic>
-      <p:sp>
-        <p:nvSpPr>
-          <p:cNvPr id="18" name="Rectangle 17">
-            <a:extLst>
-              <a:ext uri="{FF2B5EF4-FFF2-40B4-BE49-F238E27FC236}">
-                <a16:creationId xmlns:a16="http://schemas.microsoft.com/office/drawing/2014/main" id="{0B7B82EA-88A9-0AB1-02DE-0E4CE684AF32}"/>
-              </a:ext>
-            </a:extLst>
-          </p:cNvPr>
-          <p:cNvSpPr/>
-          <p:nvPr/>
-        </p:nvSpPr>
-        <p:spPr>
-          <a:xfrm rot="2117527">
-            <a:off x="-455181" y="1497918"/>
-            <a:ext cx="2829698" cy="593123"/>
-          </a:xfrm>
-          <a:prstGeom prst="rect">
-            <a:avLst/>
-          </a:prstGeom>
-          <a:solidFill>
-            <a:schemeClr val="bg1"/>
-          </a:solidFill>
-          <a:ln>
-            <a:noFill/>
-          </a:ln>
-        </p:spPr>
-        <p:style>
-          <a:lnRef idx="2">
-            <a:schemeClr val="accent1">
-              <a:shade val="15000"/>
-            </a:schemeClr>
-          </a:lnRef>
-          <a:fillRef idx="1">
-            <a:schemeClr val="accent1"/>
-          </a:fillRef>
-          <a:effectRef idx="0">
-            <a:schemeClr val="accent1"/>
-          </a:effectRef>
-          <a:fontRef idx="minor">
-            <a:schemeClr val="lt1"/>
-          </a:fontRef>
-        </p:style>
-        <p:txBody>
-          <a:bodyPr rtlCol="0" anchor="ctr"/>
-          <a:lstStyle/>
-          <a:p>
-            <a:pPr algn="ctr"/>
-            <a:endParaRPr lang="en-US"/>
-          </a:p>
-        </p:txBody>
-      </p:sp>
-      <p:sp>
-        <p:nvSpPr>
-          <p:cNvPr id="22" name="Rectangle 21">
-            <a:extLst>
-              <a:ext uri="{FF2B5EF4-FFF2-40B4-BE49-F238E27FC236}">
-                <a16:creationId xmlns:a16="http://schemas.microsoft.com/office/drawing/2014/main" id="{0F28BEE9-347C-499C-9826-63C706781995}"/>
-              </a:ext>
-            </a:extLst>
-          </p:cNvPr>
-          <p:cNvSpPr/>
-          <p:nvPr/>
-        </p:nvSpPr>
-        <p:spPr>
-          <a:xfrm rot="167212">
-            <a:off x="2434594" y="4328551"/>
-            <a:ext cx="2829698" cy="593123"/>
-          </a:xfrm>
-          <a:prstGeom prst="rect">
-            <a:avLst/>
-          </a:prstGeom>
-          <a:solidFill>
-            <a:schemeClr val="bg1"/>
-          </a:solidFill>
-          <a:ln>
-            <a:noFill/>
-          </a:ln>
-        </p:spPr>
-        <p:style>
-          <a:lnRef idx="2">
-            <a:schemeClr val="accent1">
-              <a:shade val="15000"/>
-            </a:schemeClr>
-          </a:lnRef>
-          <a:fillRef idx="1">
-            <a:schemeClr val="accent1"/>
-          </a:fillRef>
-          <a:effectRef idx="0">
-            <a:schemeClr val="accent1"/>
-          </a:effectRef>
-          <a:fontRef idx="minor">
-            <a:schemeClr val="lt1"/>
-          </a:fontRef>
-        </p:style>
-        <p:txBody>
-          <a:bodyPr rtlCol="0" anchor="ctr"/>
-          <a:lstStyle/>
-          <a:p>
-            <a:pPr algn="ctr"/>
-            <a:endParaRPr lang="en-US"/>
-          </a:p>
-        </p:txBody>
-      </p:sp>
-      <p:sp>
-        <p:nvSpPr>
-          <p:cNvPr id="29" name="Rectangle 28">
-            <a:extLst>
-              <a:ext uri="{FF2B5EF4-FFF2-40B4-BE49-F238E27FC236}">
-                <a16:creationId xmlns:a16="http://schemas.microsoft.com/office/drawing/2014/main" id="{883A206D-90CF-12EB-A36E-F6F1D916F97E}"/>
-              </a:ext>
-            </a:extLst>
-          </p:cNvPr>
-          <p:cNvSpPr/>
-          <p:nvPr/>
-        </p:nvSpPr>
-        <p:spPr>
-          <a:xfrm rot="167212">
-            <a:off x="6122851" y="5369423"/>
-            <a:ext cx="2829698" cy="593123"/>
-          </a:xfrm>
-          <a:prstGeom prst="rect">
-            <a:avLst/>
-          </a:prstGeom>
-          <a:solidFill>
-            <a:schemeClr val="bg1"/>
-          </a:solidFill>
-          <a:ln>
-            <a:noFill/>
-          </a:ln>
-        </p:spPr>
-        <p:style>
-          <a:lnRef idx="2">
-            <a:schemeClr val="accent1">
-              <a:shade val="15000"/>
-            </a:schemeClr>
-          </a:lnRef>
-          <a:fillRef idx="1">
-            <a:schemeClr val="accent1"/>
-          </a:fillRef>
-          <a:effectRef idx="0">
-            <a:schemeClr val="accent1"/>
-          </a:effectRef>
-          <a:fontRef idx="minor">
-            <a:schemeClr val="lt1"/>
-          </a:fontRef>
-        </p:style>
-        <p:txBody>
-          <a:bodyPr rtlCol="0" anchor="ctr"/>
-          <a:lstStyle/>
-          <a:p>
-            <a:pPr algn="ctr"/>
-            <a:endParaRPr lang="en-US"/>
-          </a:p>
-        </p:txBody>
-      </p:sp>
-      <p:sp>
-        <p:nvSpPr>
-          <p:cNvPr id="32" name="Rectangle 31">
-            <a:extLst>
-              <a:ext uri="{FF2B5EF4-FFF2-40B4-BE49-F238E27FC236}">
-                <a16:creationId xmlns:a16="http://schemas.microsoft.com/office/drawing/2014/main" id="{C4F63CDC-1720-2D36-5662-79DD79919272}"/>
-              </a:ext>
-            </a:extLst>
-          </p:cNvPr>
-          <p:cNvSpPr/>
-          <p:nvPr/>
-        </p:nvSpPr>
-        <p:spPr>
-          <a:xfrm rot="21396444">
-            <a:off x="9623085" y="5774503"/>
-            <a:ext cx="2829698" cy="593123"/>
-          </a:xfrm>
-          <a:prstGeom prst="rect">
-            <a:avLst/>
-          </a:prstGeom>
-          <a:solidFill>
-            <a:schemeClr val="bg1"/>
-          </a:solidFill>
-          <a:ln>
-            <a:noFill/>
-          </a:ln>
-        </p:spPr>
-        <p:style>
-          <a:lnRef idx="2">
-            <a:schemeClr val="accent1">
-              <a:shade val="15000"/>
-            </a:schemeClr>
-          </a:lnRef>
-          <a:fillRef idx="1">
-            <a:schemeClr val="accent1"/>
-          </a:fillRef>
-          <a:effectRef idx="0">
-            <a:schemeClr val="accent1"/>
-          </a:effectRef>
-          <a:fontRef idx="minor">
-            <a:schemeClr val="lt1"/>
-          </a:fontRef>
-        </p:style>
-        <p:txBody>
-          <a:bodyPr rtlCol="0" anchor="ctr"/>
-          <a:lstStyle/>
-          <a:p>
-            <a:pPr algn="ctr"/>
-            <a:endParaRPr lang="en-US"/>
-          </a:p>
-        </p:txBody>
-      </p:sp>
-      <p:cxnSp>
-        <p:nvCxnSpPr>
-          <p:cNvPr id="25" name="Straight Connector 24">
-            <a:extLst>
-              <a:ext uri="{FF2B5EF4-FFF2-40B4-BE49-F238E27FC236}">
-                <a16:creationId xmlns:a16="http://schemas.microsoft.com/office/drawing/2014/main" id="{B4EBED9F-43D4-699D-F12B-7533061FC116}"/>
-              </a:ext>
-            </a:extLst>
-          </p:cNvPr>
-          <p:cNvCxnSpPr/>
-          <p:nvPr/>
-        </p:nvCxnSpPr>
-        <p:spPr>
-          <a:xfrm>
-            <a:off x="14105" y="5395836"/>
-            <a:ext cx="12192000" cy="0"/>
-          </a:xfrm>
-          <a:prstGeom prst="line">
-            <a:avLst/>
-          </a:prstGeom>
-          <a:ln w="127000"/>
-        </p:spPr>
-        <p:style>
-          <a:lnRef idx="2">
-            <a:schemeClr val="dk1"/>
-          </a:lnRef>
-          <a:fillRef idx="0">
-            <a:schemeClr val="dk1"/>
-          </a:fillRef>
-          <a:effectRef idx="1">
-            <a:schemeClr val="dk1"/>
-          </a:effectRef>
-          <a:fontRef idx="minor">
-            <a:schemeClr val="tx1"/>
-          </a:fontRef>
-        </p:style>
-      </p:cxnSp>
-      <p:sp>
-        <p:nvSpPr>
-          <p:cNvPr id="3" name="TextBox 2">
-            <a:extLst>
-              <a:ext uri="{FF2B5EF4-FFF2-40B4-BE49-F238E27FC236}">
-                <a16:creationId xmlns:a16="http://schemas.microsoft.com/office/drawing/2014/main" id="{48A05EBE-B133-119E-B00A-0C2083F200F8}"/>
+      <p:sp>
+        <p:nvSpPr>
+          <p:cNvPr id="13" name="TextBox 12">
+            <a:extLst>
+              <a:ext uri="{FF2B5EF4-FFF2-40B4-BE49-F238E27FC236}">
+                <a16:creationId xmlns:a16="http://schemas.microsoft.com/office/drawing/2014/main" id="{C6747292-A50F-3CD6-C297-374C13BC976B}"/>
               </a:ext>
             </a:extLst>
           </p:cNvPr>
@@ -4114,8 +3827,8 @@
         </p:nvSpPr>
         <p:spPr>
           <a:xfrm>
-            <a:off x="628984" y="1620676"/>
-            <a:ext cx="2567584" cy="923330"/>
+            <a:off x="1517581" y="2496387"/>
+            <a:ext cx="1977849" cy="769441"/>
           </a:xfrm>
           <a:prstGeom prst="rect">
             <a:avLst/>
@@ -4123,145 +3836,14 @@
           <a:noFill/>
         </p:spPr>
         <p:txBody>
-          <a:bodyPr wrap="square" rtlCol="0">
+          <a:bodyPr wrap="none" rtlCol="0">
             <a:spAutoFit/>
           </a:bodyPr>
           <a:lstStyle/>
           <a:p>
             <a:r>
-              <a:rPr lang="en-US" sz="5400" dirty="0"/>
+              <a:rPr lang="en-US" sz="4400" dirty="0"/>
               <a:t>Staging</a:t>
-            </a:r>
-          </a:p>
-        </p:txBody>
-      </p:sp>
-      <p:sp>
-        <p:nvSpPr>
-          <p:cNvPr id="4" name="TextBox 3">
-            <a:extLst>
-              <a:ext uri="{FF2B5EF4-FFF2-40B4-BE49-F238E27FC236}">
-                <a16:creationId xmlns:a16="http://schemas.microsoft.com/office/drawing/2014/main" id="{7A6BCD12-AA84-F718-DC46-80E301AED22E}"/>
-              </a:ext>
-            </a:extLst>
-          </p:cNvPr>
-          <p:cNvSpPr txBox="1"/>
-          <p:nvPr/>
-        </p:nvSpPr>
-        <p:spPr>
-          <a:xfrm>
-            <a:off x="8701239" y="5490691"/>
-            <a:ext cx="3572244" cy="923330"/>
-          </a:xfrm>
-          <a:prstGeom prst="rect">
-            <a:avLst/>
-          </a:prstGeom>
-          <a:noFill/>
-        </p:spPr>
-        <p:txBody>
-          <a:bodyPr wrap="square" rtlCol="0">
-            <a:spAutoFit/>
-          </a:bodyPr>
-          <a:lstStyle/>
-          <a:p>
-            <a:r>
-              <a:rPr lang="en-US" sz="5400" dirty="0"/>
-              <a:t>Production</a:t>
-            </a:r>
-          </a:p>
-        </p:txBody>
-      </p:sp>
-      <p:sp>
-        <p:nvSpPr>
-          <p:cNvPr id="6" name="Rounded Rectangle 5">
-            <a:extLst>
-              <a:ext uri="{FF2B5EF4-FFF2-40B4-BE49-F238E27FC236}">
-                <a16:creationId xmlns:a16="http://schemas.microsoft.com/office/drawing/2014/main" id="{9A11E1AD-F1A6-7365-5CCD-5B97526B08F9}"/>
-              </a:ext>
-            </a:extLst>
-          </p:cNvPr>
-          <p:cNvSpPr/>
-          <p:nvPr/>
-        </p:nvSpPr>
-        <p:spPr>
-          <a:xfrm>
-            <a:off x="4812632" y="117216"/>
-            <a:ext cx="7268977" cy="2366489"/>
-          </a:xfrm>
-          <a:prstGeom prst="roundRect">
-            <a:avLst/>
-          </a:prstGeom>
-          <a:solidFill>
-            <a:schemeClr val="bg1">
-              <a:lumMod val="75000"/>
-              <a:alpha val="62301"/>
-            </a:schemeClr>
-          </a:solidFill>
-          <a:ln>
-            <a:noFill/>
-          </a:ln>
-        </p:spPr>
-        <p:style>
-          <a:lnRef idx="2">
-            <a:schemeClr val="accent1">
-              <a:shade val="15000"/>
-            </a:schemeClr>
-          </a:lnRef>
-          <a:fillRef idx="1">
-            <a:schemeClr val="accent1"/>
-          </a:fillRef>
-          <a:effectRef idx="0">
-            <a:schemeClr val="accent1"/>
-          </a:effectRef>
-          <a:fontRef idx="minor">
-            <a:schemeClr val="lt1"/>
-          </a:fontRef>
-        </p:style>
-        <p:txBody>
-          <a:bodyPr rtlCol="0" anchor="ctr"/>
-          <a:lstStyle/>
-          <a:p>
-            <a:pPr marL="571500" indent="-571500">
-              <a:buClr>
-                <a:schemeClr val="tx1"/>
-              </a:buClr>
-              <a:buFont typeface="Wingdings" pitchFamily="2" charset="2"/>
-              <a:buChar char="q"/>
-            </a:pPr>
-            <a:r>
-              <a:rPr lang="en-US" sz="4800" dirty="0">
-                <a:solidFill>
-                  <a:schemeClr val="tx1"/>
-                </a:solidFill>
-              </a:rPr>
-              <a:t> Freeze R and CRAN</a:t>
-            </a:r>
-          </a:p>
-          <a:p>
-            <a:pPr marL="285750" indent="-285750">
-              <a:buFont typeface="Wingdings" pitchFamily="2" charset="2"/>
-              <a:buChar char="q"/>
-            </a:pPr>
-            <a:r>
-              <a:rPr lang="en-US" sz="4800" dirty="0">
-                <a:solidFill>
-                  <a:schemeClr val="tx1"/>
-                </a:solidFill>
-              </a:rPr>
-              <a:t> Freeze healthy releases</a:t>
-            </a:r>
-          </a:p>
-          <a:p>
-            <a:pPr marL="285750" indent="-285750">
-              <a:buFont typeface="Wingdings" pitchFamily="2" charset="2"/>
-              <a:buChar char="q"/>
-            </a:pPr>
-            <a:r>
-              <a:rPr lang="en-US" sz="4800" dirty="0">
-                <a:solidFill>
-                  <a:schemeClr val="tx1"/>
-                </a:solidFill>
-              </a:rPr>
-              <a:t> Production snapshot</a:t>
             </a:r>
           </a:p>
         </p:txBody>
@@ -4269,7 +3851,7 @@
     </p:spTree>
     <p:extLst>
       <p:ext uri="{BB962C8B-B14F-4D97-AF65-F5344CB8AC3E}">
-        <p14:creationId xmlns:p14="http://schemas.microsoft.com/office/powerpoint/2010/main" val="2262176564"/>
+        <p14:creationId xmlns:p14="http://schemas.microsoft.com/office/powerpoint/2010/main" val="206087786"/>
       </p:ext>
     </p:extLst>
   </p:cSld>
@@ -4287,7 +3869,7 @@
         <p:cNvPr id="1" name="">
           <a:extLst>
             <a:ext uri="{FF2B5EF4-FFF2-40B4-BE49-F238E27FC236}">
-              <a16:creationId xmlns:a16="http://schemas.microsoft.com/office/drawing/2014/main" id="{4197737B-B7DE-3BA3-AE5B-2D24345ED490}"/>
+              <a16:creationId xmlns:a16="http://schemas.microsoft.com/office/drawing/2014/main" id="{81796F6D-4F5C-0B53-C572-807CB7B6F63C}"/>
             </a:ext>
           </a:extLst>
         </p:cNvPr>
@@ -4304,10 +3886,10 @@
       </p:grpSpPr>
       <p:cxnSp>
         <p:nvCxnSpPr>
-          <p:cNvPr id="9" name="Straight Connector 8">
-            <a:extLst>
-              <a:ext uri="{FF2B5EF4-FFF2-40B4-BE49-F238E27FC236}">
-                <a16:creationId xmlns:a16="http://schemas.microsoft.com/office/drawing/2014/main" id="{B8F1DAC7-0E17-332D-B7F4-4BF7BECA3D78}"/>
+          <p:cNvPr id="20" name="Straight Arrow Connector 19">
+            <a:extLst>
+              <a:ext uri="{FF2B5EF4-FFF2-40B4-BE49-F238E27FC236}">
+                <a16:creationId xmlns:a16="http://schemas.microsoft.com/office/drawing/2014/main" id="{F4E692FE-1038-FD99-8230-C58AF6726645}"/>
               </a:ext>
             </a:extLst>
           </p:cNvPr>
@@ -4318,20 +3900,60 @@
         </p:nvCxnSpPr>
         <p:spPr>
           <a:xfrm>
-            <a:off x="1682885" y="1462163"/>
-            <a:ext cx="2313706" cy="2287188"/>
+            <a:off x="1337912" y="3522846"/>
+            <a:ext cx="9221002" cy="1434165"/>
+          </a:xfrm>
+          <a:prstGeom prst="straightConnector1">
+            <a:avLst/>
+          </a:prstGeom>
+          <a:ln w="127000">
+            <a:solidFill>
+              <a:schemeClr val="tx1">
+                <a:lumMod val="65000"/>
+                <a:lumOff val="35000"/>
+                <a:alpha val="38000"/>
+              </a:schemeClr>
+            </a:solidFill>
+            <a:prstDash val="sysDot"/>
+            <a:tailEnd type="triangle"/>
+          </a:ln>
+        </p:spPr>
+        <p:style>
+          <a:lnRef idx="2">
+            <a:schemeClr val="accent1"/>
+          </a:lnRef>
+          <a:fillRef idx="0">
+            <a:schemeClr val="accent1"/>
+          </a:fillRef>
+          <a:effectRef idx="1">
+            <a:schemeClr val="accent1"/>
+          </a:effectRef>
+          <a:fontRef idx="minor">
+            <a:schemeClr val="tx1"/>
+          </a:fontRef>
+        </p:style>
+      </p:cxnSp>
+      <p:cxnSp>
+        <p:nvCxnSpPr>
+          <p:cNvPr id="25" name="Straight Connector 24">
+            <a:extLst>
+              <a:ext uri="{FF2B5EF4-FFF2-40B4-BE49-F238E27FC236}">
+                <a16:creationId xmlns:a16="http://schemas.microsoft.com/office/drawing/2014/main" id="{F949B4C1-EA01-6DAD-5874-8646A0766C83}"/>
+              </a:ext>
+            </a:extLst>
+          </p:cNvPr>
+          <p:cNvCxnSpPr/>
+          <p:nvPr/>
+        </p:nvCxnSpPr>
+        <p:spPr>
+          <a:xfrm>
+            <a:off x="0" y="5386211"/>
+            <a:ext cx="12192000" cy="0"/>
           </a:xfrm>
           <a:prstGeom prst="line">
             <a:avLst/>
           </a:prstGeom>
-          <a:ln w="63500">
-            <a:solidFill>
-              <a:schemeClr val="bg1">
-                <a:lumMod val="50000"/>
-              </a:schemeClr>
-            </a:solidFill>
-            <a:prstDash val="sysDot"/>
-          </a:ln>
+          <a:ln w="127000"/>
         </p:spPr>
         <p:style>
           <a:lnRef idx="2">
@@ -4348,12 +3970,47 @@
           </a:fontRef>
         </p:style>
       </p:cxnSp>
+      <p:sp>
+        <p:nvSpPr>
+          <p:cNvPr id="3" name="TextBox 2">
+            <a:extLst>
+              <a:ext uri="{FF2B5EF4-FFF2-40B4-BE49-F238E27FC236}">
+                <a16:creationId xmlns:a16="http://schemas.microsoft.com/office/drawing/2014/main" id="{8818024C-2B4B-CAB6-1BDE-D7C1293D2D76}"/>
+              </a:ext>
+            </a:extLst>
+          </p:cNvPr>
+          <p:cNvSpPr txBox="1"/>
+          <p:nvPr/>
+        </p:nvSpPr>
+        <p:spPr>
+          <a:xfrm>
+            <a:off x="9327498" y="5411450"/>
+            <a:ext cx="2864502" cy="769441"/>
+          </a:xfrm>
+          <a:prstGeom prst="rect">
+            <a:avLst/>
+          </a:prstGeom>
+          <a:noFill/>
+        </p:spPr>
+        <p:txBody>
+          <a:bodyPr wrap="none" rtlCol="0">
+            <a:spAutoFit/>
+          </a:bodyPr>
+          <a:lstStyle/>
+          <a:p>
+            <a:r>
+              <a:rPr lang="en-US" sz="4400" dirty="0"/>
+              <a:t>Production</a:t>
+            </a:r>
+          </a:p>
+        </p:txBody>
+      </p:sp>
       <p:pic>
         <p:nvPicPr>
-          <p:cNvPr id="21" name="Graphic 20" descr="Landing with solid fill">
-            <a:extLst>
-              <a:ext uri="{FF2B5EF4-FFF2-40B4-BE49-F238E27FC236}">
-                <a16:creationId xmlns:a16="http://schemas.microsoft.com/office/drawing/2014/main" id="{2652E3F2-D6DB-3D87-99F1-8C20D179097F}"/>
+          <p:cNvPr id="7" name="Graphic 6" descr="Landing with solid fill">
+            <a:extLst>
+              <a:ext uri="{FF2B5EF4-FFF2-40B4-BE49-F238E27FC236}">
+                <a16:creationId xmlns:a16="http://schemas.microsoft.com/office/drawing/2014/main" id="{5C73A576-94FD-B5D5-3B8F-68A96CEAB8F5}"/>
               </a:ext>
             </a:extLst>
           </p:cNvPr>
@@ -4375,9 +4032,9 @@
           </a:stretch>
         </p:blipFill>
         <p:spPr>
-          <a:xfrm rot="20940854">
-            <a:off x="2752768" y="2666199"/>
-            <a:ext cx="2566086" cy="2566086"/>
+          <a:xfrm rot="20837245">
+            <a:off x="149700" y="2235187"/>
+            <a:ext cx="2966769" cy="2966769"/>
           </a:xfrm>
           <a:prstGeom prst="rect">
             <a:avLst/>
@@ -4386,10 +4043,10 @@
       </p:pic>
       <p:sp>
         <p:nvSpPr>
-          <p:cNvPr id="22" name="Rectangle 21">
-            <a:extLst>
-              <a:ext uri="{FF2B5EF4-FFF2-40B4-BE49-F238E27FC236}">
-                <a16:creationId xmlns:a16="http://schemas.microsoft.com/office/drawing/2014/main" id="{51BE3FB8-FE46-E7E7-BCFA-E04A6D318F1F}"/>
+          <p:cNvPr id="8" name="Rectangle 7">
+            <a:extLst>
+              <a:ext uri="{FF2B5EF4-FFF2-40B4-BE49-F238E27FC236}">
+                <a16:creationId xmlns:a16="http://schemas.microsoft.com/office/drawing/2014/main" id="{0FBD45E7-BD0A-3E34-3E13-89ED64599A79}"/>
               </a:ext>
             </a:extLst>
           </p:cNvPr>
@@ -4397,9 +4054,9 @@
           <p:nvPr/>
         </p:nvSpPr>
         <p:spPr>
-          <a:xfrm rot="20557167">
-            <a:off x="2431909" y="4310986"/>
-            <a:ext cx="2947306" cy="593123"/>
+          <a:xfrm rot="20788498">
+            <a:off x="416248" y="4289711"/>
+            <a:ext cx="2717061" cy="353499"/>
           </a:xfrm>
           <a:prstGeom prst="rect">
             <a:avLst/>
@@ -4438,99 +4095,10 @@
       </p:sp>
       <p:sp>
         <p:nvSpPr>
-          <p:cNvPr id="29" name="Rectangle 28">
-            <a:extLst>
-              <a:ext uri="{FF2B5EF4-FFF2-40B4-BE49-F238E27FC236}">
-                <a16:creationId xmlns:a16="http://schemas.microsoft.com/office/drawing/2014/main" id="{01246C98-6FC7-12AA-24A3-E8979EE230B3}"/>
-              </a:ext>
-            </a:extLst>
-          </p:cNvPr>
-          <p:cNvSpPr/>
-          <p:nvPr/>
-        </p:nvSpPr>
-        <p:spPr>
-          <a:xfrm rot="167212">
-            <a:off x="6122851" y="5369423"/>
-            <a:ext cx="2829698" cy="593123"/>
-          </a:xfrm>
-          <a:prstGeom prst="rect">
-            <a:avLst/>
-          </a:prstGeom>
-          <a:solidFill>
-            <a:schemeClr val="bg1"/>
-          </a:solidFill>
-          <a:ln>
-            <a:noFill/>
-          </a:ln>
-        </p:spPr>
-        <p:style>
-          <a:lnRef idx="2">
-            <a:schemeClr val="accent1">
-              <a:shade val="15000"/>
-            </a:schemeClr>
-          </a:lnRef>
-          <a:fillRef idx="1">
-            <a:schemeClr val="accent1"/>
-          </a:fillRef>
-          <a:effectRef idx="0">
-            <a:schemeClr val="accent1"/>
-          </a:effectRef>
-          <a:fontRef idx="minor">
-            <a:schemeClr val="lt1"/>
-          </a:fontRef>
-        </p:style>
-        <p:txBody>
-          <a:bodyPr rtlCol="0" anchor="ctr"/>
-          <a:lstStyle/>
-          <a:p>
-            <a:pPr algn="ctr"/>
-            <a:endParaRPr lang="en-US"/>
-          </a:p>
-        </p:txBody>
-      </p:sp>
-      <p:cxnSp>
-        <p:nvCxnSpPr>
-          <p:cNvPr id="25" name="Straight Connector 24">
-            <a:extLst>
-              <a:ext uri="{FF2B5EF4-FFF2-40B4-BE49-F238E27FC236}">
-                <a16:creationId xmlns:a16="http://schemas.microsoft.com/office/drawing/2014/main" id="{8168AFA6-77AF-EC5E-2CF7-A1F64C2901B0}"/>
-              </a:ext>
-            </a:extLst>
-          </p:cNvPr>
-          <p:cNvCxnSpPr/>
-          <p:nvPr/>
-        </p:nvCxnSpPr>
-        <p:spPr>
-          <a:xfrm>
-            <a:off x="14105" y="5395836"/>
-            <a:ext cx="12192000" cy="0"/>
-          </a:xfrm>
-          <a:prstGeom prst="line">
-            <a:avLst/>
-          </a:prstGeom>
-          <a:ln w="127000"/>
-        </p:spPr>
-        <p:style>
-          <a:lnRef idx="2">
-            <a:schemeClr val="dk1"/>
-          </a:lnRef>
-          <a:fillRef idx="0">
-            <a:schemeClr val="dk1"/>
-          </a:fillRef>
-          <a:effectRef idx="1">
-            <a:schemeClr val="dk1"/>
-          </a:effectRef>
-          <a:fontRef idx="minor">
-            <a:schemeClr val="tx1"/>
-          </a:fontRef>
-        </p:style>
-      </p:cxnSp>
-      <p:sp>
-        <p:nvSpPr>
-          <p:cNvPr id="4" name="TextBox 3">
-            <a:extLst>
-              <a:ext uri="{FF2B5EF4-FFF2-40B4-BE49-F238E27FC236}">
-                <a16:creationId xmlns:a16="http://schemas.microsoft.com/office/drawing/2014/main" id="{47145CF3-C8C4-8563-001E-8826FF1BF84A}"/>
+          <p:cNvPr id="15" name="TextBox 14">
+            <a:extLst>
+              <a:ext uri="{FF2B5EF4-FFF2-40B4-BE49-F238E27FC236}">
+                <a16:creationId xmlns:a16="http://schemas.microsoft.com/office/drawing/2014/main" id="{805C3B03-E2B7-9F71-7191-59A62DEDC991}"/>
               </a:ext>
             </a:extLst>
           </p:cNvPr>
@@ -4539,8 +4107,8 @@
         </p:nvSpPr>
         <p:spPr>
           <a:xfrm>
-            <a:off x="8701239" y="5490691"/>
-            <a:ext cx="3572244" cy="923330"/>
+            <a:off x="1517581" y="2496387"/>
+            <a:ext cx="1977849" cy="769441"/>
           </a:xfrm>
           <a:prstGeom prst="rect">
             <a:avLst/>
@@ -4548,145 +4116,14 @@
           <a:noFill/>
         </p:spPr>
         <p:txBody>
-          <a:bodyPr wrap="square" rtlCol="0">
+          <a:bodyPr wrap="none" rtlCol="0">
             <a:spAutoFit/>
           </a:bodyPr>
           <a:lstStyle/>
           <a:p>
             <a:r>
-              <a:rPr lang="en-US" sz="5400" dirty="0"/>
-              <a:t>Production</a:t>
-            </a:r>
-          </a:p>
-        </p:txBody>
-      </p:sp>
-      <p:sp>
-        <p:nvSpPr>
-          <p:cNvPr id="5" name="TextBox 4">
-            <a:extLst>
-              <a:ext uri="{FF2B5EF4-FFF2-40B4-BE49-F238E27FC236}">
-                <a16:creationId xmlns:a16="http://schemas.microsoft.com/office/drawing/2014/main" id="{D793FB9F-2DCF-F277-FABB-F4CD2A183553}"/>
-              </a:ext>
-            </a:extLst>
-          </p:cNvPr>
-          <p:cNvSpPr txBox="1"/>
-          <p:nvPr/>
-        </p:nvSpPr>
-        <p:spPr>
-          <a:xfrm>
-            <a:off x="2128441" y="3749351"/>
-            <a:ext cx="2567584" cy="923330"/>
-          </a:xfrm>
-          <a:prstGeom prst="rect">
-            <a:avLst/>
-          </a:prstGeom>
-          <a:noFill/>
-        </p:spPr>
-        <p:txBody>
-          <a:bodyPr wrap="square" rtlCol="0">
-            <a:spAutoFit/>
-          </a:bodyPr>
-          <a:lstStyle/>
-          <a:p>
-            <a:r>
-              <a:rPr lang="en-US" sz="5400" dirty="0"/>
+              <a:rPr lang="en-US" sz="4400" dirty="0"/>
               <a:t>Staging</a:t>
-            </a:r>
-          </a:p>
-        </p:txBody>
-      </p:sp>
-      <p:sp>
-        <p:nvSpPr>
-          <p:cNvPr id="7" name="Rounded Rectangle 6">
-            <a:extLst>
-              <a:ext uri="{FF2B5EF4-FFF2-40B4-BE49-F238E27FC236}">
-                <a16:creationId xmlns:a16="http://schemas.microsoft.com/office/drawing/2014/main" id="{F7B1B421-641F-55A1-BAF3-824B4F42273B}"/>
-              </a:ext>
-            </a:extLst>
-          </p:cNvPr>
-          <p:cNvSpPr/>
-          <p:nvPr/>
-        </p:nvSpPr>
-        <p:spPr>
-          <a:xfrm>
-            <a:off x="4812632" y="117216"/>
-            <a:ext cx="7268977" cy="2366489"/>
-          </a:xfrm>
-          <a:prstGeom prst="roundRect">
-            <a:avLst/>
-          </a:prstGeom>
-          <a:solidFill>
-            <a:schemeClr val="bg1">
-              <a:lumMod val="75000"/>
-              <a:alpha val="62301"/>
-            </a:schemeClr>
-          </a:solidFill>
-          <a:ln>
-            <a:noFill/>
-          </a:ln>
-        </p:spPr>
-        <p:style>
-          <a:lnRef idx="2">
-            <a:schemeClr val="accent1">
-              <a:shade val="15000"/>
-            </a:schemeClr>
-          </a:lnRef>
-          <a:fillRef idx="1">
-            <a:schemeClr val="accent1"/>
-          </a:fillRef>
-          <a:effectRef idx="0">
-            <a:schemeClr val="accent1"/>
-          </a:effectRef>
-          <a:fontRef idx="minor">
-            <a:schemeClr val="lt1"/>
-          </a:fontRef>
-        </p:style>
-        <p:txBody>
-          <a:bodyPr rtlCol="0" anchor="ctr"/>
-          <a:lstStyle/>
-          <a:p>
-            <a:pPr marL="685800" indent="-685800">
-              <a:buClr>
-                <a:schemeClr val="accent6"/>
-              </a:buClr>
-              <a:buFont typeface="Wingdings" pitchFamily="2" charset="2"/>
-              <a:buChar char="ü"/>
-            </a:pPr>
-            <a:r>
-              <a:rPr lang="en-US" sz="4800" dirty="0">
-                <a:solidFill>
-                  <a:schemeClr val="tx1"/>
-                </a:solidFill>
-              </a:rPr>
-              <a:t>Freeze R and CRAN</a:t>
-            </a:r>
-          </a:p>
-          <a:p>
-            <a:pPr marL="285750" indent="-285750">
-              <a:buFont typeface="Wingdings" pitchFamily="2" charset="2"/>
-              <a:buChar char="q"/>
-            </a:pPr>
-            <a:r>
-              <a:rPr lang="en-US" sz="4800" dirty="0">
-                <a:solidFill>
-                  <a:schemeClr val="tx1"/>
-                </a:solidFill>
-              </a:rPr>
-              <a:t> Freeze healthy releases</a:t>
-            </a:r>
-          </a:p>
-          <a:p>
-            <a:pPr marL="285750" indent="-285750">
-              <a:buFont typeface="Wingdings" pitchFamily="2" charset="2"/>
-              <a:buChar char="q"/>
-            </a:pPr>
-            <a:r>
-              <a:rPr lang="en-US" sz="4800" dirty="0">
-                <a:solidFill>
-                  <a:schemeClr val="tx1"/>
-                </a:solidFill>
-              </a:rPr>
-              <a:t> Production snapshot</a:t>
             </a:r>
           </a:p>
         </p:txBody>
@@ -4694,7 +4131,7 @@
     </p:spTree>
     <p:extLst>
       <p:ext uri="{BB962C8B-B14F-4D97-AF65-F5344CB8AC3E}">
-        <p14:creationId xmlns:p14="http://schemas.microsoft.com/office/powerpoint/2010/main" val="343365682"/>
+        <p14:creationId xmlns:p14="http://schemas.microsoft.com/office/powerpoint/2010/main" val="1637973533"/>
       </p:ext>
     </p:extLst>
   </p:cSld>
@@ -4712,7 +4149,7 @@
         <p:cNvPr id="1" name="">
           <a:extLst>
             <a:ext uri="{FF2B5EF4-FFF2-40B4-BE49-F238E27FC236}">
-              <a16:creationId xmlns:a16="http://schemas.microsoft.com/office/drawing/2014/main" id="{BA87D519-55D5-EE1E-1299-B1F06D34C435}"/>
+              <a16:creationId xmlns:a16="http://schemas.microsoft.com/office/drawing/2014/main" id="{B1695945-BD06-E465-46C2-D690ED5110FE}"/>
             </a:ext>
           </a:extLst>
         </p:cNvPr>
@@ -4727,12 +4164,49 @@
           <a:chExt cx="0" cy="0"/>
         </a:xfrm>
       </p:grpSpPr>
-      <p:sp>
-        <p:nvSpPr>
-          <p:cNvPr id="44" name="Rectangle 43">
-            <a:extLst>
-              <a:ext uri="{FF2B5EF4-FFF2-40B4-BE49-F238E27FC236}">
-                <a16:creationId xmlns:a16="http://schemas.microsoft.com/office/drawing/2014/main" id="{84D7BFF8-5A4F-0EF6-C538-D44046BE891C}"/>
+      <p:cxnSp>
+        <p:nvCxnSpPr>
+          <p:cNvPr id="25" name="Straight Connector 24">
+            <a:extLst>
+              <a:ext uri="{FF2B5EF4-FFF2-40B4-BE49-F238E27FC236}">
+                <a16:creationId xmlns:a16="http://schemas.microsoft.com/office/drawing/2014/main" id="{E02F38EA-CBDA-B4BC-6488-A0BC3FC278E2}"/>
+              </a:ext>
+            </a:extLst>
+          </p:cNvPr>
+          <p:cNvCxnSpPr/>
+          <p:nvPr/>
+        </p:nvCxnSpPr>
+        <p:spPr>
+          <a:xfrm>
+            <a:off x="0" y="5386211"/>
+            <a:ext cx="12192000" cy="0"/>
+          </a:xfrm>
+          <a:prstGeom prst="line">
+            <a:avLst/>
+          </a:prstGeom>
+          <a:ln w="127000"/>
+        </p:spPr>
+        <p:style>
+          <a:lnRef idx="2">
+            <a:schemeClr val="dk1"/>
+          </a:lnRef>
+          <a:fillRef idx="0">
+            <a:schemeClr val="dk1"/>
+          </a:fillRef>
+          <a:effectRef idx="1">
+            <a:schemeClr val="dk1"/>
+          </a:effectRef>
+          <a:fontRef idx="minor">
+            <a:schemeClr val="tx1"/>
+          </a:fontRef>
+        </p:style>
+      </p:cxnSp>
+      <p:sp>
+        <p:nvSpPr>
+          <p:cNvPr id="4" name="Rounded Rectangle 3">
+            <a:extLst>
+              <a:ext uri="{FF2B5EF4-FFF2-40B4-BE49-F238E27FC236}">
+                <a16:creationId xmlns:a16="http://schemas.microsoft.com/office/drawing/2014/main" id="{40CCAF5F-27CA-D765-F5BD-55ED75205A01}"/>
               </a:ext>
             </a:extLst>
           </p:cNvPr>
@@ -4740,15 +4214,18 @@
           <p:nvPr/>
         </p:nvSpPr>
         <p:spPr>
-          <a:xfrm rot="21181766">
-            <a:off x="135924" y="1112108"/>
-            <a:ext cx="2829698" cy="593123"/>
-          </a:xfrm>
-          <a:prstGeom prst="rect">
+          <a:xfrm>
+            <a:off x="5084826" y="200628"/>
+            <a:ext cx="6996783" cy="2455946"/>
+          </a:xfrm>
+          <a:prstGeom prst="roundRect">
             <a:avLst/>
           </a:prstGeom>
           <a:solidFill>
-            <a:schemeClr val="bg1"/>
+            <a:schemeClr val="bg1">
+              <a:lumMod val="85000"/>
+              <a:alpha val="62301"/>
+            </a:schemeClr>
           </a:solidFill>
           <a:ln>
             <a:noFill/>
@@ -4774,17 +4251,93 @@
           <a:bodyPr rtlCol="0" anchor="ctr"/>
           <a:lstStyle/>
           <a:p>
-            <a:pPr algn="ctr"/>
-            <a:endParaRPr lang="en-US"/>
+            <a:pPr marL="571500" indent="-571500">
+              <a:buClr>
+                <a:schemeClr val="accent6"/>
+              </a:buClr>
+              <a:buFont typeface="Wingdings" pitchFamily="2" charset="2"/>
+              <a:buChar char="ü"/>
+            </a:pPr>
+            <a:r>
+              <a:rPr lang="en-US" sz="4400" dirty="0">
+                <a:solidFill>
+                  <a:schemeClr val="tx1"/>
+                </a:solidFill>
+              </a:rPr>
+              <a:t> Freeze R and CRAN</a:t>
+            </a:r>
+          </a:p>
+          <a:p>
+            <a:pPr marL="285750" indent="-285750">
+              <a:buFont typeface="Wingdings" pitchFamily="2" charset="2"/>
+              <a:buChar char="q"/>
+            </a:pPr>
+            <a:r>
+              <a:rPr lang="en-US" sz="4400" dirty="0">
+                <a:solidFill>
+                  <a:schemeClr val="tx1"/>
+                </a:solidFill>
+              </a:rPr>
+              <a:t>  Freeze healthy releases</a:t>
+            </a:r>
+          </a:p>
+          <a:p>
+            <a:pPr marL="285750" indent="-285750">
+              <a:buFont typeface="Wingdings" pitchFamily="2" charset="2"/>
+              <a:buChar char="q"/>
+            </a:pPr>
+            <a:r>
+              <a:rPr lang="en-US" sz="4400" dirty="0">
+                <a:solidFill>
+                  <a:schemeClr val="tx1"/>
+                </a:solidFill>
+              </a:rPr>
+              <a:t>  Snapshot Staging</a:t>
+            </a:r>
+          </a:p>
+        </p:txBody>
+      </p:sp>
+      <p:sp>
+        <p:nvSpPr>
+          <p:cNvPr id="6" name="TextBox 5">
+            <a:extLst>
+              <a:ext uri="{FF2B5EF4-FFF2-40B4-BE49-F238E27FC236}">
+                <a16:creationId xmlns:a16="http://schemas.microsoft.com/office/drawing/2014/main" id="{424CA8B5-EFA8-FB6E-84C8-6BE6C903CEC8}"/>
+              </a:ext>
+            </a:extLst>
+          </p:cNvPr>
+          <p:cNvSpPr txBox="1"/>
+          <p:nvPr/>
+        </p:nvSpPr>
+        <p:spPr>
+          <a:xfrm>
+            <a:off x="9327498" y="5411450"/>
+            <a:ext cx="2864502" cy="769441"/>
+          </a:xfrm>
+          <a:prstGeom prst="rect">
+            <a:avLst/>
+          </a:prstGeom>
+          <a:noFill/>
+        </p:spPr>
+        <p:txBody>
+          <a:bodyPr wrap="none" rtlCol="0">
+            <a:spAutoFit/>
+          </a:bodyPr>
+          <a:lstStyle/>
+          <a:p>
+            <a:r>
+              <a:rPr lang="en-US" sz="4400" dirty="0"/>
+              <a:t>Production</a:t>
+            </a:r>
           </a:p>
         </p:txBody>
       </p:sp>
       <p:cxnSp>
         <p:nvCxnSpPr>
-          <p:cNvPr id="8" name="Straight Connector 7">
-            <a:extLst>
-              <a:ext uri="{FF2B5EF4-FFF2-40B4-BE49-F238E27FC236}">
-                <a16:creationId xmlns:a16="http://schemas.microsoft.com/office/drawing/2014/main" id="{6F2BBDFE-44CF-5D6E-138F-5324B4B02F4E}"/>
+          <p:cNvPr id="8" name="Straight Arrow Connector 7">
+            <a:extLst>
+              <a:ext uri="{FF2B5EF4-FFF2-40B4-BE49-F238E27FC236}">
+                <a16:creationId xmlns:a16="http://schemas.microsoft.com/office/drawing/2014/main" id="{70943C7D-8C2A-CC43-1461-39F41106C6F0}"/>
               </a:ext>
             </a:extLst>
           </p:cNvPr>
@@ -4795,42 +4348,81 @@
         </p:nvCxnSpPr>
         <p:spPr>
           <a:xfrm>
-            <a:off x="4063295" y="3749351"/>
-            <a:ext cx="3886200" cy="1115094"/>
-          </a:xfrm>
-          <a:prstGeom prst="line">
+            <a:off x="1337912" y="3522846"/>
+            <a:ext cx="9221002" cy="1434165"/>
+          </a:xfrm>
+          <a:prstGeom prst="straightConnector1">
             <a:avLst/>
           </a:prstGeom>
-          <a:ln w="63500">
+          <a:ln w="127000">
             <a:solidFill>
-              <a:schemeClr val="bg1">
-                <a:lumMod val="50000"/>
+              <a:schemeClr val="tx1">
+                <a:lumMod val="65000"/>
+                <a:lumOff val="35000"/>
+                <a:alpha val="38000"/>
               </a:schemeClr>
             </a:solidFill>
             <a:prstDash val="sysDot"/>
+            <a:tailEnd type="triangle"/>
           </a:ln>
         </p:spPr>
         <p:style>
           <a:lnRef idx="2">
-            <a:schemeClr val="dk1"/>
+            <a:schemeClr val="accent1"/>
           </a:lnRef>
           <a:fillRef idx="0">
-            <a:schemeClr val="dk1"/>
+            <a:schemeClr val="accent1"/>
           </a:fillRef>
           <a:effectRef idx="1">
-            <a:schemeClr val="dk1"/>
+            <a:schemeClr val="accent1"/>
           </a:effectRef>
           <a:fontRef idx="minor">
             <a:schemeClr val="tx1"/>
           </a:fontRef>
         </p:style>
       </p:cxnSp>
-      <p:sp>
-        <p:nvSpPr>
-          <p:cNvPr id="22" name="Rectangle 21">
-            <a:extLst>
-              <a:ext uri="{FF2B5EF4-FFF2-40B4-BE49-F238E27FC236}">
-                <a16:creationId xmlns:a16="http://schemas.microsoft.com/office/drawing/2014/main" id="{A10A4D4D-2940-3370-34B2-9B27096E603A}"/>
+      <p:pic>
+        <p:nvPicPr>
+          <p:cNvPr id="9" name="Graphic 8" descr="Landing with solid fill">
+            <a:extLst>
+              <a:ext uri="{FF2B5EF4-FFF2-40B4-BE49-F238E27FC236}">
+                <a16:creationId xmlns:a16="http://schemas.microsoft.com/office/drawing/2014/main" id="{0E12156D-8ACA-1B86-8DB5-FAF99F5985B6}"/>
+              </a:ext>
+            </a:extLst>
+          </p:cNvPr>
+          <p:cNvPicPr>
+            <a:picLocks noChangeAspect="1"/>
+          </p:cNvPicPr>
+          <p:nvPr/>
+        </p:nvPicPr>
+        <p:blipFill>
+          <a:blip r:embed="rId2">
+            <a:extLst>
+              <a:ext uri="{96DAC541-7B7A-43D3-8B79-37D633B846F1}">
+                <asvg:svgBlip xmlns:asvg="http://schemas.microsoft.com/office/drawing/2016/SVG/main" r:embed="rId3"/>
+              </a:ext>
+            </a:extLst>
+          </a:blip>
+          <a:stretch>
+            <a:fillRect/>
+          </a:stretch>
+        </p:blipFill>
+        <p:spPr>
+          <a:xfrm rot="20837245">
+            <a:off x="149700" y="2235187"/>
+            <a:ext cx="2966769" cy="2966769"/>
+          </a:xfrm>
+          <a:prstGeom prst="rect">
+            <a:avLst/>
+          </a:prstGeom>
+        </p:spPr>
+      </p:pic>
+      <p:sp>
+        <p:nvSpPr>
+          <p:cNvPr id="10" name="Rectangle 9">
+            <a:extLst>
+              <a:ext uri="{FF2B5EF4-FFF2-40B4-BE49-F238E27FC236}">
+                <a16:creationId xmlns:a16="http://schemas.microsoft.com/office/drawing/2014/main" id="{FE20EE06-CE01-8062-72C9-5B0B35A30FED}"/>
               </a:ext>
             </a:extLst>
           </p:cNvPr>
@@ -4838,9 +4430,9 @@
           <p:nvPr/>
         </p:nvSpPr>
         <p:spPr>
-          <a:xfrm rot="167212">
-            <a:off x="2434594" y="4328551"/>
-            <a:ext cx="2829698" cy="593123"/>
+          <a:xfrm rot="20788498">
+            <a:off x="416248" y="4289711"/>
+            <a:ext cx="2717061" cy="353499"/>
           </a:xfrm>
           <a:prstGeom prst="rect">
             <a:avLst/>
@@ -4877,48 +4469,83 @@
           </a:p>
         </p:txBody>
       </p:sp>
-      <p:pic>
-        <p:nvPicPr>
-          <p:cNvPr id="28" name="Graphic 27" descr="Landing with solid fill">
-            <a:extLst>
-              <a:ext uri="{FF2B5EF4-FFF2-40B4-BE49-F238E27FC236}">
-                <a16:creationId xmlns:a16="http://schemas.microsoft.com/office/drawing/2014/main" id="{CA7565B1-A934-8E17-5587-AD5A0D034F56}"/>
-              </a:ext>
-            </a:extLst>
-          </p:cNvPr>
-          <p:cNvPicPr>
-            <a:picLocks noChangeAspect="1"/>
-          </p:cNvPicPr>
+      <p:sp>
+        <p:nvSpPr>
+          <p:cNvPr id="13" name="TextBox 12">
+            <a:extLst>
+              <a:ext uri="{FF2B5EF4-FFF2-40B4-BE49-F238E27FC236}">
+                <a16:creationId xmlns:a16="http://schemas.microsoft.com/office/drawing/2014/main" id="{9D52CC2D-50A5-052F-6F6A-2064337FF159}"/>
+              </a:ext>
+            </a:extLst>
+          </p:cNvPr>
+          <p:cNvSpPr txBox="1"/>
           <p:nvPr/>
-        </p:nvPicPr>
-        <p:blipFill>
-          <a:blip r:embed="rId2">
-            <a:extLst>
-              <a:ext uri="{96DAC541-7B7A-43D3-8B79-37D633B846F1}">
-                <asvg:svgBlip xmlns:asvg="http://schemas.microsoft.com/office/drawing/2016/SVG/main" r:embed="rId3"/>
-              </a:ext>
-            </a:extLst>
-          </a:blip>
-          <a:stretch>
-            <a:fillRect/>
-          </a:stretch>
-        </p:blipFill>
-        <p:spPr>
-          <a:xfrm rot="20498473">
-            <a:off x="6441025" y="3707071"/>
-            <a:ext cx="2566086" cy="2566086"/>
+        </p:nvSpPr>
+        <p:spPr>
+          <a:xfrm>
+            <a:off x="1517581" y="2496387"/>
+            <a:ext cx="1977849" cy="769441"/>
           </a:xfrm>
           <a:prstGeom prst="rect">
             <a:avLst/>
           </a:prstGeom>
-        </p:spPr>
-      </p:pic>
-      <p:sp>
-        <p:nvSpPr>
-          <p:cNvPr id="29" name="Rectangle 28">
-            <a:extLst>
-              <a:ext uri="{FF2B5EF4-FFF2-40B4-BE49-F238E27FC236}">
-                <a16:creationId xmlns:a16="http://schemas.microsoft.com/office/drawing/2014/main" id="{8B6E3217-9727-B330-9953-78C1F72F9F6C}"/>
+          <a:noFill/>
+        </p:spPr>
+        <p:txBody>
+          <a:bodyPr wrap="none" rtlCol="0">
+            <a:spAutoFit/>
+          </a:bodyPr>
+          <a:lstStyle/>
+          <a:p>
+            <a:r>
+              <a:rPr lang="en-US" sz="4400" dirty="0"/>
+              <a:t>Staging</a:t>
+            </a:r>
+          </a:p>
+        </p:txBody>
+      </p:sp>
+    </p:spTree>
+    <p:extLst>
+      <p:ext uri="{BB962C8B-B14F-4D97-AF65-F5344CB8AC3E}">
+        <p14:creationId xmlns:p14="http://schemas.microsoft.com/office/powerpoint/2010/main" val="3738054016"/>
+      </p:ext>
+    </p:extLst>
+  </p:cSld>
+  <p:clrMapOvr>
+    <a:masterClrMapping/>
+  </p:clrMapOvr>
+</p:sld>
+</file>
+
+<file path=ppt/slides/slide4.xml><?xml version="1.0" encoding="utf-8"?>
+<p:sld xmlns:a="http://schemas.openxmlformats.org/drawingml/2006/main" xmlns:r="http://schemas.openxmlformats.org/officeDocument/2006/relationships" xmlns:p="http://schemas.openxmlformats.org/presentationml/2006/main">
+  <p:cSld>
+    <p:spTree>
+      <p:nvGrpSpPr>
+        <p:cNvPr id="1" name="">
+          <a:extLst>
+            <a:ext uri="{FF2B5EF4-FFF2-40B4-BE49-F238E27FC236}">
+              <a16:creationId xmlns:a16="http://schemas.microsoft.com/office/drawing/2014/main" id="{C07DE5AA-6F48-55F1-4BAA-0CB622822DC8}"/>
+            </a:ext>
+          </a:extLst>
+        </p:cNvPr>
+        <p:cNvGrpSpPr/>
+        <p:nvPr/>
+      </p:nvGrpSpPr>
+      <p:grpSpPr>
+        <a:xfrm>
+          <a:off x="0" y="0"/>
+          <a:ext cx="0" cy="0"/>
+          <a:chOff x="0" y="0"/>
+          <a:chExt cx="0" cy="0"/>
+        </a:xfrm>
+      </p:grpSpPr>
+      <p:sp>
+        <p:nvSpPr>
+          <p:cNvPr id="4" name="Rounded Rectangle 3">
+            <a:extLst>
+              <a:ext uri="{FF2B5EF4-FFF2-40B4-BE49-F238E27FC236}">
+                <a16:creationId xmlns:a16="http://schemas.microsoft.com/office/drawing/2014/main" id="{DAE0838E-D59F-6235-7FEE-53D7E19910B4}"/>
               </a:ext>
             </a:extLst>
           </p:cNvPr>
@@ -4926,15 +4553,18 @@
           <p:nvPr/>
         </p:nvSpPr>
         <p:spPr>
-          <a:xfrm rot="20801757">
-            <a:off x="6120698" y="5350964"/>
-            <a:ext cx="2990129" cy="593123"/>
-          </a:xfrm>
-          <a:prstGeom prst="rect">
+          <a:xfrm>
+            <a:off x="5084826" y="200628"/>
+            <a:ext cx="6996783" cy="2455946"/>
+          </a:xfrm>
+          <a:prstGeom prst="roundRect">
             <a:avLst/>
           </a:prstGeom>
           <a:solidFill>
-            <a:schemeClr val="bg1"/>
+            <a:schemeClr val="bg1">
+              <a:lumMod val="85000"/>
+              <a:alpha val="62301"/>
+            </a:schemeClr>
           </a:solidFill>
           <a:ln>
             <a:noFill/>
@@ -4960,143 +4590,197 @@
           <a:bodyPr rtlCol="0" anchor="ctr"/>
           <a:lstStyle/>
           <a:p>
-            <a:pPr algn="ctr"/>
-            <a:endParaRPr lang="en-US"/>
+            <a:pPr marL="571500" indent="-571500">
+              <a:buClr>
+                <a:schemeClr val="accent6"/>
+              </a:buClr>
+              <a:buFont typeface="Wingdings" pitchFamily="2" charset="2"/>
+              <a:buChar char="ü"/>
+            </a:pPr>
+            <a:r>
+              <a:rPr lang="en-US" sz="4400" dirty="0">
+                <a:solidFill>
+                  <a:schemeClr val="tx1"/>
+                </a:solidFill>
+              </a:rPr>
+              <a:t> Freeze R and CRAN</a:t>
+            </a:r>
+          </a:p>
+          <a:p>
+            <a:pPr marL="571500" indent="-571500">
+              <a:buClr>
+                <a:schemeClr val="accent6"/>
+              </a:buClr>
+              <a:buFont typeface="Wingdings" pitchFamily="2" charset="2"/>
+              <a:buChar char="ü"/>
+            </a:pPr>
+            <a:r>
+              <a:rPr lang="en-US" sz="4400" dirty="0">
+                <a:solidFill>
+                  <a:schemeClr val="tx1"/>
+                </a:solidFill>
+              </a:rPr>
+              <a:t> Freeze healthy releases</a:t>
+            </a:r>
+          </a:p>
+          <a:p>
+            <a:pPr marL="285750" indent="-285750">
+              <a:buFont typeface="Wingdings" pitchFamily="2" charset="2"/>
+              <a:buChar char="q"/>
+            </a:pPr>
+            <a:r>
+              <a:rPr lang="en-US" sz="4400" dirty="0">
+                <a:solidFill>
+                  <a:schemeClr val="tx1"/>
+                </a:solidFill>
+              </a:rPr>
+              <a:t>  Snapshot Staging</a:t>
+            </a:r>
+          </a:p>
+        </p:txBody>
+      </p:sp>
+      <p:sp>
+        <p:nvSpPr>
+          <p:cNvPr id="6" name="TextBox 5">
+            <a:extLst>
+              <a:ext uri="{FF2B5EF4-FFF2-40B4-BE49-F238E27FC236}">
+                <a16:creationId xmlns:a16="http://schemas.microsoft.com/office/drawing/2014/main" id="{4395C6BC-5EE0-7D23-5C8C-8271CA94DF9A}"/>
+              </a:ext>
+            </a:extLst>
+          </p:cNvPr>
+          <p:cNvSpPr txBox="1"/>
+          <p:nvPr/>
+        </p:nvSpPr>
+        <p:spPr>
+          <a:xfrm>
+            <a:off x="9327498" y="5411450"/>
+            <a:ext cx="2864502" cy="769441"/>
+          </a:xfrm>
+          <a:prstGeom prst="rect">
+            <a:avLst/>
+          </a:prstGeom>
+          <a:noFill/>
+        </p:spPr>
+        <p:txBody>
+          <a:bodyPr wrap="none" rtlCol="0">
+            <a:spAutoFit/>
+          </a:bodyPr>
+          <a:lstStyle/>
+          <a:p>
+            <a:r>
+              <a:rPr lang="en-US" sz="4400" dirty="0"/>
+              <a:t>Production</a:t>
+            </a:r>
           </a:p>
         </p:txBody>
       </p:sp>
       <p:cxnSp>
         <p:nvCxnSpPr>
-          <p:cNvPr id="25" name="Straight Connector 24">
-            <a:extLst>
-              <a:ext uri="{FF2B5EF4-FFF2-40B4-BE49-F238E27FC236}">
-                <a16:creationId xmlns:a16="http://schemas.microsoft.com/office/drawing/2014/main" id="{82B3ED13-A854-8D89-0FBE-30AEFC0E07C7}"/>
-              </a:ext>
-            </a:extLst>
-          </p:cNvPr>
-          <p:cNvCxnSpPr/>
+          <p:cNvPr id="8" name="Straight Arrow Connector 7">
+            <a:extLst>
+              <a:ext uri="{FF2B5EF4-FFF2-40B4-BE49-F238E27FC236}">
+                <a16:creationId xmlns:a16="http://schemas.microsoft.com/office/drawing/2014/main" id="{C76EE4F6-2654-B588-BC30-919254138610}"/>
+              </a:ext>
+            </a:extLst>
+          </p:cNvPr>
+          <p:cNvCxnSpPr>
+            <a:cxnSpLocks/>
+          </p:cNvCxnSpPr>
           <p:nvPr/>
         </p:nvCxnSpPr>
         <p:spPr>
           <a:xfrm>
-            <a:off x="14105" y="5395836"/>
-            <a:ext cx="12192000" cy="0"/>
-          </a:xfrm>
-          <a:prstGeom prst="line">
+            <a:off x="1337912" y="3522846"/>
+            <a:ext cx="9221002" cy="1434165"/>
+          </a:xfrm>
+          <a:prstGeom prst="straightConnector1">
             <a:avLst/>
           </a:prstGeom>
-          <a:ln w="127000"/>
+          <a:ln w="127000">
+            <a:solidFill>
+              <a:schemeClr val="tx1">
+                <a:lumMod val="65000"/>
+                <a:lumOff val="35000"/>
+                <a:alpha val="38000"/>
+              </a:schemeClr>
+            </a:solidFill>
+            <a:prstDash val="sysDot"/>
+            <a:tailEnd type="triangle"/>
+          </a:ln>
         </p:spPr>
         <p:style>
           <a:lnRef idx="2">
-            <a:schemeClr val="dk1"/>
+            <a:schemeClr val="accent1"/>
           </a:lnRef>
           <a:fillRef idx="0">
-            <a:schemeClr val="dk1"/>
+            <a:schemeClr val="accent1"/>
           </a:fillRef>
           <a:effectRef idx="1">
-            <a:schemeClr val="dk1"/>
+            <a:schemeClr val="accent1"/>
           </a:effectRef>
           <a:fontRef idx="minor">
             <a:schemeClr val="tx1"/>
           </a:fontRef>
         </p:style>
       </p:cxnSp>
-      <p:sp>
-        <p:nvSpPr>
-          <p:cNvPr id="3" name="TextBox 2">
-            <a:extLst>
-              <a:ext uri="{FF2B5EF4-FFF2-40B4-BE49-F238E27FC236}">
-                <a16:creationId xmlns:a16="http://schemas.microsoft.com/office/drawing/2014/main" id="{3B8091D4-8733-8258-A62A-D2CA4BA36E44}"/>
-              </a:ext>
-            </a:extLst>
-          </p:cNvPr>
-          <p:cNvSpPr txBox="1"/>
+      <p:pic>
+        <p:nvPicPr>
+          <p:cNvPr id="9" name="Graphic 8" descr="Landing with solid fill">
+            <a:extLst>
+              <a:ext uri="{FF2B5EF4-FFF2-40B4-BE49-F238E27FC236}">
+                <a16:creationId xmlns:a16="http://schemas.microsoft.com/office/drawing/2014/main" id="{19940F2A-FA41-C470-0504-00DF968A9A2B}"/>
+              </a:ext>
+            </a:extLst>
+          </p:cNvPr>
+          <p:cNvPicPr>
+            <a:picLocks noChangeAspect="1"/>
+          </p:cNvPicPr>
           <p:nvPr/>
-        </p:nvSpPr>
-        <p:spPr>
-          <a:xfrm>
-            <a:off x="8701239" y="5490691"/>
-            <a:ext cx="3572244" cy="923330"/>
+        </p:nvPicPr>
+        <p:blipFill>
+          <a:blip r:embed="rId2">
+            <a:extLst>
+              <a:ext uri="{96DAC541-7B7A-43D3-8B79-37D633B846F1}">
+                <asvg:svgBlip xmlns:asvg="http://schemas.microsoft.com/office/drawing/2016/SVG/main" r:embed="rId3"/>
+              </a:ext>
+            </a:extLst>
+          </a:blip>
+          <a:stretch>
+            <a:fillRect/>
+          </a:stretch>
+        </p:blipFill>
+        <p:spPr>
+          <a:xfrm rot="20837245">
+            <a:off x="4718495" y="3052524"/>
+            <a:ext cx="2966769" cy="2966769"/>
           </a:xfrm>
           <a:prstGeom prst="rect">
             <a:avLst/>
           </a:prstGeom>
-          <a:noFill/>
-        </p:spPr>
-        <p:txBody>
-          <a:bodyPr wrap="square" rtlCol="0">
-            <a:spAutoFit/>
-          </a:bodyPr>
-          <a:lstStyle/>
-          <a:p>
-            <a:r>
-              <a:rPr lang="en-US" sz="5400" dirty="0"/>
-              <a:t>Production</a:t>
-            </a:r>
-          </a:p>
-        </p:txBody>
-      </p:sp>
-      <p:sp>
-        <p:nvSpPr>
-          <p:cNvPr id="4" name="TextBox 3">
-            <a:extLst>
-              <a:ext uri="{FF2B5EF4-FFF2-40B4-BE49-F238E27FC236}">
-                <a16:creationId xmlns:a16="http://schemas.microsoft.com/office/drawing/2014/main" id="{09023B0A-9C40-7C84-B8C0-ABA706C2EBCF}"/>
-              </a:ext>
-            </a:extLst>
-          </p:cNvPr>
-          <p:cNvSpPr txBox="1"/>
+        </p:spPr>
+      </p:pic>
+      <p:sp>
+        <p:nvSpPr>
+          <p:cNvPr id="10" name="Rectangle 9">
+            <a:extLst>
+              <a:ext uri="{FF2B5EF4-FFF2-40B4-BE49-F238E27FC236}">
+                <a16:creationId xmlns:a16="http://schemas.microsoft.com/office/drawing/2014/main" id="{2DBE038E-A1CD-175B-417D-79E6FE5649E5}"/>
+              </a:ext>
+            </a:extLst>
+          </p:cNvPr>
+          <p:cNvSpPr/>
           <p:nvPr/>
         </p:nvSpPr>
         <p:spPr>
-          <a:xfrm>
-            <a:off x="7417447" y="3807981"/>
-            <a:ext cx="2567584" cy="923330"/>
+          <a:xfrm rot="20788498">
+            <a:off x="4965790" y="5079963"/>
+            <a:ext cx="2717061" cy="353499"/>
           </a:xfrm>
           <a:prstGeom prst="rect">
             <a:avLst/>
           </a:prstGeom>
-          <a:noFill/>
-        </p:spPr>
-        <p:txBody>
-          <a:bodyPr wrap="square" rtlCol="0">
-            <a:spAutoFit/>
-          </a:bodyPr>
-          <a:lstStyle/>
-          <a:p>
-            <a:r>
-              <a:rPr lang="en-US" sz="5400" dirty="0"/>
-              <a:t>Staging</a:t>
-            </a:r>
-          </a:p>
-        </p:txBody>
-      </p:sp>
-      <p:sp>
-        <p:nvSpPr>
-          <p:cNvPr id="7" name="Rounded Rectangle 6">
-            <a:extLst>
-              <a:ext uri="{FF2B5EF4-FFF2-40B4-BE49-F238E27FC236}">
-                <a16:creationId xmlns:a16="http://schemas.microsoft.com/office/drawing/2014/main" id="{5EAC37E3-AFD2-CEF7-662B-E4BC329D011D}"/>
-              </a:ext>
-            </a:extLst>
-          </p:cNvPr>
-          <p:cNvSpPr/>
-          <p:nvPr/>
-        </p:nvSpPr>
-        <p:spPr>
-          <a:xfrm>
-            <a:off x="4812632" y="117216"/>
-            <a:ext cx="7268977" cy="2366489"/>
-          </a:xfrm>
-          <a:prstGeom prst="roundRect">
-            <a:avLst/>
-          </a:prstGeom>
           <a:solidFill>
-            <a:schemeClr val="bg1">
-              <a:lumMod val="75000"/>
-              <a:alpha val="62301"/>
-            </a:schemeClr>
+            <a:schemeClr val="bg1"/>
           </a:solidFill>
           <a:ln>
             <a:noFill/>
@@ -5122,85 +4806,74 @@
           <a:bodyPr rtlCol="0" anchor="ctr"/>
           <a:lstStyle/>
           <a:p>
-            <a:pPr marL="685800" indent="-685800">
-              <a:buClr>
-                <a:schemeClr val="accent6"/>
-              </a:buClr>
-              <a:buFont typeface="Wingdings" pitchFamily="2" charset="2"/>
-              <a:buChar char="ü"/>
-            </a:pPr>
-            <a:r>
-              <a:rPr lang="en-US" sz="4800" dirty="0">
-                <a:solidFill>
-                  <a:schemeClr val="tx1"/>
-                </a:solidFill>
-              </a:rPr>
-              <a:t>Freeze R and CRAN</a:t>
-            </a:r>
-          </a:p>
-          <a:p>
-            <a:pPr marL="685800" indent="-685800">
-              <a:buClr>
-                <a:schemeClr val="accent6"/>
-              </a:buClr>
-              <a:buFont typeface="Wingdings" pitchFamily="2" charset="2"/>
-              <a:buChar char="ü"/>
-            </a:pPr>
-            <a:r>
-              <a:rPr lang="en-US" sz="4800" dirty="0">
-                <a:solidFill>
-                  <a:schemeClr val="tx1"/>
-                </a:solidFill>
-              </a:rPr>
-              <a:t>Freeze healthy releases</a:t>
-            </a:r>
-          </a:p>
-          <a:p>
-            <a:pPr marL="285750" indent="-285750">
-              <a:buFont typeface="Wingdings" pitchFamily="2" charset="2"/>
-              <a:buChar char="q"/>
-            </a:pPr>
-            <a:r>
-              <a:rPr lang="en-US" sz="4800" dirty="0">
-                <a:solidFill>
-                  <a:schemeClr val="tx1"/>
-                </a:solidFill>
-              </a:rPr>
-              <a:t> Production snapshot</a:t>
+            <a:pPr algn="ctr"/>
+            <a:endParaRPr lang="en-US"/>
+          </a:p>
+        </p:txBody>
+      </p:sp>
+      <p:sp>
+        <p:nvSpPr>
+          <p:cNvPr id="11" name="TextBox 10">
+            <a:extLst>
+              <a:ext uri="{FF2B5EF4-FFF2-40B4-BE49-F238E27FC236}">
+                <a16:creationId xmlns:a16="http://schemas.microsoft.com/office/drawing/2014/main" id="{6EAB1F69-9A51-BC83-DC31-463E46FB31D3}"/>
+              </a:ext>
+            </a:extLst>
+          </p:cNvPr>
+          <p:cNvSpPr txBox="1"/>
+          <p:nvPr/>
+        </p:nvSpPr>
+        <p:spPr>
+          <a:xfrm>
+            <a:off x="6096000" y="3335154"/>
+            <a:ext cx="1977849" cy="769441"/>
+          </a:xfrm>
+          <a:prstGeom prst="rect">
+            <a:avLst/>
+          </a:prstGeom>
+          <a:noFill/>
+        </p:spPr>
+        <p:txBody>
+          <a:bodyPr wrap="none" rtlCol="0">
+            <a:spAutoFit/>
+          </a:bodyPr>
+          <a:lstStyle>
+            <a:defPPr>
+              <a:defRPr lang="en-US"/>
+            </a:defPPr>
+            <a:lvl1pPr>
+              <a:defRPr sz="4400"/>
+            </a:lvl1pPr>
+          </a:lstStyle>
+          <a:p>
+            <a:r>
+              <a:rPr lang="en-US" dirty="0"/>
+              <a:t>Staging</a:t>
             </a:r>
           </a:p>
         </p:txBody>
       </p:sp>
       <p:cxnSp>
         <p:nvCxnSpPr>
-          <p:cNvPr id="11" name="Straight Connector 10">
-            <a:extLst>
-              <a:ext uri="{FF2B5EF4-FFF2-40B4-BE49-F238E27FC236}">
-                <a16:creationId xmlns:a16="http://schemas.microsoft.com/office/drawing/2014/main" id="{B3952CE3-F630-433A-6339-85751558CE3D}"/>
-              </a:ext>
-            </a:extLst>
-          </p:cNvPr>
-          <p:cNvCxnSpPr>
-            <a:cxnSpLocks/>
-          </p:cNvCxnSpPr>
+          <p:cNvPr id="25" name="Straight Connector 24">
+            <a:extLst>
+              <a:ext uri="{FF2B5EF4-FFF2-40B4-BE49-F238E27FC236}">
+                <a16:creationId xmlns:a16="http://schemas.microsoft.com/office/drawing/2014/main" id="{822AF01A-C90E-C645-E0AB-1BD420E642AB}"/>
+              </a:ext>
+            </a:extLst>
+          </p:cNvPr>
+          <p:cNvCxnSpPr/>
           <p:nvPr/>
         </p:nvCxnSpPr>
         <p:spPr>
           <a:xfrm>
-            <a:off x="1682885" y="1462163"/>
-            <a:ext cx="2313706" cy="2287188"/>
+            <a:off x="0" y="5386211"/>
+            <a:ext cx="12192000" cy="0"/>
           </a:xfrm>
           <a:prstGeom prst="line">
             <a:avLst/>
           </a:prstGeom>
-          <a:ln w="63500">
-            <a:solidFill>
-              <a:schemeClr val="bg1">
-                <a:lumMod val="50000"/>
-              </a:schemeClr>
-            </a:solidFill>
-            <a:prstDash val="sysDot"/>
-          </a:ln>
+          <a:ln w="127000"/>
         </p:spPr>
         <p:style>
           <a:lnRef idx="2">
@@ -5220,634 +4893,7 @@
     </p:spTree>
     <p:extLst>
       <p:ext uri="{BB962C8B-B14F-4D97-AF65-F5344CB8AC3E}">
-        <p14:creationId xmlns:p14="http://schemas.microsoft.com/office/powerpoint/2010/main" val="942700541"/>
-      </p:ext>
-    </p:extLst>
-  </p:cSld>
-  <p:clrMapOvr>
-    <a:masterClrMapping/>
-  </p:clrMapOvr>
-</p:sld>
-</file>
-
-<file path=ppt/slides/slide4.xml><?xml version="1.0" encoding="utf-8"?>
-<p:sld xmlns:a="http://schemas.openxmlformats.org/drawingml/2006/main" xmlns:r="http://schemas.openxmlformats.org/officeDocument/2006/relationships" xmlns:p="http://schemas.openxmlformats.org/presentationml/2006/main">
-  <p:cSld>
-    <p:spTree>
-      <p:nvGrpSpPr>
-        <p:cNvPr id="1" name="">
-          <a:extLst>
-            <a:ext uri="{FF2B5EF4-FFF2-40B4-BE49-F238E27FC236}">
-              <a16:creationId xmlns:a16="http://schemas.microsoft.com/office/drawing/2014/main" id="{865C7421-712B-FDB1-A8EC-AA5E8A94A14C}"/>
-            </a:ext>
-          </a:extLst>
-        </p:cNvPr>
-        <p:cNvGrpSpPr/>
-        <p:nvPr/>
-      </p:nvGrpSpPr>
-      <p:grpSpPr>
-        <a:xfrm>
-          <a:off x="0" y="0"/>
-          <a:ext cx="0" cy="0"/>
-          <a:chOff x="0" y="0"/>
-          <a:chExt cx="0" cy="0"/>
-        </a:xfrm>
-      </p:grpSpPr>
-      <p:sp>
-        <p:nvSpPr>
-          <p:cNvPr id="44" name="Rectangle 43">
-            <a:extLst>
-              <a:ext uri="{FF2B5EF4-FFF2-40B4-BE49-F238E27FC236}">
-                <a16:creationId xmlns:a16="http://schemas.microsoft.com/office/drawing/2014/main" id="{B923F33F-C6D5-7B26-8B7D-C07BC79AC5D8}"/>
-              </a:ext>
-            </a:extLst>
-          </p:cNvPr>
-          <p:cNvSpPr/>
-          <p:nvPr/>
-        </p:nvSpPr>
-        <p:spPr>
-          <a:xfrm rot="21181766">
-            <a:off x="135924" y="1112108"/>
-            <a:ext cx="2829698" cy="593123"/>
-          </a:xfrm>
-          <a:prstGeom prst="rect">
-            <a:avLst/>
-          </a:prstGeom>
-          <a:solidFill>
-            <a:schemeClr val="bg1"/>
-          </a:solidFill>
-          <a:ln>
-            <a:noFill/>
-          </a:ln>
-        </p:spPr>
-        <p:style>
-          <a:lnRef idx="2">
-            <a:schemeClr val="accent1">
-              <a:shade val="15000"/>
-            </a:schemeClr>
-          </a:lnRef>
-          <a:fillRef idx="1">
-            <a:schemeClr val="accent1"/>
-          </a:fillRef>
-          <a:effectRef idx="0">
-            <a:schemeClr val="accent1"/>
-          </a:effectRef>
-          <a:fontRef idx="minor">
-            <a:schemeClr val="lt1"/>
-          </a:fontRef>
-        </p:style>
-        <p:txBody>
-          <a:bodyPr rtlCol="0" anchor="ctr"/>
-          <a:lstStyle/>
-          <a:p>
-            <a:pPr algn="ctr"/>
-            <a:endParaRPr lang="en-US"/>
-          </a:p>
-        </p:txBody>
-      </p:sp>
-      <p:cxnSp>
-        <p:nvCxnSpPr>
-          <p:cNvPr id="8" name="Straight Connector 7">
-            <a:extLst>
-              <a:ext uri="{FF2B5EF4-FFF2-40B4-BE49-F238E27FC236}">
-                <a16:creationId xmlns:a16="http://schemas.microsoft.com/office/drawing/2014/main" id="{2B60894C-7454-CD18-1C0E-CD4E20EEED76}"/>
-              </a:ext>
-            </a:extLst>
-          </p:cNvPr>
-          <p:cNvCxnSpPr>
-            <a:cxnSpLocks/>
-          </p:cNvCxnSpPr>
-          <p:nvPr/>
-        </p:nvCxnSpPr>
-        <p:spPr>
-          <a:xfrm>
-            <a:off x="4063295" y="3749351"/>
-            <a:ext cx="3886200" cy="1115094"/>
-          </a:xfrm>
-          <a:prstGeom prst="line">
-            <a:avLst/>
-          </a:prstGeom>
-          <a:ln w="63500">
-            <a:solidFill>
-              <a:schemeClr val="bg1">
-                <a:lumMod val="50000"/>
-              </a:schemeClr>
-            </a:solidFill>
-            <a:prstDash val="sysDot"/>
-          </a:ln>
-        </p:spPr>
-        <p:style>
-          <a:lnRef idx="2">
-            <a:schemeClr val="dk1"/>
-          </a:lnRef>
-          <a:fillRef idx="0">
-            <a:schemeClr val="dk1"/>
-          </a:fillRef>
-          <a:effectRef idx="1">
-            <a:schemeClr val="dk1"/>
-          </a:effectRef>
-          <a:fontRef idx="minor">
-            <a:schemeClr val="tx1"/>
-          </a:fontRef>
-        </p:style>
-      </p:cxnSp>
-      <p:cxnSp>
-        <p:nvCxnSpPr>
-          <p:cNvPr id="10" name="Straight Connector 9">
-            <a:extLst>
-              <a:ext uri="{FF2B5EF4-FFF2-40B4-BE49-F238E27FC236}">
-                <a16:creationId xmlns:a16="http://schemas.microsoft.com/office/drawing/2014/main" id="{BCF2027C-50F5-AEBF-3941-A8CBAFC30ED5}"/>
-              </a:ext>
-            </a:extLst>
-          </p:cNvPr>
-          <p:cNvCxnSpPr>
-            <a:cxnSpLocks/>
-          </p:cNvCxnSpPr>
-          <p:nvPr/>
-        </p:nvCxnSpPr>
-        <p:spPr>
-          <a:xfrm>
-            <a:off x="7949495" y="4896396"/>
-            <a:ext cx="3398690" cy="284327"/>
-          </a:xfrm>
-          <a:prstGeom prst="line">
-            <a:avLst/>
-          </a:prstGeom>
-          <a:ln w="63500">
-            <a:solidFill>
-              <a:schemeClr val="bg1">
-                <a:lumMod val="50000"/>
-              </a:schemeClr>
-            </a:solidFill>
-            <a:prstDash val="sysDot"/>
-          </a:ln>
-        </p:spPr>
-        <p:style>
-          <a:lnRef idx="2">
-            <a:schemeClr val="dk1"/>
-          </a:lnRef>
-          <a:fillRef idx="0">
-            <a:schemeClr val="dk1"/>
-          </a:fillRef>
-          <a:effectRef idx="1">
-            <a:schemeClr val="dk1"/>
-          </a:effectRef>
-          <a:fontRef idx="minor">
-            <a:schemeClr val="tx1"/>
-          </a:fontRef>
-        </p:style>
-      </p:cxnSp>
-      <p:sp>
-        <p:nvSpPr>
-          <p:cNvPr id="22" name="Rectangle 21">
-            <a:extLst>
-              <a:ext uri="{FF2B5EF4-FFF2-40B4-BE49-F238E27FC236}">
-                <a16:creationId xmlns:a16="http://schemas.microsoft.com/office/drawing/2014/main" id="{FF8D36B6-17C5-66F5-3044-A592204B64B2}"/>
-              </a:ext>
-            </a:extLst>
-          </p:cNvPr>
-          <p:cNvSpPr/>
-          <p:nvPr/>
-        </p:nvSpPr>
-        <p:spPr>
-          <a:xfrm rot="167212">
-            <a:off x="2434594" y="4328551"/>
-            <a:ext cx="2829698" cy="593123"/>
-          </a:xfrm>
-          <a:prstGeom prst="rect">
-            <a:avLst/>
-          </a:prstGeom>
-          <a:solidFill>
-            <a:schemeClr val="bg1"/>
-          </a:solidFill>
-          <a:ln>
-            <a:noFill/>
-          </a:ln>
-        </p:spPr>
-        <p:style>
-          <a:lnRef idx="2">
-            <a:schemeClr val="accent1">
-              <a:shade val="15000"/>
-            </a:schemeClr>
-          </a:lnRef>
-          <a:fillRef idx="1">
-            <a:schemeClr val="accent1"/>
-          </a:fillRef>
-          <a:effectRef idx="0">
-            <a:schemeClr val="accent1"/>
-          </a:effectRef>
-          <a:fontRef idx="minor">
-            <a:schemeClr val="lt1"/>
-          </a:fontRef>
-        </p:style>
-        <p:txBody>
-          <a:bodyPr rtlCol="0" anchor="ctr"/>
-          <a:lstStyle/>
-          <a:p>
-            <a:pPr algn="ctr"/>
-            <a:endParaRPr lang="en-US"/>
-          </a:p>
-        </p:txBody>
-      </p:sp>
-      <p:sp>
-        <p:nvSpPr>
-          <p:cNvPr id="29" name="Rectangle 28">
-            <a:extLst>
-              <a:ext uri="{FF2B5EF4-FFF2-40B4-BE49-F238E27FC236}">
-                <a16:creationId xmlns:a16="http://schemas.microsoft.com/office/drawing/2014/main" id="{0854FCF6-D95C-F2CB-4D6D-F5197DBF6F06}"/>
-              </a:ext>
-            </a:extLst>
-          </p:cNvPr>
-          <p:cNvSpPr/>
-          <p:nvPr/>
-        </p:nvSpPr>
-        <p:spPr>
-          <a:xfrm rot="167212">
-            <a:off x="6122851" y="5369423"/>
-            <a:ext cx="2829698" cy="593123"/>
-          </a:xfrm>
-          <a:prstGeom prst="rect">
-            <a:avLst/>
-          </a:prstGeom>
-          <a:solidFill>
-            <a:schemeClr val="bg1"/>
-          </a:solidFill>
-          <a:ln>
-            <a:noFill/>
-          </a:ln>
-        </p:spPr>
-        <p:style>
-          <a:lnRef idx="2">
-            <a:schemeClr val="accent1">
-              <a:shade val="15000"/>
-            </a:schemeClr>
-          </a:lnRef>
-          <a:fillRef idx="1">
-            <a:schemeClr val="accent1"/>
-          </a:fillRef>
-          <a:effectRef idx="0">
-            <a:schemeClr val="accent1"/>
-          </a:effectRef>
-          <a:fontRef idx="minor">
-            <a:schemeClr val="lt1"/>
-          </a:fontRef>
-        </p:style>
-        <p:txBody>
-          <a:bodyPr rtlCol="0" anchor="ctr"/>
-          <a:lstStyle/>
-          <a:p>
-            <a:pPr algn="ctr"/>
-            <a:endParaRPr lang="en-US"/>
-          </a:p>
-        </p:txBody>
-      </p:sp>
-      <p:pic>
-        <p:nvPicPr>
-          <p:cNvPr id="31" name="Graphic 30" descr="Landing with solid fill">
-            <a:extLst>
-              <a:ext uri="{FF2B5EF4-FFF2-40B4-BE49-F238E27FC236}">
-                <a16:creationId xmlns:a16="http://schemas.microsoft.com/office/drawing/2014/main" id="{4D538E49-E027-E817-3004-25975BB88450}"/>
-              </a:ext>
-            </a:extLst>
-          </p:cNvPr>
-          <p:cNvPicPr>
-            <a:picLocks noChangeAspect="1"/>
-          </p:cNvPicPr>
-          <p:nvPr/>
-        </p:nvPicPr>
-        <p:blipFill>
-          <a:blip r:embed="rId3">
-            <a:extLst>
-              <a:ext uri="{96DAC541-7B7A-43D3-8B79-37D633B846F1}">
-                <asvg:svgBlip xmlns:asvg="http://schemas.microsoft.com/office/drawing/2016/SVG/main" r:embed="rId4"/>
-              </a:ext>
-            </a:extLst>
-          </a:blip>
-          <a:stretch>
-            <a:fillRect/>
-          </a:stretch>
-        </p:blipFill>
-        <p:spPr>
-          <a:xfrm rot="21032214">
-            <a:off x="9900526" y="4017940"/>
-            <a:ext cx="2566086" cy="2566086"/>
-          </a:xfrm>
-          <a:prstGeom prst="rect">
-            <a:avLst/>
-          </a:prstGeom>
-        </p:spPr>
-      </p:pic>
-      <p:sp>
-        <p:nvSpPr>
-          <p:cNvPr id="32" name="Rectangle 31">
-            <a:extLst>
-              <a:ext uri="{FF2B5EF4-FFF2-40B4-BE49-F238E27FC236}">
-                <a16:creationId xmlns:a16="http://schemas.microsoft.com/office/drawing/2014/main" id="{2E757189-0C48-9594-3688-15BF3ADA432C}"/>
-              </a:ext>
-            </a:extLst>
-          </p:cNvPr>
-          <p:cNvSpPr/>
-          <p:nvPr/>
-        </p:nvSpPr>
-        <p:spPr>
-          <a:xfrm rot="21396444">
-            <a:off x="9623085" y="5774503"/>
-            <a:ext cx="2829698" cy="593123"/>
-          </a:xfrm>
-          <a:prstGeom prst="rect">
-            <a:avLst/>
-          </a:prstGeom>
-          <a:solidFill>
-            <a:schemeClr val="bg1"/>
-          </a:solidFill>
-          <a:ln>
-            <a:noFill/>
-          </a:ln>
-        </p:spPr>
-        <p:style>
-          <a:lnRef idx="2">
-            <a:schemeClr val="accent1">
-              <a:shade val="15000"/>
-            </a:schemeClr>
-          </a:lnRef>
-          <a:fillRef idx="1">
-            <a:schemeClr val="accent1"/>
-          </a:fillRef>
-          <a:effectRef idx="0">
-            <a:schemeClr val="accent1"/>
-          </a:effectRef>
-          <a:fontRef idx="minor">
-            <a:schemeClr val="lt1"/>
-          </a:fontRef>
-        </p:style>
-        <p:txBody>
-          <a:bodyPr rtlCol="0" anchor="ctr"/>
-          <a:lstStyle/>
-          <a:p>
-            <a:pPr algn="ctr"/>
-            <a:endParaRPr lang="en-US"/>
-          </a:p>
-        </p:txBody>
-      </p:sp>
-      <p:cxnSp>
-        <p:nvCxnSpPr>
-          <p:cNvPr id="25" name="Straight Connector 24">
-            <a:extLst>
-              <a:ext uri="{FF2B5EF4-FFF2-40B4-BE49-F238E27FC236}">
-                <a16:creationId xmlns:a16="http://schemas.microsoft.com/office/drawing/2014/main" id="{CDB50A62-BB70-807B-7F2A-6E31D367B3DF}"/>
-              </a:ext>
-            </a:extLst>
-          </p:cNvPr>
-          <p:cNvCxnSpPr/>
-          <p:nvPr/>
-        </p:nvCxnSpPr>
-        <p:spPr>
-          <a:xfrm>
-            <a:off x="14105" y="5395836"/>
-            <a:ext cx="12192000" cy="0"/>
-          </a:xfrm>
-          <a:prstGeom prst="line">
-            <a:avLst/>
-          </a:prstGeom>
-          <a:ln w="127000"/>
-        </p:spPr>
-        <p:style>
-          <a:lnRef idx="2">
-            <a:schemeClr val="dk1"/>
-          </a:lnRef>
-          <a:fillRef idx="0">
-            <a:schemeClr val="dk1"/>
-          </a:fillRef>
-          <a:effectRef idx="1">
-            <a:schemeClr val="dk1"/>
-          </a:effectRef>
-          <a:fontRef idx="minor">
-            <a:schemeClr val="tx1"/>
-          </a:fontRef>
-        </p:style>
-      </p:cxnSp>
-      <p:sp>
-        <p:nvSpPr>
-          <p:cNvPr id="3" name="TextBox 2">
-            <a:extLst>
-              <a:ext uri="{FF2B5EF4-FFF2-40B4-BE49-F238E27FC236}">
-                <a16:creationId xmlns:a16="http://schemas.microsoft.com/office/drawing/2014/main" id="{8A451CF4-2C3C-7A45-90A7-96F825D5CEE9}"/>
-              </a:ext>
-            </a:extLst>
-          </p:cNvPr>
-          <p:cNvSpPr txBox="1"/>
-          <p:nvPr/>
-        </p:nvSpPr>
-        <p:spPr>
-          <a:xfrm>
-            <a:off x="8701239" y="5490691"/>
-            <a:ext cx="3572244" cy="923330"/>
-          </a:xfrm>
-          <a:prstGeom prst="rect">
-            <a:avLst/>
-          </a:prstGeom>
-          <a:noFill/>
-        </p:spPr>
-        <p:txBody>
-          <a:bodyPr wrap="square" rtlCol="0">
-            <a:spAutoFit/>
-          </a:bodyPr>
-          <a:lstStyle/>
-          <a:p>
-            <a:r>
-              <a:rPr lang="en-US" sz="5400" dirty="0"/>
-              <a:t>Production</a:t>
-            </a:r>
-          </a:p>
-        </p:txBody>
-      </p:sp>
-      <p:sp>
-        <p:nvSpPr>
-          <p:cNvPr id="4" name="TextBox 3">
-            <a:extLst>
-              <a:ext uri="{FF2B5EF4-FFF2-40B4-BE49-F238E27FC236}">
-                <a16:creationId xmlns:a16="http://schemas.microsoft.com/office/drawing/2014/main" id="{9662B736-A53C-7C15-2DB7-69148BF9ED6B}"/>
-              </a:ext>
-            </a:extLst>
-          </p:cNvPr>
-          <p:cNvSpPr txBox="1"/>
-          <p:nvPr/>
-        </p:nvSpPr>
-        <p:spPr>
-          <a:xfrm>
-            <a:off x="9590942" y="3707371"/>
-            <a:ext cx="2567584" cy="923330"/>
-          </a:xfrm>
-          <a:prstGeom prst="rect">
-            <a:avLst/>
-          </a:prstGeom>
-          <a:noFill/>
-        </p:spPr>
-        <p:txBody>
-          <a:bodyPr wrap="square" rtlCol="0">
-            <a:spAutoFit/>
-          </a:bodyPr>
-          <a:lstStyle/>
-          <a:p>
-            <a:r>
-              <a:rPr lang="en-US" sz="5400" dirty="0"/>
-              <a:t>Staging</a:t>
-            </a:r>
-          </a:p>
-        </p:txBody>
-      </p:sp>
-      <p:sp>
-        <p:nvSpPr>
-          <p:cNvPr id="6" name="Rounded Rectangle 5">
-            <a:extLst>
-              <a:ext uri="{FF2B5EF4-FFF2-40B4-BE49-F238E27FC236}">
-                <a16:creationId xmlns:a16="http://schemas.microsoft.com/office/drawing/2014/main" id="{3D096380-1733-80D8-9FE5-5FB152E441E3}"/>
-              </a:ext>
-            </a:extLst>
-          </p:cNvPr>
-          <p:cNvSpPr/>
-          <p:nvPr/>
-        </p:nvSpPr>
-        <p:spPr>
-          <a:xfrm>
-            <a:off x="4812632" y="117216"/>
-            <a:ext cx="7268977" cy="2366489"/>
-          </a:xfrm>
-          <a:prstGeom prst="roundRect">
-            <a:avLst/>
-          </a:prstGeom>
-          <a:solidFill>
-            <a:schemeClr val="bg1">
-              <a:lumMod val="75000"/>
-              <a:alpha val="62301"/>
-            </a:schemeClr>
-          </a:solidFill>
-          <a:ln>
-            <a:noFill/>
-          </a:ln>
-        </p:spPr>
-        <p:style>
-          <a:lnRef idx="2">
-            <a:schemeClr val="accent1">
-              <a:shade val="15000"/>
-            </a:schemeClr>
-          </a:lnRef>
-          <a:fillRef idx="1">
-            <a:schemeClr val="accent1"/>
-          </a:fillRef>
-          <a:effectRef idx="0">
-            <a:schemeClr val="accent1"/>
-          </a:effectRef>
-          <a:fontRef idx="minor">
-            <a:schemeClr val="lt1"/>
-          </a:fontRef>
-        </p:style>
-        <p:txBody>
-          <a:bodyPr rtlCol="0" anchor="ctr"/>
-          <a:lstStyle/>
-          <a:p>
-            <a:pPr marL="685800" indent="-685800">
-              <a:buClr>
-                <a:schemeClr val="accent6"/>
-              </a:buClr>
-              <a:buFont typeface="Wingdings" pitchFamily="2" charset="2"/>
-              <a:buChar char="ü"/>
-            </a:pPr>
-            <a:r>
-              <a:rPr lang="en-US" sz="4800" dirty="0">
-                <a:solidFill>
-                  <a:schemeClr val="tx1"/>
-                </a:solidFill>
-              </a:rPr>
-              <a:t>Freeze R and CRAN</a:t>
-            </a:r>
-          </a:p>
-          <a:p>
-            <a:pPr marL="685800" indent="-685800">
-              <a:buClr>
-                <a:schemeClr val="accent6"/>
-              </a:buClr>
-              <a:buFont typeface="Wingdings" pitchFamily="2" charset="2"/>
-              <a:buChar char="ü"/>
-            </a:pPr>
-            <a:r>
-              <a:rPr lang="en-US" sz="4800" dirty="0">
-                <a:solidFill>
-                  <a:schemeClr val="tx1"/>
-                </a:solidFill>
-              </a:rPr>
-              <a:t>Freeze healthy releases</a:t>
-            </a:r>
-          </a:p>
-          <a:p>
-            <a:pPr marL="685800" indent="-685800">
-              <a:buClr>
-                <a:schemeClr val="accent6"/>
-              </a:buClr>
-              <a:buFont typeface="Wingdings" pitchFamily="2" charset="2"/>
-              <a:buChar char="ü"/>
-            </a:pPr>
-            <a:r>
-              <a:rPr lang="en-US" sz="4800" dirty="0">
-                <a:solidFill>
-                  <a:schemeClr val="tx1"/>
-                </a:solidFill>
-              </a:rPr>
-              <a:t>Production snapshot</a:t>
-            </a:r>
-          </a:p>
-        </p:txBody>
-      </p:sp>
-      <p:cxnSp>
-        <p:nvCxnSpPr>
-          <p:cNvPr id="9" name="Straight Connector 8">
-            <a:extLst>
-              <a:ext uri="{FF2B5EF4-FFF2-40B4-BE49-F238E27FC236}">
-                <a16:creationId xmlns:a16="http://schemas.microsoft.com/office/drawing/2014/main" id="{393C6DBD-7C58-786A-F482-9CA2109D9A50}"/>
-              </a:ext>
-            </a:extLst>
-          </p:cNvPr>
-          <p:cNvCxnSpPr>
-            <a:cxnSpLocks/>
-          </p:cNvCxnSpPr>
-          <p:nvPr/>
-        </p:nvCxnSpPr>
-        <p:spPr>
-          <a:xfrm>
-            <a:off x="1682885" y="1462163"/>
-            <a:ext cx="2313706" cy="2287188"/>
-          </a:xfrm>
-          <a:prstGeom prst="line">
-            <a:avLst/>
-          </a:prstGeom>
-          <a:ln w="63500">
-            <a:solidFill>
-              <a:schemeClr val="bg1">
-                <a:lumMod val="50000"/>
-              </a:schemeClr>
-            </a:solidFill>
-            <a:prstDash val="sysDot"/>
-          </a:ln>
-        </p:spPr>
-        <p:style>
-          <a:lnRef idx="2">
-            <a:schemeClr val="dk1"/>
-          </a:lnRef>
-          <a:fillRef idx="0">
-            <a:schemeClr val="dk1"/>
-          </a:fillRef>
-          <a:effectRef idx="1">
-            <a:schemeClr val="dk1"/>
-          </a:effectRef>
-          <a:fontRef idx="minor">
-            <a:schemeClr val="tx1"/>
-          </a:fontRef>
-        </p:style>
-      </p:cxnSp>
-    </p:spTree>
-    <p:extLst>
-      <p:ext uri="{BB962C8B-B14F-4D97-AF65-F5344CB8AC3E}">
-        <p14:creationId xmlns:p14="http://schemas.microsoft.com/office/powerpoint/2010/main" val="1360301296"/>
+        <p14:creationId xmlns:p14="http://schemas.microsoft.com/office/powerpoint/2010/main" val="837580139"/>
       </p:ext>
     </p:extLst>
   </p:cSld>
@@ -5865,7 +4911,7 @@
         <p:cNvPr id="1" name="">
           <a:extLst>
             <a:ext uri="{FF2B5EF4-FFF2-40B4-BE49-F238E27FC236}">
-              <a16:creationId xmlns:a16="http://schemas.microsoft.com/office/drawing/2014/main" id="{5398AA28-ADF7-399D-4ABE-72A7ED90537B}"/>
+              <a16:creationId xmlns:a16="http://schemas.microsoft.com/office/drawing/2014/main" id="{BD907F07-2C3B-056C-D45E-0A56747B4290}"/>
             </a:ext>
           </a:extLst>
         </p:cNvPr>
@@ -5880,12 +4926,49 @@
           <a:chExt cx="0" cy="0"/>
         </a:xfrm>
       </p:grpSpPr>
-      <p:sp>
-        <p:nvSpPr>
-          <p:cNvPr id="44" name="Rectangle 43">
-            <a:extLst>
-              <a:ext uri="{FF2B5EF4-FFF2-40B4-BE49-F238E27FC236}">
-                <a16:creationId xmlns:a16="http://schemas.microsoft.com/office/drawing/2014/main" id="{75E2276E-E173-BDB7-01DF-A2042407F8A8}"/>
+      <p:cxnSp>
+        <p:nvCxnSpPr>
+          <p:cNvPr id="25" name="Straight Connector 24">
+            <a:extLst>
+              <a:ext uri="{FF2B5EF4-FFF2-40B4-BE49-F238E27FC236}">
+                <a16:creationId xmlns:a16="http://schemas.microsoft.com/office/drawing/2014/main" id="{95C7C5ED-B925-8E34-B59F-D1137F412E88}"/>
+              </a:ext>
+            </a:extLst>
+          </p:cNvPr>
+          <p:cNvCxnSpPr/>
+          <p:nvPr/>
+        </p:nvCxnSpPr>
+        <p:spPr>
+          <a:xfrm>
+            <a:off x="0" y="5386211"/>
+            <a:ext cx="12192000" cy="0"/>
+          </a:xfrm>
+          <a:prstGeom prst="line">
+            <a:avLst/>
+          </a:prstGeom>
+          <a:ln w="127000"/>
+        </p:spPr>
+        <p:style>
+          <a:lnRef idx="2">
+            <a:schemeClr val="dk1"/>
+          </a:lnRef>
+          <a:fillRef idx="0">
+            <a:schemeClr val="dk1"/>
+          </a:fillRef>
+          <a:effectRef idx="1">
+            <a:schemeClr val="dk1"/>
+          </a:effectRef>
+          <a:fontRef idx="minor">
+            <a:schemeClr val="tx1"/>
+          </a:fontRef>
+        </p:style>
+      </p:cxnSp>
+      <p:sp>
+        <p:nvSpPr>
+          <p:cNvPr id="4" name="Rounded Rectangle 3">
+            <a:extLst>
+              <a:ext uri="{FF2B5EF4-FFF2-40B4-BE49-F238E27FC236}">
+                <a16:creationId xmlns:a16="http://schemas.microsoft.com/office/drawing/2014/main" id="{7A767F90-AABF-45D0-7CE6-FC5D586E41D2}"/>
               </a:ext>
             </a:extLst>
           </p:cNvPr>
@@ -5893,15 +4976,18 @@
           <p:nvPr/>
         </p:nvSpPr>
         <p:spPr>
-          <a:xfrm rot="21181766">
-            <a:off x="135924" y="1112108"/>
-            <a:ext cx="2829698" cy="593123"/>
-          </a:xfrm>
-          <a:prstGeom prst="rect">
+          <a:xfrm>
+            <a:off x="5084826" y="200628"/>
+            <a:ext cx="6996783" cy="2455946"/>
+          </a:xfrm>
+          <a:prstGeom prst="roundRect">
             <a:avLst/>
           </a:prstGeom>
           <a:solidFill>
-            <a:schemeClr val="bg1"/>
+            <a:schemeClr val="bg1">
+              <a:lumMod val="85000"/>
+              <a:alpha val="62301"/>
+            </a:schemeClr>
           </a:solidFill>
           <a:ln>
             <a:noFill/>
@@ -5927,191 +5013,64 @@
           <a:bodyPr rtlCol="0" anchor="ctr"/>
           <a:lstStyle/>
           <a:p>
-            <a:pPr algn="ctr"/>
-            <a:endParaRPr lang="en-US"/>
-          </a:p>
-        </p:txBody>
-      </p:sp>
-      <p:cxnSp>
-        <p:nvCxnSpPr>
-          <p:cNvPr id="37" name="Straight Connector 36">
-            <a:extLst>
-              <a:ext uri="{FF2B5EF4-FFF2-40B4-BE49-F238E27FC236}">
-                <a16:creationId xmlns:a16="http://schemas.microsoft.com/office/drawing/2014/main" id="{EBEF2350-199E-4300-D043-C979152D04D8}"/>
-              </a:ext>
-            </a:extLst>
-          </p:cNvPr>
-          <p:cNvCxnSpPr>
-            <a:cxnSpLocks/>
-          </p:cNvCxnSpPr>
-          <p:nvPr/>
-        </p:nvCxnSpPr>
-        <p:spPr>
-          <a:xfrm>
-            <a:off x="1296055" y="1147551"/>
-            <a:ext cx="2700536" cy="2601800"/>
-          </a:xfrm>
-          <a:prstGeom prst="line">
-            <a:avLst/>
-          </a:prstGeom>
-          <a:ln w="63500">
-            <a:solidFill>
-              <a:schemeClr val="bg1">
-                <a:lumMod val="50000"/>
-              </a:schemeClr>
-            </a:solidFill>
-            <a:prstDash val="sysDot"/>
-          </a:ln>
-        </p:spPr>
-        <p:style>
-          <a:lnRef idx="2">
-            <a:schemeClr val="dk1"/>
-          </a:lnRef>
-          <a:fillRef idx="0">
-            <a:schemeClr val="dk1"/>
-          </a:fillRef>
-          <a:effectRef idx="1">
-            <a:schemeClr val="dk1"/>
-          </a:effectRef>
-          <a:fontRef idx="minor">
-            <a:schemeClr val="tx1"/>
-          </a:fontRef>
-        </p:style>
-      </p:cxnSp>
-      <p:cxnSp>
-        <p:nvCxnSpPr>
-          <p:cNvPr id="8" name="Straight Connector 7">
-            <a:extLst>
-              <a:ext uri="{FF2B5EF4-FFF2-40B4-BE49-F238E27FC236}">
-                <a16:creationId xmlns:a16="http://schemas.microsoft.com/office/drawing/2014/main" id="{A64E13A6-FF67-BFB9-4D04-B706A10AD783}"/>
-              </a:ext>
-            </a:extLst>
-          </p:cNvPr>
-          <p:cNvCxnSpPr>
-            <a:cxnSpLocks/>
-          </p:cNvCxnSpPr>
-          <p:nvPr/>
-        </p:nvCxnSpPr>
-        <p:spPr>
-          <a:xfrm>
-            <a:off x="4063295" y="3749351"/>
-            <a:ext cx="3886200" cy="1115094"/>
-          </a:xfrm>
-          <a:prstGeom prst="line">
-            <a:avLst/>
-          </a:prstGeom>
-          <a:ln w="63500">
-            <a:solidFill>
-              <a:schemeClr val="bg1">
-                <a:lumMod val="50000"/>
-              </a:schemeClr>
-            </a:solidFill>
-            <a:prstDash val="sysDot"/>
-          </a:ln>
-        </p:spPr>
-        <p:style>
-          <a:lnRef idx="2">
-            <a:schemeClr val="dk1"/>
-          </a:lnRef>
-          <a:fillRef idx="0">
-            <a:schemeClr val="dk1"/>
-          </a:fillRef>
-          <a:effectRef idx="1">
-            <a:schemeClr val="dk1"/>
-          </a:effectRef>
-          <a:fontRef idx="minor">
-            <a:schemeClr val="tx1"/>
-          </a:fontRef>
-        </p:style>
-      </p:cxnSp>
-      <p:cxnSp>
-        <p:nvCxnSpPr>
-          <p:cNvPr id="10" name="Straight Connector 9">
-            <a:extLst>
-              <a:ext uri="{FF2B5EF4-FFF2-40B4-BE49-F238E27FC236}">
-                <a16:creationId xmlns:a16="http://schemas.microsoft.com/office/drawing/2014/main" id="{A5C3A95B-43AB-D14B-6A7B-884547ABC8BA}"/>
-              </a:ext>
-            </a:extLst>
-          </p:cNvPr>
-          <p:cNvCxnSpPr>
-            <a:cxnSpLocks/>
-          </p:cNvCxnSpPr>
-          <p:nvPr/>
-        </p:nvCxnSpPr>
-        <p:spPr>
-          <a:xfrm>
-            <a:off x="7949495" y="4896396"/>
-            <a:ext cx="3398690" cy="284327"/>
-          </a:xfrm>
-          <a:prstGeom prst="line">
-            <a:avLst/>
-          </a:prstGeom>
-          <a:ln w="63500">
-            <a:solidFill>
-              <a:schemeClr val="bg1">
-                <a:lumMod val="50000"/>
-              </a:schemeClr>
-            </a:solidFill>
-            <a:prstDash val="sysDot"/>
-          </a:ln>
-        </p:spPr>
-        <p:style>
-          <a:lnRef idx="2">
-            <a:schemeClr val="dk1"/>
-          </a:lnRef>
-          <a:fillRef idx="0">
-            <a:schemeClr val="dk1"/>
-          </a:fillRef>
-          <a:effectRef idx="1">
-            <a:schemeClr val="dk1"/>
-          </a:effectRef>
-          <a:fontRef idx="minor">
-            <a:schemeClr val="tx1"/>
-          </a:fontRef>
-        </p:style>
-      </p:cxnSp>
-      <p:pic>
-        <p:nvPicPr>
-          <p:cNvPr id="17" name="Graphic 16" descr="Landing with solid fill">
-            <a:extLst>
-              <a:ext uri="{FF2B5EF4-FFF2-40B4-BE49-F238E27FC236}">
-                <a16:creationId xmlns:a16="http://schemas.microsoft.com/office/drawing/2014/main" id="{B0011AC4-B2FF-8F3E-E219-57D5A4B4E56F}"/>
-              </a:ext>
-            </a:extLst>
-          </p:cNvPr>
-          <p:cNvPicPr>
-            <a:picLocks noChangeAspect="1"/>
-          </p:cNvPicPr>
-          <p:nvPr/>
-        </p:nvPicPr>
-        <p:blipFill>
-          <a:blip r:embed="rId2">
-            <a:extLst>
-              <a:ext uri="{96DAC541-7B7A-43D3-8B79-37D633B846F1}">
-                <asvg:svgBlip xmlns:asvg="http://schemas.microsoft.com/office/drawing/2016/SVG/main" r:embed="rId3"/>
-              </a:ext>
-            </a:extLst>
-          </a:blip>
-          <a:stretch>
-            <a:fillRect/>
-          </a:stretch>
-        </p:blipFill>
-        <p:spPr>
-          <a:xfrm rot="2001250">
-            <a:off x="-53692" y="-109638"/>
-            <a:ext cx="2566086" cy="2566086"/>
-          </a:xfrm>
-          <a:prstGeom prst="rect">
-            <a:avLst/>
-          </a:prstGeom>
-        </p:spPr>
-      </p:pic>
-      <p:sp>
-        <p:nvSpPr>
-          <p:cNvPr id="18" name="Rectangle 17">
-            <a:extLst>
-              <a:ext uri="{FF2B5EF4-FFF2-40B4-BE49-F238E27FC236}">
-                <a16:creationId xmlns:a16="http://schemas.microsoft.com/office/drawing/2014/main" id="{36B3A4A0-E6AB-8806-C859-2385D16FE9E0}"/>
+            <a:pPr marL="571500" indent="-571500">
+              <a:buClr>
+                <a:schemeClr val="accent6"/>
+              </a:buClr>
+              <a:buFont typeface="Wingdings" pitchFamily="2" charset="2"/>
+              <a:buChar char="ü"/>
+            </a:pPr>
+            <a:r>
+              <a:rPr lang="en-US" sz="4400" dirty="0">
+                <a:solidFill>
+                  <a:schemeClr val="tx1"/>
+                </a:solidFill>
+              </a:rPr>
+              <a:t> Freeze R and CRAN</a:t>
+            </a:r>
+          </a:p>
+          <a:p>
+            <a:pPr marL="571500" indent="-571500">
+              <a:buClr>
+                <a:schemeClr val="accent6"/>
+              </a:buClr>
+              <a:buFont typeface="Wingdings" pitchFamily="2" charset="2"/>
+              <a:buChar char="ü"/>
+            </a:pPr>
+            <a:r>
+              <a:rPr lang="en-US" sz="4400" dirty="0">
+                <a:solidFill>
+                  <a:schemeClr val="tx1"/>
+                </a:solidFill>
+              </a:rPr>
+              <a:t> Freeze healthy releases</a:t>
+            </a:r>
+          </a:p>
+          <a:p>
+            <a:pPr marL="571500" indent="-571500">
+              <a:buClr>
+                <a:schemeClr val="accent6"/>
+              </a:buClr>
+              <a:buFont typeface="Wingdings" pitchFamily="2" charset="2"/>
+              <a:buChar char="ü"/>
+            </a:pPr>
+            <a:r>
+              <a:rPr lang="en-US" sz="4400" dirty="0">
+                <a:solidFill>
+                  <a:schemeClr val="tx1"/>
+                </a:solidFill>
+              </a:rPr>
+              <a:t> Snapshot Staging</a:t>
+            </a:r>
+          </a:p>
+        </p:txBody>
+      </p:sp>
+      <p:sp>
+        <p:nvSpPr>
+          <p:cNvPr id="7" name="Rectangle 6">
+            <a:extLst>
+              <a:ext uri="{FF2B5EF4-FFF2-40B4-BE49-F238E27FC236}">
+                <a16:creationId xmlns:a16="http://schemas.microsoft.com/office/drawing/2014/main" id="{5D51A555-5771-F766-6FF8-CA9058E9C610}"/>
               </a:ext>
             </a:extLst>
           </p:cNvPr>
@@ -6119,9 +5078,9 @@
           <p:nvPr/>
         </p:nvSpPr>
         <p:spPr>
-          <a:xfrm rot="2117527">
-            <a:off x="-455181" y="1497918"/>
-            <a:ext cx="2829698" cy="593123"/>
+          <a:xfrm rot="20955743">
+            <a:off x="9467206" y="5850599"/>
+            <a:ext cx="2717061" cy="353499"/>
           </a:xfrm>
           <a:prstGeom prst="rect">
             <a:avLst/>
@@ -6158,12 +5117,61 @@
           </a:p>
         </p:txBody>
       </p:sp>
+      <p:cxnSp>
+        <p:nvCxnSpPr>
+          <p:cNvPr id="8" name="Straight Arrow Connector 7">
+            <a:extLst>
+              <a:ext uri="{FF2B5EF4-FFF2-40B4-BE49-F238E27FC236}">
+                <a16:creationId xmlns:a16="http://schemas.microsoft.com/office/drawing/2014/main" id="{9D25CEDF-E086-C0C3-F458-D1627600E8BF}"/>
+              </a:ext>
+            </a:extLst>
+          </p:cNvPr>
+          <p:cNvCxnSpPr>
+            <a:cxnSpLocks/>
+          </p:cNvCxnSpPr>
+          <p:nvPr/>
+        </p:nvCxnSpPr>
+        <p:spPr>
+          <a:xfrm>
+            <a:off x="1337912" y="3522846"/>
+            <a:ext cx="9221002" cy="1434165"/>
+          </a:xfrm>
+          <a:prstGeom prst="straightConnector1">
+            <a:avLst/>
+          </a:prstGeom>
+          <a:ln w="127000">
+            <a:solidFill>
+              <a:schemeClr val="tx1">
+                <a:lumMod val="65000"/>
+                <a:lumOff val="35000"/>
+                <a:alpha val="38000"/>
+              </a:schemeClr>
+            </a:solidFill>
+            <a:prstDash val="sysDot"/>
+            <a:tailEnd type="triangle"/>
+          </a:ln>
+        </p:spPr>
+        <p:style>
+          <a:lnRef idx="2">
+            <a:schemeClr val="accent1"/>
+          </a:lnRef>
+          <a:fillRef idx="0">
+            <a:schemeClr val="accent1"/>
+          </a:fillRef>
+          <a:effectRef idx="1">
+            <a:schemeClr val="accent1"/>
+          </a:effectRef>
+          <a:fontRef idx="minor">
+            <a:schemeClr val="tx1"/>
+          </a:fontRef>
+        </p:style>
+      </p:cxnSp>
       <p:pic>
         <p:nvPicPr>
-          <p:cNvPr id="21" name="Graphic 20" descr="Landing with solid fill">
-            <a:extLst>
-              <a:ext uri="{FF2B5EF4-FFF2-40B4-BE49-F238E27FC236}">
-                <a16:creationId xmlns:a16="http://schemas.microsoft.com/office/drawing/2014/main" id="{F67ADC1A-54EB-F06B-4A78-4729ED214DCE}"/>
+          <p:cNvPr id="12" name="Graphic 11" descr="Landing with solid fill">
+            <a:extLst>
+              <a:ext uri="{FF2B5EF4-FFF2-40B4-BE49-F238E27FC236}">
+                <a16:creationId xmlns:a16="http://schemas.microsoft.com/office/drawing/2014/main" id="{58A01A6B-0D8F-623D-38F6-D242EA676D8C}"/>
               </a:ext>
             </a:extLst>
           </p:cNvPr>
@@ -6185,9 +5193,9 @@
           </a:stretch>
         </p:blipFill>
         <p:spPr>
-          <a:xfrm>
-            <a:off x="2752768" y="2666199"/>
-            <a:ext cx="2566086" cy="2566086"/>
+          <a:xfrm rot="20998651">
+            <a:off x="9277155" y="3796073"/>
+            <a:ext cx="2966769" cy="2966769"/>
           </a:xfrm>
           <a:prstGeom prst="rect">
             <a:avLst/>
@@ -6196,10 +5204,10 @@
       </p:pic>
       <p:sp>
         <p:nvSpPr>
-          <p:cNvPr id="22" name="Rectangle 21">
-            <a:extLst>
-              <a:ext uri="{FF2B5EF4-FFF2-40B4-BE49-F238E27FC236}">
-                <a16:creationId xmlns:a16="http://schemas.microsoft.com/office/drawing/2014/main" id="{0EE23064-764D-C728-464D-B224F41802C0}"/>
+          <p:cNvPr id="13" name="Rectangle 12">
+            <a:extLst>
+              <a:ext uri="{FF2B5EF4-FFF2-40B4-BE49-F238E27FC236}">
+                <a16:creationId xmlns:a16="http://schemas.microsoft.com/office/drawing/2014/main" id="{15AF4140-1A14-16C4-4118-C4AE4D9CCBA2}"/>
               </a:ext>
             </a:extLst>
           </p:cNvPr>
@@ -6207,9 +5215,9 @@
           <p:nvPr/>
         </p:nvSpPr>
         <p:spPr>
-          <a:xfrm rot="167212">
-            <a:off x="2434594" y="4328551"/>
-            <a:ext cx="2829698" cy="593123"/>
+          <a:xfrm rot="21003518">
+            <a:off x="9543703" y="5840972"/>
+            <a:ext cx="2717061" cy="353499"/>
           </a:xfrm>
           <a:prstGeom prst="rect">
             <a:avLst/>
@@ -6246,223 +5254,87 @@
           </a:p>
         </p:txBody>
       </p:sp>
-      <p:pic>
-        <p:nvPicPr>
-          <p:cNvPr id="28" name="Graphic 27" descr="Landing with solid fill">
-            <a:extLst>
-              <a:ext uri="{FF2B5EF4-FFF2-40B4-BE49-F238E27FC236}">
-                <a16:creationId xmlns:a16="http://schemas.microsoft.com/office/drawing/2014/main" id="{DB91DE68-4E5C-4EF0-7886-8AE26399B29E}"/>
-              </a:ext>
-            </a:extLst>
-          </p:cNvPr>
-          <p:cNvPicPr>
-            <a:picLocks noChangeAspect="1"/>
-          </p:cNvPicPr>
+      <p:sp>
+        <p:nvSpPr>
+          <p:cNvPr id="6" name="TextBox 5">
+            <a:extLst>
+              <a:ext uri="{FF2B5EF4-FFF2-40B4-BE49-F238E27FC236}">
+                <a16:creationId xmlns:a16="http://schemas.microsoft.com/office/drawing/2014/main" id="{85EF99F8-66F1-0248-EE5D-EA729C834F9C}"/>
+              </a:ext>
+            </a:extLst>
+          </p:cNvPr>
+          <p:cNvSpPr txBox="1"/>
           <p:nvPr/>
-        </p:nvPicPr>
-        <p:blipFill>
-          <a:blip r:embed="rId2">
-            <a:extLst>
-              <a:ext uri="{96DAC541-7B7A-43D3-8B79-37D633B846F1}">
-                <asvg:svgBlip xmlns:asvg="http://schemas.microsoft.com/office/drawing/2016/SVG/main" r:embed="rId3"/>
-              </a:ext>
-            </a:extLst>
-          </a:blip>
-          <a:stretch>
-            <a:fillRect/>
-          </a:stretch>
-        </p:blipFill>
-        <p:spPr>
-          <a:xfrm rot="21056599">
-            <a:off x="6441025" y="3707071"/>
-            <a:ext cx="2566086" cy="2566086"/>
+        </p:nvSpPr>
+        <p:spPr>
+          <a:xfrm>
+            <a:off x="9327498" y="5411450"/>
+            <a:ext cx="2864502" cy="769441"/>
           </a:xfrm>
           <a:prstGeom prst="rect">
             <a:avLst/>
           </a:prstGeom>
-        </p:spPr>
-      </p:pic>
-      <p:sp>
-        <p:nvSpPr>
-          <p:cNvPr id="29" name="Rectangle 28">
-            <a:extLst>
-              <a:ext uri="{FF2B5EF4-FFF2-40B4-BE49-F238E27FC236}">
-                <a16:creationId xmlns:a16="http://schemas.microsoft.com/office/drawing/2014/main" id="{60205280-3978-31F5-18C0-97801DB8AD04}"/>
-              </a:ext>
-            </a:extLst>
-          </p:cNvPr>
-          <p:cNvSpPr/>
+          <a:noFill/>
+        </p:spPr>
+        <p:txBody>
+          <a:bodyPr wrap="none" rtlCol="0">
+            <a:spAutoFit/>
+          </a:bodyPr>
+          <a:lstStyle/>
+          <a:p>
+            <a:r>
+              <a:rPr lang="en-US" sz="4400" dirty="0"/>
+              <a:t>Production</a:t>
+            </a:r>
+          </a:p>
+        </p:txBody>
+      </p:sp>
+      <p:sp>
+        <p:nvSpPr>
+          <p:cNvPr id="14" name="TextBox 13">
+            <a:extLst>
+              <a:ext uri="{FF2B5EF4-FFF2-40B4-BE49-F238E27FC236}">
+                <a16:creationId xmlns:a16="http://schemas.microsoft.com/office/drawing/2014/main" id="{16856094-F460-E1B5-05E9-23D8C09E40EB}"/>
+              </a:ext>
+            </a:extLst>
+          </p:cNvPr>
+          <p:cNvSpPr txBox="1"/>
           <p:nvPr/>
         </p:nvSpPr>
         <p:spPr>
-          <a:xfrm rot="167212">
-            <a:off x="6122851" y="5369423"/>
-            <a:ext cx="2829698" cy="593123"/>
+          <a:xfrm>
+            <a:off x="10014934" y="3703939"/>
+            <a:ext cx="1977849" cy="769441"/>
           </a:xfrm>
           <a:prstGeom prst="rect">
             <a:avLst/>
           </a:prstGeom>
-          <a:solidFill>
-            <a:schemeClr val="bg1"/>
-          </a:solidFill>
-          <a:ln>
-            <a:noFill/>
-          </a:ln>
-        </p:spPr>
-        <p:style>
-          <a:lnRef idx="2">
-            <a:schemeClr val="accent1">
-              <a:shade val="15000"/>
-            </a:schemeClr>
-          </a:lnRef>
-          <a:fillRef idx="1">
-            <a:schemeClr val="accent1"/>
-          </a:fillRef>
-          <a:effectRef idx="0">
-            <a:schemeClr val="accent1"/>
-          </a:effectRef>
-          <a:fontRef idx="minor">
-            <a:schemeClr val="lt1"/>
-          </a:fontRef>
-        </p:style>
-        <p:txBody>
-          <a:bodyPr rtlCol="0" anchor="ctr"/>
-          <a:lstStyle/>
-          <a:p>
-            <a:pPr algn="ctr"/>
-            <a:endParaRPr lang="en-US"/>
-          </a:p>
-        </p:txBody>
-      </p:sp>
-      <p:pic>
-        <p:nvPicPr>
-          <p:cNvPr id="31" name="Graphic 30" descr="Landing with solid fill">
-            <a:extLst>
-              <a:ext uri="{FF2B5EF4-FFF2-40B4-BE49-F238E27FC236}">
-                <a16:creationId xmlns:a16="http://schemas.microsoft.com/office/drawing/2014/main" id="{BAFF4248-E7C4-A305-D64C-8C2517D63767}"/>
-              </a:ext>
-            </a:extLst>
-          </p:cNvPr>
-          <p:cNvPicPr>
-            <a:picLocks noChangeAspect="1"/>
-          </p:cNvPicPr>
-          <p:nvPr/>
-        </p:nvPicPr>
-        <p:blipFill>
-          <a:blip r:embed="rId2">
-            <a:extLst>
-              <a:ext uri="{96DAC541-7B7A-43D3-8B79-37D633B846F1}">
-                <asvg:svgBlip xmlns:asvg="http://schemas.microsoft.com/office/drawing/2016/SVG/main" r:embed="rId3"/>
-              </a:ext>
-            </a:extLst>
-          </a:blip>
-          <a:stretch>
-            <a:fillRect/>
-          </a:stretch>
-        </p:blipFill>
-        <p:spPr>
-          <a:xfrm rot="21032214">
-            <a:off x="9900526" y="4017940"/>
-            <a:ext cx="2566086" cy="2566086"/>
-          </a:xfrm>
-          <a:prstGeom prst="rect">
-            <a:avLst/>
-          </a:prstGeom>
-        </p:spPr>
-      </p:pic>
-      <p:sp>
-        <p:nvSpPr>
-          <p:cNvPr id="32" name="Rectangle 31">
-            <a:extLst>
-              <a:ext uri="{FF2B5EF4-FFF2-40B4-BE49-F238E27FC236}">
-                <a16:creationId xmlns:a16="http://schemas.microsoft.com/office/drawing/2014/main" id="{6A2D22C5-F966-AE6C-C7E6-C9DF36C00DCC}"/>
-              </a:ext>
-            </a:extLst>
-          </p:cNvPr>
-          <p:cNvSpPr/>
-          <p:nvPr/>
-        </p:nvSpPr>
-        <p:spPr>
-          <a:xfrm rot="21396444">
-            <a:off x="9623085" y="5774503"/>
-            <a:ext cx="2829698" cy="593123"/>
-          </a:xfrm>
-          <a:prstGeom prst="rect">
-            <a:avLst/>
-          </a:prstGeom>
-          <a:solidFill>
-            <a:schemeClr val="bg1"/>
-          </a:solidFill>
-          <a:ln>
-            <a:noFill/>
-          </a:ln>
-        </p:spPr>
-        <p:style>
-          <a:lnRef idx="2">
-            <a:schemeClr val="accent1">
-              <a:shade val="15000"/>
-            </a:schemeClr>
-          </a:lnRef>
-          <a:fillRef idx="1">
-            <a:schemeClr val="accent1"/>
-          </a:fillRef>
-          <a:effectRef idx="0">
-            <a:schemeClr val="accent1"/>
-          </a:effectRef>
-          <a:fontRef idx="minor">
-            <a:schemeClr val="lt1"/>
-          </a:fontRef>
-        </p:style>
-        <p:txBody>
-          <a:bodyPr rtlCol="0" anchor="ctr"/>
-          <a:lstStyle/>
-          <a:p>
-            <a:pPr algn="ctr"/>
-            <a:endParaRPr lang="en-US"/>
-          </a:p>
-        </p:txBody>
-      </p:sp>
-      <p:cxnSp>
-        <p:nvCxnSpPr>
-          <p:cNvPr id="25" name="Straight Connector 24">
-            <a:extLst>
-              <a:ext uri="{FF2B5EF4-FFF2-40B4-BE49-F238E27FC236}">
-                <a16:creationId xmlns:a16="http://schemas.microsoft.com/office/drawing/2014/main" id="{2A0A09F7-304B-9C2C-0639-EB443326C0AC}"/>
-              </a:ext>
-            </a:extLst>
-          </p:cNvPr>
-          <p:cNvCxnSpPr/>
-          <p:nvPr/>
-        </p:nvCxnSpPr>
-        <p:spPr>
-          <a:xfrm>
-            <a:off x="14105" y="5395836"/>
-            <a:ext cx="12192000" cy="0"/>
-          </a:xfrm>
-          <a:prstGeom prst="line">
-            <a:avLst/>
-          </a:prstGeom>
-          <a:ln w="127000"/>
-        </p:spPr>
-        <p:style>
-          <a:lnRef idx="2">
-            <a:schemeClr val="dk1"/>
-          </a:lnRef>
-          <a:fillRef idx="0">
-            <a:schemeClr val="dk1"/>
-          </a:fillRef>
-          <a:effectRef idx="1">
-            <a:schemeClr val="dk1"/>
-          </a:effectRef>
-          <a:fontRef idx="minor">
-            <a:schemeClr val="tx1"/>
-          </a:fontRef>
-        </p:style>
-      </p:cxnSp>
+          <a:noFill/>
+        </p:spPr>
+        <p:txBody>
+          <a:bodyPr wrap="none" rtlCol="0">
+            <a:spAutoFit/>
+          </a:bodyPr>
+          <a:lstStyle>
+            <a:defPPr>
+              <a:defRPr lang="en-US"/>
+            </a:defPPr>
+            <a:lvl1pPr>
+              <a:defRPr sz="4400"/>
+            </a:lvl1pPr>
+          </a:lstStyle>
+          <a:p>
+            <a:r>
+              <a:rPr lang="en-US" dirty="0"/>
+              <a:t>Staging</a:t>
+            </a:r>
+          </a:p>
+        </p:txBody>
+      </p:sp>
     </p:spTree>
     <p:extLst>
       <p:ext uri="{BB962C8B-B14F-4D97-AF65-F5344CB8AC3E}">
-        <p14:creationId xmlns:p14="http://schemas.microsoft.com/office/powerpoint/2010/main" val="3114286991"/>
+        <p14:creationId xmlns:p14="http://schemas.microsoft.com/office/powerpoint/2010/main" val="3678490779"/>
       </p:ext>
     </p:extLst>
   </p:cSld>

--- a/images/snapshot.pptx
+++ b/images/snapshot.pptx
@@ -9,10 +9,10 @@
   </p:notesMasterIdLst>
   <p:sldIdLst>
     <p:sldId id="266" r:id="rId2"/>
-    <p:sldId id="267" r:id="rId3"/>
-    <p:sldId id="268" r:id="rId4"/>
-    <p:sldId id="269" r:id="rId5"/>
-    <p:sldId id="270" r:id="rId6"/>
+    <p:sldId id="274" r:id="rId3"/>
+    <p:sldId id="275" r:id="rId4"/>
+    <p:sldId id="276" r:id="rId5"/>
+    <p:sldId id="277" r:id="rId6"/>
   </p:sldIdLst>
   <p:sldSz cx="12192000" cy="6858000"/>
   <p:notesSz cx="6858000" cy="9144000"/>
@@ -201,7 +201,7 @@
           <a:p>
             <a:fld id="{97C13C39-9C1C-2842-8080-1306AA0197AA}" type="datetimeFigureOut">
               <a:rPr lang="en-US" smtClean="0"/>
-              <a:t>5/14/25</a:t>
+              <a:t>6/19/25</a:t>
             </a:fld>
             <a:endParaRPr lang="en-US"/>
           </a:p>
@@ -468,6 +468,522 @@
 </p:notesMaster>
 </file>
 
+<file path=ppt/notesSlides/notesSlide1.xml><?xml version="1.0" encoding="utf-8"?>
+<p:notes xmlns:a="http://schemas.openxmlformats.org/drawingml/2006/main" xmlns:r="http://schemas.openxmlformats.org/officeDocument/2006/relationships" xmlns:p="http://schemas.openxmlformats.org/presentationml/2006/main">
+  <p:cSld>
+    <p:spTree>
+      <p:nvGrpSpPr>
+        <p:cNvPr id="1" name=""/>
+        <p:cNvGrpSpPr/>
+        <p:nvPr/>
+      </p:nvGrpSpPr>
+      <p:grpSpPr>
+        <a:xfrm>
+          <a:off x="0" y="0"/>
+          <a:ext cx="0" cy="0"/>
+          <a:chOff x="0" y="0"/>
+          <a:chExt cx="0" cy="0"/>
+        </a:xfrm>
+      </p:grpSpPr>
+      <p:sp>
+        <p:nvSpPr>
+          <p:cNvPr id="2" name="Slide Image Placeholder 1"/>
+          <p:cNvSpPr>
+            <a:spLocks noGrp="1" noRot="1" noChangeAspect="1"/>
+          </p:cNvSpPr>
+          <p:nvPr>
+            <p:ph type="sldImg"/>
+          </p:nvPr>
+        </p:nvSpPr>
+        <p:spPr/>
+      </p:sp>
+      <p:sp>
+        <p:nvSpPr>
+          <p:cNvPr id="3" name="Notes Placeholder 2"/>
+          <p:cNvSpPr>
+            <a:spLocks noGrp="1"/>
+          </p:cNvSpPr>
+          <p:nvPr>
+            <p:ph type="body" idx="1"/>
+          </p:nvPr>
+        </p:nvSpPr>
+        <p:spPr/>
+        <p:txBody>
+          <a:bodyPr/>
+          <a:lstStyle/>
+          <a:p>
+            <a:endParaRPr lang="en-US" dirty="0"/>
+          </a:p>
+        </p:txBody>
+      </p:sp>
+      <p:sp>
+        <p:nvSpPr>
+          <p:cNvPr id="4" name="Slide Number Placeholder 3"/>
+          <p:cNvSpPr>
+            <a:spLocks noGrp="1"/>
+          </p:cNvSpPr>
+          <p:nvPr>
+            <p:ph type="sldNum" sz="quarter" idx="5"/>
+          </p:nvPr>
+        </p:nvSpPr>
+        <p:spPr/>
+        <p:txBody>
+          <a:bodyPr/>
+          <a:lstStyle/>
+          <a:p>
+            <a:fld id="{77932060-9B3E-9748-8055-3D57AA26FE72}" type="slidenum">
+              <a:rPr lang="en-US" smtClean="0"/>
+              <a:t>1</a:t>
+            </a:fld>
+            <a:endParaRPr lang="en-US"/>
+          </a:p>
+        </p:txBody>
+      </p:sp>
+    </p:spTree>
+    <p:extLst>
+      <p:ext uri="{BB962C8B-B14F-4D97-AF65-F5344CB8AC3E}">
+        <p14:creationId xmlns:p14="http://schemas.microsoft.com/office/powerpoint/2010/main" val="2581747397"/>
+      </p:ext>
+    </p:extLst>
+  </p:cSld>
+  <p:clrMapOvr>
+    <a:masterClrMapping/>
+  </p:clrMapOvr>
+</p:notes>
+</file>
+
+<file path=ppt/notesSlides/notesSlide2.xml><?xml version="1.0" encoding="utf-8"?>
+<p:notes xmlns:a="http://schemas.openxmlformats.org/drawingml/2006/main" xmlns:r="http://schemas.openxmlformats.org/officeDocument/2006/relationships" xmlns:p="http://schemas.openxmlformats.org/presentationml/2006/main">
+  <p:cSld>
+    <p:spTree>
+      <p:nvGrpSpPr>
+        <p:cNvPr id="1" name="">
+          <a:extLst>
+            <a:ext uri="{FF2B5EF4-FFF2-40B4-BE49-F238E27FC236}">
+              <a16:creationId xmlns:a16="http://schemas.microsoft.com/office/drawing/2014/main" id="{527715A8-08A6-9C5E-A695-43C304AB51DF}"/>
+            </a:ext>
+          </a:extLst>
+        </p:cNvPr>
+        <p:cNvGrpSpPr/>
+        <p:nvPr/>
+      </p:nvGrpSpPr>
+      <p:grpSpPr>
+        <a:xfrm>
+          <a:off x="0" y="0"/>
+          <a:ext cx="0" cy="0"/>
+          <a:chOff x="0" y="0"/>
+          <a:chExt cx="0" cy="0"/>
+        </a:xfrm>
+      </p:grpSpPr>
+      <p:sp>
+        <p:nvSpPr>
+          <p:cNvPr id="2" name="Slide Image Placeholder 1">
+            <a:extLst>
+              <a:ext uri="{FF2B5EF4-FFF2-40B4-BE49-F238E27FC236}">
+                <a16:creationId xmlns:a16="http://schemas.microsoft.com/office/drawing/2014/main" id="{EBDA4BA5-F147-2E9B-BCFA-91B92A004A27}"/>
+              </a:ext>
+            </a:extLst>
+          </p:cNvPr>
+          <p:cNvSpPr>
+            <a:spLocks noGrp="1" noRot="1" noChangeAspect="1"/>
+          </p:cNvSpPr>
+          <p:nvPr>
+            <p:ph type="sldImg"/>
+          </p:nvPr>
+        </p:nvSpPr>
+        <p:spPr/>
+      </p:sp>
+      <p:sp>
+        <p:nvSpPr>
+          <p:cNvPr id="3" name="Notes Placeholder 2">
+            <a:extLst>
+              <a:ext uri="{FF2B5EF4-FFF2-40B4-BE49-F238E27FC236}">
+                <a16:creationId xmlns:a16="http://schemas.microsoft.com/office/drawing/2014/main" id="{1AFB61F5-F0CD-542F-1529-16D03FB13C69}"/>
+              </a:ext>
+            </a:extLst>
+          </p:cNvPr>
+          <p:cNvSpPr>
+            <a:spLocks noGrp="1"/>
+          </p:cNvSpPr>
+          <p:nvPr>
+            <p:ph type="body" idx="1"/>
+          </p:nvPr>
+        </p:nvSpPr>
+        <p:spPr/>
+        <p:txBody>
+          <a:bodyPr/>
+          <a:lstStyle/>
+          <a:p>
+            <a:endParaRPr lang="en-US" dirty="0"/>
+          </a:p>
+        </p:txBody>
+      </p:sp>
+      <p:sp>
+        <p:nvSpPr>
+          <p:cNvPr id="4" name="Slide Number Placeholder 3">
+            <a:extLst>
+              <a:ext uri="{FF2B5EF4-FFF2-40B4-BE49-F238E27FC236}">
+                <a16:creationId xmlns:a16="http://schemas.microsoft.com/office/drawing/2014/main" id="{CAF6BEA5-759A-FEC0-14B5-77A98F8ABF71}"/>
+              </a:ext>
+            </a:extLst>
+          </p:cNvPr>
+          <p:cNvSpPr>
+            <a:spLocks noGrp="1"/>
+          </p:cNvSpPr>
+          <p:nvPr>
+            <p:ph type="sldNum" sz="quarter" idx="5"/>
+          </p:nvPr>
+        </p:nvSpPr>
+        <p:spPr/>
+        <p:txBody>
+          <a:bodyPr/>
+          <a:lstStyle/>
+          <a:p>
+            <a:fld id="{77932060-9B3E-9748-8055-3D57AA26FE72}" type="slidenum">
+              <a:rPr lang="en-US" smtClean="0"/>
+              <a:t>2</a:t>
+            </a:fld>
+            <a:endParaRPr lang="en-US"/>
+          </a:p>
+        </p:txBody>
+      </p:sp>
+    </p:spTree>
+    <p:extLst>
+      <p:ext uri="{BB962C8B-B14F-4D97-AF65-F5344CB8AC3E}">
+        <p14:creationId xmlns:p14="http://schemas.microsoft.com/office/powerpoint/2010/main" val="1509174971"/>
+      </p:ext>
+    </p:extLst>
+  </p:cSld>
+  <p:clrMapOvr>
+    <a:masterClrMapping/>
+  </p:clrMapOvr>
+</p:notes>
+</file>
+
+<file path=ppt/notesSlides/notesSlide3.xml><?xml version="1.0" encoding="utf-8"?>
+<p:notes xmlns:a="http://schemas.openxmlformats.org/drawingml/2006/main" xmlns:r="http://schemas.openxmlformats.org/officeDocument/2006/relationships" xmlns:p="http://schemas.openxmlformats.org/presentationml/2006/main">
+  <p:cSld>
+    <p:spTree>
+      <p:nvGrpSpPr>
+        <p:cNvPr id="1" name="">
+          <a:extLst>
+            <a:ext uri="{FF2B5EF4-FFF2-40B4-BE49-F238E27FC236}">
+              <a16:creationId xmlns:a16="http://schemas.microsoft.com/office/drawing/2014/main" id="{EBF1AD98-EC9B-BD0A-7640-72877C7E8F97}"/>
+            </a:ext>
+          </a:extLst>
+        </p:cNvPr>
+        <p:cNvGrpSpPr/>
+        <p:nvPr/>
+      </p:nvGrpSpPr>
+      <p:grpSpPr>
+        <a:xfrm>
+          <a:off x="0" y="0"/>
+          <a:ext cx="0" cy="0"/>
+          <a:chOff x="0" y="0"/>
+          <a:chExt cx="0" cy="0"/>
+        </a:xfrm>
+      </p:grpSpPr>
+      <p:sp>
+        <p:nvSpPr>
+          <p:cNvPr id="2" name="Slide Image Placeholder 1">
+            <a:extLst>
+              <a:ext uri="{FF2B5EF4-FFF2-40B4-BE49-F238E27FC236}">
+                <a16:creationId xmlns:a16="http://schemas.microsoft.com/office/drawing/2014/main" id="{C74E87E1-12F3-C266-C7A6-524BD7E9D795}"/>
+              </a:ext>
+            </a:extLst>
+          </p:cNvPr>
+          <p:cNvSpPr>
+            <a:spLocks noGrp="1" noRot="1" noChangeAspect="1"/>
+          </p:cNvSpPr>
+          <p:nvPr>
+            <p:ph type="sldImg"/>
+          </p:nvPr>
+        </p:nvSpPr>
+        <p:spPr/>
+      </p:sp>
+      <p:sp>
+        <p:nvSpPr>
+          <p:cNvPr id="3" name="Notes Placeholder 2">
+            <a:extLst>
+              <a:ext uri="{FF2B5EF4-FFF2-40B4-BE49-F238E27FC236}">
+                <a16:creationId xmlns:a16="http://schemas.microsoft.com/office/drawing/2014/main" id="{B0E61D6A-E37F-9E37-5362-936C0B28A33E}"/>
+              </a:ext>
+            </a:extLst>
+          </p:cNvPr>
+          <p:cNvSpPr>
+            <a:spLocks noGrp="1"/>
+          </p:cNvSpPr>
+          <p:nvPr>
+            <p:ph type="body" idx="1"/>
+          </p:nvPr>
+        </p:nvSpPr>
+        <p:spPr/>
+        <p:txBody>
+          <a:bodyPr/>
+          <a:lstStyle/>
+          <a:p>
+            <a:endParaRPr lang="en-US" dirty="0"/>
+          </a:p>
+        </p:txBody>
+      </p:sp>
+      <p:sp>
+        <p:nvSpPr>
+          <p:cNvPr id="4" name="Slide Number Placeholder 3">
+            <a:extLst>
+              <a:ext uri="{FF2B5EF4-FFF2-40B4-BE49-F238E27FC236}">
+                <a16:creationId xmlns:a16="http://schemas.microsoft.com/office/drawing/2014/main" id="{DB752D60-78AC-8A54-6196-00DAC8B3AA66}"/>
+              </a:ext>
+            </a:extLst>
+          </p:cNvPr>
+          <p:cNvSpPr>
+            <a:spLocks noGrp="1"/>
+          </p:cNvSpPr>
+          <p:nvPr>
+            <p:ph type="sldNum" sz="quarter" idx="5"/>
+          </p:nvPr>
+        </p:nvSpPr>
+        <p:spPr/>
+        <p:txBody>
+          <a:bodyPr/>
+          <a:lstStyle/>
+          <a:p>
+            <a:fld id="{77932060-9B3E-9748-8055-3D57AA26FE72}" type="slidenum">
+              <a:rPr lang="en-US" smtClean="0"/>
+              <a:t>3</a:t>
+            </a:fld>
+            <a:endParaRPr lang="en-US"/>
+          </a:p>
+        </p:txBody>
+      </p:sp>
+    </p:spTree>
+    <p:extLst>
+      <p:ext uri="{BB962C8B-B14F-4D97-AF65-F5344CB8AC3E}">
+        <p14:creationId xmlns:p14="http://schemas.microsoft.com/office/powerpoint/2010/main" val="1553036412"/>
+      </p:ext>
+    </p:extLst>
+  </p:cSld>
+  <p:clrMapOvr>
+    <a:masterClrMapping/>
+  </p:clrMapOvr>
+</p:notes>
+</file>
+
+<file path=ppt/notesSlides/notesSlide4.xml><?xml version="1.0" encoding="utf-8"?>
+<p:notes xmlns:a="http://schemas.openxmlformats.org/drawingml/2006/main" xmlns:r="http://schemas.openxmlformats.org/officeDocument/2006/relationships" xmlns:p="http://schemas.openxmlformats.org/presentationml/2006/main">
+  <p:cSld>
+    <p:spTree>
+      <p:nvGrpSpPr>
+        <p:cNvPr id="1" name="">
+          <a:extLst>
+            <a:ext uri="{FF2B5EF4-FFF2-40B4-BE49-F238E27FC236}">
+              <a16:creationId xmlns:a16="http://schemas.microsoft.com/office/drawing/2014/main" id="{AC0FDEDA-24A7-1FA9-F227-4E1A3D095298}"/>
+            </a:ext>
+          </a:extLst>
+        </p:cNvPr>
+        <p:cNvGrpSpPr/>
+        <p:nvPr/>
+      </p:nvGrpSpPr>
+      <p:grpSpPr>
+        <a:xfrm>
+          <a:off x="0" y="0"/>
+          <a:ext cx="0" cy="0"/>
+          <a:chOff x="0" y="0"/>
+          <a:chExt cx="0" cy="0"/>
+        </a:xfrm>
+      </p:grpSpPr>
+      <p:sp>
+        <p:nvSpPr>
+          <p:cNvPr id="2" name="Slide Image Placeholder 1">
+            <a:extLst>
+              <a:ext uri="{FF2B5EF4-FFF2-40B4-BE49-F238E27FC236}">
+                <a16:creationId xmlns:a16="http://schemas.microsoft.com/office/drawing/2014/main" id="{FE203583-6733-CBB7-ED8E-4CC643DF07C3}"/>
+              </a:ext>
+            </a:extLst>
+          </p:cNvPr>
+          <p:cNvSpPr>
+            <a:spLocks noGrp="1" noRot="1" noChangeAspect="1"/>
+          </p:cNvSpPr>
+          <p:nvPr>
+            <p:ph type="sldImg"/>
+          </p:nvPr>
+        </p:nvSpPr>
+        <p:spPr/>
+      </p:sp>
+      <p:sp>
+        <p:nvSpPr>
+          <p:cNvPr id="3" name="Notes Placeholder 2">
+            <a:extLst>
+              <a:ext uri="{FF2B5EF4-FFF2-40B4-BE49-F238E27FC236}">
+                <a16:creationId xmlns:a16="http://schemas.microsoft.com/office/drawing/2014/main" id="{6D5C87F5-16B6-4C5A-BAA7-4AD32F576750}"/>
+              </a:ext>
+            </a:extLst>
+          </p:cNvPr>
+          <p:cNvSpPr>
+            <a:spLocks noGrp="1"/>
+          </p:cNvSpPr>
+          <p:nvPr>
+            <p:ph type="body" idx="1"/>
+          </p:nvPr>
+        </p:nvSpPr>
+        <p:spPr/>
+        <p:txBody>
+          <a:bodyPr/>
+          <a:lstStyle/>
+          <a:p>
+            <a:endParaRPr lang="en-US" dirty="0"/>
+          </a:p>
+        </p:txBody>
+      </p:sp>
+      <p:sp>
+        <p:nvSpPr>
+          <p:cNvPr id="4" name="Slide Number Placeholder 3">
+            <a:extLst>
+              <a:ext uri="{FF2B5EF4-FFF2-40B4-BE49-F238E27FC236}">
+                <a16:creationId xmlns:a16="http://schemas.microsoft.com/office/drawing/2014/main" id="{5F3A7CD2-0096-7664-3EC4-4C7AEB1399E7}"/>
+              </a:ext>
+            </a:extLst>
+          </p:cNvPr>
+          <p:cNvSpPr>
+            <a:spLocks noGrp="1"/>
+          </p:cNvSpPr>
+          <p:nvPr>
+            <p:ph type="sldNum" sz="quarter" idx="5"/>
+          </p:nvPr>
+        </p:nvSpPr>
+        <p:spPr/>
+        <p:txBody>
+          <a:bodyPr/>
+          <a:lstStyle/>
+          <a:p>
+            <a:fld id="{77932060-9B3E-9748-8055-3D57AA26FE72}" type="slidenum">
+              <a:rPr lang="en-US" smtClean="0"/>
+              <a:t>4</a:t>
+            </a:fld>
+            <a:endParaRPr lang="en-US"/>
+          </a:p>
+        </p:txBody>
+      </p:sp>
+    </p:spTree>
+    <p:extLst>
+      <p:ext uri="{BB962C8B-B14F-4D97-AF65-F5344CB8AC3E}">
+        <p14:creationId xmlns:p14="http://schemas.microsoft.com/office/powerpoint/2010/main" val="4068287448"/>
+      </p:ext>
+    </p:extLst>
+  </p:cSld>
+  <p:clrMapOvr>
+    <a:masterClrMapping/>
+  </p:clrMapOvr>
+</p:notes>
+</file>
+
+<file path=ppt/notesSlides/notesSlide5.xml><?xml version="1.0" encoding="utf-8"?>
+<p:notes xmlns:a="http://schemas.openxmlformats.org/drawingml/2006/main" xmlns:r="http://schemas.openxmlformats.org/officeDocument/2006/relationships" xmlns:p="http://schemas.openxmlformats.org/presentationml/2006/main">
+  <p:cSld>
+    <p:spTree>
+      <p:nvGrpSpPr>
+        <p:cNvPr id="1" name="">
+          <a:extLst>
+            <a:ext uri="{FF2B5EF4-FFF2-40B4-BE49-F238E27FC236}">
+              <a16:creationId xmlns:a16="http://schemas.microsoft.com/office/drawing/2014/main" id="{03AAF8EC-EF23-F2BD-6285-8C6144DC1E11}"/>
+            </a:ext>
+          </a:extLst>
+        </p:cNvPr>
+        <p:cNvGrpSpPr/>
+        <p:nvPr/>
+      </p:nvGrpSpPr>
+      <p:grpSpPr>
+        <a:xfrm>
+          <a:off x="0" y="0"/>
+          <a:ext cx="0" cy="0"/>
+          <a:chOff x="0" y="0"/>
+          <a:chExt cx="0" cy="0"/>
+        </a:xfrm>
+      </p:grpSpPr>
+      <p:sp>
+        <p:nvSpPr>
+          <p:cNvPr id="2" name="Slide Image Placeholder 1">
+            <a:extLst>
+              <a:ext uri="{FF2B5EF4-FFF2-40B4-BE49-F238E27FC236}">
+                <a16:creationId xmlns:a16="http://schemas.microsoft.com/office/drawing/2014/main" id="{EDF99419-1BE7-751D-FF61-B3C453A778A6}"/>
+              </a:ext>
+            </a:extLst>
+          </p:cNvPr>
+          <p:cNvSpPr>
+            <a:spLocks noGrp="1" noRot="1" noChangeAspect="1"/>
+          </p:cNvSpPr>
+          <p:nvPr>
+            <p:ph type="sldImg"/>
+          </p:nvPr>
+        </p:nvSpPr>
+        <p:spPr/>
+      </p:sp>
+      <p:sp>
+        <p:nvSpPr>
+          <p:cNvPr id="3" name="Notes Placeholder 2">
+            <a:extLst>
+              <a:ext uri="{FF2B5EF4-FFF2-40B4-BE49-F238E27FC236}">
+                <a16:creationId xmlns:a16="http://schemas.microsoft.com/office/drawing/2014/main" id="{4C872883-7C9A-3A6F-D76F-C5DF1DF063B5}"/>
+              </a:ext>
+            </a:extLst>
+          </p:cNvPr>
+          <p:cNvSpPr>
+            <a:spLocks noGrp="1"/>
+          </p:cNvSpPr>
+          <p:nvPr>
+            <p:ph type="body" idx="1"/>
+          </p:nvPr>
+        </p:nvSpPr>
+        <p:spPr/>
+        <p:txBody>
+          <a:bodyPr/>
+          <a:lstStyle/>
+          <a:p>
+            <a:endParaRPr lang="en-US" dirty="0"/>
+          </a:p>
+        </p:txBody>
+      </p:sp>
+      <p:sp>
+        <p:nvSpPr>
+          <p:cNvPr id="4" name="Slide Number Placeholder 3">
+            <a:extLst>
+              <a:ext uri="{FF2B5EF4-FFF2-40B4-BE49-F238E27FC236}">
+                <a16:creationId xmlns:a16="http://schemas.microsoft.com/office/drawing/2014/main" id="{A85C5826-FC56-0D5B-08A4-3AFFDD5BA4E8}"/>
+              </a:ext>
+            </a:extLst>
+          </p:cNvPr>
+          <p:cNvSpPr>
+            <a:spLocks noGrp="1"/>
+          </p:cNvSpPr>
+          <p:nvPr>
+            <p:ph type="sldNum" sz="quarter" idx="5"/>
+          </p:nvPr>
+        </p:nvSpPr>
+        <p:spPr/>
+        <p:txBody>
+          <a:bodyPr/>
+          <a:lstStyle/>
+          <a:p>
+            <a:fld id="{77932060-9B3E-9748-8055-3D57AA26FE72}" type="slidenum">
+              <a:rPr lang="en-US" smtClean="0"/>
+              <a:t>5</a:t>
+            </a:fld>
+            <a:endParaRPr lang="en-US"/>
+          </a:p>
+        </p:txBody>
+      </p:sp>
+    </p:spTree>
+    <p:extLst>
+      <p:ext uri="{BB962C8B-B14F-4D97-AF65-F5344CB8AC3E}">
+        <p14:creationId xmlns:p14="http://schemas.microsoft.com/office/powerpoint/2010/main" val="2918338309"/>
+      </p:ext>
+    </p:extLst>
+  </p:cSld>
+  <p:clrMapOvr>
+    <a:masterClrMapping/>
+  </p:clrMapOvr>
+</p:notes>
+</file>
+
 <file path=ppt/slideLayouts/slideLayout1.xml><?xml version="1.0" encoding="utf-8"?>
 <p:sldLayout xmlns:a="http://schemas.openxmlformats.org/drawingml/2006/main" xmlns:r="http://schemas.openxmlformats.org/officeDocument/2006/relationships" xmlns:p="http://schemas.openxmlformats.org/presentationml/2006/main" type="title" preserve="1">
   <p:cSld name="Title Slide">
@@ -615,7 +1131,7 @@
           <a:p>
             <a:fld id="{DE0FB15D-23E5-D646-B210-BC6078862DA1}" type="datetimeFigureOut">
               <a:rPr lang="en-US" smtClean="0"/>
-              <a:t>5/14/25</a:t>
+              <a:t>6/19/25</a:t>
             </a:fld>
             <a:endParaRPr lang="en-US"/>
           </a:p>
@@ -813,7 +1329,7 @@
           <a:p>
             <a:fld id="{DE0FB15D-23E5-D646-B210-BC6078862DA1}" type="datetimeFigureOut">
               <a:rPr lang="en-US" smtClean="0"/>
-              <a:t>5/14/25</a:t>
+              <a:t>6/19/25</a:t>
             </a:fld>
             <a:endParaRPr lang="en-US"/>
           </a:p>
@@ -1021,7 +1537,7 @@
           <a:p>
             <a:fld id="{DE0FB15D-23E5-D646-B210-BC6078862DA1}" type="datetimeFigureOut">
               <a:rPr lang="en-US" smtClean="0"/>
-              <a:t>5/14/25</a:t>
+              <a:t>6/19/25</a:t>
             </a:fld>
             <a:endParaRPr lang="en-US"/>
           </a:p>
@@ -1219,7 +1735,7 @@
           <a:p>
             <a:fld id="{DE0FB15D-23E5-D646-B210-BC6078862DA1}" type="datetimeFigureOut">
               <a:rPr lang="en-US" smtClean="0"/>
-              <a:t>5/14/25</a:t>
+              <a:t>6/19/25</a:t>
             </a:fld>
             <a:endParaRPr lang="en-US"/>
           </a:p>
@@ -1494,7 +2010,7 @@
           <a:p>
             <a:fld id="{DE0FB15D-23E5-D646-B210-BC6078862DA1}" type="datetimeFigureOut">
               <a:rPr lang="en-US" smtClean="0"/>
-              <a:t>5/14/25</a:t>
+              <a:t>6/19/25</a:t>
             </a:fld>
             <a:endParaRPr lang="en-US"/>
           </a:p>
@@ -1759,7 +2275,7 @@
           <a:p>
             <a:fld id="{DE0FB15D-23E5-D646-B210-BC6078862DA1}" type="datetimeFigureOut">
               <a:rPr lang="en-US" smtClean="0"/>
-              <a:t>5/14/25</a:t>
+              <a:t>6/19/25</a:t>
             </a:fld>
             <a:endParaRPr lang="en-US"/>
           </a:p>
@@ -2171,7 +2687,7 @@
           <a:p>
             <a:fld id="{DE0FB15D-23E5-D646-B210-BC6078862DA1}" type="datetimeFigureOut">
               <a:rPr lang="en-US" smtClean="0"/>
-              <a:t>5/14/25</a:t>
+              <a:t>6/19/25</a:t>
             </a:fld>
             <a:endParaRPr lang="en-US"/>
           </a:p>
@@ -2312,7 +2828,7 @@
           <a:p>
             <a:fld id="{DE0FB15D-23E5-D646-B210-BC6078862DA1}" type="datetimeFigureOut">
               <a:rPr lang="en-US" smtClean="0"/>
-              <a:t>5/14/25</a:t>
+              <a:t>6/19/25</a:t>
             </a:fld>
             <a:endParaRPr lang="en-US"/>
           </a:p>
@@ -2425,7 +2941,7 @@
           <a:p>
             <a:fld id="{DE0FB15D-23E5-D646-B210-BC6078862DA1}" type="datetimeFigureOut">
               <a:rPr lang="en-US" smtClean="0"/>
-              <a:t>5/14/25</a:t>
+              <a:t>6/19/25</a:t>
             </a:fld>
             <a:endParaRPr lang="en-US"/>
           </a:p>
@@ -2736,7 +3252,7 @@
           <a:p>
             <a:fld id="{DE0FB15D-23E5-D646-B210-BC6078862DA1}" type="datetimeFigureOut">
               <a:rPr lang="en-US" smtClean="0"/>
-              <a:t>5/14/25</a:t>
+              <a:t>6/19/25</a:t>
             </a:fld>
             <a:endParaRPr lang="en-US"/>
           </a:p>
@@ -3024,7 +3540,7 @@
           <a:p>
             <a:fld id="{DE0FB15D-23E5-D646-B210-BC6078862DA1}" type="datetimeFigureOut">
               <a:rPr lang="en-US" smtClean="0"/>
-              <a:t>5/14/25</a:t>
+              <a:t>6/19/25</a:t>
             </a:fld>
             <a:endParaRPr lang="en-US"/>
           </a:p>
@@ -3265,7 +3781,7 @@
           <a:p>
             <a:fld id="{DE0FB15D-23E5-D646-B210-BC6078862DA1}" type="datetimeFigureOut">
               <a:rPr lang="en-US" smtClean="0"/>
-              <a:t>5/14/25</a:t>
+              <a:t>6/19/25</a:t>
             </a:fld>
             <a:endParaRPr lang="en-US"/>
           </a:p>
@@ -3688,85 +4204,402 @@
           <a:chExt cx="0" cy="0"/>
         </a:xfrm>
       </p:grpSpPr>
+      <p:sp>
+        <p:nvSpPr>
+          <p:cNvPr id="24" name="TextBox 23">
+            <a:extLst>
+              <a:ext uri="{FF2B5EF4-FFF2-40B4-BE49-F238E27FC236}">
+                <a16:creationId xmlns:a16="http://schemas.microsoft.com/office/drawing/2014/main" id="{24ADCA97-6D3D-B99F-6B2C-31DFAF25A5DE}"/>
+              </a:ext>
+            </a:extLst>
+          </p:cNvPr>
+          <p:cNvSpPr txBox="1"/>
+          <p:nvPr/>
+        </p:nvSpPr>
+        <p:spPr>
+          <a:xfrm>
+            <a:off x="1037868" y="798832"/>
+            <a:ext cx="1977849" cy="769441"/>
+          </a:xfrm>
+          <a:prstGeom prst="rect">
+            <a:avLst/>
+          </a:prstGeom>
+          <a:noFill/>
+        </p:spPr>
+        <p:txBody>
+          <a:bodyPr wrap="none" rtlCol="0">
+            <a:spAutoFit/>
+          </a:bodyPr>
+          <a:lstStyle/>
+          <a:p>
+            <a:r>
+              <a:rPr lang="en-US" sz="4400" dirty="0"/>
+              <a:t>Staging</a:t>
+            </a:r>
+          </a:p>
+        </p:txBody>
+      </p:sp>
+      <p:pic>
+        <p:nvPicPr>
+          <p:cNvPr id="27" name="Picture 26" descr="A colorful hot air balloon&#10;&#10;AI-generated content may be incorrect.">
+            <a:extLst>
+              <a:ext uri="{FF2B5EF4-FFF2-40B4-BE49-F238E27FC236}">
+                <a16:creationId xmlns:a16="http://schemas.microsoft.com/office/drawing/2014/main" id="{F82D61FC-4E53-0ADB-9EF5-6B1D7CE758A6}"/>
+              </a:ext>
+            </a:extLst>
+          </p:cNvPr>
+          <p:cNvPicPr>
+            <a:picLocks noChangeAspect="1"/>
+          </p:cNvPicPr>
+          <p:nvPr/>
+        </p:nvPicPr>
+        <p:blipFill>
+          <a:blip r:embed="rId3"/>
+          <a:stretch>
+            <a:fillRect/>
+          </a:stretch>
+        </p:blipFill>
+        <p:spPr>
+          <a:xfrm>
+            <a:off x="3015717" y="209679"/>
+            <a:ext cx="1650628" cy="2717188"/>
+          </a:xfrm>
+          <a:prstGeom prst="rect">
+            <a:avLst/>
+          </a:prstGeom>
+        </p:spPr>
+      </p:pic>
+      <p:sp>
+        <p:nvSpPr>
+          <p:cNvPr id="29" name="Oval 28">
+            <a:extLst>
+              <a:ext uri="{FF2B5EF4-FFF2-40B4-BE49-F238E27FC236}">
+                <a16:creationId xmlns:a16="http://schemas.microsoft.com/office/drawing/2014/main" id="{96063E64-2C4F-1022-2CF5-66B223E74A7A}"/>
+              </a:ext>
+            </a:extLst>
+          </p:cNvPr>
+          <p:cNvSpPr/>
+          <p:nvPr/>
+        </p:nvSpPr>
+        <p:spPr>
+          <a:xfrm>
+            <a:off x="-128091" y="5844484"/>
+            <a:ext cx="8191099" cy="2550695"/>
+          </a:xfrm>
+          <a:prstGeom prst="ellipse">
+            <a:avLst/>
+          </a:prstGeom>
+          <a:solidFill>
+            <a:srgbClr val="4E8F00"/>
+          </a:solidFill>
+          <a:ln>
+            <a:noFill/>
+          </a:ln>
+        </p:spPr>
+        <p:style>
+          <a:lnRef idx="2">
+            <a:schemeClr val="accent1">
+              <a:shade val="15000"/>
+            </a:schemeClr>
+          </a:lnRef>
+          <a:fillRef idx="1">
+            <a:schemeClr val="accent1"/>
+          </a:fillRef>
+          <a:effectRef idx="0">
+            <a:schemeClr val="accent1"/>
+          </a:effectRef>
+          <a:fontRef idx="minor">
+            <a:schemeClr val="lt1"/>
+          </a:fontRef>
+        </p:style>
+        <p:txBody>
+          <a:bodyPr rtlCol="0" anchor="ctr"/>
+          <a:lstStyle/>
+          <a:p>
+            <a:pPr algn="ctr"/>
+            <a:endParaRPr lang="en-US"/>
+          </a:p>
+        </p:txBody>
+      </p:sp>
+    </p:spTree>
+    <p:extLst>
+      <p:ext uri="{BB962C8B-B14F-4D97-AF65-F5344CB8AC3E}">
+        <p14:creationId xmlns:p14="http://schemas.microsoft.com/office/powerpoint/2010/main" val="206087786"/>
+      </p:ext>
+    </p:extLst>
+  </p:cSld>
+  <p:clrMapOvr>
+    <a:masterClrMapping/>
+  </p:clrMapOvr>
+</p:sld>
+</file>
+
+<file path=ppt/slides/slide2.xml><?xml version="1.0" encoding="utf-8"?>
+<p:sld xmlns:a="http://schemas.openxmlformats.org/drawingml/2006/main" xmlns:r="http://schemas.openxmlformats.org/officeDocument/2006/relationships" xmlns:p="http://schemas.openxmlformats.org/presentationml/2006/main">
+  <p:cSld>
+    <p:spTree>
+      <p:nvGrpSpPr>
+        <p:cNvPr id="1" name="">
+          <a:extLst>
+            <a:ext uri="{FF2B5EF4-FFF2-40B4-BE49-F238E27FC236}">
+              <a16:creationId xmlns:a16="http://schemas.microsoft.com/office/drawing/2014/main" id="{69FE282C-0116-2A98-6C4C-7B6DA7B26ABD}"/>
+            </a:ext>
+          </a:extLst>
+        </p:cNvPr>
+        <p:cNvGrpSpPr/>
+        <p:nvPr/>
+      </p:nvGrpSpPr>
+      <p:grpSpPr>
+        <a:xfrm>
+          <a:off x="0" y="0"/>
+          <a:ext cx="0" cy="0"/>
+          <a:chOff x="0" y="0"/>
+          <a:chExt cx="0" cy="0"/>
+        </a:xfrm>
+      </p:grpSpPr>
+      <p:pic>
+        <p:nvPicPr>
+          <p:cNvPr id="27" name="Picture 26" descr="A colorful hot air balloon&#10;&#10;AI-generated content may be incorrect.">
+            <a:extLst>
+              <a:ext uri="{FF2B5EF4-FFF2-40B4-BE49-F238E27FC236}">
+                <a16:creationId xmlns:a16="http://schemas.microsoft.com/office/drawing/2014/main" id="{B89B6D73-6D25-4403-E3D9-C7D2BE27CA85}"/>
+              </a:ext>
+            </a:extLst>
+          </p:cNvPr>
+          <p:cNvPicPr>
+            <a:picLocks noChangeAspect="1"/>
+          </p:cNvPicPr>
+          <p:nvPr/>
+        </p:nvPicPr>
+        <p:blipFill>
+          <a:blip r:embed="rId3"/>
+          <a:stretch>
+            <a:fillRect/>
+          </a:stretch>
+        </p:blipFill>
+        <p:spPr>
+          <a:xfrm>
+            <a:off x="3015717" y="209679"/>
+            <a:ext cx="1650628" cy="2717188"/>
+          </a:xfrm>
+          <a:prstGeom prst="rect">
+            <a:avLst/>
+          </a:prstGeom>
+        </p:spPr>
+      </p:pic>
+      <p:sp>
+        <p:nvSpPr>
+          <p:cNvPr id="29" name="Oval 28">
+            <a:extLst>
+              <a:ext uri="{FF2B5EF4-FFF2-40B4-BE49-F238E27FC236}">
+                <a16:creationId xmlns:a16="http://schemas.microsoft.com/office/drawing/2014/main" id="{069C81F6-3B9C-F4D0-36E4-6873BF78094E}"/>
+              </a:ext>
+            </a:extLst>
+          </p:cNvPr>
+          <p:cNvSpPr/>
+          <p:nvPr/>
+        </p:nvSpPr>
+        <p:spPr>
+          <a:xfrm>
+            <a:off x="-128091" y="5844484"/>
+            <a:ext cx="8191099" cy="2550695"/>
+          </a:xfrm>
+          <a:prstGeom prst="ellipse">
+            <a:avLst/>
+          </a:prstGeom>
+          <a:solidFill>
+            <a:srgbClr val="4E8F00"/>
+          </a:solidFill>
+          <a:ln>
+            <a:noFill/>
+          </a:ln>
+        </p:spPr>
+        <p:style>
+          <a:lnRef idx="2">
+            <a:schemeClr val="accent1">
+              <a:shade val="15000"/>
+            </a:schemeClr>
+          </a:lnRef>
+          <a:fillRef idx="1">
+            <a:schemeClr val="accent1"/>
+          </a:fillRef>
+          <a:effectRef idx="0">
+            <a:schemeClr val="accent1"/>
+          </a:effectRef>
+          <a:fontRef idx="minor">
+            <a:schemeClr val="lt1"/>
+          </a:fontRef>
+        </p:style>
+        <p:txBody>
+          <a:bodyPr rtlCol="0" anchor="ctr"/>
+          <a:lstStyle/>
+          <a:p>
+            <a:pPr algn="ctr"/>
+            <a:endParaRPr lang="en-US"/>
+          </a:p>
+        </p:txBody>
+      </p:sp>
+      <p:sp>
+        <p:nvSpPr>
+          <p:cNvPr id="32" name="TextBox 31">
+            <a:extLst>
+              <a:ext uri="{FF2B5EF4-FFF2-40B4-BE49-F238E27FC236}">
+                <a16:creationId xmlns:a16="http://schemas.microsoft.com/office/drawing/2014/main" id="{CCD7589A-038B-8607-FFAA-EBE20A5C2612}"/>
+              </a:ext>
+            </a:extLst>
+          </p:cNvPr>
+          <p:cNvSpPr txBox="1"/>
+          <p:nvPr/>
+        </p:nvSpPr>
+        <p:spPr>
+          <a:xfrm>
+            <a:off x="2442842" y="5878880"/>
+            <a:ext cx="2864502" cy="769441"/>
+          </a:xfrm>
+          <a:prstGeom prst="rect">
+            <a:avLst/>
+          </a:prstGeom>
+          <a:noFill/>
+        </p:spPr>
+        <p:txBody>
+          <a:bodyPr wrap="none" rtlCol="0">
+            <a:spAutoFit/>
+          </a:bodyPr>
+          <a:lstStyle/>
+          <a:p>
+            <a:r>
+              <a:rPr lang="en-US" sz="4400" dirty="0">
+                <a:solidFill>
+                  <a:schemeClr val="bg1"/>
+                </a:solidFill>
+              </a:rPr>
+              <a:t>Production</a:t>
+            </a:r>
+          </a:p>
+        </p:txBody>
+      </p:sp>
       <p:cxnSp>
         <p:nvCxnSpPr>
-          <p:cNvPr id="25" name="Straight Connector 24">
-            <a:extLst>
-              <a:ext uri="{FF2B5EF4-FFF2-40B4-BE49-F238E27FC236}">
-                <a16:creationId xmlns:a16="http://schemas.microsoft.com/office/drawing/2014/main" id="{2630BA3F-8A34-2B70-D61A-C01809BE7989}"/>
-              </a:ext>
-            </a:extLst>
-          </p:cNvPr>
-          <p:cNvCxnSpPr/>
+          <p:cNvPr id="33" name="Straight Arrow Connector 32">
+            <a:extLst>
+              <a:ext uri="{FF2B5EF4-FFF2-40B4-BE49-F238E27FC236}">
+                <a16:creationId xmlns:a16="http://schemas.microsoft.com/office/drawing/2014/main" id="{2C1F8C3E-FEDD-E929-EE25-B37F300588D9}"/>
+              </a:ext>
+            </a:extLst>
+          </p:cNvPr>
+          <p:cNvCxnSpPr>
+            <a:cxnSpLocks/>
+          </p:cNvCxnSpPr>
           <p:nvPr/>
         </p:nvCxnSpPr>
         <p:spPr>
           <a:xfrm>
-            <a:off x="0" y="5386211"/>
-            <a:ext cx="12192000" cy="0"/>
+            <a:off x="4928136" y="1099686"/>
+            <a:ext cx="0" cy="4658627"/>
           </a:xfrm>
-          <a:prstGeom prst="line">
+          <a:prstGeom prst="straightConnector1">
             <a:avLst/>
           </a:prstGeom>
-          <a:ln w="127000"/>
+          <a:ln w="127000">
+            <a:solidFill>
+              <a:srgbClr val="0070C0"/>
+            </a:solidFill>
+            <a:prstDash val="sysDot"/>
+            <a:tailEnd type="triangle"/>
+          </a:ln>
         </p:spPr>
         <p:style>
           <a:lnRef idx="2">
-            <a:schemeClr val="dk1"/>
+            <a:schemeClr val="accent1"/>
           </a:lnRef>
           <a:fillRef idx="0">
-            <a:schemeClr val="dk1"/>
+            <a:schemeClr val="accent1"/>
           </a:fillRef>
           <a:effectRef idx="1">
-            <a:schemeClr val="dk1"/>
+            <a:schemeClr val="accent1"/>
           </a:effectRef>
           <a:fontRef idx="minor">
             <a:schemeClr val="tx1"/>
           </a:fontRef>
         </p:style>
       </p:cxnSp>
-      <p:pic>
-        <p:nvPicPr>
-          <p:cNvPr id="11" name="Graphic 10" descr="Landing with solid fill">
-            <a:extLst>
-              <a:ext uri="{FF2B5EF4-FFF2-40B4-BE49-F238E27FC236}">
-                <a16:creationId xmlns:a16="http://schemas.microsoft.com/office/drawing/2014/main" id="{AFC5512A-11D8-FDD1-FECC-48108E849CF2}"/>
-              </a:ext>
-            </a:extLst>
-          </p:cNvPr>
-          <p:cNvPicPr>
-            <a:picLocks noChangeAspect="1"/>
-          </p:cNvPicPr>
+      <p:sp>
+        <p:nvSpPr>
+          <p:cNvPr id="2" name="TextBox 1">
+            <a:extLst>
+              <a:ext uri="{FF2B5EF4-FFF2-40B4-BE49-F238E27FC236}">
+                <a16:creationId xmlns:a16="http://schemas.microsoft.com/office/drawing/2014/main" id="{72A2C4A9-EFDC-4A83-64FB-FDD69A4B8647}"/>
+              </a:ext>
+            </a:extLst>
+          </p:cNvPr>
+          <p:cNvSpPr txBox="1"/>
           <p:nvPr/>
-        </p:nvPicPr>
-        <p:blipFill>
-          <a:blip r:embed="rId2">
-            <a:extLst>
-              <a:ext uri="{96DAC541-7B7A-43D3-8B79-37D633B846F1}">
-                <asvg:svgBlip xmlns:asvg="http://schemas.microsoft.com/office/drawing/2016/SVG/main" r:embed="rId3"/>
-              </a:ext>
-            </a:extLst>
-          </a:blip>
-          <a:stretch>
-            <a:fillRect/>
-          </a:stretch>
-        </p:blipFill>
+        </p:nvSpPr>
         <p:spPr>
-          <a:xfrm rot="20837245">
-            <a:off x="149700" y="2235187"/>
-            <a:ext cx="2966769" cy="2966769"/>
+          <a:xfrm>
+            <a:off x="1037868" y="798832"/>
+            <a:ext cx="1977849" cy="769441"/>
           </a:xfrm>
           <a:prstGeom prst="rect">
             <a:avLst/>
           </a:prstGeom>
+          <a:noFill/>
         </p:spPr>
-      </p:pic>
+        <p:txBody>
+          <a:bodyPr wrap="none" rtlCol="0">
+            <a:spAutoFit/>
+          </a:bodyPr>
+          <a:lstStyle/>
+          <a:p>
+            <a:r>
+              <a:rPr lang="en-US" sz="4400" dirty="0"/>
+              <a:t>Staging</a:t>
+            </a:r>
+          </a:p>
+        </p:txBody>
+      </p:sp>
+    </p:spTree>
+    <p:extLst>
+      <p:ext uri="{BB962C8B-B14F-4D97-AF65-F5344CB8AC3E}">
+        <p14:creationId xmlns:p14="http://schemas.microsoft.com/office/powerpoint/2010/main" val="2804005849"/>
+      </p:ext>
+    </p:extLst>
+  </p:cSld>
+  <p:clrMapOvr>
+    <a:masterClrMapping/>
+  </p:clrMapOvr>
+</p:sld>
+</file>
+
+<file path=ppt/slides/slide3.xml><?xml version="1.0" encoding="utf-8"?>
+<p:sld xmlns:a="http://schemas.openxmlformats.org/drawingml/2006/main" xmlns:r="http://schemas.openxmlformats.org/officeDocument/2006/relationships" xmlns:p="http://schemas.openxmlformats.org/presentationml/2006/main">
+  <p:cSld>
+    <p:spTree>
+      <p:nvGrpSpPr>
+        <p:cNvPr id="1" name="">
+          <a:extLst>
+            <a:ext uri="{FF2B5EF4-FFF2-40B4-BE49-F238E27FC236}">
+              <a16:creationId xmlns:a16="http://schemas.microsoft.com/office/drawing/2014/main" id="{91F851FA-391E-84C5-6F93-81F9F2DC3D72}"/>
+            </a:ext>
+          </a:extLst>
+        </p:cNvPr>
+        <p:cNvGrpSpPr/>
+        <p:nvPr/>
+      </p:nvGrpSpPr>
+      <p:grpSpPr>
+        <a:xfrm>
+          <a:off x="0" y="0"/>
+          <a:ext cx="0" cy="0"/>
+          <a:chOff x="0" y="0"/>
+          <a:chExt cx="0" cy="0"/>
+        </a:xfrm>
+      </p:grpSpPr>
       <p:sp>
         <p:nvSpPr>
           <p:cNvPr id="12" name="Rectangle 11">
             <a:extLst>
               <a:ext uri="{FF2B5EF4-FFF2-40B4-BE49-F238E27FC236}">
-                <a16:creationId xmlns:a16="http://schemas.microsoft.com/office/drawing/2014/main" id="{1B427C77-B063-2BA2-7730-6C02D2663614}"/>
+                <a16:creationId xmlns:a16="http://schemas.microsoft.com/office/drawing/2014/main" id="{9803348F-11C5-8FB4-FEC5-7FE8EF9D0F93}"/>
               </a:ext>
             </a:extLst>
           </p:cNvPr>
@@ -3775,7 +4608,7 @@
         </p:nvSpPr>
         <p:spPr>
           <a:xfrm rot="20788498">
-            <a:off x="416248" y="4289711"/>
+            <a:off x="7529318" y="1157342"/>
             <a:ext cx="2717061" cy="353499"/>
           </a:xfrm>
           <a:prstGeom prst="rect">
@@ -3813,204 +4646,12 @@
           </a:p>
         </p:txBody>
       </p:sp>
-      <p:sp>
-        <p:nvSpPr>
-          <p:cNvPr id="13" name="TextBox 12">
-            <a:extLst>
-              <a:ext uri="{FF2B5EF4-FFF2-40B4-BE49-F238E27FC236}">
-                <a16:creationId xmlns:a16="http://schemas.microsoft.com/office/drawing/2014/main" id="{C6747292-A50F-3CD6-C297-374C13BC976B}"/>
-              </a:ext>
-            </a:extLst>
-          </p:cNvPr>
-          <p:cNvSpPr txBox="1"/>
-          <p:nvPr/>
-        </p:nvSpPr>
-        <p:spPr>
-          <a:xfrm>
-            <a:off x="1517581" y="2496387"/>
-            <a:ext cx="1977849" cy="769441"/>
-          </a:xfrm>
-          <a:prstGeom prst="rect">
-            <a:avLst/>
-          </a:prstGeom>
-          <a:noFill/>
-        </p:spPr>
-        <p:txBody>
-          <a:bodyPr wrap="none" rtlCol="0">
-            <a:spAutoFit/>
-          </a:bodyPr>
-          <a:lstStyle/>
-          <a:p>
-            <a:r>
-              <a:rPr lang="en-US" sz="4400" dirty="0"/>
-              <a:t>Staging</a:t>
-            </a:r>
-          </a:p>
-        </p:txBody>
-      </p:sp>
-    </p:spTree>
-    <p:extLst>
-      <p:ext uri="{BB962C8B-B14F-4D97-AF65-F5344CB8AC3E}">
-        <p14:creationId xmlns:p14="http://schemas.microsoft.com/office/powerpoint/2010/main" val="206087786"/>
-      </p:ext>
-    </p:extLst>
-  </p:cSld>
-  <p:clrMapOvr>
-    <a:masterClrMapping/>
-  </p:clrMapOvr>
-</p:sld>
-</file>
-
-<file path=ppt/slides/slide2.xml><?xml version="1.0" encoding="utf-8"?>
-<p:sld xmlns:a="http://schemas.openxmlformats.org/drawingml/2006/main" xmlns:r="http://schemas.openxmlformats.org/officeDocument/2006/relationships" xmlns:p="http://schemas.openxmlformats.org/presentationml/2006/main">
-  <p:cSld>
-    <p:spTree>
-      <p:nvGrpSpPr>
-        <p:cNvPr id="1" name="">
-          <a:extLst>
-            <a:ext uri="{FF2B5EF4-FFF2-40B4-BE49-F238E27FC236}">
-              <a16:creationId xmlns:a16="http://schemas.microsoft.com/office/drawing/2014/main" id="{81796F6D-4F5C-0B53-C572-807CB7B6F63C}"/>
-            </a:ext>
-          </a:extLst>
-        </p:cNvPr>
-        <p:cNvGrpSpPr/>
-        <p:nvPr/>
-      </p:nvGrpSpPr>
-      <p:grpSpPr>
-        <a:xfrm>
-          <a:off x="0" y="0"/>
-          <a:ext cx="0" cy="0"/>
-          <a:chOff x="0" y="0"/>
-          <a:chExt cx="0" cy="0"/>
-        </a:xfrm>
-      </p:grpSpPr>
-      <p:cxnSp>
-        <p:nvCxnSpPr>
-          <p:cNvPr id="20" name="Straight Arrow Connector 19">
-            <a:extLst>
-              <a:ext uri="{FF2B5EF4-FFF2-40B4-BE49-F238E27FC236}">
-                <a16:creationId xmlns:a16="http://schemas.microsoft.com/office/drawing/2014/main" id="{F4E692FE-1038-FD99-8230-C58AF6726645}"/>
-              </a:ext>
-            </a:extLst>
-          </p:cNvPr>
-          <p:cNvCxnSpPr>
-            <a:cxnSpLocks/>
-          </p:cNvCxnSpPr>
-          <p:nvPr/>
-        </p:nvCxnSpPr>
-        <p:spPr>
-          <a:xfrm>
-            <a:off x="1337912" y="3522846"/>
-            <a:ext cx="9221002" cy="1434165"/>
-          </a:xfrm>
-          <a:prstGeom prst="straightConnector1">
-            <a:avLst/>
-          </a:prstGeom>
-          <a:ln w="127000">
-            <a:solidFill>
-              <a:schemeClr val="tx1">
-                <a:lumMod val="65000"/>
-                <a:lumOff val="35000"/>
-                <a:alpha val="38000"/>
-              </a:schemeClr>
-            </a:solidFill>
-            <a:prstDash val="sysDot"/>
-            <a:tailEnd type="triangle"/>
-          </a:ln>
-        </p:spPr>
-        <p:style>
-          <a:lnRef idx="2">
-            <a:schemeClr val="accent1"/>
-          </a:lnRef>
-          <a:fillRef idx="0">
-            <a:schemeClr val="accent1"/>
-          </a:fillRef>
-          <a:effectRef idx="1">
-            <a:schemeClr val="accent1"/>
-          </a:effectRef>
-          <a:fontRef idx="minor">
-            <a:schemeClr val="tx1"/>
-          </a:fontRef>
-        </p:style>
-      </p:cxnSp>
-      <p:cxnSp>
-        <p:nvCxnSpPr>
-          <p:cNvPr id="25" name="Straight Connector 24">
-            <a:extLst>
-              <a:ext uri="{FF2B5EF4-FFF2-40B4-BE49-F238E27FC236}">
-                <a16:creationId xmlns:a16="http://schemas.microsoft.com/office/drawing/2014/main" id="{F949B4C1-EA01-6DAD-5874-8646A0766C83}"/>
-              </a:ext>
-            </a:extLst>
-          </p:cNvPr>
-          <p:cNvCxnSpPr/>
-          <p:nvPr/>
-        </p:nvCxnSpPr>
-        <p:spPr>
-          <a:xfrm>
-            <a:off x="0" y="5386211"/>
-            <a:ext cx="12192000" cy="0"/>
-          </a:xfrm>
-          <a:prstGeom prst="line">
-            <a:avLst/>
-          </a:prstGeom>
-          <a:ln w="127000"/>
-        </p:spPr>
-        <p:style>
-          <a:lnRef idx="2">
-            <a:schemeClr val="dk1"/>
-          </a:lnRef>
-          <a:fillRef idx="0">
-            <a:schemeClr val="dk1"/>
-          </a:fillRef>
-          <a:effectRef idx="1">
-            <a:schemeClr val="dk1"/>
-          </a:effectRef>
-          <a:fontRef idx="minor">
-            <a:schemeClr val="tx1"/>
-          </a:fontRef>
-        </p:style>
-      </p:cxnSp>
-      <p:sp>
-        <p:nvSpPr>
-          <p:cNvPr id="3" name="TextBox 2">
-            <a:extLst>
-              <a:ext uri="{FF2B5EF4-FFF2-40B4-BE49-F238E27FC236}">
-                <a16:creationId xmlns:a16="http://schemas.microsoft.com/office/drawing/2014/main" id="{8818024C-2B4B-CAB6-1BDE-D7C1293D2D76}"/>
-              </a:ext>
-            </a:extLst>
-          </p:cNvPr>
-          <p:cNvSpPr txBox="1"/>
-          <p:nvPr/>
-        </p:nvSpPr>
-        <p:spPr>
-          <a:xfrm>
-            <a:off x="9327498" y="5411450"/>
-            <a:ext cx="2864502" cy="769441"/>
-          </a:xfrm>
-          <a:prstGeom prst="rect">
-            <a:avLst/>
-          </a:prstGeom>
-          <a:noFill/>
-        </p:spPr>
-        <p:txBody>
-          <a:bodyPr wrap="none" rtlCol="0">
-            <a:spAutoFit/>
-          </a:bodyPr>
-          <a:lstStyle/>
-          <a:p>
-            <a:r>
-              <a:rPr lang="en-US" sz="4400" dirty="0"/>
-              <a:t>Production</a:t>
-            </a:r>
-          </a:p>
-        </p:txBody>
-      </p:sp>
       <p:pic>
         <p:nvPicPr>
-          <p:cNvPr id="7" name="Graphic 6" descr="Landing with solid fill">
-            <a:extLst>
-              <a:ext uri="{FF2B5EF4-FFF2-40B4-BE49-F238E27FC236}">
-                <a16:creationId xmlns:a16="http://schemas.microsoft.com/office/drawing/2014/main" id="{5C73A576-94FD-B5D5-3B8F-68A96CEAB8F5}"/>
+          <p:cNvPr id="27" name="Picture 26" descr="A colorful hot air balloon&#10;&#10;AI-generated content may be incorrect.">
+            <a:extLst>
+              <a:ext uri="{FF2B5EF4-FFF2-40B4-BE49-F238E27FC236}">
+                <a16:creationId xmlns:a16="http://schemas.microsoft.com/office/drawing/2014/main" id="{E02A6998-C56D-900B-9872-DC8CFA274495}"/>
               </a:ext>
             </a:extLst>
           </p:cNvPr>
@@ -4020,21 +4661,15 @@
           <p:nvPr/>
         </p:nvPicPr>
         <p:blipFill>
-          <a:blip r:embed="rId2">
-            <a:extLst>
-              <a:ext uri="{96DAC541-7B7A-43D3-8B79-37D633B846F1}">
-                <asvg:svgBlip xmlns:asvg="http://schemas.microsoft.com/office/drawing/2016/SVG/main" r:embed="rId3"/>
-              </a:ext>
-            </a:extLst>
-          </a:blip>
+          <a:blip r:embed="rId3"/>
           <a:stretch>
             <a:fillRect/>
           </a:stretch>
         </p:blipFill>
         <p:spPr>
-          <a:xfrm rot="20837245">
-            <a:off x="149700" y="2235187"/>
-            <a:ext cx="2966769" cy="2966769"/>
+          <a:xfrm>
+            <a:off x="3015717" y="209679"/>
+            <a:ext cx="1650628" cy="2717188"/>
           </a:xfrm>
           <a:prstGeom prst="rect">
             <a:avLst/>
@@ -4043,10 +4678,10 @@
       </p:pic>
       <p:sp>
         <p:nvSpPr>
-          <p:cNvPr id="8" name="Rectangle 7">
-            <a:extLst>
-              <a:ext uri="{FF2B5EF4-FFF2-40B4-BE49-F238E27FC236}">
-                <a16:creationId xmlns:a16="http://schemas.microsoft.com/office/drawing/2014/main" id="{0FBD45E7-BD0A-3E34-3E13-89ED64599A79}"/>
+          <p:cNvPr id="29" name="Oval 28">
+            <a:extLst>
+              <a:ext uri="{FF2B5EF4-FFF2-40B4-BE49-F238E27FC236}">
+                <a16:creationId xmlns:a16="http://schemas.microsoft.com/office/drawing/2014/main" id="{E685D649-DF09-E70A-E1CA-245A71CCD50F}"/>
               </a:ext>
             </a:extLst>
           </p:cNvPr>
@@ -4054,15 +4689,15 @@
           <p:nvPr/>
         </p:nvSpPr>
         <p:spPr>
-          <a:xfrm rot="20788498">
-            <a:off x="416248" y="4289711"/>
-            <a:ext cx="2717061" cy="353499"/>
+          <a:xfrm>
+            <a:off x="-128091" y="5844484"/>
+            <a:ext cx="8191099" cy="2550695"/>
           </a:xfrm>
-          <a:prstGeom prst="rect">
+          <a:prstGeom prst="ellipse">
             <a:avLst/>
           </a:prstGeom>
           <a:solidFill>
-            <a:schemeClr val="bg1"/>
+            <a:srgbClr val="4E8F00"/>
           </a:solidFill>
           <a:ln>
             <a:noFill/>
@@ -4095,10 +4730,10 @@
       </p:sp>
       <p:sp>
         <p:nvSpPr>
-          <p:cNvPr id="15" name="TextBox 14">
-            <a:extLst>
-              <a:ext uri="{FF2B5EF4-FFF2-40B4-BE49-F238E27FC236}">
-                <a16:creationId xmlns:a16="http://schemas.microsoft.com/office/drawing/2014/main" id="{805C3B03-E2B7-9F71-7191-59A62DEDC991}"/>
+          <p:cNvPr id="32" name="TextBox 31">
+            <a:extLst>
+              <a:ext uri="{FF2B5EF4-FFF2-40B4-BE49-F238E27FC236}">
+                <a16:creationId xmlns:a16="http://schemas.microsoft.com/office/drawing/2014/main" id="{8E10CFEF-75B2-C3A3-B198-F323AD310F90}"/>
               </a:ext>
             </a:extLst>
           </p:cNvPr>
@@ -4107,8 +4742,8 @@
         </p:nvSpPr>
         <p:spPr>
           <a:xfrm>
-            <a:off x="1517581" y="2496387"/>
-            <a:ext cx="1977849" cy="769441"/>
+            <a:off x="2442842" y="5878880"/>
+            <a:ext cx="2864502" cy="769441"/>
           </a:xfrm>
           <a:prstGeom prst="rect">
             <a:avLst/>
@@ -4122,91 +4757,22 @@
           <a:lstStyle/>
           <a:p>
             <a:r>
-              <a:rPr lang="en-US" sz="4400" dirty="0"/>
-              <a:t>Staging</a:t>
-            </a:r>
-          </a:p>
-        </p:txBody>
-      </p:sp>
-    </p:spTree>
-    <p:extLst>
-      <p:ext uri="{BB962C8B-B14F-4D97-AF65-F5344CB8AC3E}">
-        <p14:creationId xmlns:p14="http://schemas.microsoft.com/office/powerpoint/2010/main" val="1637973533"/>
-      </p:ext>
-    </p:extLst>
-  </p:cSld>
-  <p:clrMapOvr>
-    <a:masterClrMapping/>
-  </p:clrMapOvr>
-</p:sld>
-</file>
-
-<file path=ppt/slides/slide3.xml><?xml version="1.0" encoding="utf-8"?>
-<p:sld xmlns:a="http://schemas.openxmlformats.org/drawingml/2006/main" xmlns:r="http://schemas.openxmlformats.org/officeDocument/2006/relationships" xmlns:p="http://schemas.openxmlformats.org/presentationml/2006/main">
-  <p:cSld>
-    <p:spTree>
-      <p:nvGrpSpPr>
-        <p:cNvPr id="1" name="">
-          <a:extLst>
-            <a:ext uri="{FF2B5EF4-FFF2-40B4-BE49-F238E27FC236}">
-              <a16:creationId xmlns:a16="http://schemas.microsoft.com/office/drawing/2014/main" id="{B1695945-BD06-E465-46C2-D690ED5110FE}"/>
-            </a:ext>
-          </a:extLst>
-        </p:cNvPr>
-        <p:cNvGrpSpPr/>
-        <p:nvPr/>
-      </p:nvGrpSpPr>
-      <p:grpSpPr>
-        <a:xfrm>
-          <a:off x="0" y="0"/>
-          <a:ext cx="0" cy="0"/>
-          <a:chOff x="0" y="0"/>
-          <a:chExt cx="0" cy="0"/>
-        </a:xfrm>
-      </p:grpSpPr>
-      <p:cxnSp>
-        <p:nvCxnSpPr>
-          <p:cNvPr id="25" name="Straight Connector 24">
-            <a:extLst>
-              <a:ext uri="{FF2B5EF4-FFF2-40B4-BE49-F238E27FC236}">
-                <a16:creationId xmlns:a16="http://schemas.microsoft.com/office/drawing/2014/main" id="{E02F38EA-CBDA-B4BC-6488-A0BC3FC278E2}"/>
-              </a:ext>
-            </a:extLst>
-          </p:cNvPr>
-          <p:cNvCxnSpPr/>
-          <p:nvPr/>
-        </p:nvCxnSpPr>
-        <p:spPr>
-          <a:xfrm>
-            <a:off x="0" y="5386211"/>
-            <a:ext cx="12192000" cy="0"/>
-          </a:xfrm>
-          <a:prstGeom prst="line">
-            <a:avLst/>
-          </a:prstGeom>
-          <a:ln w="127000"/>
-        </p:spPr>
-        <p:style>
-          <a:lnRef idx="2">
-            <a:schemeClr val="dk1"/>
-          </a:lnRef>
-          <a:fillRef idx="0">
-            <a:schemeClr val="dk1"/>
-          </a:fillRef>
-          <a:effectRef idx="1">
-            <a:schemeClr val="dk1"/>
-          </a:effectRef>
-          <a:fontRef idx="minor">
-            <a:schemeClr val="tx1"/>
-          </a:fontRef>
-        </p:style>
-      </p:cxnSp>
-      <p:sp>
-        <p:nvSpPr>
-          <p:cNvPr id="4" name="Rounded Rectangle 3">
-            <a:extLst>
-              <a:ext uri="{FF2B5EF4-FFF2-40B4-BE49-F238E27FC236}">
-                <a16:creationId xmlns:a16="http://schemas.microsoft.com/office/drawing/2014/main" id="{40CCAF5F-27CA-D765-F5BD-55ED75205A01}"/>
+              <a:rPr lang="en-US" sz="4400" dirty="0">
+                <a:solidFill>
+                  <a:schemeClr val="bg1"/>
+                </a:solidFill>
+              </a:rPr>
+              <a:t>Production</a:t>
+            </a:r>
+          </a:p>
+        </p:txBody>
+      </p:sp>
+      <p:sp>
+        <p:nvSpPr>
+          <p:cNvPr id="2" name="Rounded Rectangle 1">
+            <a:extLst>
+              <a:ext uri="{FF2B5EF4-FFF2-40B4-BE49-F238E27FC236}">
+                <a16:creationId xmlns:a16="http://schemas.microsoft.com/office/drawing/2014/main" id="{0592E9D1-53E8-078D-0DDB-9F82D398C90D}"/>
               </a:ext>
             </a:extLst>
           </p:cNvPr>
@@ -4299,10 +4865,10 @@
       </p:sp>
       <p:sp>
         <p:nvSpPr>
-          <p:cNvPr id="6" name="TextBox 5">
-            <a:extLst>
-              <a:ext uri="{FF2B5EF4-FFF2-40B4-BE49-F238E27FC236}">
-                <a16:creationId xmlns:a16="http://schemas.microsoft.com/office/drawing/2014/main" id="{424CA8B5-EFA8-FB6E-84C8-6BE6C903CEC8}"/>
+          <p:cNvPr id="3" name="TextBox 2">
+            <a:extLst>
+              <a:ext uri="{FF2B5EF4-FFF2-40B4-BE49-F238E27FC236}">
+                <a16:creationId xmlns:a16="http://schemas.microsoft.com/office/drawing/2014/main" id="{47BE054E-765F-3503-8F50-6A12DC5FC14B}"/>
               </a:ext>
             </a:extLst>
           </p:cNvPr>
@@ -4311,8 +4877,8 @@
         </p:nvSpPr>
         <p:spPr>
           <a:xfrm>
-            <a:off x="9327498" y="5411450"/>
-            <a:ext cx="2864502" cy="769441"/>
+            <a:off x="1037868" y="798832"/>
+            <a:ext cx="1977849" cy="769441"/>
           </a:xfrm>
           <a:prstGeom prst="rect">
             <a:avLst/>
@@ -4327,102 +4893,53 @@
           <a:p>
             <a:r>
               <a:rPr lang="en-US" sz="4400" dirty="0"/>
-              <a:t>Production</a:t>
-            </a:r>
-          </a:p>
-        </p:txBody>
-      </p:sp>
-      <p:cxnSp>
-        <p:nvCxnSpPr>
-          <p:cNvPr id="8" name="Straight Arrow Connector 7">
-            <a:extLst>
-              <a:ext uri="{FF2B5EF4-FFF2-40B4-BE49-F238E27FC236}">
-                <a16:creationId xmlns:a16="http://schemas.microsoft.com/office/drawing/2014/main" id="{70943C7D-8C2A-CC43-1461-39F41106C6F0}"/>
-              </a:ext>
-            </a:extLst>
-          </p:cNvPr>
-          <p:cNvCxnSpPr>
-            <a:cxnSpLocks/>
-          </p:cNvCxnSpPr>
-          <p:nvPr/>
-        </p:nvCxnSpPr>
-        <p:spPr>
-          <a:xfrm>
-            <a:off x="1337912" y="3522846"/>
-            <a:ext cx="9221002" cy="1434165"/>
-          </a:xfrm>
-          <a:prstGeom prst="straightConnector1">
-            <a:avLst/>
-          </a:prstGeom>
-          <a:ln w="127000">
-            <a:solidFill>
-              <a:schemeClr val="tx1">
-                <a:lumMod val="65000"/>
-                <a:lumOff val="35000"/>
-                <a:alpha val="38000"/>
-              </a:schemeClr>
-            </a:solidFill>
-            <a:prstDash val="sysDot"/>
-            <a:tailEnd type="triangle"/>
-          </a:ln>
-        </p:spPr>
-        <p:style>
-          <a:lnRef idx="2">
-            <a:schemeClr val="accent1"/>
-          </a:lnRef>
-          <a:fillRef idx="0">
-            <a:schemeClr val="accent1"/>
-          </a:fillRef>
-          <a:effectRef idx="1">
-            <a:schemeClr val="accent1"/>
-          </a:effectRef>
-          <a:fontRef idx="minor">
-            <a:schemeClr val="tx1"/>
-          </a:fontRef>
-        </p:style>
-      </p:cxnSp>
-      <p:pic>
-        <p:nvPicPr>
-          <p:cNvPr id="9" name="Graphic 8" descr="Landing with solid fill">
-            <a:extLst>
-              <a:ext uri="{FF2B5EF4-FFF2-40B4-BE49-F238E27FC236}">
-                <a16:creationId xmlns:a16="http://schemas.microsoft.com/office/drawing/2014/main" id="{0E12156D-8ACA-1B86-8DB5-FAF99F5985B6}"/>
-              </a:ext>
-            </a:extLst>
-          </p:cNvPr>
-          <p:cNvPicPr>
-            <a:picLocks noChangeAspect="1"/>
-          </p:cNvPicPr>
-          <p:nvPr/>
-        </p:nvPicPr>
-        <p:blipFill>
-          <a:blip r:embed="rId2">
-            <a:extLst>
-              <a:ext uri="{96DAC541-7B7A-43D3-8B79-37D633B846F1}">
-                <asvg:svgBlip xmlns:asvg="http://schemas.microsoft.com/office/drawing/2016/SVG/main" r:embed="rId3"/>
-              </a:ext>
-            </a:extLst>
-          </a:blip>
-          <a:stretch>
-            <a:fillRect/>
-          </a:stretch>
-        </p:blipFill>
-        <p:spPr>
-          <a:xfrm rot="20837245">
-            <a:off x="149700" y="2235187"/>
-            <a:ext cx="2966769" cy="2966769"/>
-          </a:xfrm>
-          <a:prstGeom prst="rect">
-            <a:avLst/>
-          </a:prstGeom>
-        </p:spPr>
-      </p:pic>
-      <p:sp>
-        <p:nvSpPr>
-          <p:cNvPr id="10" name="Rectangle 9">
-            <a:extLst>
-              <a:ext uri="{FF2B5EF4-FFF2-40B4-BE49-F238E27FC236}">
-                <a16:creationId xmlns:a16="http://schemas.microsoft.com/office/drawing/2014/main" id="{FE20EE06-CE01-8062-72C9-5B0B35A30FED}"/>
+              <a:t>Staging</a:t>
+            </a:r>
+          </a:p>
+        </p:txBody>
+      </p:sp>
+    </p:spTree>
+    <p:extLst>
+      <p:ext uri="{BB962C8B-B14F-4D97-AF65-F5344CB8AC3E}">
+        <p14:creationId xmlns:p14="http://schemas.microsoft.com/office/powerpoint/2010/main" val="1895114128"/>
+      </p:ext>
+    </p:extLst>
+  </p:cSld>
+  <p:clrMapOvr>
+    <a:masterClrMapping/>
+  </p:clrMapOvr>
+</p:sld>
+</file>
+
+<file path=ppt/slides/slide4.xml><?xml version="1.0" encoding="utf-8"?>
+<p:sld xmlns:a="http://schemas.openxmlformats.org/drawingml/2006/main" xmlns:r="http://schemas.openxmlformats.org/officeDocument/2006/relationships" xmlns:p="http://schemas.openxmlformats.org/presentationml/2006/main">
+  <p:cSld>
+    <p:spTree>
+      <p:nvGrpSpPr>
+        <p:cNvPr id="1" name="">
+          <a:extLst>
+            <a:ext uri="{FF2B5EF4-FFF2-40B4-BE49-F238E27FC236}">
+              <a16:creationId xmlns:a16="http://schemas.microsoft.com/office/drawing/2014/main" id="{12044825-ABDB-8EAA-C3EE-CB9CE22CC877}"/>
+            </a:ext>
+          </a:extLst>
+        </p:cNvPr>
+        <p:cNvGrpSpPr/>
+        <p:nvPr/>
+      </p:nvGrpSpPr>
+      <p:grpSpPr>
+        <a:xfrm>
+          <a:off x="0" y="0"/>
+          <a:ext cx="0" cy="0"/>
+          <a:chOff x="0" y="0"/>
+          <a:chExt cx="0" cy="0"/>
+        </a:xfrm>
+      </p:grpSpPr>
+      <p:sp>
+        <p:nvSpPr>
+          <p:cNvPr id="12" name="Rectangle 11">
+            <a:extLst>
+              <a:ext uri="{FF2B5EF4-FFF2-40B4-BE49-F238E27FC236}">
+                <a16:creationId xmlns:a16="http://schemas.microsoft.com/office/drawing/2014/main" id="{EF95FE46-085A-392E-98A4-28C0008F0E31}"/>
               </a:ext>
             </a:extLst>
           </p:cNvPr>
@@ -4431,7 +4948,7 @@
         </p:nvSpPr>
         <p:spPr>
           <a:xfrm rot="20788498">
-            <a:off x="416248" y="4289711"/>
+            <a:off x="7529318" y="1157342"/>
             <a:ext cx="2717061" cy="353499"/>
           </a:xfrm>
           <a:prstGeom prst="rect">
@@ -4471,10 +4988,10 @@
       </p:sp>
       <p:sp>
         <p:nvSpPr>
-          <p:cNvPr id="13" name="TextBox 12">
-            <a:extLst>
-              <a:ext uri="{FF2B5EF4-FFF2-40B4-BE49-F238E27FC236}">
-                <a16:creationId xmlns:a16="http://schemas.microsoft.com/office/drawing/2014/main" id="{9D52CC2D-50A5-052F-6F6A-2064337FF159}"/>
+          <p:cNvPr id="24" name="TextBox 23">
+            <a:extLst>
+              <a:ext uri="{FF2B5EF4-FFF2-40B4-BE49-F238E27FC236}">
+                <a16:creationId xmlns:a16="http://schemas.microsoft.com/office/drawing/2014/main" id="{6635979C-61E4-9EE9-B8E7-33EA8659EF65}"/>
               </a:ext>
             </a:extLst>
           </p:cNvPr>
@@ -4483,7 +5000,7 @@
         </p:nvSpPr>
         <p:spPr>
           <a:xfrm>
-            <a:off x="1517581" y="2496387"/>
+            <a:off x="1105245" y="2517429"/>
             <a:ext cx="1977849" cy="769441"/>
           </a:xfrm>
           <a:prstGeom prst="rect">
@@ -4504,48 +5021,133 @@
           </a:p>
         </p:txBody>
       </p:sp>
-    </p:spTree>
-    <p:extLst>
-      <p:ext uri="{BB962C8B-B14F-4D97-AF65-F5344CB8AC3E}">
-        <p14:creationId xmlns:p14="http://schemas.microsoft.com/office/powerpoint/2010/main" val="3738054016"/>
-      </p:ext>
-    </p:extLst>
-  </p:cSld>
-  <p:clrMapOvr>
-    <a:masterClrMapping/>
-  </p:clrMapOvr>
-</p:sld>
-</file>
-
-<file path=ppt/slides/slide4.xml><?xml version="1.0" encoding="utf-8"?>
-<p:sld xmlns:a="http://schemas.openxmlformats.org/drawingml/2006/main" xmlns:r="http://schemas.openxmlformats.org/officeDocument/2006/relationships" xmlns:p="http://schemas.openxmlformats.org/presentationml/2006/main">
-  <p:cSld>
-    <p:spTree>
-      <p:nvGrpSpPr>
-        <p:cNvPr id="1" name="">
-          <a:extLst>
-            <a:ext uri="{FF2B5EF4-FFF2-40B4-BE49-F238E27FC236}">
-              <a16:creationId xmlns:a16="http://schemas.microsoft.com/office/drawing/2014/main" id="{C07DE5AA-6F48-55F1-4BAA-0CB622822DC8}"/>
-            </a:ext>
-          </a:extLst>
-        </p:cNvPr>
-        <p:cNvGrpSpPr/>
-        <p:nvPr/>
-      </p:nvGrpSpPr>
-      <p:grpSpPr>
-        <a:xfrm>
-          <a:off x="0" y="0"/>
-          <a:ext cx="0" cy="0"/>
-          <a:chOff x="0" y="0"/>
-          <a:chExt cx="0" cy="0"/>
-        </a:xfrm>
-      </p:grpSpPr>
-      <p:sp>
-        <p:nvSpPr>
-          <p:cNvPr id="4" name="Rounded Rectangle 3">
-            <a:extLst>
-              <a:ext uri="{FF2B5EF4-FFF2-40B4-BE49-F238E27FC236}">
-                <a16:creationId xmlns:a16="http://schemas.microsoft.com/office/drawing/2014/main" id="{DAE0838E-D59F-6235-7FEE-53D7E19910B4}"/>
+      <p:pic>
+        <p:nvPicPr>
+          <p:cNvPr id="27" name="Picture 26" descr="A colorful hot air balloon&#10;&#10;AI-generated content may be incorrect.">
+            <a:extLst>
+              <a:ext uri="{FF2B5EF4-FFF2-40B4-BE49-F238E27FC236}">
+                <a16:creationId xmlns:a16="http://schemas.microsoft.com/office/drawing/2014/main" id="{3438DC2A-28D5-4956-081A-646B2AB9BF2B}"/>
+              </a:ext>
+            </a:extLst>
+          </p:cNvPr>
+          <p:cNvPicPr>
+            <a:picLocks noChangeAspect="1"/>
+          </p:cNvPicPr>
+          <p:nvPr/>
+        </p:nvPicPr>
+        <p:blipFill>
+          <a:blip r:embed="rId3"/>
+          <a:stretch>
+            <a:fillRect/>
+          </a:stretch>
+        </p:blipFill>
+        <p:spPr>
+          <a:xfrm>
+            <a:off x="3083094" y="2070406"/>
+            <a:ext cx="1650628" cy="2717188"/>
+          </a:xfrm>
+          <a:prstGeom prst="rect">
+            <a:avLst/>
+          </a:prstGeom>
+        </p:spPr>
+      </p:pic>
+      <p:sp>
+        <p:nvSpPr>
+          <p:cNvPr id="29" name="Oval 28">
+            <a:extLst>
+              <a:ext uri="{FF2B5EF4-FFF2-40B4-BE49-F238E27FC236}">
+                <a16:creationId xmlns:a16="http://schemas.microsoft.com/office/drawing/2014/main" id="{4BD2475B-3B80-1D2F-97D0-4492392FBBF6}"/>
+              </a:ext>
+            </a:extLst>
+          </p:cNvPr>
+          <p:cNvSpPr/>
+          <p:nvPr/>
+        </p:nvSpPr>
+        <p:spPr>
+          <a:xfrm>
+            <a:off x="-128091" y="5844484"/>
+            <a:ext cx="8191099" cy="2550695"/>
+          </a:xfrm>
+          <a:prstGeom prst="ellipse">
+            <a:avLst/>
+          </a:prstGeom>
+          <a:solidFill>
+            <a:srgbClr val="4E8F00"/>
+          </a:solidFill>
+          <a:ln>
+            <a:noFill/>
+          </a:ln>
+        </p:spPr>
+        <p:style>
+          <a:lnRef idx="2">
+            <a:schemeClr val="accent1">
+              <a:shade val="15000"/>
+            </a:schemeClr>
+          </a:lnRef>
+          <a:fillRef idx="1">
+            <a:schemeClr val="accent1"/>
+          </a:fillRef>
+          <a:effectRef idx="0">
+            <a:schemeClr val="accent1"/>
+          </a:effectRef>
+          <a:fontRef idx="minor">
+            <a:schemeClr val="lt1"/>
+          </a:fontRef>
+        </p:style>
+        <p:txBody>
+          <a:bodyPr rtlCol="0" anchor="ctr"/>
+          <a:lstStyle/>
+          <a:p>
+            <a:pPr algn="ctr"/>
+            <a:endParaRPr lang="en-US"/>
+          </a:p>
+        </p:txBody>
+      </p:sp>
+      <p:sp>
+        <p:nvSpPr>
+          <p:cNvPr id="32" name="TextBox 31">
+            <a:extLst>
+              <a:ext uri="{FF2B5EF4-FFF2-40B4-BE49-F238E27FC236}">
+                <a16:creationId xmlns:a16="http://schemas.microsoft.com/office/drawing/2014/main" id="{EC62D0A2-990F-8CCE-24DF-9DC375F30528}"/>
+              </a:ext>
+            </a:extLst>
+          </p:cNvPr>
+          <p:cNvSpPr txBox="1"/>
+          <p:nvPr/>
+        </p:nvSpPr>
+        <p:spPr>
+          <a:xfrm>
+            <a:off x="2442842" y="5878880"/>
+            <a:ext cx="2864502" cy="769441"/>
+          </a:xfrm>
+          <a:prstGeom prst="rect">
+            <a:avLst/>
+          </a:prstGeom>
+          <a:noFill/>
+        </p:spPr>
+        <p:txBody>
+          <a:bodyPr wrap="none" rtlCol="0">
+            <a:spAutoFit/>
+          </a:bodyPr>
+          <a:lstStyle/>
+          <a:p>
+            <a:r>
+              <a:rPr lang="en-US" sz="4400" dirty="0">
+                <a:solidFill>
+                  <a:schemeClr val="bg1"/>
+                </a:solidFill>
+              </a:rPr>
+              <a:t>Production</a:t>
+            </a:r>
+          </a:p>
+        </p:txBody>
+      </p:sp>
+      <p:sp>
+        <p:nvSpPr>
+          <p:cNvPr id="2" name="Rounded Rectangle 1">
+            <a:extLst>
+              <a:ext uri="{FF2B5EF4-FFF2-40B4-BE49-F238E27FC236}">
+                <a16:creationId xmlns:a16="http://schemas.microsoft.com/office/drawing/2014/main" id="{1C3CD6C1-6312-C743-91F4-43BAF7A6DF97}"/>
               </a:ext>
             </a:extLst>
           </p:cNvPr>
@@ -4639,132 +5241,48 @@
           </a:p>
         </p:txBody>
       </p:sp>
-      <p:sp>
-        <p:nvSpPr>
-          <p:cNvPr id="6" name="TextBox 5">
-            <a:extLst>
-              <a:ext uri="{FF2B5EF4-FFF2-40B4-BE49-F238E27FC236}">
-                <a16:creationId xmlns:a16="http://schemas.microsoft.com/office/drawing/2014/main" id="{4395C6BC-5EE0-7D23-5C8C-8271CA94DF9A}"/>
-              </a:ext>
-            </a:extLst>
-          </p:cNvPr>
-          <p:cNvSpPr txBox="1"/>
-          <p:nvPr/>
-        </p:nvSpPr>
-        <p:spPr>
-          <a:xfrm>
-            <a:off x="9327498" y="5411450"/>
-            <a:ext cx="2864502" cy="769441"/>
-          </a:xfrm>
-          <a:prstGeom prst="rect">
-            <a:avLst/>
-          </a:prstGeom>
-          <a:noFill/>
-        </p:spPr>
-        <p:txBody>
-          <a:bodyPr wrap="none" rtlCol="0">
-            <a:spAutoFit/>
-          </a:bodyPr>
-          <a:lstStyle/>
-          <a:p>
-            <a:r>
-              <a:rPr lang="en-US" sz="4400" dirty="0"/>
-              <a:t>Production</a:t>
-            </a:r>
-          </a:p>
-        </p:txBody>
-      </p:sp>
-      <p:cxnSp>
-        <p:nvCxnSpPr>
-          <p:cNvPr id="8" name="Straight Arrow Connector 7">
-            <a:extLst>
-              <a:ext uri="{FF2B5EF4-FFF2-40B4-BE49-F238E27FC236}">
-                <a16:creationId xmlns:a16="http://schemas.microsoft.com/office/drawing/2014/main" id="{C76EE4F6-2654-B588-BC30-919254138610}"/>
-              </a:ext>
-            </a:extLst>
-          </p:cNvPr>
-          <p:cNvCxnSpPr>
-            <a:cxnSpLocks/>
-          </p:cNvCxnSpPr>
-          <p:nvPr/>
-        </p:nvCxnSpPr>
-        <p:spPr>
-          <a:xfrm>
-            <a:off x="1337912" y="3522846"/>
-            <a:ext cx="9221002" cy="1434165"/>
-          </a:xfrm>
-          <a:prstGeom prst="straightConnector1">
-            <a:avLst/>
-          </a:prstGeom>
-          <a:ln w="127000">
-            <a:solidFill>
-              <a:schemeClr val="tx1">
-                <a:lumMod val="65000"/>
-                <a:lumOff val="35000"/>
-                <a:alpha val="38000"/>
-              </a:schemeClr>
-            </a:solidFill>
-            <a:prstDash val="sysDot"/>
-            <a:tailEnd type="triangle"/>
-          </a:ln>
-        </p:spPr>
-        <p:style>
-          <a:lnRef idx="2">
-            <a:schemeClr val="accent1"/>
-          </a:lnRef>
-          <a:fillRef idx="0">
-            <a:schemeClr val="accent1"/>
-          </a:fillRef>
-          <a:effectRef idx="1">
-            <a:schemeClr val="accent1"/>
-          </a:effectRef>
-          <a:fontRef idx="minor">
-            <a:schemeClr val="tx1"/>
-          </a:fontRef>
-        </p:style>
-      </p:cxnSp>
-      <p:pic>
-        <p:nvPicPr>
-          <p:cNvPr id="9" name="Graphic 8" descr="Landing with solid fill">
-            <a:extLst>
-              <a:ext uri="{FF2B5EF4-FFF2-40B4-BE49-F238E27FC236}">
-                <a16:creationId xmlns:a16="http://schemas.microsoft.com/office/drawing/2014/main" id="{19940F2A-FA41-C470-0504-00DF968A9A2B}"/>
-              </a:ext>
-            </a:extLst>
-          </p:cNvPr>
-          <p:cNvPicPr>
-            <a:picLocks noChangeAspect="1"/>
-          </p:cNvPicPr>
-          <p:nvPr/>
-        </p:nvPicPr>
-        <p:blipFill>
-          <a:blip r:embed="rId2">
-            <a:extLst>
-              <a:ext uri="{96DAC541-7B7A-43D3-8B79-37D633B846F1}">
-                <asvg:svgBlip xmlns:asvg="http://schemas.microsoft.com/office/drawing/2016/SVG/main" r:embed="rId3"/>
-              </a:ext>
-            </a:extLst>
-          </a:blip>
-          <a:stretch>
-            <a:fillRect/>
-          </a:stretch>
-        </p:blipFill>
-        <p:spPr>
-          <a:xfrm rot="20837245">
-            <a:off x="4718495" y="3052524"/>
-            <a:ext cx="2966769" cy="2966769"/>
-          </a:xfrm>
-          <a:prstGeom prst="rect">
-            <a:avLst/>
-          </a:prstGeom>
-        </p:spPr>
-      </p:pic>
-      <p:sp>
-        <p:nvSpPr>
-          <p:cNvPr id="10" name="Rectangle 9">
-            <a:extLst>
-              <a:ext uri="{FF2B5EF4-FFF2-40B4-BE49-F238E27FC236}">
-                <a16:creationId xmlns:a16="http://schemas.microsoft.com/office/drawing/2014/main" id="{2DBE038E-A1CD-175B-417D-79E6FE5649E5}"/>
+    </p:spTree>
+    <p:extLst>
+      <p:ext uri="{BB962C8B-B14F-4D97-AF65-F5344CB8AC3E}">
+        <p14:creationId xmlns:p14="http://schemas.microsoft.com/office/powerpoint/2010/main" val="808995301"/>
+      </p:ext>
+    </p:extLst>
+  </p:cSld>
+  <p:clrMapOvr>
+    <a:masterClrMapping/>
+  </p:clrMapOvr>
+</p:sld>
+</file>
+
+<file path=ppt/slides/slide5.xml><?xml version="1.0" encoding="utf-8"?>
+<p:sld xmlns:a="http://schemas.openxmlformats.org/drawingml/2006/main" xmlns:r="http://schemas.openxmlformats.org/officeDocument/2006/relationships" xmlns:p="http://schemas.openxmlformats.org/presentationml/2006/main">
+  <p:cSld>
+    <p:spTree>
+      <p:nvGrpSpPr>
+        <p:cNvPr id="1" name="">
+          <a:extLst>
+            <a:ext uri="{FF2B5EF4-FFF2-40B4-BE49-F238E27FC236}">
+              <a16:creationId xmlns:a16="http://schemas.microsoft.com/office/drawing/2014/main" id="{3AC1F3FF-BB75-9279-85F2-974DA4EA4C16}"/>
+            </a:ext>
+          </a:extLst>
+        </p:cNvPr>
+        <p:cNvGrpSpPr/>
+        <p:nvPr/>
+      </p:nvGrpSpPr>
+      <p:grpSpPr>
+        <a:xfrm>
+          <a:off x="0" y="0"/>
+          <a:ext cx="0" cy="0"/>
+          <a:chOff x="0" y="0"/>
+          <a:chExt cx="0" cy="0"/>
+        </a:xfrm>
+      </p:grpSpPr>
+      <p:sp>
+        <p:nvSpPr>
+          <p:cNvPr id="12" name="Rectangle 11">
+            <a:extLst>
+              <a:ext uri="{FF2B5EF4-FFF2-40B4-BE49-F238E27FC236}">
+                <a16:creationId xmlns:a16="http://schemas.microsoft.com/office/drawing/2014/main" id="{86E28012-407D-85E9-DB3D-CFEE1B08AFBD}"/>
               </a:ext>
             </a:extLst>
           </p:cNvPr>
@@ -4773,7 +5291,7 @@
         </p:nvSpPr>
         <p:spPr>
           <a:xfrm rot="20788498">
-            <a:off x="4965790" y="5079963"/>
+            <a:off x="7529318" y="1157342"/>
             <a:ext cx="2717061" cy="353499"/>
           </a:xfrm>
           <a:prstGeom prst="rect">
@@ -4813,10 +5331,10 @@
       </p:sp>
       <p:sp>
         <p:nvSpPr>
-          <p:cNvPr id="11" name="TextBox 10">
-            <a:extLst>
-              <a:ext uri="{FF2B5EF4-FFF2-40B4-BE49-F238E27FC236}">
-                <a16:creationId xmlns:a16="http://schemas.microsoft.com/office/drawing/2014/main" id="{6EAB1F69-9A51-BC83-DC31-463E46FB31D3}"/>
+          <p:cNvPr id="24" name="TextBox 23">
+            <a:extLst>
+              <a:ext uri="{FF2B5EF4-FFF2-40B4-BE49-F238E27FC236}">
+                <a16:creationId xmlns:a16="http://schemas.microsoft.com/office/drawing/2014/main" id="{6C30951E-7FA9-D922-64DE-51F486227D73}"/>
               </a:ext>
             </a:extLst>
           </p:cNvPr>
@@ -4825,7 +5343,7 @@
         </p:nvSpPr>
         <p:spPr>
           <a:xfrm>
-            <a:off x="6096000" y="3335154"/>
+            <a:off x="1161021" y="3712905"/>
             <a:ext cx="1977849" cy="769441"/>
           </a:xfrm>
           <a:prstGeom prst="rect">
@@ -4837,138 +5355,142 @@
           <a:bodyPr wrap="none" rtlCol="0">
             <a:spAutoFit/>
           </a:bodyPr>
-          <a:lstStyle>
-            <a:defPPr>
-              <a:defRPr lang="en-US"/>
-            </a:defPPr>
-            <a:lvl1pPr>
-              <a:defRPr sz="4400"/>
-            </a:lvl1pPr>
-          </a:lstStyle>
-          <a:p>
-            <a:r>
-              <a:rPr lang="en-US" dirty="0"/>
+          <a:lstStyle/>
+          <a:p>
+            <a:r>
+              <a:rPr lang="en-US" sz="4400" dirty="0"/>
               <a:t>Staging</a:t>
             </a:r>
           </a:p>
         </p:txBody>
       </p:sp>
-      <p:cxnSp>
-        <p:nvCxnSpPr>
-          <p:cNvPr id="25" name="Straight Connector 24">
-            <a:extLst>
-              <a:ext uri="{FF2B5EF4-FFF2-40B4-BE49-F238E27FC236}">
-                <a16:creationId xmlns:a16="http://schemas.microsoft.com/office/drawing/2014/main" id="{822AF01A-C90E-C645-E0AB-1BD420E642AB}"/>
-              </a:ext>
-            </a:extLst>
-          </p:cNvPr>
-          <p:cNvCxnSpPr/>
+      <p:pic>
+        <p:nvPicPr>
+          <p:cNvPr id="27" name="Picture 26" descr="A colorful hot air balloon&#10;&#10;AI-generated content may be incorrect.">
+            <a:extLst>
+              <a:ext uri="{FF2B5EF4-FFF2-40B4-BE49-F238E27FC236}">
+                <a16:creationId xmlns:a16="http://schemas.microsoft.com/office/drawing/2014/main" id="{3448F4B8-5EDC-B18F-968D-2A70A9ACE1FA}"/>
+              </a:ext>
+            </a:extLst>
+          </p:cNvPr>
+          <p:cNvPicPr>
+            <a:picLocks noChangeAspect="1"/>
+          </p:cNvPicPr>
           <p:nvPr/>
-        </p:nvCxnSpPr>
+        </p:nvPicPr>
+        <p:blipFill>
+          <a:blip r:embed="rId3"/>
+          <a:stretch>
+            <a:fillRect/>
+          </a:stretch>
+        </p:blipFill>
         <p:spPr>
           <a:xfrm>
-            <a:off x="0" y="5386211"/>
-            <a:ext cx="12192000" cy="0"/>
+            <a:off x="3102344" y="3127296"/>
+            <a:ext cx="1650628" cy="2717188"/>
           </a:xfrm>
-          <a:prstGeom prst="line">
+          <a:prstGeom prst="rect">
             <a:avLst/>
           </a:prstGeom>
-          <a:ln w="127000"/>
+        </p:spPr>
+      </p:pic>
+      <p:sp>
+        <p:nvSpPr>
+          <p:cNvPr id="29" name="Oval 28">
+            <a:extLst>
+              <a:ext uri="{FF2B5EF4-FFF2-40B4-BE49-F238E27FC236}">
+                <a16:creationId xmlns:a16="http://schemas.microsoft.com/office/drawing/2014/main" id="{CD566F5D-071A-8765-0659-0B77FC444C31}"/>
+              </a:ext>
+            </a:extLst>
+          </p:cNvPr>
+          <p:cNvSpPr/>
+          <p:nvPr/>
+        </p:nvSpPr>
+        <p:spPr>
+          <a:xfrm>
+            <a:off x="-128091" y="5844484"/>
+            <a:ext cx="8191099" cy="2550695"/>
+          </a:xfrm>
+          <a:prstGeom prst="ellipse">
+            <a:avLst/>
+          </a:prstGeom>
+          <a:solidFill>
+            <a:srgbClr val="4E8F00"/>
+          </a:solidFill>
+          <a:ln>
+            <a:noFill/>
+          </a:ln>
         </p:spPr>
         <p:style>
           <a:lnRef idx="2">
-            <a:schemeClr val="dk1"/>
+            <a:schemeClr val="accent1">
+              <a:shade val="15000"/>
+            </a:schemeClr>
           </a:lnRef>
-          <a:fillRef idx="0">
-            <a:schemeClr val="dk1"/>
+          <a:fillRef idx="1">
+            <a:schemeClr val="accent1"/>
           </a:fillRef>
-          <a:effectRef idx="1">
-            <a:schemeClr val="dk1"/>
+          <a:effectRef idx="0">
+            <a:schemeClr val="accent1"/>
           </a:effectRef>
           <a:fontRef idx="minor">
-            <a:schemeClr val="tx1"/>
+            <a:schemeClr val="lt1"/>
           </a:fontRef>
         </p:style>
-      </p:cxnSp>
-    </p:spTree>
-    <p:extLst>
-      <p:ext uri="{BB962C8B-B14F-4D97-AF65-F5344CB8AC3E}">
-        <p14:creationId xmlns:p14="http://schemas.microsoft.com/office/powerpoint/2010/main" val="837580139"/>
-      </p:ext>
-    </p:extLst>
-  </p:cSld>
-  <p:clrMapOvr>
-    <a:masterClrMapping/>
-  </p:clrMapOvr>
-</p:sld>
-</file>
-
-<file path=ppt/slides/slide5.xml><?xml version="1.0" encoding="utf-8"?>
-<p:sld xmlns:a="http://schemas.openxmlformats.org/drawingml/2006/main" xmlns:r="http://schemas.openxmlformats.org/officeDocument/2006/relationships" xmlns:p="http://schemas.openxmlformats.org/presentationml/2006/main">
-  <p:cSld>
-    <p:spTree>
-      <p:nvGrpSpPr>
-        <p:cNvPr id="1" name="">
-          <a:extLst>
-            <a:ext uri="{FF2B5EF4-FFF2-40B4-BE49-F238E27FC236}">
-              <a16:creationId xmlns:a16="http://schemas.microsoft.com/office/drawing/2014/main" id="{BD907F07-2C3B-056C-D45E-0A56747B4290}"/>
-            </a:ext>
-          </a:extLst>
-        </p:cNvPr>
-        <p:cNvGrpSpPr/>
-        <p:nvPr/>
-      </p:nvGrpSpPr>
-      <p:grpSpPr>
-        <a:xfrm>
-          <a:off x="0" y="0"/>
-          <a:ext cx="0" cy="0"/>
-          <a:chOff x="0" y="0"/>
-          <a:chExt cx="0" cy="0"/>
-        </a:xfrm>
-      </p:grpSpPr>
-      <p:cxnSp>
-        <p:nvCxnSpPr>
-          <p:cNvPr id="25" name="Straight Connector 24">
-            <a:extLst>
-              <a:ext uri="{FF2B5EF4-FFF2-40B4-BE49-F238E27FC236}">
-                <a16:creationId xmlns:a16="http://schemas.microsoft.com/office/drawing/2014/main" id="{95C7C5ED-B925-8E34-B59F-D1137F412E88}"/>
-              </a:ext>
-            </a:extLst>
-          </p:cNvPr>
-          <p:cNvCxnSpPr/>
+        <p:txBody>
+          <a:bodyPr rtlCol="0" anchor="ctr"/>
+          <a:lstStyle/>
+          <a:p>
+            <a:pPr algn="ctr"/>
+            <a:endParaRPr lang="en-US"/>
+          </a:p>
+        </p:txBody>
+      </p:sp>
+      <p:sp>
+        <p:nvSpPr>
+          <p:cNvPr id="32" name="TextBox 31">
+            <a:extLst>
+              <a:ext uri="{FF2B5EF4-FFF2-40B4-BE49-F238E27FC236}">
+                <a16:creationId xmlns:a16="http://schemas.microsoft.com/office/drawing/2014/main" id="{D42DA444-630A-C876-7BE1-27DB203F4B54}"/>
+              </a:ext>
+            </a:extLst>
+          </p:cNvPr>
+          <p:cNvSpPr txBox="1"/>
           <p:nvPr/>
-        </p:nvCxnSpPr>
+        </p:nvSpPr>
         <p:spPr>
           <a:xfrm>
-            <a:off x="0" y="5386211"/>
-            <a:ext cx="12192000" cy="0"/>
+            <a:off x="2442842" y="5878880"/>
+            <a:ext cx="2864502" cy="769441"/>
           </a:xfrm>
-          <a:prstGeom prst="line">
+          <a:prstGeom prst="rect">
             <a:avLst/>
           </a:prstGeom>
-          <a:ln w="127000"/>
+          <a:noFill/>
         </p:spPr>
-        <p:style>
-          <a:lnRef idx="2">
-            <a:schemeClr val="dk1"/>
-          </a:lnRef>
-          <a:fillRef idx="0">
-            <a:schemeClr val="dk1"/>
-          </a:fillRef>
-          <a:effectRef idx="1">
-            <a:schemeClr val="dk1"/>
-          </a:effectRef>
-          <a:fontRef idx="minor">
-            <a:schemeClr val="tx1"/>
-          </a:fontRef>
-        </p:style>
-      </p:cxnSp>
-      <p:sp>
-        <p:nvSpPr>
-          <p:cNvPr id="4" name="Rounded Rectangle 3">
-            <a:extLst>
-              <a:ext uri="{FF2B5EF4-FFF2-40B4-BE49-F238E27FC236}">
-                <a16:creationId xmlns:a16="http://schemas.microsoft.com/office/drawing/2014/main" id="{7A767F90-AABF-45D0-7CE6-FC5D586E41D2}"/>
+        <p:txBody>
+          <a:bodyPr wrap="none" rtlCol="0">
+            <a:spAutoFit/>
+          </a:bodyPr>
+          <a:lstStyle/>
+          <a:p>
+            <a:r>
+              <a:rPr lang="en-US" sz="4400" dirty="0">
+                <a:solidFill>
+                  <a:schemeClr val="bg1"/>
+                </a:solidFill>
+              </a:rPr>
+              <a:t>Production</a:t>
+            </a:r>
+          </a:p>
+        </p:txBody>
+      </p:sp>
+      <p:sp>
+        <p:nvSpPr>
+          <p:cNvPr id="2" name="Rounded Rectangle 1">
+            <a:extLst>
+              <a:ext uri="{FF2B5EF4-FFF2-40B4-BE49-F238E27FC236}">
+                <a16:creationId xmlns:a16="http://schemas.microsoft.com/office/drawing/2014/main" id="{64ED1724-9A60-93C1-4101-4D1666AB097E}"/>
               </a:ext>
             </a:extLst>
           </p:cNvPr>
@@ -5065,276 +5587,10 @@
           </a:p>
         </p:txBody>
       </p:sp>
-      <p:sp>
-        <p:nvSpPr>
-          <p:cNvPr id="7" name="Rectangle 6">
-            <a:extLst>
-              <a:ext uri="{FF2B5EF4-FFF2-40B4-BE49-F238E27FC236}">
-                <a16:creationId xmlns:a16="http://schemas.microsoft.com/office/drawing/2014/main" id="{5D51A555-5771-F766-6FF8-CA9058E9C610}"/>
-              </a:ext>
-            </a:extLst>
-          </p:cNvPr>
-          <p:cNvSpPr/>
-          <p:nvPr/>
-        </p:nvSpPr>
-        <p:spPr>
-          <a:xfrm rot="20955743">
-            <a:off x="9467206" y="5850599"/>
-            <a:ext cx="2717061" cy="353499"/>
-          </a:xfrm>
-          <a:prstGeom prst="rect">
-            <a:avLst/>
-          </a:prstGeom>
-          <a:solidFill>
-            <a:schemeClr val="bg1"/>
-          </a:solidFill>
-          <a:ln>
-            <a:noFill/>
-          </a:ln>
-        </p:spPr>
-        <p:style>
-          <a:lnRef idx="2">
-            <a:schemeClr val="accent1">
-              <a:shade val="15000"/>
-            </a:schemeClr>
-          </a:lnRef>
-          <a:fillRef idx="1">
-            <a:schemeClr val="accent1"/>
-          </a:fillRef>
-          <a:effectRef idx="0">
-            <a:schemeClr val="accent1"/>
-          </a:effectRef>
-          <a:fontRef idx="minor">
-            <a:schemeClr val="lt1"/>
-          </a:fontRef>
-        </p:style>
-        <p:txBody>
-          <a:bodyPr rtlCol="0" anchor="ctr"/>
-          <a:lstStyle/>
-          <a:p>
-            <a:pPr algn="ctr"/>
-            <a:endParaRPr lang="en-US"/>
-          </a:p>
-        </p:txBody>
-      </p:sp>
-      <p:cxnSp>
-        <p:nvCxnSpPr>
-          <p:cNvPr id="8" name="Straight Arrow Connector 7">
-            <a:extLst>
-              <a:ext uri="{FF2B5EF4-FFF2-40B4-BE49-F238E27FC236}">
-                <a16:creationId xmlns:a16="http://schemas.microsoft.com/office/drawing/2014/main" id="{9D25CEDF-E086-C0C3-F458-D1627600E8BF}"/>
-              </a:ext>
-            </a:extLst>
-          </p:cNvPr>
-          <p:cNvCxnSpPr>
-            <a:cxnSpLocks/>
-          </p:cNvCxnSpPr>
-          <p:nvPr/>
-        </p:nvCxnSpPr>
-        <p:spPr>
-          <a:xfrm>
-            <a:off x="1337912" y="3522846"/>
-            <a:ext cx="9221002" cy="1434165"/>
-          </a:xfrm>
-          <a:prstGeom prst="straightConnector1">
-            <a:avLst/>
-          </a:prstGeom>
-          <a:ln w="127000">
-            <a:solidFill>
-              <a:schemeClr val="tx1">
-                <a:lumMod val="65000"/>
-                <a:lumOff val="35000"/>
-                <a:alpha val="38000"/>
-              </a:schemeClr>
-            </a:solidFill>
-            <a:prstDash val="sysDot"/>
-            <a:tailEnd type="triangle"/>
-          </a:ln>
-        </p:spPr>
-        <p:style>
-          <a:lnRef idx="2">
-            <a:schemeClr val="accent1"/>
-          </a:lnRef>
-          <a:fillRef idx="0">
-            <a:schemeClr val="accent1"/>
-          </a:fillRef>
-          <a:effectRef idx="1">
-            <a:schemeClr val="accent1"/>
-          </a:effectRef>
-          <a:fontRef idx="minor">
-            <a:schemeClr val="tx1"/>
-          </a:fontRef>
-        </p:style>
-      </p:cxnSp>
-      <p:pic>
-        <p:nvPicPr>
-          <p:cNvPr id="12" name="Graphic 11" descr="Landing with solid fill">
-            <a:extLst>
-              <a:ext uri="{FF2B5EF4-FFF2-40B4-BE49-F238E27FC236}">
-                <a16:creationId xmlns:a16="http://schemas.microsoft.com/office/drawing/2014/main" id="{58A01A6B-0D8F-623D-38F6-D242EA676D8C}"/>
-              </a:ext>
-            </a:extLst>
-          </p:cNvPr>
-          <p:cNvPicPr>
-            <a:picLocks noChangeAspect="1"/>
-          </p:cNvPicPr>
-          <p:nvPr/>
-        </p:nvPicPr>
-        <p:blipFill>
-          <a:blip r:embed="rId2">
-            <a:extLst>
-              <a:ext uri="{96DAC541-7B7A-43D3-8B79-37D633B846F1}">
-                <asvg:svgBlip xmlns:asvg="http://schemas.microsoft.com/office/drawing/2016/SVG/main" r:embed="rId3"/>
-              </a:ext>
-            </a:extLst>
-          </a:blip>
-          <a:stretch>
-            <a:fillRect/>
-          </a:stretch>
-        </p:blipFill>
-        <p:spPr>
-          <a:xfrm rot="20998651">
-            <a:off x="9277155" y="3796073"/>
-            <a:ext cx="2966769" cy="2966769"/>
-          </a:xfrm>
-          <a:prstGeom prst="rect">
-            <a:avLst/>
-          </a:prstGeom>
-        </p:spPr>
-      </p:pic>
-      <p:sp>
-        <p:nvSpPr>
-          <p:cNvPr id="13" name="Rectangle 12">
-            <a:extLst>
-              <a:ext uri="{FF2B5EF4-FFF2-40B4-BE49-F238E27FC236}">
-                <a16:creationId xmlns:a16="http://schemas.microsoft.com/office/drawing/2014/main" id="{15AF4140-1A14-16C4-4118-C4AE4D9CCBA2}"/>
-              </a:ext>
-            </a:extLst>
-          </p:cNvPr>
-          <p:cNvSpPr/>
-          <p:nvPr/>
-        </p:nvSpPr>
-        <p:spPr>
-          <a:xfrm rot="21003518">
-            <a:off x="9543703" y="5840972"/>
-            <a:ext cx="2717061" cy="353499"/>
-          </a:xfrm>
-          <a:prstGeom prst="rect">
-            <a:avLst/>
-          </a:prstGeom>
-          <a:solidFill>
-            <a:schemeClr val="bg1"/>
-          </a:solidFill>
-          <a:ln>
-            <a:noFill/>
-          </a:ln>
-        </p:spPr>
-        <p:style>
-          <a:lnRef idx="2">
-            <a:schemeClr val="accent1">
-              <a:shade val="15000"/>
-            </a:schemeClr>
-          </a:lnRef>
-          <a:fillRef idx="1">
-            <a:schemeClr val="accent1"/>
-          </a:fillRef>
-          <a:effectRef idx="0">
-            <a:schemeClr val="accent1"/>
-          </a:effectRef>
-          <a:fontRef idx="minor">
-            <a:schemeClr val="lt1"/>
-          </a:fontRef>
-        </p:style>
-        <p:txBody>
-          <a:bodyPr rtlCol="0" anchor="ctr"/>
-          <a:lstStyle/>
-          <a:p>
-            <a:pPr algn="ctr"/>
-            <a:endParaRPr lang="en-US"/>
-          </a:p>
-        </p:txBody>
-      </p:sp>
-      <p:sp>
-        <p:nvSpPr>
-          <p:cNvPr id="6" name="TextBox 5">
-            <a:extLst>
-              <a:ext uri="{FF2B5EF4-FFF2-40B4-BE49-F238E27FC236}">
-                <a16:creationId xmlns:a16="http://schemas.microsoft.com/office/drawing/2014/main" id="{85EF99F8-66F1-0248-EE5D-EA729C834F9C}"/>
-              </a:ext>
-            </a:extLst>
-          </p:cNvPr>
-          <p:cNvSpPr txBox="1"/>
-          <p:nvPr/>
-        </p:nvSpPr>
-        <p:spPr>
-          <a:xfrm>
-            <a:off x="9327498" y="5411450"/>
-            <a:ext cx="2864502" cy="769441"/>
-          </a:xfrm>
-          <a:prstGeom prst="rect">
-            <a:avLst/>
-          </a:prstGeom>
-          <a:noFill/>
-        </p:spPr>
-        <p:txBody>
-          <a:bodyPr wrap="none" rtlCol="0">
-            <a:spAutoFit/>
-          </a:bodyPr>
-          <a:lstStyle/>
-          <a:p>
-            <a:r>
-              <a:rPr lang="en-US" sz="4400" dirty="0"/>
-              <a:t>Production</a:t>
-            </a:r>
-          </a:p>
-        </p:txBody>
-      </p:sp>
-      <p:sp>
-        <p:nvSpPr>
-          <p:cNvPr id="14" name="TextBox 13">
-            <a:extLst>
-              <a:ext uri="{FF2B5EF4-FFF2-40B4-BE49-F238E27FC236}">
-                <a16:creationId xmlns:a16="http://schemas.microsoft.com/office/drawing/2014/main" id="{16856094-F460-E1B5-05E9-23D8C09E40EB}"/>
-              </a:ext>
-            </a:extLst>
-          </p:cNvPr>
-          <p:cNvSpPr txBox="1"/>
-          <p:nvPr/>
-        </p:nvSpPr>
-        <p:spPr>
-          <a:xfrm>
-            <a:off x="10014934" y="3703939"/>
-            <a:ext cx="1977849" cy="769441"/>
-          </a:xfrm>
-          <a:prstGeom prst="rect">
-            <a:avLst/>
-          </a:prstGeom>
-          <a:noFill/>
-        </p:spPr>
-        <p:txBody>
-          <a:bodyPr wrap="none" rtlCol="0">
-            <a:spAutoFit/>
-          </a:bodyPr>
-          <a:lstStyle>
-            <a:defPPr>
-              <a:defRPr lang="en-US"/>
-            </a:defPPr>
-            <a:lvl1pPr>
-              <a:defRPr sz="4400"/>
-            </a:lvl1pPr>
-          </a:lstStyle>
-          <a:p>
-            <a:r>
-              <a:rPr lang="en-US" dirty="0"/>
-              <a:t>Staging</a:t>
-            </a:r>
-          </a:p>
-        </p:txBody>
-      </p:sp>
     </p:spTree>
     <p:extLst>
       <p:ext uri="{BB962C8B-B14F-4D97-AF65-F5344CB8AC3E}">
-        <p14:creationId xmlns:p14="http://schemas.microsoft.com/office/powerpoint/2010/main" val="3678490779"/>
+        <p14:creationId xmlns:p14="http://schemas.microsoft.com/office/powerpoint/2010/main" val="302684673"/>
       </p:ext>
     </p:extLst>
   </p:cSld>

--- a/images/snapshot.pptx
+++ b/images/snapshot.pptx
@@ -8,11 +8,11 @@
     <p:notesMasterId r:id="rId7"/>
   </p:notesMasterIdLst>
   <p:sldIdLst>
-    <p:sldId id="266" r:id="rId2"/>
-    <p:sldId id="274" r:id="rId3"/>
-    <p:sldId id="275" r:id="rId4"/>
-    <p:sldId id="276" r:id="rId5"/>
-    <p:sldId id="277" r:id="rId6"/>
+    <p:sldId id="278" r:id="rId2"/>
+    <p:sldId id="281" r:id="rId3"/>
+    <p:sldId id="280" r:id="rId4"/>
+    <p:sldId id="282" r:id="rId5"/>
+    <p:sldId id="283" r:id="rId6"/>
   </p:sldIdLst>
   <p:sldSz cx="12192000" cy="6858000"/>
   <p:notesSz cx="6858000" cy="9144000"/>
@@ -201,7 +201,7 @@
           <a:p>
             <a:fld id="{97C13C39-9C1C-2842-8080-1306AA0197AA}" type="datetimeFigureOut">
               <a:rPr lang="en-US" smtClean="0"/>
-              <a:t>6/19/25</a:t>
+              <a:t>9/15/25</a:t>
             </a:fld>
             <a:endParaRPr lang="en-US"/>
           </a:p>
@@ -468,522 +468,6 @@
 </p:notesMaster>
 </file>
 
-<file path=ppt/notesSlides/notesSlide1.xml><?xml version="1.0" encoding="utf-8"?>
-<p:notes xmlns:a="http://schemas.openxmlformats.org/drawingml/2006/main" xmlns:r="http://schemas.openxmlformats.org/officeDocument/2006/relationships" xmlns:p="http://schemas.openxmlformats.org/presentationml/2006/main">
-  <p:cSld>
-    <p:spTree>
-      <p:nvGrpSpPr>
-        <p:cNvPr id="1" name=""/>
-        <p:cNvGrpSpPr/>
-        <p:nvPr/>
-      </p:nvGrpSpPr>
-      <p:grpSpPr>
-        <a:xfrm>
-          <a:off x="0" y="0"/>
-          <a:ext cx="0" cy="0"/>
-          <a:chOff x="0" y="0"/>
-          <a:chExt cx="0" cy="0"/>
-        </a:xfrm>
-      </p:grpSpPr>
-      <p:sp>
-        <p:nvSpPr>
-          <p:cNvPr id="2" name="Slide Image Placeholder 1"/>
-          <p:cNvSpPr>
-            <a:spLocks noGrp="1" noRot="1" noChangeAspect="1"/>
-          </p:cNvSpPr>
-          <p:nvPr>
-            <p:ph type="sldImg"/>
-          </p:nvPr>
-        </p:nvSpPr>
-        <p:spPr/>
-      </p:sp>
-      <p:sp>
-        <p:nvSpPr>
-          <p:cNvPr id="3" name="Notes Placeholder 2"/>
-          <p:cNvSpPr>
-            <a:spLocks noGrp="1"/>
-          </p:cNvSpPr>
-          <p:nvPr>
-            <p:ph type="body" idx="1"/>
-          </p:nvPr>
-        </p:nvSpPr>
-        <p:spPr/>
-        <p:txBody>
-          <a:bodyPr/>
-          <a:lstStyle/>
-          <a:p>
-            <a:endParaRPr lang="en-US" dirty="0"/>
-          </a:p>
-        </p:txBody>
-      </p:sp>
-      <p:sp>
-        <p:nvSpPr>
-          <p:cNvPr id="4" name="Slide Number Placeholder 3"/>
-          <p:cNvSpPr>
-            <a:spLocks noGrp="1"/>
-          </p:cNvSpPr>
-          <p:nvPr>
-            <p:ph type="sldNum" sz="quarter" idx="5"/>
-          </p:nvPr>
-        </p:nvSpPr>
-        <p:spPr/>
-        <p:txBody>
-          <a:bodyPr/>
-          <a:lstStyle/>
-          <a:p>
-            <a:fld id="{77932060-9B3E-9748-8055-3D57AA26FE72}" type="slidenum">
-              <a:rPr lang="en-US" smtClean="0"/>
-              <a:t>1</a:t>
-            </a:fld>
-            <a:endParaRPr lang="en-US"/>
-          </a:p>
-        </p:txBody>
-      </p:sp>
-    </p:spTree>
-    <p:extLst>
-      <p:ext uri="{BB962C8B-B14F-4D97-AF65-F5344CB8AC3E}">
-        <p14:creationId xmlns:p14="http://schemas.microsoft.com/office/powerpoint/2010/main" val="2581747397"/>
-      </p:ext>
-    </p:extLst>
-  </p:cSld>
-  <p:clrMapOvr>
-    <a:masterClrMapping/>
-  </p:clrMapOvr>
-</p:notes>
-</file>
-
-<file path=ppt/notesSlides/notesSlide2.xml><?xml version="1.0" encoding="utf-8"?>
-<p:notes xmlns:a="http://schemas.openxmlformats.org/drawingml/2006/main" xmlns:r="http://schemas.openxmlformats.org/officeDocument/2006/relationships" xmlns:p="http://schemas.openxmlformats.org/presentationml/2006/main">
-  <p:cSld>
-    <p:spTree>
-      <p:nvGrpSpPr>
-        <p:cNvPr id="1" name="">
-          <a:extLst>
-            <a:ext uri="{FF2B5EF4-FFF2-40B4-BE49-F238E27FC236}">
-              <a16:creationId xmlns:a16="http://schemas.microsoft.com/office/drawing/2014/main" id="{527715A8-08A6-9C5E-A695-43C304AB51DF}"/>
-            </a:ext>
-          </a:extLst>
-        </p:cNvPr>
-        <p:cNvGrpSpPr/>
-        <p:nvPr/>
-      </p:nvGrpSpPr>
-      <p:grpSpPr>
-        <a:xfrm>
-          <a:off x="0" y="0"/>
-          <a:ext cx="0" cy="0"/>
-          <a:chOff x="0" y="0"/>
-          <a:chExt cx="0" cy="0"/>
-        </a:xfrm>
-      </p:grpSpPr>
-      <p:sp>
-        <p:nvSpPr>
-          <p:cNvPr id="2" name="Slide Image Placeholder 1">
-            <a:extLst>
-              <a:ext uri="{FF2B5EF4-FFF2-40B4-BE49-F238E27FC236}">
-                <a16:creationId xmlns:a16="http://schemas.microsoft.com/office/drawing/2014/main" id="{EBDA4BA5-F147-2E9B-BCFA-91B92A004A27}"/>
-              </a:ext>
-            </a:extLst>
-          </p:cNvPr>
-          <p:cNvSpPr>
-            <a:spLocks noGrp="1" noRot="1" noChangeAspect="1"/>
-          </p:cNvSpPr>
-          <p:nvPr>
-            <p:ph type="sldImg"/>
-          </p:nvPr>
-        </p:nvSpPr>
-        <p:spPr/>
-      </p:sp>
-      <p:sp>
-        <p:nvSpPr>
-          <p:cNvPr id="3" name="Notes Placeholder 2">
-            <a:extLst>
-              <a:ext uri="{FF2B5EF4-FFF2-40B4-BE49-F238E27FC236}">
-                <a16:creationId xmlns:a16="http://schemas.microsoft.com/office/drawing/2014/main" id="{1AFB61F5-F0CD-542F-1529-16D03FB13C69}"/>
-              </a:ext>
-            </a:extLst>
-          </p:cNvPr>
-          <p:cNvSpPr>
-            <a:spLocks noGrp="1"/>
-          </p:cNvSpPr>
-          <p:nvPr>
-            <p:ph type="body" idx="1"/>
-          </p:nvPr>
-        </p:nvSpPr>
-        <p:spPr/>
-        <p:txBody>
-          <a:bodyPr/>
-          <a:lstStyle/>
-          <a:p>
-            <a:endParaRPr lang="en-US" dirty="0"/>
-          </a:p>
-        </p:txBody>
-      </p:sp>
-      <p:sp>
-        <p:nvSpPr>
-          <p:cNvPr id="4" name="Slide Number Placeholder 3">
-            <a:extLst>
-              <a:ext uri="{FF2B5EF4-FFF2-40B4-BE49-F238E27FC236}">
-                <a16:creationId xmlns:a16="http://schemas.microsoft.com/office/drawing/2014/main" id="{CAF6BEA5-759A-FEC0-14B5-77A98F8ABF71}"/>
-              </a:ext>
-            </a:extLst>
-          </p:cNvPr>
-          <p:cNvSpPr>
-            <a:spLocks noGrp="1"/>
-          </p:cNvSpPr>
-          <p:nvPr>
-            <p:ph type="sldNum" sz="quarter" idx="5"/>
-          </p:nvPr>
-        </p:nvSpPr>
-        <p:spPr/>
-        <p:txBody>
-          <a:bodyPr/>
-          <a:lstStyle/>
-          <a:p>
-            <a:fld id="{77932060-9B3E-9748-8055-3D57AA26FE72}" type="slidenum">
-              <a:rPr lang="en-US" smtClean="0"/>
-              <a:t>2</a:t>
-            </a:fld>
-            <a:endParaRPr lang="en-US"/>
-          </a:p>
-        </p:txBody>
-      </p:sp>
-    </p:spTree>
-    <p:extLst>
-      <p:ext uri="{BB962C8B-B14F-4D97-AF65-F5344CB8AC3E}">
-        <p14:creationId xmlns:p14="http://schemas.microsoft.com/office/powerpoint/2010/main" val="1509174971"/>
-      </p:ext>
-    </p:extLst>
-  </p:cSld>
-  <p:clrMapOvr>
-    <a:masterClrMapping/>
-  </p:clrMapOvr>
-</p:notes>
-</file>
-
-<file path=ppt/notesSlides/notesSlide3.xml><?xml version="1.0" encoding="utf-8"?>
-<p:notes xmlns:a="http://schemas.openxmlformats.org/drawingml/2006/main" xmlns:r="http://schemas.openxmlformats.org/officeDocument/2006/relationships" xmlns:p="http://schemas.openxmlformats.org/presentationml/2006/main">
-  <p:cSld>
-    <p:spTree>
-      <p:nvGrpSpPr>
-        <p:cNvPr id="1" name="">
-          <a:extLst>
-            <a:ext uri="{FF2B5EF4-FFF2-40B4-BE49-F238E27FC236}">
-              <a16:creationId xmlns:a16="http://schemas.microsoft.com/office/drawing/2014/main" id="{EBF1AD98-EC9B-BD0A-7640-72877C7E8F97}"/>
-            </a:ext>
-          </a:extLst>
-        </p:cNvPr>
-        <p:cNvGrpSpPr/>
-        <p:nvPr/>
-      </p:nvGrpSpPr>
-      <p:grpSpPr>
-        <a:xfrm>
-          <a:off x="0" y="0"/>
-          <a:ext cx="0" cy="0"/>
-          <a:chOff x="0" y="0"/>
-          <a:chExt cx="0" cy="0"/>
-        </a:xfrm>
-      </p:grpSpPr>
-      <p:sp>
-        <p:nvSpPr>
-          <p:cNvPr id="2" name="Slide Image Placeholder 1">
-            <a:extLst>
-              <a:ext uri="{FF2B5EF4-FFF2-40B4-BE49-F238E27FC236}">
-                <a16:creationId xmlns:a16="http://schemas.microsoft.com/office/drawing/2014/main" id="{C74E87E1-12F3-C266-C7A6-524BD7E9D795}"/>
-              </a:ext>
-            </a:extLst>
-          </p:cNvPr>
-          <p:cNvSpPr>
-            <a:spLocks noGrp="1" noRot="1" noChangeAspect="1"/>
-          </p:cNvSpPr>
-          <p:nvPr>
-            <p:ph type="sldImg"/>
-          </p:nvPr>
-        </p:nvSpPr>
-        <p:spPr/>
-      </p:sp>
-      <p:sp>
-        <p:nvSpPr>
-          <p:cNvPr id="3" name="Notes Placeholder 2">
-            <a:extLst>
-              <a:ext uri="{FF2B5EF4-FFF2-40B4-BE49-F238E27FC236}">
-                <a16:creationId xmlns:a16="http://schemas.microsoft.com/office/drawing/2014/main" id="{B0E61D6A-E37F-9E37-5362-936C0B28A33E}"/>
-              </a:ext>
-            </a:extLst>
-          </p:cNvPr>
-          <p:cNvSpPr>
-            <a:spLocks noGrp="1"/>
-          </p:cNvSpPr>
-          <p:nvPr>
-            <p:ph type="body" idx="1"/>
-          </p:nvPr>
-        </p:nvSpPr>
-        <p:spPr/>
-        <p:txBody>
-          <a:bodyPr/>
-          <a:lstStyle/>
-          <a:p>
-            <a:endParaRPr lang="en-US" dirty="0"/>
-          </a:p>
-        </p:txBody>
-      </p:sp>
-      <p:sp>
-        <p:nvSpPr>
-          <p:cNvPr id="4" name="Slide Number Placeholder 3">
-            <a:extLst>
-              <a:ext uri="{FF2B5EF4-FFF2-40B4-BE49-F238E27FC236}">
-                <a16:creationId xmlns:a16="http://schemas.microsoft.com/office/drawing/2014/main" id="{DB752D60-78AC-8A54-6196-00DAC8B3AA66}"/>
-              </a:ext>
-            </a:extLst>
-          </p:cNvPr>
-          <p:cNvSpPr>
-            <a:spLocks noGrp="1"/>
-          </p:cNvSpPr>
-          <p:nvPr>
-            <p:ph type="sldNum" sz="quarter" idx="5"/>
-          </p:nvPr>
-        </p:nvSpPr>
-        <p:spPr/>
-        <p:txBody>
-          <a:bodyPr/>
-          <a:lstStyle/>
-          <a:p>
-            <a:fld id="{77932060-9B3E-9748-8055-3D57AA26FE72}" type="slidenum">
-              <a:rPr lang="en-US" smtClean="0"/>
-              <a:t>3</a:t>
-            </a:fld>
-            <a:endParaRPr lang="en-US"/>
-          </a:p>
-        </p:txBody>
-      </p:sp>
-    </p:spTree>
-    <p:extLst>
-      <p:ext uri="{BB962C8B-B14F-4D97-AF65-F5344CB8AC3E}">
-        <p14:creationId xmlns:p14="http://schemas.microsoft.com/office/powerpoint/2010/main" val="1553036412"/>
-      </p:ext>
-    </p:extLst>
-  </p:cSld>
-  <p:clrMapOvr>
-    <a:masterClrMapping/>
-  </p:clrMapOvr>
-</p:notes>
-</file>
-
-<file path=ppt/notesSlides/notesSlide4.xml><?xml version="1.0" encoding="utf-8"?>
-<p:notes xmlns:a="http://schemas.openxmlformats.org/drawingml/2006/main" xmlns:r="http://schemas.openxmlformats.org/officeDocument/2006/relationships" xmlns:p="http://schemas.openxmlformats.org/presentationml/2006/main">
-  <p:cSld>
-    <p:spTree>
-      <p:nvGrpSpPr>
-        <p:cNvPr id="1" name="">
-          <a:extLst>
-            <a:ext uri="{FF2B5EF4-FFF2-40B4-BE49-F238E27FC236}">
-              <a16:creationId xmlns:a16="http://schemas.microsoft.com/office/drawing/2014/main" id="{AC0FDEDA-24A7-1FA9-F227-4E1A3D095298}"/>
-            </a:ext>
-          </a:extLst>
-        </p:cNvPr>
-        <p:cNvGrpSpPr/>
-        <p:nvPr/>
-      </p:nvGrpSpPr>
-      <p:grpSpPr>
-        <a:xfrm>
-          <a:off x="0" y="0"/>
-          <a:ext cx="0" cy="0"/>
-          <a:chOff x="0" y="0"/>
-          <a:chExt cx="0" cy="0"/>
-        </a:xfrm>
-      </p:grpSpPr>
-      <p:sp>
-        <p:nvSpPr>
-          <p:cNvPr id="2" name="Slide Image Placeholder 1">
-            <a:extLst>
-              <a:ext uri="{FF2B5EF4-FFF2-40B4-BE49-F238E27FC236}">
-                <a16:creationId xmlns:a16="http://schemas.microsoft.com/office/drawing/2014/main" id="{FE203583-6733-CBB7-ED8E-4CC643DF07C3}"/>
-              </a:ext>
-            </a:extLst>
-          </p:cNvPr>
-          <p:cNvSpPr>
-            <a:spLocks noGrp="1" noRot="1" noChangeAspect="1"/>
-          </p:cNvSpPr>
-          <p:nvPr>
-            <p:ph type="sldImg"/>
-          </p:nvPr>
-        </p:nvSpPr>
-        <p:spPr/>
-      </p:sp>
-      <p:sp>
-        <p:nvSpPr>
-          <p:cNvPr id="3" name="Notes Placeholder 2">
-            <a:extLst>
-              <a:ext uri="{FF2B5EF4-FFF2-40B4-BE49-F238E27FC236}">
-                <a16:creationId xmlns:a16="http://schemas.microsoft.com/office/drawing/2014/main" id="{6D5C87F5-16B6-4C5A-BAA7-4AD32F576750}"/>
-              </a:ext>
-            </a:extLst>
-          </p:cNvPr>
-          <p:cNvSpPr>
-            <a:spLocks noGrp="1"/>
-          </p:cNvSpPr>
-          <p:nvPr>
-            <p:ph type="body" idx="1"/>
-          </p:nvPr>
-        </p:nvSpPr>
-        <p:spPr/>
-        <p:txBody>
-          <a:bodyPr/>
-          <a:lstStyle/>
-          <a:p>
-            <a:endParaRPr lang="en-US" dirty="0"/>
-          </a:p>
-        </p:txBody>
-      </p:sp>
-      <p:sp>
-        <p:nvSpPr>
-          <p:cNvPr id="4" name="Slide Number Placeholder 3">
-            <a:extLst>
-              <a:ext uri="{FF2B5EF4-FFF2-40B4-BE49-F238E27FC236}">
-                <a16:creationId xmlns:a16="http://schemas.microsoft.com/office/drawing/2014/main" id="{5F3A7CD2-0096-7664-3EC4-4C7AEB1399E7}"/>
-              </a:ext>
-            </a:extLst>
-          </p:cNvPr>
-          <p:cNvSpPr>
-            <a:spLocks noGrp="1"/>
-          </p:cNvSpPr>
-          <p:nvPr>
-            <p:ph type="sldNum" sz="quarter" idx="5"/>
-          </p:nvPr>
-        </p:nvSpPr>
-        <p:spPr/>
-        <p:txBody>
-          <a:bodyPr/>
-          <a:lstStyle/>
-          <a:p>
-            <a:fld id="{77932060-9B3E-9748-8055-3D57AA26FE72}" type="slidenum">
-              <a:rPr lang="en-US" smtClean="0"/>
-              <a:t>4</a:t>
-            </a:fld>
-            <a:endParaRPr lang="en-US"/>
-          </a:p>
-        </p:txBody>
-      </p:sp>
-    </p:spTree>
-    <p:extLst>
-      <p:ext uri="{BB962C8B-B14F-4D97-AF65-F5344CB8AC3E}">
-        <p14:creationId xmlns:p14="http://schemas.microsoft.com/office/powerpoint/2010/main" val="4068287448"/>
-      </p:ext>
-    </p:extLst>
-  </p:cSld>
-  <p:clrMapOvr>
-    <a:masterClrMapping/>
-  </p:clrMapOvr>
-</p:notes>
-</file>
-
-<file path=ppt/notesSlides/notesSlide5.xml><?xml version="1.0" encoding="utf-8"?>
-<p:notes xmlns:a="http://schemas.openxmlformats.org/drawingml/2006/main" xmlns:r="http://schemas.openxmlformats.org/officeDocument/2006/relationships" xmlns:p="http://schemas.openxmlformats.org/presentationml/2006/main">
-  <p:cSld>
-    <p:spTree>
-      <p:nvGrpSpPr>
-        <p:cNvPr id="1" name="">
-          <a:extLst>
-            <a:ext uri="{FF2B5EF4-FFF2-40B4-BE49-F238E27FC236}">
-              <a16:creationId xmlns:a16="http://schemas.microsoft.com/office/drawing/2014/main" id="{03AAF8EC-EF23-F2BD-6285-8C6144DC1E11}"/>
-            </a:ext>
-          </a:extLst>
-        </p:cNvPr>
-        <p:cNvGrpSpPr/>
-        <p:nvPr/>
-      </p:nvGrpSpPr>
-      <p:grpSpPr>
-        <a:xfrm>
-          <a:off x="0" y="0"/>
-          <a:ext cx="0" cy="0"/>
-          <a:chOff x="0" y="0"/>
-          <a:chExt cx="0" cy="0"/>
-        </a:xfrm>
-      </p:grpSpPr>
-      <p:sp>
-        <p:nvSpPr>
-          <p:cNvPr id="2" name="Slide Image Placeholder 1">
-            <a:extLst>
-              <a:ext uri="{FF2B5EF4-FFF2-40B4-BE49-F238E27FC236}">
-                <a16:creationId xmlns:a16="http://schemas.microsoft.com/office/drawing/2014/main" id="{EDF99419-1BE7-751D-FF61-B3C453A778A6}"/>
-              </a:ext>
-            </a:extLst>
-          </p:cNvPr>
-          <p:cNvSpPr>
-            <a:spLocks noGrp="1" noRot="1" noChangeAspect="1"/>
-          </p:cNvSpPr>
-          <p:nvPr>
-            <p:ph type="sldImg"/>
-          </p:nvPr>
-        </p:nvSpPr>
-        <p:spPr/>
-      </p:sp>
-      <p:sp>
-        <p:nvSpPr>
-          <p:cNvPr id="3" name="Notes Placeholder 2">
-            <a:extLst>
-              <a:ext uri="{FF2B5EF4-FFF2-40B4-BE49-F238E27FC236}">
-                <a16:creationId xmlns:a16="http://schemas.microsoft.com/office/drawing/2014/main" id="{4C872883-7C9A-3A6F-D76F-C5DF1DF063B5}"/>
-              </a:ext>
-            </a:extLst>
-          </p:cNvPr>
-          <p:cNvSpPr>
-            <a:spLocks noGrp="1"/>
-          </p:cNvSpPr>
-          <p:nvPr>
-            <p:ph type="body" idx="1"/>
-          </p:nvPr>
-        </p:nvSpPr>
-        <p:spPr/>
-        <p:txBody>
-          <a:bodyPr/>
-          <a:lstStyle/>
-          <a:p>
-            <a:endParaRPr lang="en-US" dirty="0"/>
-          </a:p>
-        </p:txBody>
-      </p:sp>
-      <p:sp>
-        <p:nvSpPr>
-          <p:cNvPr id="4" name="Slide Number Placeholder 3">
-            <a:extLst>
-              <a:ext uri="{FF2B5EF4-FFF2-40B4-BE49-F238E27FC236}">
-                <a16:creationId xmlns:a16="http://schemas.microsoft.com/office/drawing/2014/main" id="{A85C5826-FC56-0D5B-08A4-3AFFDD5BA4E8}"/>
-              </a:ext>
-            </a:extLst>
-          </p:cNvPr>
-          <p:cNvSpPr>
-            <a:spLocks noGrp="1"/>
-          </p:cNvSpPr>
-          <p:nvPr>
-            <p:ph type="sldNum" sz="quarter" idx="5"/>
-          </p:nvPr>
-        </p:nvSpPr>
-        <p:spPr/>
-        <p:txBody>
-          <a:bodyPr/>
-          <a:lstStyle/>
-          <a:p>
-            <a:fld id="{77932060-9B3E-9748-8055-3D57AA26FE72}" type="slidenum">
-              <a:rPr lang="en-US" smtClean="0"/>
-              <a:t>5</a:t>
-            </a:fld>
-            <a:endParaRPr lang="en-US"/>
-          </a:p>
-        </p:txBody>
-      </p:sp>
-    </p:spTree>
-    <p:extLst>
-      <p:ext uri="{BB962C8B-B14F-4D97-AF65-F5344CB8AC3E}">
-        <p14:creationId xmlns:p14="http://schemas.microsoft.com/office/powerpoint/2010/main" val="2918338309"/>
-      </p:ext>
-    </p:extLst>
-  </p:cSld>
-  <p:clrMapOvr>
-    <a:masterClrMapping/>
-  </p:clrMapOvr>
-</p:notes>
-</file>
-
 <file path=ppt/slideLayouts/slideLayout1.xml><?xml version="1.0" encoding="utf-8"?>
 <p:sldLayout xmlns:a="http://schemas.openxmlformats.org/drawingml/2006/main" xmlns:r="http://schemas.openxmlformats.org/officeDocument/2006/relationships" xmlns:p="http://schemas.openxmlformats.org/presentationml/2006/main" type="title" preserve="1">
   <p:cSld name="Title Slide">
@@ -1131,7 +615,7 @@
           <a:p>
             <a:fld id="{DE0FB15D-23E5-D646-B210-BC6078862DA1}" type="datetimeFigureOut">
               <a:rPr lang="en-US" smtClean="0"/>
-              <a:t>6/19/25</a:t>
+              <a:t>9/15/25</a:t>
             </a:fld>
             <a:endParaRPr lang="en-US"/>
           </a:p>
@@ -1329,7 +813,7 @@
           <a:p>
             <a:fld id="{DE0FB15D-23E5-D646-B210-BC6078862DA1}" type="datetimeFigureOut">
               <a:rPr lang="en-US" smtClean="0"/>
-              <a:t>6/19/25</a:t>
+              <a:t>9/15/25</a:t>
             </a:fld>
             <a:endParaRPr lang="en-US"/>
           </a:p>
@@ -1537,7 +1021,7 @@
           <a:p>
             <a:fld id="{DE0FB15D-23E5-D646-B210-BC6078862DA1}" type="datetimeFigureOut">
               <a:rPr lang="en-US" smtClean="0"/>
-              <a:t>6/19/25</a:t>
+              <a:t>9/15/25</a:t>
             </a:fld>
             <a:endParaRPr lang="en-US"/>
           </a:p>
@@ -1735,7 +1219,7 @@
           <a:p>
             <a:fld id="{DE0FB15D-23E5-D646-B210-BC6078862DA1}" type="datetimeFigureOut">
               <a:rPr lang="en-US" smtClean="0"/>
-              <a:t>6/19/25</a:t>
+              <a:t>9/15/25</a:t>
             </a:fld>
             <a:endParaRPr lang="en-US"/>
           </a:p>
@@ -2010,7 +1494,7 @@
           <a:p>
             <a:fld id="{DE0FB15D-23E5-D646-B210-BC6078862DA1}" type="datetimeFigureOut">
               <a:rPr lang="en-US" smtClean="0"/>
-              <a:t>6/19/25</a:t>
+              <a:t>9/15/25</a:t>
             </a:fld>
             <a:endParaRPr lang="en-US"/>
           </a:p>
@@ -2275,7 +1759,7 @@
           <a:p>
             <a:fld id="{DE0FB15D-23E5-D646-B210-BC6078862DA1}" type="datetimeFigureOut">
               <a:rPr lang="en-US" smtClean="0"/>
-              <a:t>6/19/25</a:t>
+              <a:t>9/15/25</a:t>
             </a:fld>
             <a:endParaRPr lang="en-US"/>
           </a:p>
@@ -2687,7 +2171,7 @@
           <a:p>
             <a:fld id="{DE0FB15D-23E5-D646-B210-BC6078862DA1}" type="datetimeFigureOut">
               <a:rPr lang="en-US" smtClean="0"/>
-              <a:t>6/19/25</a:t>
+              <a:t>9/15/25</a:t>
             </a:fld>
             <a:endParaRPr lang="en-US"/>
           </a:p>
@@ -2828,7 +2312,7 @@
           <a:p>
             <a:fld id="{DE0FB15D-23E5-D646-B210-BC6078862DA1}" type="datetimeFigureOut">
               <a:rPr lang="en-US" smtClean="0"/>
-              <a:t>6/19/25</a:t>
+              <a:t>9/15/25</a:t>
             </a:fld>
             <a:endParaRPr lang="en-US"/>
           </a:p>
@@ -2941,7 +2425,7 @@
           <a:p>
             <a:fld id="{DE0FB15D-23E5-D646-B210-BC6078862DA1}" type="datetimeFigureOut">
               <a:rPr lang="en-US" smtClean="0"/>
-              <a:t>6/19/25</a:t>
+              <a:t>9/15/25</a:t>
             </a:fld>
             <a:endParaRPr lang="en-US"/>
           </a:p>
@@ -3252,7 +2736,7 @@
           <a:p>
             <a:fld id="{DE0FB15D-23E5-D646-B210-BC6078862DA1}" type="datetimeFigureOut">
               <a:rPr lang="en-US" smtClean="0"/>
-              <a:t>6/19/25</a:t>
+              <a:t>9/15/25</a:t>
             </a:fld>
             <a:endParaRPr lang="en-US"/>
           </a:p>
@@ -3540,7 +3024,7 @@
           <a:p>
             <a:fld id="{DE0FB15D-23E5-D646-B210-BC6078862DA1}" type="datetimeFigureOut">
               <a:rPr lang="en-US" smtClean="0"/>
-              <a:t>6/19/25</a:t>
+              <a:t>9/15/25</a:t>
             </a:fld>
             <a:endParaRPr lang="en-US"/>
           </a:p>
@@ -3781,7 +3265,7 @@
           <a:p>
             <a:fld id="{DE0FB15D-23E5-D646-B210-BC6078862DA1}" type="datetimeFigureOut">
               <a:rPr lang="en-US" smtClean="0"/>
-              <a:t>6/19/25</a:t>
+              <a:t>9/15/25</a:t>
             </a:fld>
             <a:endParaRPr lang="en-US"/>
           </a:p>
@@ -4186,13 +3670,7 @@
   <p:cSld>
     <p:spTree>
       <p:nvGrpSpPr>
-        <p:cNvPr id="1" name="">
-          <a:extLst>
-            <a:ext uri="{FF2B5EF4-FFF2-40B4-BE49-F238E27FC236}">
-              <a16:creationId xmlns:a16="http://schemas.microsoft.com/office/drawing/2014/main" id="{7AD2C50C-5BE4-2C46-64A5-33DEF27BBC9A}"/>
-            </a:ext>
-          </a:extLst>
-        </p:cNvPr>
+        <p:cNvPr id="1" name=""/>
         <p:cNvGrpSpPr/>
         <p:nvPr/>
       </p:nvGrpSpPr>
@@ -4206,95 +3684,28 @@
       </p:grpSpPr>
       <p:sp>
         <p:nvSpPr>
-          <p:cNvPr id="24" name="TextBox 23">
-            <a:extLst>
-              <a:ext uri="{FF2B5EF4-FFF2-40B4-BE49-F238E27FC236}">
-                <a16:creationId xmlns:a16="http://schemas.microsoft.com/office/drawing/2014/main" id="{24ADCA97-6D3D-B99F-6B2C-31DFAF25A5DE}"/>
-              </a:ext>
-            </a:extLst>
-          </p:cNvPr>
-          <p:cNvSpPr txBox="1"/>
+          <p:cNvPr id="6" name="Triangle 5">
+            <a:extLst>
+              <a:ext uri="{FF2B5EF4-FFF2-40B4-BE49-F238E27FC236}">
+                <a16:creationId xmlns:a16="http://schemas.microsoft.com/office/drawing/2014/main" id="{AB78CE9B-1172-17ED-D06B-5C57CD5DAE31}"/>
+              </a:ext>
+            </a:extLst>
+          </p:cNvPr>
+          <p:cNvSpPr/>
           <p:nvPr/>
         </p:nvSpPr>
         <p:spPr>
           <a:xfrm>
-            <a:off x="1037868" y="798832"/>
-            <a:ext cx="1977849" cy="769441"/>
-          </a:xfrm>
-          <a:prstGeom prst="rect">
+            <a:off x="96253" y="452388"/>
+            <a:ext cx="8393230" cy="6294922"/>
+          </a:xfrm>
+          <a:prstGeom prst="triangle">
             <a:avLst/>
           </a:prstGeom>
-          <a:noFill/>
-        </p:spPr>
-        <p:txBody>
-          <a:bodyPr wrap="none" rtlCol="0">
-            <a:spAutoFit/>
-          </a:bodyPr>
-          <a:lstStyle/>
-          <a:p>
-            <a:r>
-              <a:rPr lang="en-US" sz="4400" dirty="0"/>
-              <a:t>Staging</a:t>
-            </a:r>
-          </a:p>
-        </p:txBody>
-      </p:sp>
-      <p:pic>
-        <p:nvPicPr>
-          <p:cNvPr id="27" name="Picture 26" descr="A colorful hot air balloon&#10;&#10;AI-generated content may be incorrect.">
-            <a:extLst>
-              <a:ext uri="{FF2B5EF4-FFF2-40B4-BE49-F238E27FC236}">
-                <a16:creationId xmlns:a16="http://schemas.microsoft.com/office/drawing/2014/main" id="{F82D61FC-4E53-0ADB-9EF5-6B1D7CE758A6}"/>
-              </a:ext>
-            </a:extLst>
-          </p:cNvPr>
-          <p:cNvPicPr>
-            <a:picLocks noChangeAspect="1"/>
-          </p:cNvPicPr>
-          <p:nvPr/>
-        </p:nvPicPr>
-        <p:blipFill>
-          <a:blip r:embed="rId3"/>
-          <a:stretch>
-            <a:fillRect/>
-          </a:stretch>
-        </p:blipFill>
-        <p:spPr>
-          <a:xfrm>
-            <a:off x="3015717" y="209679"/>
-            <a:ext cx="1650628" cy="2717188"/>
-          </a:xfrm>
-          <a:prstGeom prst="rect">
-            <a:avLst/>
-          </a:prstGeom>
-        </p:spPr>
-      </p:pic>
-      <p:sp>
-        <p:nvSpPr>
-          <p:cNvPr id="29" name="Oval 28">
-            <a:extLst>
-              <a:ext uri="{FF2B5EF4-FFF2-40B4-BE49-F238E27FC236}">
-                <a16:creationId xmlns:a16="http://schemas.microsoft.com/office/drawing/2014/main" id="{96063E64-2C4F-1022-2CF5-66B223E74A7A}"/>
-              </a:ext>
-            </a:extLst>
-          </p:cNvPr>
-          <p:cNvSpPr/>
-          <p:nvPr/>
-        </p:nvSpPr>
-        <p:spPr>
-          <a:xfrm>
-            <a:off x="-128091" y="5844484"/>
-            <a:ext cx="8191099" cy="2550695"/>
-          </a:xfrm>
-          <a:prstGeom prst="ellipse">
-            <a:avLst/>
-          </a:prstGeom>
-          <a:solidFill>
-            <a:srgbClr val="4E8F00"/>
-          </a:solidFill>
-          <a:ln>
-            <a:noFill/>
-          </a:ln>
+          <a:blipFill>
+            <a:blip r:embed="rId2"/>
+            <a:tile tx="0" ty="0" sx="100000" sy="100000" flip="none" algn="tl"/>
+          </a:blipFill>
         </p:spPr>
         <p:style>
           <a:lnRef idx="2">
@@ -4321,10 +3732,278 @@
           </a:p>
         </p:txBody>
       </p:sp>
+      <p:sp>
+        <p:nvSpPr>
+          <p:cNvPr id="7" name="Triangle 6">
+            <a:extLst>
+              <a:ext uri="{FF2B5EF4-FFF2-40B4-BE49-F238E27FC236}">
+                <a16:creationId xmlns:a16="http://schemas.microsoft.com/office/drawing/2014/main" id="{95F8E621-7132-602C-2A9E-E64F1C2434AF}"/>
+              </a:ext>
+            </a:extLst>
+          </p:cNvPr>
+          <p:cNvSpPr/>
+          <p:nvPr/>
+        </p:nvSpPr>
+        <p:spPr>
+          <a:xfrm>
+            <a:off x="96253" y="452388"/>
+            <a:ext cx="8393230" cy="6294922"/>
+          </a:xfrm>
+          <a:prstGeom prst="triangle">
+            <a:avLst/>
+          </a:prstGeom>
+          <a:blipFill>
+            <a:blip r:embed="rId3"/>
+            <a:tile tx="0" ty="0" sx="100000" sy="100000" flip="none" algn="tl"/>
+          </a:blipFill>
+        </p:spPr>
+        <p:style>
+          <a:lnRef idx="2">
+            <a:schemeClr val="accent1">
+              <a:shade val="15000"/>
+            </a:schemeClr>
+          </a:lnRef>
+          <a:fillRef idx="1">
+            <a:schemeClr val="accent1"/>
+          </a:fillRef>
+          <a:effectRef idx="0">
+            <a:schemeClr val="accent1"/>
+          </a:effectRef>
+          <a:fontRef idx="minor">
+            <a:schemeClr val="lt1"/>
+          </a:fontRef>
+        </p:style>
+        <p:txBody>
+          <a:bodyPr rtlCol="0" anchor="ctr"/>
+          <a:lstStyle/>
+          <a:p>
+            <a:pPr algn="ctr"/>
+            <a:endParaRPr lang="en-US"/>
+          </a:p>
+        </p:txBody>
+      </p:sp>
+      <p:sp>
+        <p:nvSpPr>
+          <p:cNvPr id="8" name="Triangle 7">
+            <a:extLst>
+              <a:ext uri="{FF2B5EF4-FFF2-40B4-BE49-F238E27FC236}">
+                <a16:creationId xmlns:a16="http://schemas.microsoft.com/office/drawing/2014/main" id="{B7FC08D6-3FB6-427E-C086-F1327E68D19A}"/>
+              </a:ext>
+            </a:extLst>
+          </p:cNvPr>
+          <p:cNvSpPr/>
+          <p:nvPr/>
+        </p:nvSpPr>
+        <p:spPr>
+          <a:xfrm>
+            <a:off x="1554080" y="452388"/>
+            <a:ext cx="5477576" cy="4138863"/>
+          </a:xfrm>
+          <a:prstGeom prst="triangle">
+            <a:avLst/>
+          </a:prstGeom>
+          <a:blipFill>
+            <a:blip r:embed="rId3"/>
+            <a:tile tx="0" ty="0" sx="100000" sy="100000" flip="none" algn="tl"/>
+          </a:blipFill>
+        </p:spPr>
+        <p:style>
+          <a:lnRef idx="2">
+            <a:schemeClr val="accent1">
+              <a:shade val="15000"/>
+            </a:schemeClr>
+          </a:lnRef>
+          <a:fillRef idx="1">
+            <a:schemeClr val="accent1"/>
+          </a:fillRef>
+          <a:effectRef idx="0">
+            <a:schemeClr val="accent1"/>
+          </a:effectRef>
+          <a:fontRef idx="minor">
+            <a:schemeClr val="lt1"/>
+          </a:fontRef>
+        </p:style>
+        <p:txBody>
+          <a:bodyPr rtlCol="0" anchor="ctr"/>
+          <a:lstStyle/>
+          <a:p>
+            <a:pPr algn="ctr"/>
+            <a:endParaRPr lang="en-US"/>
+          </a:p>
+        </p:txBody>
+      </p:sp>
+      <p:sp>
+        <p:nvSpPr>
+          <p:cNvPr id="9" name="Rounded Rectangle 8">
+            <a:extLst>
+              <a:ext uri="{FF2B5EF4-FFF2-40B4-BE49-F238E27FC236}">
+                <a16:creationId xmlns:a16="http://schemas.microsoft.com/office/drawing/2014/main" id="{A407A5C5-B4A9-BBDA-F17D-EDA81B1F676F}"/>
+              </a:ext>
+            </a:extLst>
+          </p:cNvPr>
+          <p:cNvSpPr/>
+          <p:nvPr/>
+        </p:nvSpPr>
+        <p:spPr>
+          <a:xfrm>
+            <a:off x="2736381" y="3051209"/>
+            <a:ext cx="3118585" cy="1270534"/>
+          </a:xfrm>
+          <a:prstGeom prst="roundRect">
+            <a:avLst/>
+          </a:prstGeom>
+          <a:solidFill>
+            <a:schemeClr val="bg1"/>
+          </a:solidFill>
+        </p:spPr>
+        <p:style>
+          <a:lnRef idx="2">
+            <a:schemeClr val="accent1">
+              <a:shade val="15000"/>
+            </a:schemeClr>
+          </a:lnRef>
+          <a:fillRef idx="1">
+            <a:schemeClr val="accent1"/>
+          </a:fillRef>
+          <a:effectRef idx="0">
+            <a:schemeClr val="accent1"/>
+          </a:effectRef>
+          <a:fontRef idx="minor">
+            <a:schemeClr val="lt1"/>
+          </a:fontRef>
+        </p:style>
+        <p:txBody>
+          <a:bodyPr rtlCol="0" anchor="ctr"/>
+          <a:lstStyle/>
+          <a:p>
+            <a:pPr algn="ctr"/>
+            <a:r>
+              <a:rPr lang="en-US" sz="4000" dirty="0">
+                <a:solidFill>
+                  <a:schemeClr val="tx1"/>
+                </a:solidFill>
+              </a:rPr>
+              <a:t>R-multiverse packages</a:t>
+            </a:r>
+          </a:p>
+        </p:txBody>
+      </p:sp>
+      <p:sp>
+        <p:nvSpPr>
+          <p:cNvPr id="10" name="Rounded Rectangle 9">
+            <a:extLst>
+              <a:ext uri="{FF2B5EF4-FFF2-40B4-BE49-F238E27FC236}">
+                <a16:creationId xmlns:a16="http://schemas.microsoft.com/office/drawing/2014/main" id="{CC002382-B3DA-0302-5B1B-CCD537077193}"/>
+              </a:ext>
+            </a:extLst>
+          </p:cNvPr>
+          <p:cNvSpPr/>
+          <p:nvPr/>
+        </p:nvSpPr>
+        <p:spPr>
+          <a:xfrm>
+            <a:off x="1327483" y="5157536"/>
+            <a:ext cx="2561925" cy="1039527"/>
+          </a:xfrm>
+          <a:prstGeom prst="roundRect">
+            <a:avLst/>
+          </a:prstGeom>
+          <a:solidFill>
+            <a:schemeClr val="bg1"/>
+          </a:solidFill>
+        </p:spPr>
+        <p:style>
+          <a:lnRef idx="2">
+            <a:schemeClr val="accent1">
+              <a:shade val="15000"/>
+            </a:schemeClr>
+          </a:lnRef>
+          <a:fillRef idx="1">
+            <a:schemeClr val="accent1"/>
+          </a:fillRef>
+          <a:effectRef idx="0">
+            <a:schemeClr val="accent1"/>
+          </a:effectRef>
+          <a:fontRef idx="minor">
+            <a:schemeClr val="lt1"/>
+          </a:fontRef>
+        </p:style>
+        <p:txBody>
+          <a:bodyPr rtlCol="0" anchor="ctr"/>
+          <a:lstStyle/>
+          <a:p>
+            <a:pPr algn="ctr"/>
+            <a:r>
+              <a:rPr lang="en-US" sz="4000" dirty="0">
+                <a:solidFill>
+                  <a:schemeClr val="tx1"/>
+                </a:solidFill>
+              </a:rPr>
+              <a:t>base R</a:t>
+            </a:r>
+          </a:p>
+        </p:txBody>
+      </p:sp>
+      <p:sp>
+        <p:nvSpPr>
+          <p:cNvPr id="11" name="Rounded Rectangle 10">
+            <a:extLst>
+              <a:ext uri="{FF2B5EF4-FFF2-40B4-BE49-F238E27FC236}">
+                <a16:creationId xmlns:a16="http://schemas.microsoft.com/office/drawing/2014/main" id="{33B0F8EF-57B8-04E9-1D38-0D9025B535CB}"/>
+              </a:ext>
+            </a:extLst>
+          </p:cNvPr>
+          <p:cNvSpPr/>
+          <p:nvPr/>
+        </p:nvSpPr>
+        <p:spPr>
+          <a:xfrm>
+            <a:off x="4295674" y="4948989"/>
+            <a:ext cx="2735982" cy="1456623"/>
+          </a:xfrm>
+          <a:prstGeom prst="roundRect">
+            <a:avLst/>
+          </a:prstGeom>
+          <a:solidFill>
+            <a:schemeClr val="bg1"/>
+          </a:solidFill>
+        </p:spPr>
+        <p:style>
+          <a:lnRef idx="2">
+            <a:schemeClr val="accent1">
+              <a:shade val="15000"/>
+            </a:schemeClr>
+          </a:lnRef>
+          <a:fillRef idx="1">
+            <a:schemeClr val="accent1"/>
+          </a:fillRef>
+          <a:effectRef idx="0">
+            <a:schemeClr val="accent1"/>
+          </a:effectRef>
+          <a:fontRef idx="minor">
+            <a:schemeClr val="lt1"/>
+          </a:fontRef>
+        </p:style>
+        <p:txBody>
+          <a:bodyPr rtlCol="0" anchor="ctr"/>
+          <a:lstStyle/>
+          <a:p>
+            <a:pPr algn="ctr"/>
+            <a:r>
+              <a:rPr lang="en-US" sz="4000" dirty="0">
+                <a:solidFill>
+                  <a:schemeClr val="tx1"/>
+                </a:solidFill>
+              </a:rPr>
+              <a:t>CRAN packages</a:t>
+            </a:r>
+          </a:p>
+        </p:txBody>
+      </p:sp>
     </p:spTree>
     <p:extLst>
       <p:ext uri="{BB962C8B-B14F-4D97-AF65-F5344CB8AC3E}">
-        <p14:creationId xmlns:p14="http://schemas.microsoft.com/office/powerpoint/2010/main" val="206087786"/>
+        <p14:creationId xmlns:p14="http://schemas.microsoft.com/office/powerpoint/2010/main" val="3430006915"/>
       </p:ext>
     </p:extLst>
   </p:cSld>
@@ -4342,7 +4021,7 @@
         <p:cNvPr id="1" name="">
           <a:extLst>
             <a:ext uri="{FF2B5EF4-FFF2-40B4-BE49-F238E27FC236}">
-              <a16:creationId xmlns:a16="http://schemas.microsoft.com/office/drawing/2014/main" id="{69FE282C-0116-2A98-6C4C-7B6DA7B26ABD}"/>
+              <a16:creationId xmlns:a16="http://schemas.microsoft.com/office/drawing/2014/main" id="{95C5EC92-DE81-DACF-6FE0-4A04D0C7F883}"/>
             </a:ext>
           </a:extLst>
         </p:cNvPr>
@@ -4357,62 +4036,30 @@
           <a:chExt cx="0" cy="0"/>
         </a:xfrm>
       </p:grpSpPr>
-      <p:pic>
-        <p:nvPicPr>
-          <p:cNvPr id="27" name="Picture 26" descr="A colorful hot air balloon&#10;&#10;AI-generated content may be incorrect.">
-            <a:extLst>
-              <a:ext uri="{FF2B5EF4-FFF2-40B4-BE49-F238E27FC236}">
-                <a16:creationId xmlns:a16="http://schemas.microsoft.com/office/drawing/2014/main" id="{B89B6D73-6D25-4403-E3D9-C7D2BE27CA85}"/>
-              </a:ext>
-            </a:extLst>
-          </p:cNvPr>
-          <p:cNvPicPr>
-            <a:picLocks noChangeAspect="1"/>
-          </p:cNvPicPr>
+      <p:sp>
+        <p:nvSpPr>
+          <p:cNvPr id="6" name="Triangle 5">
+            <a:extLst>
+              <a:ext uri="{FF2B5EF4-FFF2-40B4-BE49-F238E27FC236}">
+                <a16:creationId xmlns:a16="http://schemas.microsoft.com/office/drawing/2014/main" id="{B29CEB54-D9D2-1BD9-3746-ADB3B83B295F}"/>
+              </a:ext>
+            </a:extLst>
+          </p:cNvPr>
+          <p:cNvSpPr/>
           <p:nvPr/>
-        </p:nvPicPr>
-        <p:blipFill>
-          <a:blip r:embed="rId3"/>
-          <a:stretch>
-            <a:fillRect/>
-          </a:stretch>
-        </p:blipFill>
-        <p:spPr>
-          <a:xfrm>
-            <a:off x="3015717" y="209679"/>
-            <a:ext cx="1650628" cy="2717188"/>
-          </a:xfrm>
-          <a:prstGeom prst="rect">
+        </p:nvSpPr>
+        <p:spPr>
+          <a:xfrm>
+            <a:off x="96253" y="452388"/>
+            <a:ext cx="8393230" cy="6294922"/>
+          </a:xfrm>
+          <a:prstGeom prst="triangle">
             <a:avLst/>
           </a:prstGeom>
-        </p:spPr>
-      </p:pic>
-      <p:sp>
-        <p:nvSpPr>
-          <p:cNvPr id="29" name="Oval 28">
-            <a:extLst>
-              <a:ext uri="{FF2B5EF4-FFF2-40B4-BE49-F238E27FC236}">
-                <a16:creationId xmlns:a16="http://schemas.microsoft.com/office/drawing/2014/main" id="{069C81F6-3B9C-F4D0-36E4-6873BF78094E}"/>
-              </a:ext>
-            </a:extLst>
-          </p:cNvPr>
-          <p:cNvSpPr/>
-          <p:nvPr/>
-        </p:nvSpPr>
-        <p:spPr>
-          <a:xfrm>
-            <a:off x="-128091" y="5844484"/>
-            <a:ext cx="8191099" cy="2550695"/>
-          </a:xfrm>
-          <a:prstGeom prst="ellipse">
-            <a:avLst/>
-          </a:prstGeom>
-          <a:solidFill>
-            <a:srgbClr val="4E8F00"/>
-          </a:solidFill>
-          <a:ln>
-            <a:noFill/>
-          </a:ln>
+          <a:blipFill>
+            <a:blip r:embed="rId2"/>
+            <a:tile tx="0" ty="0" sx="100000" sy="100000" flip="none" algn="tl"/>
+          </a:blipFill>
         </p:spPr>
         <p:style>
           <a:lnRef idx="2">
@@ -4441,127 +4088,492 @@
       </p:sp>
       <p:sp>
         <p:nvSpPr>
-          <p:cNvPr id="32" name="TextBox 31">
-            <a:extLst>
-              <a:ext uri="{FF2B5EF4-FFF2-40B4-BE49-F238E27FC236}">
-                <a16:creationId xmlns:a16="http://schemas.microsoft.com/office/drawing/2014/main" id="{CCD7589A-038B-8607-FFAA-EBE20A5C2612}"/>
-              </a:ext>
-            </a:extLst>
-          </p:cNvPr>
-          <p:cNvSpPr txBox="1"/>
+          <p:cNvPr id="7" name="Triangle 6">
+            <a:extLst>
+              <a:ext uri="{FF2B5EF4-FFF2-40B4-BE49-F238E27FC236}">
+                <a16:creationId xmlns:a16="http://schemas.microsoft.com/office/drawing/2014/main" id="{A1340BF3-9C94-DDF0-C323-3C0A26DC2B13}"/>
+              </a:ext>
+            </a:extLst>
+          </p:cNvPr>
+          <p:cNvSpPr/>
           <p:nvPr/>
         </p:nvSpPr>
         <p:spPr>
           <a:xfrm>
-            <a:off x="2442842" y="5878880"/>
-            <a:ext cx="2864502" cy="769441"/>
+            <a:off x="96253" y="452388"/>
+            <a:ext cx="8393230" cy="6294922"/>
+          </a:xfrm>
+          <a:prstGeom prst="triangle">
+            <a:avLst/>
+          </a:prstGeom>
+          <a:blipFill>
+            <a:blip r:embed="rId2"/>
+            <a:tile tx="0" ty="0" sx="100000" sy="100000" flip="none" algn="tl"/>
+          </a:blipFill>
+        </p:spPr>
+        <p:style>
+          <a:lnRef idx="2">
+            <a:schemeClr val="accent1">
+              <a:shade val="15000"/>
+            </a:schemeClr>
+          </a:lnRef>
+          <a:fillRef idx="1">
+            <a:schemeClr val="accent1"/>
+          </a:fillRef>
+          <a:effectRef idx="0">
+            <a:schemeClr val="accent1"/>
+          </a:effectRef>
+          <a:fontRef idx="minor">
+            <a:schemeClr val="lt1"/>
+          </a:fontRef>
+        </p:style>
+        <p:txBody>
+          <a:bodyPr rtlCol="0" anchor="ctr"/>
+          <a:lstStyle/>
+          <a:p>
+            <a:pPr algn="ctr"/>
+            <a:endParaRPr lang="en-US"/>
+          </a:p>
+        </p:txBody>
+      </p:sp>
+      <p:sp>
+        <p:nvSpPr>
+          <p:cNvPr id="8" name="Triangle 7">
+            <a:extLst>
+              <a:ext uri="{FF2B5EF4-FFF2-40B4-BE49-F238E27FC236}">
+                <a16:creationId xmlns:a16="http://schemas.microsoft.com/office/drawing/2014/main" id="{F5D0645E-1783-B5B7-C073-A7A8CF1CF727}"/>
+              </a:ext>
+            </a:extLst>
+          </p:cNvPr>
+          <p:cNvSpPr/>
+          <p:nvPr/>
+        </p:nvSpPr>
+        <p:spPr>
+          <a:xfrm>
+            <a:off x="1554080" y="452388"/>
+            <a:ext cx="5477576" cy="4138863"/>
+          </a:xfrm>
+          <a:prstGeom prst="triangle">
+            <a:avLst/>
+          </a:prstGeom>
+          <a:blipFill>
+            <a:blip r:embed="rId2"/>
+            <a:tile tx="0" ty="0" sx="100000" sy="100000" flip="none" algn="tl"/>
+          </a:blipFill>
+        </p:spPr>
+        <p:style>
+          <a:lnRef idx="2">
+            <a:schemeClr val="accent1">
+              <a:shade val="15000"/>
+            </a:schemeClr>
+          </a:lnRef>
+          <a:fillRef idx="1">
+            <a:schemeClr val="accent1"/>
+          </a:fillRef>
+          <a:effectRef idx="0">
+            <a:schemeClr val="accent1"/>
+          </a:effectRef>
+          <a:fontRef idx="minor">
+            <a:schemeClr val="lt1"/>
+          </a:fontRef>
+        </p:style>
+        <p:txBody>
+          <a:bodyPr rtlCol="0" anchor="ctr"/>
+          <a:lstStyle/>
+          <a:p>
+            <a:pPr algn="ctr"/>
+            <a:endParaRPr lang="en-US"/>
+          </a:p>
+        </p:txBody>
+      </p:sp>
+      <p:sp>
+        <p:nvSpPr>
+          <p:cNvPr id="9" name="Rounded Rectangle 8">
+            <a:extLst>
+              <a:ext uri="{FF2B5EF4-FFF2-40B4-BE49-F238E27FC236}">
+                <a16:creationId xmlns:a16="http://schemas.microsoft.com/office/drawing/2014/main" id="{50E3CD78-3421-956E-54D0-3B49311AF897}"/>
+              </a:ext>
+            </a:extLst>
+          </p:cNvPr>
+          <p:cNvSpPr/>
+          <p:nvPr/>
+        </p:nvSpPr>
+        <p:spPr>
+          <a:xfrm>
+            <a:off x="2736381" y="3051209"/>
+            <a:ext cx="3118585" cy="1270534"/>
+          </a:xfrm>
+          <a:prstGeom prst="roundRect">
+            <a:avLst/>
+          </a:prstGeom>
+          <a:solidFill>
+            <a:schemeClr val="bg1"/>
+          </a:solidFill>
+        </p:spPr>
+        <p:style>
+          <a:lnRef idx="2">
+            <a:schemeClr val="accent1">
+              <a:shade val="15000"/>
+            </a:schemeClr>
+          </a:lnRef>
+          <a:fillRef idx="1">
+            <a:schemeClr val="accent1"/>
+          </a:fillRef>
+          <a:effectRef idx="0">
+            <a:schemeClr val="accent1"/>
+          </a:effectRef>
+          <a:fontRef idx="minor">
+            <a:schemeClr val="lt1"/>
+          </a:fontRef>
+        </p:style>
+        <p:txBody>
+          <a:bodyPr rtlCol="0" anchor="ctr"/>
+          <a:lstStyle/>
+          <a:p>
+            <a:pPr algn="ctr"/>
+            <a:r>
+              <a:rPr lang="en-US" sz="4000" dirty="0">
+                <a:solidFill>
+                  <a:schemeClr val="tx1"/>
+                </a:solidFill>
+              </a:rPr>
+              <a:t>R-multiverse packages</a:t>
+            </a:r>
+          </a:p>
+        </p:txBody>
+      </p:sp>
+      <p:sp>
+        <p:nvSpPr>
+          <p:cNvPr id="10" name="Rounded Rectangle 9">
+            <a:extLst>
+              <a:ext uri="{FF2B5EF4-FFF2-40B4-BE49-F238E27FC236}">
+                <a16:creationId xmlns:a16="http://schemas.microsoft.com/office/drawing/2014/main" id="{FCE949FA-B6FF-DB44-7954-07D3A3173D9C}"/>
+              </a:ext>
+            </a:extLst>
+          </p:cNvPr>
+          <p:cNvSpPr/>
+          <p:nvPr/>
+        </p:nvSpPr>
+        <p:spPr>
+          <a:xfrm>
+            <a:off x="1327483" y="5157536"/>
+            <a:ext cx="2561925" cy="1039527"/>
+          </a:xfrm>
+          <a:prstGeom prst="roundRect">
+            <a:avLst/>
+          </a:prstGeom>
+          <a:solidFill>
+            <a:schemeClr val="bg1"/>
+          </a:solidFill>
+        </p:spPr>
+        <p:style>
+          <a:lnRef idx="2">
+            <a:schemeClr val="accent1">
+              <a:shade val="15000"/>
+            </a:schemeClr>
+          </a:lnRef>
+          <a:fillRef idx="1">
+            <a:schemeClr val="accent1"/>
+          </a:fillRef>
+          <a:effectRef idx="0">
+            <a:schemeClr val="accent1"/>
+          </a:effectRef>
+          <a:fontRef idx="minor">
+            <a:schemeClr val="lt1"/>
+          </a:fontRef>
+        </p:style>
+        <p:txBody>
+          <a:bodyPr rtlCol="0" anchor="ctr"/>
+          <a:lstStyle/>
+          <a:p>
+            <a:pPr algn="ctr"/>
+            <a:r>
+              <a:rPr lang="en-US" sz="4000" dirty="0">
+                <a:solidFill>
+                  <a:schemeClr val="tx1"/>
+                </a:solidFill>
+              </a:rPr>
+              <a:t>base R</a:t>
+            </a:r>
+          </a:p>
+        </p:txBody>
+      </p:sp>
+      <p:sp>
+        <p:nvSpPr>
+          <p:cNvPr id="11" name="Rounded Rectangle 10">
+            <a:extLst>
+              <a:ext uri="{FF2B5EF4-FFF2-40B4-BE49-F238E27FC236}">
+                <a16:creationId xmlns:a16="http://schemas.microsoft.com/office/drawing/2014/main" id="{F7F94759-4EF0-64F2-3D31-A3C0BFA2860B}"/>
+              </a:ext>
+            </a:extLst>
+          </p:cNvPr>
+          <p:cNvSpPr/>
+          <p:nvPr/>
+        </p:nvSpPr>
+        <p:spPr>
+          <a:xfrm>
+            <a:off x="4295674" y="4948989"/>
+            <a:ext cx="2735982" cy="1456623"/>
+          </a:xfrm>
+          <a:prstGeom prst="roundRect">
+            <a:avLst/>
+          </a:prstGeom>
+          <a:solidFill>
+            <a:schemeClr val="bg1"/>
+          </a:solidFill>
+        </p:spPr>
+        <p:style>
+          <a:lnRef idx="2">
+            <a:schemeClr val="accent1">
+              <a:shade val="15000"/>
+            </a:schemeClr>
+          </a:lnRef>
+          <a:fillRef idx="1">
+            <a:schemeClr val="accent1"/>
+          </a:fillRef>
+          <a:effectRef idx="0">
+            <a:schemeClr val="accent1"/>
+          </a:effectRef>
+          <a:fontRef idx="minor">
+            <a:schemeClr val="lt1"/>
+          </a:fontRef>
+        </p:style>
+        <p:txBody>
+          <a:bodyPr rtlCol="0" anchor="ctr"/>
+          <a:lstStyle/>
+          <a:p>
+            <a:pPr algn="ctr"/>
+            <a:r>
+              <a:rPr lang="en-US" sz="4000" dirty="0">
+                <a:solidFill>
+                  <a:schemeClr val="tx1"/>
+                </a:solidFill>
+              </a:rPr>
+              <a:t>CRAN packages</a:t>
+            </a:r>
+          </a:p>
+        </p:txBody>
+      </p:sp>
+      <p:pic>
+        <p:nvPicPr>
+          <p:cNvPr id="3" name="Graphic 2" descr="Water with solid fill">
+            <a:extLst>
+              <a:ext uri="{FF2B5EF4-FFF2-40B4-BE49-F238E27FC236}">
+                <a16:creationId xmlns:a16="http://schemas.microsoft.com/office/drawing/2014/main" id="{FD221382-E02C-A72D-947B-FD9F74024C57}"/>
+              </a:ext>
+            </a:extLst>
+          </p:cNvPr>
+          <p:cNvPicPr>
+            <a:picLocks noChangeAspect="1"/>
+          </p:cNvPicPr>
+          <p:nvPr/>
+        </p:nvPicPr>
+        <p:blipFill>
+          <a:blip r:embed="rId3">
+            <a:extLst>
+              <a:ext uri="{96DAC541-7B7A-43D3-8B79-37D633B846F1}">
+                <asvg:svgBlip xmlns:asvg="http://schemas.microsoft.com/office/drawing/2016/SVG/main" r:embed="rId4"/>
+              </a:ext>
+            </a:extLst>
+          </a:blip>
+          <a:stretch>
+            <a:fillRect/>
+          </a:stretch>
+        </p:blipFill>
+        <p:spPr>
+          <a:xfrm>
+            <a:off x="5638800" y="1570524"/>
+            <a:ext cx="914400" cy="914400"/>
           </a:xfrm>
           <a:prstGeom prst="rect">
             <a:avLst/>
           </a:prstGeom>
-          <a:noFill/>
-        </p:spPr>
-        <p:txBody>
-          <a:bodyPr wrap="none" rtlCol="0">
-            <a:spAutoFit/>
-          </a:bodyPr>
-          <a:lstStyle/>
-          <a:p>
-            <a:r>
-              <a:rPr lang="en-US" sz="4400" dirty="0">
-                <a:solidFill>
-                  <a:schemeClr val="bg1"/>
-                </a:solidFill>
-              </a:rPr>
-              <a:t>Production</a:t>
-            </a:r>
-          </a:p>
-        </p:txBody>
-      </p:sp>
-      <p:cxnSp>
-        <p:nvCxnSpPr>
-          <p:cNvPr id="33" name="Straight Arrow Connector 32">
-            <a:extLst>
-              <a:ext uri="{FF2B5EF4-FFF2-40B4-BE49-F238E27FC236}">
-                <a16:creationId xmlns:a16="http://schemas.microsoft.com/office/drawing/2014/main" id="{2C1F8C3E-FEDD-E929-EE25-B37F300588D9}"/>
-              </a:ext>
-            </a:extLst>
-          </p:cNvPr>
-          <p:cNvCxnSpPr>
-            <a:cxnSpLocks/>
-          </p:cNvCxnSpPr>
+        </p:spPr>
+      </p:pic>
+      <p:pic>
+        <p:nvPicPr>
+          <p:cNvPr id="4" name="Graphic 3" descr="Water with solid fill">
+            <a:extLst>
+              <a:ext uri="{FF2B5EF4-FFF2-40B4-BE49-F238E27FC236}">
+                <a16:creationId xmlns:a16="http://schemas.microsoft.com/office/drawing/2014/main" id="{C7027D59-E537-FDD4-F4A3-944F3CF0B8E4}"/>
+              </a:ext>
+            </a:extLst>
+          </p:cNvPr>
+          <p:cNvPicPr>
+            <a:picLocks noChangeAspect="1"/>
+          </p:cNvPicPr>
           <p:nvPr/>
-        </p:nvCxnSpPr>
-        <p:spPr>
-          <a:xfrm>
-            <a:off x="4928136" y="1099686"/>
-            <a:ext cx="0" cy="4658627"/>
-          </a:xfrm>
-          <a:prstGeom prst="straightConnector1">
-            <a:avLst/>
-          </a:prstGeom>
-          <a:ln w="127000">
-            <a:solidFill>
-              <a:srgbClr val="0070C0"/>
-            </a:solidFill>
-            <a:prstDash val="sysDot"/>
-            <a:tailEnd type="triangle"/>
-          </a:ln>
-        </p:spPr>
-        <p:style>
-          <a:lnRef idx="2">
-            <a:schemeClr val="accent1"/>
-          </a:lnRef>
-          <a:fillRef idx="0">
-            <a:schemeClr val="accent1"/>
-          </a:fillRef>
-          <a:effectRef idx="1">
-            <a:schemeClr val="accent1"/>
-          </a:effectRef>
-          <a:fontRef idx="minor">
-            <a:schemeClr val="tx1"/>
-          </a:fontRef>
-        </p:style>
-      </p:cxnSp>
-      <p:sp>
-        <p:nvSpPr>
-          <p:cNvPr id="2" name="TextBox 1">
-            <a:extLst>
-              <a:ext uri="{FF2B5EF4-FFF2-40B4-BE49-F238E27FC236}">
-                <a16:creationId xmlns:a16="http://schemas.microsoft.com/office/drawing/2014/main" id="{72A2C4A9-EFDC-4A83-64FB-FDD69A4B8647}"/>
-              </a:ext>
-            </a:extLst>
-          </p:cNvPr>
-          <p:cNvSpPr txBox="1"/>
-          <p:nvPr/>
-        </p:nvSpPr>
-        <p:spPr>
-          <a:xfrm>
-            <a:off x="1037868" y="798832"/>
-            <a:ext cx="1977849" cy="769441"/>
+        </p:nvPicPr>
+        <p:blipFill>
+          <a:blip r:embed="rId3">
+            <a:extLst>
+              <a:ext uri="{96DAC541-7B7A-43D3-8B79-37D633B846F1}">
+                <asvg:svgBlip xmlns:asvg="http://schemas.microsoft.com/office/drawing/2016/SVG/main" r:embed="rId4"/>
+              </a:ext>
+            </a:extLst>
+          </a:blip>
+          <a:stretch>
+            <a:fillRect/>
+          </a:stretch>
+        </p:blipFill>
+        <p:spPr>
+          <a:xfrm>
+            <a:off x="6388969" y="2027724"/>
+            <a:ext cx="914400" cy="914400"/>
           </a:xfrm>
           <a:prstGeom prst="rect">
             <a:avLst/>
           </a:prstGeom>
-          <a:noFill/>
-        </p:spPr>
-        <p:txBody>
-          <a:bodyPr wrap="none" rtlCol="0">
-            <a:spAutoFit/>
-          </a:bodyPr>
-          <a:lstStyle/>
-          <a:p>
-            <a:r>
-              <a:rPr lang="en-US" sz="4400" dirty="0"/>
-              <a:t>Staging</a:t>
-            </a:r>
-          </a:p>
-        </p:txBody>
-      </p:sp>
+        </p:spPr>
+      </p:pic>
+      <p:pic>
+        <p:nvPicPr>
+          <p:cNvPr id="5" name="Graphic 4" descr="Water with solid fill">
+            <a:extLst>
+              <a:ext uri="{FF2B5EF4-FFF2-40B4-BE49-F238E27FC236}">
+                <a16:creationId xmlns:a16="http://schemas.microsoft.com/office/drawing/2014/main" id="{2F7384FD-FC1C-27EF-C5E5-FC52460AF214}"/>
+              </a:ext>
+            </a:extLst>
+          </p:cNvPr>
+          <p:cNvPicPr>
+            <a:picLocks noChangeAspect="1"/>
+          </p:cNvPicPr>
+          <p:nvPr/>
+        </p:nvPicPr>
+        <p:blipFill>
+          <a:blip r:embed="rId3">
+            <a:extLst>
+              <a:ext uri="{96DAC541-7B7A-43D3-8B79-37D633B846F1}">
+                <asvg:svgBlip xmlns:asvg="http://schemas.microsoft.com/office/drawing/2016/SVG/main" r:embed="rId4"/>
+              </a:ext>
+            </a:extLst>
+          </a:blip>
+          <a:stretch>
+            <a:fillRect/>
+          </a:stretch>
+        </p:blipFill>
+        <p:spPr>
+          <a:xfrm>
+            <a:off x="1950119" y="1570524"/>
+            <a:ext cx="914400" cy="914400"/>
+          </a:xfrm>
+          <a:prstGeom prst="rect">
+            <a:avLst/>
+          </a:prstGeom>
+        </p:spPr>
+      </p:pic>
+      <p:pic>
+        <p:nvPicPr>
+          <p:cNvPr id="12" name="Graphic 11" descr="Water with solid fill">
+            <a:extLst>
+              <a:ext uri="{FF2B5EF4-FFF2-40B4-BE49-F238E27FC236}">
+                <a16:creationId xmlns:a16="http://schemas.microsoft.com/office/drawing/2014/main" id="{0F08CCF5-6A04-92AD-5ED7-065121368E51}"/>
+              </a:ext>
+            </a:extLst>
+          </p:cNvPr>
+          <p:cNvPicPr>
+            <a:picLocks noChangeAspect="1"/>
+          </p:cNvPicPr>
+          <p:nvPr/>
+        </p:nvPicPr>
+        <p:blipFill>
+          <a:blip r:embed="rId3">
+            <a:extLst>
+              <a:ext uri="{96DAC541-7B7A-43D3-8B79-37D633B846F1}">
+                <asvg:svgBlip xmlns:asvg="http://schemas.microsoft.com/office/drawing/2016/SVG/main" r:embed="rId4"/>
+              </a:ext>
+            </a:extLst>
+          </a:blip>
+          <a:stretch>
+            <a:fillRect/>
+          </a:stretch>
+        </p:blipFill>
+        <p:spPr>
+          <a:xfrm>
+            <a:off x="7404635" y="4491789"/>
+            <a:ext cx="914400" cy="914400"/>
+          </a:xfrm>
+          <a:prstGeom prst="rect">
+            <a:avLst/>
+          </a:prstGeom>
+        </p:spPr>
+      </p:pic>
+      <p:pic>
+        <p:nvPicPr>
+          <p:cNvPr id="13" name="Graphic 12" descr="Water with solid fill">
+            <a:extLst>
+              <a:ext uri="{FF2B5EF4-FFF2-40B4-BE49-F238E27FC236}">
+                <a16:creationId xmlns:a16="http://schemas.microsoft.com/office/drawing/2014/main" id="{6C816825-3E10-49D8-EBFD-8C49EADE2BFD}"/>
+              </a:ext>
+            </a:extLst>
+          </p:cNvPr>
+          <p:cNvPicPr>
+            <a:picLocks noChangeAspect="1"/>
+          </p:cNvPicPr>
+          <p:nvPr/>
+        </p:nvPicPr>
+        <p:blipFill>
+          <a:blip r:embed="rId3">
+            <a:extLst>
+              <a:ext uri="{96DAC541-7B7A-43D3-8B79-37D633B846F1}">
+                <asvg:svgBlip xmlns:asvg="http://schemas.microsoft.com/office/drawing/2016/SVG/main" r:embed="rId4"/>
+              </a:ext>
+            </a:extLst>
+          </a:blip>
+          <a:stretch>
+            <a:fillRect/>
+          </a:stretch>
+        </p:blipFill>
+        <p:spPr>
+          <a:xfrm>
+            <a:off x="821354" y="3398520"/>
+            <a:ext cx="914400" cy="914400"/>
+          </a:xfrm>
+          <a:prstGeom prst="rect">
+            <a:avLst/>
+          </a:prstGeom>
+        </p:spPr>
+      </p:pic>
+      <p:pic>
+        <p:nvPicPr>
+          <p:cNvPr id="14" name="Graphic 13" descr="Water with solid fill">
+            <a:extLst>
+              <a:ext uri="{FF2B5EF4-FFF2-40B4-BE49-F238E27FC236}">
+                <a16:creationId xmlns:a16="http://schemas.microsoft.com/office/drawing/2014/main" id="{E2A5016D-EE8C-F4B0-4728-8670FA91DD21}"/>
+              </a:ext>
+            </a:extLst>
+          </p:cNvPr>
+          <p:cNvPicPr>
+            <a:picLocks noChangeAspect="1"/>
+          </p:cNvPicPr>
+          <p:nvPr/>
+        </p:nvPicPr>
+        <p:blipFill>
+          <a:blip r:embed="rId3">
+            <a:extLst>
+              <a:ext uri="{96DAC541-7B7A-43D3-8B79-37D633B846F1}">
+                <asvg:svgBlip xmlns:asvg="http://schemas.microsoft.com/office/drawing/2016/SVG/main" r:embed="rId4"/>
+              </a:ext>
+            </a:extLst>
+          </a:blip>
+          <a:stretch>
+            <a:fillRect/>
+          </a:stretch>
+        </p:blipFill>
+        <p:spPr>
+          <a:xfrm>
+            <a:off x="-36095" y="4491789"/>
+            <a:ext cx="914400" cy="914400"/>
+          </a:xfrm>
+          <a:prstGeom prst="rect">
+            <a:avLst/>
+          </a:prstGeom>
+        </p:spPr>
+      </p:pic>
     </p:spTree>
     <p:extLst>
       <p:ext uri="{BB962C8B-B14F-4D97-AF65-F5344CB8AC3E}">
-        <p14:creationId xmlns:p14="http://schemas.microsoft.com/office/powerpoint/2010/main" val="2804005849"/>
+        <p14:creationId xmlns:p14="http://schemas.microsoft.com/office/powerpoint/2010/main" val="2061515858"/>
       </p:ext>
     </p:extLst>
   </p:cSld>
@@ -4574,12 +4586,20 @@
 <file path=ppt/slides/slide3.xml><?xml version="1.0" encoding="utf-8"?>
 <p:sld xmlns:a="http://schemas.openxmlformats.org/drawingml/2006/main" xmlns:r="http://schemas.openxmlformats.org/officeDocument/2006/relationships" xmlns:p="http://schemas.openxmlformats.org/presentationml/2006/main">
   <p:cSld>
+    <p:bg>
+      <p:bgPr>
+        <a:solidFill>
+          <a:schemeClr val="bg1"/>
+        </a:solidFill>
+        <a:effectLst/>
+      </p:bgPr>
+    </p:bg>
     <p:spTree>
       <p:nvGrpSpPr>
         <p:cNvPr id="1" name="">
           <a:extLst>
             <a:ext uri="{FF2B5EF4-FFF2-40B4-BE49-F238E27FC236}">
-              <a16:creationId xmlns:a16="http://schemas.microsoft.com/office/drawing/2014/main" id="{91F851FA-391E-84C5-6F93-81F9F2DC3D72}"/>
+              <a16:creationId xmlns:a16="http://schemas.microsoft.com/office/drawing/2014/main" id="{E270E979-2130-56F2-AB66-1116FADC8ADF}"/>
             </a:ext>
           </a:extLst>
         </p:cNvPr>
@@ -4596,10 +4616,10 @@
       </p:grpSpPr>
       <p:sp>
         <p:nvSpPr>
-          <p:cNvPr id="12" name="Rectangle 11">
-            <a:extLst>
-              <a:ext uri="{FF2B5EF4-FFF2-40B4-BE49-F238E27FC236}">
-                <a16:creationId xmlns:a16="http://schemas.microsoft.com/office/drawing/2014/main" id="{9803348F-11C5-8FB4-FEC5-7FE8EF9D0F93}"/>
+          <p:cNvPr id="6" name="Triangle 5">
+            <a:extLst>
+              <a:ext uri="{FF2B5EF4-FFF2-40B4-BE49-F238E27FC236}">
+                <a16:creationId xmlns:a16="http://schemas.microsoft.com/office/drawing/2014/main" id="{A7F6D961-D3A4-385B-DFA6-C00E54C4D6FB}"/>
               </a:ext>
             </a:extLst>
           </p:cNvPr>
@@ -4607,19 +4627,17 @@
           <p:nvPr/>
         </p:nvSpPr>
         <p:spPr>
-          <a:xfrm rot="20788498">
-            <a:off x="7529318" y="1157342"/>
-            <a:ext cx="2717061" cy="353499"/>
-          </a:xfrm>
-          <a:prstGeom prst="rect">
+          <a:xfrm>
+            <a:off x="96253" y="452388"/>
+            <a:ext cx="8393230" cy="6294922"/>
+          </a:xfrm>
+          <a:prstGeom prst="triangle">
             <a:avLst/>
           </a:prstGeom>
-          <a:solidFill>
-            <a:schemeClr val="bg1"/>
-          </a:solidFill>
-          <a:ln>
-            <a:noFill/>
-          </a:ln>
+          <a:blipFill>
+            <a:blip r:embed="rId2"/>
+            <a:tile tx="0" ty="0" sx="100000" sy="100000" flip="none" algn="tl"/>
+          </a:blipFill>
         </p:spPr>
         <p:style>
           <a:lnRef idx="2">
@@ -4646,62 +4664,30 @@
           </a:p>
         </p:txBody>
       </p:sp>
-      <p:pic>
-        <p:nvPicPr>
-          <p:cNvPr id="27" name="Picture 26" descr="A colorful hot air balloon&#10;&#10;AI-generated content may be incorrect.">
-            <a:extLst>
-              <a:ext uri="{FF2B5EF4-FFF2-40B4-BE49-F238E27FC236}">
-                <a16:creationId xmlns:a16="http://schemas.microsoft.com/office/drawing/2014/main" id="{E02A6998-C56D-900B-9872-DC8CFA274495}"/>
-              </a:ext>
-            </a:extLst>
-          </p:cNvPr>
-          <p:cNvPicPr>
-            <a:picLocks noChangeAspect="1"/>
-          </p:cNvPicPr>
+      <p:sp>
+        <p:nvSpPr>
+          <p:cNvPr id="7" name="Triangle 6">
+            <a:extLst>
+              <a:ext uri="{FF2B5EF4-FFF2-40B4-BE49-F238E27FC236}">
+                <a16:creationId xmlns:a16="http://schemas.microsoft.com/office/drawing/2014/main" id="{6E3B0F7C-0B29-784E-3318-F46299FC28A7}"/>
+              </a:ext>
+            </a:extLst>
+          </p:cNvPr>
+          <p:cNvSpPr/>
           <p:nvPr/>
-        </p:nvPicPr>
-        <p:blipFill>
-          <a:blip r:embed="rId3"/>
-          <a:stretch>
-            <a:fillRect/>
-          </a:stretch>
-        </p:blipFill>
-        <p:spPr>
-          <a:xfrm>
-            <a:off x="3015717" y="209679"/>
-            <a:ext cx="1650628" cy="2717188"/>
-          </a:xfrm>
-          <a:prstGeom prst="rect">
+        </p:nvSpPr>
+        <p:spPr>
+          <a:xfrm>
+            <a:off x="96253" y="452388"/>
+            <a:ext cx="8393230" cy="6294922"/>
+          </a:xfrm>
+          <a:prstGeom prst="triangle">
             <a:avLst/>
           </a:prstGeom>
-        </p:spPr>
-      </p:pic>
-      <p:sp>
-        <p:nvSpPr>
-          <p:cNvPr id="29" name="Oval 28">
-            <a:extLst>
-              <a:ext uri="{FF2B5EF4-FFF2-40B4-BE49-F238E27FC236}">
-                <a16:creationId xmlns:a16="http://schemas.microsoft.com/office/drawing/2014/main" id="{E685D649-DF09-E70A-E1CA-245A71CCD50F}"/>
-              </a:ext>
-            </a:extLst>
-          </p:cNvPr>
-          <p:cNvSpPr/>
-          <p:nvPr/>
-        </p:nvSpPr>
-        <p:spPr>
-          <a:xfrm>
-            <a:off x="-128091" y="5844484"/>
-            <a:ext cx="8191099" cy="2550695"/>
-          </a:xfrm>
-          <a:prstGeom prst="ellipse">
-            <a:avLst/>
-          </a:prstGeom>
-          <a:solidFill>
-            <a:srgbClr val="4E8F00"/>
-          </a:solidFill>
-          <a:ln>
-            <a:noFill/>
-          </a:ln>
+          <a:blipFill>
+            <a:blip r:embed="rId3"/>
+            <a:tile tx="0" ty="0" sx="100000" sy="100000" flip="none" algn="tl"/>
+          </a:blipFill>
         </p:spPr>
         <p:style>
           <a:lnRef idx="2">
@@ -4730,49 +4716,116 @@
       </p:sp>
       <p:sp>
         <p:nvSpPr>
-          <p:cNvPr id="32" name="TextBox 31">
-            <a:extLst>
-              <a:ext uri="{FF2B5EF4-FFF2-40B4-BE49-F238E27FC236}">
-                <a16:creationId xmlns:a16="http://schemas.microsoft.com/office/drawing/2014/main" id="{8E10CFEF-75B2-C3A3-B198-F323AD310F90}"/>
-              </a:ext>
-            </a:extLst>
-          </p:cNvPr>
-          <p:cNvSpPr txBox="1"/>
+          <p:cNvPr id="8" name="Triangle 7">
+            <a:extLst>
+              <a:ext uri="{FF2B5EF4-FFF2-40B4-BE49-F238E27FC236}">
+                <a16:creationId xmlns:a16="http://schemas.microsoft.com/office/drawing/2014/main" id="{8B7FCB41-C293-9CE0-0003-8B27DEA93100}"/>
+              </a:ext>
+            </a:extLst>
+          </p:cNvPr>
+          <p:cNvSpPr/>
           <p:nvPr/>
         </p:nvSpPr>
         <p:spPr>
           <a:xfrm>
-            <a:off x="2442842" y="5878880"/>
-            <a:ext cx="2864502" cy="769441"/>
-          </a:xfrm>
-          <a:prstGeom prst="rect">
+            <a:off x="1554080" y="452388"/>
+            <a:ext cx="5477576" cy="4138863"/>
+          </a:xfrm>
+          <a:prstGeom prst="triangle">
             <a:avLst/>
           </a:prstGeom>
-          <a:noFill/>
-        </p:spPr>
-        <p:txBody>
-          <a:bodyPr wrap="none" rtlCol="0">
-            <a:spAutoFit/>
-          </a:bodyPr>
-          <a:lstStyle/>
-          <a:p>
-            <a:r>
-              <a:rPr lang="en-US" sz="4400" dirty="0">
+          <a:blipFill>
+            <a:blip r:embed="rId2"/>
+            <a:tile tx="0" ty="0" sx="100000" sy="100000" flip="none" algn="tl"/>
+          </a:blipFill>
+        </p:spPr>
+        <p:style>
+          <a:lnRef idx="2">
+            <a:schemeClr val="accent1">
+              <a:shade val="15000"/>
+            </a:schemeClr>
+          </a:lnRef>
+          <a:fillRef idx="1">
+            <a:schemeClr val="accent1"/>
+          </a:fillRef>
+          <a:effectRef idx="0">
+            <a:schemeClr val="accent1"/>
+          </a:effectRef>
+          <a:fontRef idx="minor">
+            <a:schemeClr val="lt1"/>
+          </a:fontRef>
+        </p:style>
+        <p:txBody>
+          <a:bodyPr rtlCol="0" anchor="ctr"/>
+          <a:lstStyle/>
+          <a:p>
+            <a:pPr algn="ctr"/>
+            <a:endParaRPr lang="en-US"/>
+          </a:p>
+        </p:txBody>
+      </p:sp>
+      <p:sp>
+        <p:nvSpPr>
+          <p:cNvPr id="9" name="Rounded Rectangle 8">
+            <a:extLst>
+              <a:ext uri="{FF2B5EF4-FFF2-40B4-BE49-F238E27FC236}">
+                <a16:creationId xmlns:a16="http://schemas.microsoft.com/office/drawing/2014/main" id="{092DBCCE-C998-1693-DBA9-B84DC8FDF520}"/>
+              </a:ext>
+            </a:extLst>
+          </p:cNvPr>
+          <p:cNvSpPr/>
+          <p:nvPr/>
+        </p:nvSpPr>
+        <p:spPr>
+          <a:xfrm>
+            <a:off x="2736381" y="3051209"/>
+            <a:ext cx="3118585" cy="1270534"/>
+          </a:xfrm>
+          <a:prstGeom prst="roundRect">
+            <a:avLst/>
+          </a:prstGeom>
+          <a:solidFill>
+            <a:schemeClr val="bg1"/>
+          </a:solidFill>
+        </p:spPr>
+        <p:style>
+          <a:lnRef idx="2">
+            <a:schemeClr val="accent1">
+              <a:shade val="15000"/>
+            </a:schemeClr>
+          </a:lnRef>
+          <a:fillRef idx="1">
+            <a:schemeClr val="accent1"/>
+          </a:fillRef>
+          <a:effectRef idx="0">
+            <a:schemeClr val="accent1"/>
+          </a:effectRef>
+          <a:fontRef idx="minor">
+            <a:schemeClr val="lt1"/>
+          </a:fontRef>
+        </p:style>
+        <p:txBody>
+          <a:bodyPr rtlCol="0" anchor="ctr"/>
+          <a:lstStyle/>
+          <a:p>
+            <a:pPr algn="ctr"/>
+            <a:r>
+              <a:rPr lang="en-US" sz="4000" dirty="0">
                 <a:solidFill>
-                  <a:schemeClr val="bg1"/>
+                  <a:schemeClr val="tx1"/>
                 </a:solidFill>
               </a:rPr>
-              <a:t>Production</a:t>
-            </a:r>
-          </a:p>
-        </p:txBody>
-      </p:sp>
-      <p:sp>
-        <p:nvSpPr>
-          <p:cNvPr id="2" name="Rounded Rectangle 1">
-            <a:extLst>
-              <a:ext uri="{FF2B5EF4-FFF2-40B4-BE49-F238E27FC236}">
-                <a16:creationId xmlns:a16="http://schemas.microsoft.com/office/drawing/2014/main" id="{0592E9D1-53E8-078D-0DDB-9F82D398C90D}"/>
+              <a:t>R-multiverse packages</a:t>
+            </a:r>
+          </a:p>
+        </p:txBody>
+      </p:sp>
+      <p:sp>
+        <p:nvSpPr>
+          <p:cNvPr id="10" name="Rounded Rectangle 9">
+            <a:extLst>
+              <a:ext uri="{FF2B5EF4-FFF2-40B4-BE49-F238E27FC236}">
+                <a16:creationId xmlns:a16="http://schemas.microsoft.com/office/drawing/2014/main" id="{CFFDE6F2-EC66-A669-65CE-39805B9A45A4}"/>
               </a:ext>
             </a:extLst>
           </p:cNvPr>
@@ -4781,8 +4834,120 @@
         </p:nvSpPr>
         <p:spPr>
           <a:xfrm>
-            <a:off x="5084826" y="200628"/>
-            <a:ext cx="6996783" cy="2455946"/>
+            <a:off x="1327483" y="5157536"/>
+            <a:ext cx="2561925" cy="1039527"/>
+          </a:xfrm>
+          <a:prstGeom prst="roundRect">
+            <a:avLst/>
+          </a:prstGeom>
+          <a:solidFill>
+            <a:schemeClr val="bg1"/>
+          </a:solidFill>
+        </p:spPr>
+        <p:style>
+          <a:lnRef idx="2">
+            <a:schemeClr val="accent1">
+              <a:shade val="15000"/>
+            </a:schemeClr>
+          </a:lnRef>
+          <a:fillRef idx="1">
+            <a:schemeClr val="accent1"/>
+          </a:fillRef>
+          <a:effectRef idx="0">
+            <a:schemeClr val="accent1"/>
+          </a:effectRef>
+          <a:fontRef idx="minor">
+            <a:schemeClr val="lt1"/>
+          </a:fontRef>
+        </p:style>
+        <p:txBody>
+          <a:bodyPr rtlCol="0" anchor="ctr"/>
+          <a:lstStyle/>
+          <a:p>
+            <a:pPr algn="ctr"/>
+            <a:r>
+              <a:rPr lang="en-US" sz="4000" dirty="0">
+                <a:solidFill>
+                  <a:schemeClr val="tx1"/>
+                </a:solidFill>
+              </a:rPr>
+              <a:t>base R</a:t>
+            </a:r>
+          </a:p>
+        </p:txBody>
+      </p:sp>
+      <p:sp>
+        <p:nvSpPr>
+          <p:cNvPr id="11" name="Rounded Rectangle 10">
+            <a:extLst>
+              <a:ext uri="{FF2B5EF4-FFF2-40B4-BE49-F238E27FC236}">
+                <a16:creationId xmlns:a16="http://schemas.microsoft.com/office/drawing/2014/main" id="{EDBDD8D4-74A3-D6B5-9BDB-F572F457A4B1}"/>
+              </a:ext>
+            </a:extLst>
+          </p:cNvPr>
+          <p:cNvSpPr/>
+          <p:nvPr/>
+        </p:nvSpPr>
+        <p:spPr>
+          <a:xfrm>
+            <a:off x="4295674" y="4948989"/>
+            <a:ext cx="2735982" cy="1456623"/>
+          </a:xfrm>
+          <a:prstGeom prst="roundRect">
+            <a:avLst/>
+          </a:prstGeom>
+          <a:solidFill>
+            <a:schemeClr val="bg1"/>
+          </a:solidFill>
+        </p:spPr>
+        <p:style>
+          <a:lnRef idx="2">
+            <a:schemeClr val="accent1">
+              <a:shade val="15000"/>
+            </a:schemeClr>
+          </a:lnRef>
+          <a:fillRef idx="1">
+            <a:schemeClr val="accent1"/>
+          </a:fillRef>
+          <a:effectRef idx="0">
+            <a:schemeClr val="accent1"/>
+          </a:effectRef>
+          <a:fontRef idx="minor">
+            <a:schemeClr val="lt1"/>
+          </a:fontRef>
+        </p:style>
+        <p:txBody>
+          <a:bodyPr rtlCol="0" anchor="ctr"/>
+          <a:lstStyle/>
+          <a:p>
+            <a:pPr algn="ctr"/>
+            <a:r>
+              <a:rPr lang="en-US" sz="4000" dirty="0">
+                <a:solidFill>
+                  <a:schemeClr val="tx1"/>
+                </a:solidFill>
+              </a:rPr>
+              <a:t>CRAN packages</a:t>
+            </a:r>
+          </a:p>
+        </p:txBody>
+      </p:sp>
+      <p:sp>
+        <p:nvSpPr>
+          <p:cNvPr id="2" name="Rounded Rectangle 1">
+            <a:extLst>
+              <a:ext uri="{FF2B5EF4-FFF2-40B4-BE49-F238E27FC236}">
+                <a16:creationId xmlns:a16="http://schemas.microsoft.com/office/drawing/2014/main" id="{78FC0638-1C32-ED52-01EA-E4AC71939440}"/>
+              </a:ext>
+            </a:extLst>
+          </p:cNvPr>
+          <p:cNvSpPr/>
+          <p:nvPr/>
+        </p:nvSpPr>
+        <p:spPr>
+          <a:xfrm>
+            <a:off x="5755908" y="452388"/>
+            <a:ext cx="6057500" cy="1791801"/>
           </a:xfrm>
           <a:prstGeom prst="roundRect">
             <a:avLst/>
@@ -4825,12 +4990,12 @@
               <a:buChar char="ü"/>
             </a:pPr>
             <a:r>
-              <a:rPr lang="en-US" sz="4400" dirty="0">
+              <a:rPr lang="en-US" sz="3600" dirty="0">
                 <a:solidFill>
                   <a:schemeClr val="tx1"/>
                 </a:solidFill>
               </a:rPr>
-              <a:t> Freeze R and CRAN</a:t>
+              <a:t>Freeze base R and CRAN</a:t>
             </a:r>
           </a:p>
           <a:p>
@@ -4839,7 +5004,7 @@
               <a:buChar char="q"/>
             </a:pPr>
             <a:r>
-              <a:rPr lang="en-US" sz="4400" dirty="0">
+              <a:rPr lang="en-US" sz="3600" dirty="0">
                 <a:solidFill>
                   <a:schemeClr val="tx1"/>
                 </a:solidFill>
@@ -4853,55 +5018,128 @@
               <a:buChar char="q"/>
             </a:pPr>
             <a:r>
-              <a:rPr lang="en-US" sz="4400" dirty="0">
+              <a:rPr lang="en-US" sz="3600" dirty="0">
                 <a:solidFill>
                   <a:schemeClr val="tx1"/>
                 </a:solidFill>
               </a:rPr>
-              <a:t>  Snapshot Staging</a:t>
-            </a:r>
-          </a:p>
-        </p:txBody>
-      </p:sp>
-      <p:sp>
-        <p:nvSpPr>
-          <p:cNvPr id="3" name="TextBox 2">
-            <a:extLst>
-              <a:ext uri="{FF2B5EF4-FFF2-40B4-BE49-F238E27FC236}">
-                <a16:creationId xmlns:a16="http://schemas.microsoft.com/office/drawing/2014/main" id="{47BE054E-765F-3503-8F50-6A12DC5FC14B}"/>
-              </a:ext>
-            </a:extLst>
-          </p:cNvPr>
-          <p:cNvSpPr txBox="1"/>
+              <a:t>  Create snapshot</a:t>
+            </a:r>
+          </a:p>
+        </p:txBody>
+      </p:sp>
+      <p:pic>
+        <p:nvPicPr>
+          <p:cNvPr id="19" name="Graphic 18" descr="Water with solid fill">
+            <a:extLst>
+              <a:ext uri="{FF2B5EF4-FFF2-40B4-BE49-F238E27FC236}">
+                <a16:creationId xmlns:a16="http://schemas.microsoft.com/office/drawing/2014/main" id="{287B5786-5986-8516-C252-4F24AA68DD50}"/>
+              </a:ext>
+            </a:extLst>
+          </p:cNvPr>
+          <p:cNvPicPr>
+            <a:picLocks noChangeAspect="1"/>
+          </p:cNvPicPr>
           <p:nvPr/>
-        </p:nvSpPr>
-        <p:spPr>
-          <a:xfrm>
-            <a:off x="1037868" y="798832"/>
-            <a:ext cx="1977849" cy="769441"/>
+        </p:nvPicPr>
+        <p:blipFill>
+          <a:blip r:embed="rId4">
+            <a:extLst>
+              <a:ext uri="{96DAC541-7B7A-43D3-8B79-37D633B846F1}">
+                <asvg:svgBlip xmlns:asvg="http://schemas.microsoft.com/office/drawing/2016/SVG/main" r:embed="rId5"/>
+              </a:ext>
+            </a:extLst>
+          </a:blip>
+          <a:stretch>
+            <a:fillRect/>
+          </a:stretch>
+        </p:blipFill>
+        <p:spPr>
+          <a:xfrm>
+            <a:off x="6320389" y="2341725"/>
+            <a:ext cx="914400" cy="914400"/>
           </a:xfrm>
           <a:prstGeom prst="rect">
             <a:avLst/>
           </a:prstGeom>
-          <a:noFill/>
-        </p:spPr>
-        <p:txBody>
-          <a:bodyPr wrap="none" rtlCol="0">
-            <a:spAutoFit/>
-          </a:bodyPr>
-          <a:lstStyle/>
-          <a:p>
-            <a:r>
-              <a:rPr lang="en-US" sz="4400" dirty="0"/>
-              <a:t>Staging</a:t>
-            </a:r>
-          </a:p>
-        </p:txBody>
-      </p:sp>
+        </p:spPr>
+      </p:pic>
+      <p:pic>
+        <p:nvPicPr>
+          <p:cNvPr id="20" name="Graphic 19" descr="Water with solid fill">
+            <a:extLst>
+              <a:ext uri="{FF2B5EF4-FFF2-40B4-BE49-F238E27FC236}">
+                <a16:creationId xmlns:a16="http://schemas.microsoft.com/office/drawing/2014/main" id="{9C0651F2-8720-9D94-1ECD-6B7496C32DFD}"/>
+              </a:ext>
+            </a:extLst>
+          </p:cNvPr>
+          <p:cNvPicPr>
+            <a:picLocks noChangeAspect="1"/>
+          </p:cNvPicPr>
+          <p:nvPr/>
+        </p:nvPicPr>
+        <p:blipFill>
+          <a:blip r:embed="rId4">
+            <a:extLst>
+              <a:ext uri="{96DAC541-7B7A-43D3-8B79-37D633B846F1}">
+                <asvg:svgBlip xmlns:asvg="http://schemas.microsoft.com/office/drawing/2016/SVG/main" r:embed="rId5"/>
+              </a:ext>
+            </a:extLst>
+          </a:blip>
+          <a:stretch>
+            <a:fillRect/>
+          </a:stretch>
+        </p:blipFill>
+        <p:spPr>
+          <a:xfrm>
+            <a:off x="1950119" y="1570524"/>
+            <a:ext cx="914400" cy="914400"/>
+          </a:xfrm>
+          <a:prstGeom prst="rect">
+            <a:avLst/>
+          </a:prstGeom>
+        </p:spPr>
+      </p:pic>
+      <p:pic>
+        <p:nvPicPr>
+          <p:cNvPr id="21" name="Graphic 20" descr="Water with solid fill">
+            <a:extLst>
+              <a:ext uri="{FF2B5EF4-FFF2-40B4-BE49-F238E27FC236}">
+                <a16:creationId xmlns:a16="http://schemas.microsoft.com/office/drawing/2014/main" id="{5973F333-8F90-E6FD-BD52-10AA7C9590FF}"/>
+              </a:ext>
+            </a:extLst>
+          </p:cNvPr>
+          <p:cNvPicPr>
+            <a:picLocks noChangeAspect="1"/>
+          </p:cNvPicPr>
+          <p:nvPr/>
+        </p:nvPicPr>
+        <p:blipFill>
+          <a:blip r:embed="rId4">
+            <a:extLst>
+              <a:ext uri="{96DAC541-7B7A-43D3-8B79-37D633B846F1}">
+                <asvg:svgBlip xmlns:asvg="http://schemas.microsoft.com/office/drawing/2016/SVG/main" r:embed="rId5"/>
+              </a:ext>
+            </a:extLst>
+          </a:blip>
+          <a:stretch>
+            <a:fillRect/>
+          </a:stretch>
+        </p:blipFill>
+        <p:spPr>
+          <a:xfrm>
+            <a:off x="821354" y="3398520"/>
+            <a:ext cx="914400" cy="914400"/>
+          </a:xfrm>
+          <a:prstGeom prst="rect">
+            <a:avLst/>
+          </a:prstGeom>
+        </p:spPr>
+      </p:pic>
     </p:spTree>
     <p:extLst>
       <p:ext uri="{BB962C8B-B14F-4D97-AF65-F5344CB8AC3E}">
-        <p14:creationId xmlns:p14="http://schemas.microsoft.com/office/powerpoint/2010/main" val="1895114128"/>
+        <p14:creationId xmlns:p14="http://schemas.microsoft.com/office/powerpoint/2010/main" val="687645835"/>
       </p:ext>
     </p:extLst>
   </p:cSld>
@@ -4919,7 +5157,7 @@
         <p:cNvPr id="1" name="">
           <a:extLst>
             <a:ext uri="{FF2B5EF4-FFF2-40B4-BE49-F238E27FC236}">
-              <a16:creationId xmlns:a16="http://schemas.microsoft.com/office/drawing/2014/main" id="{12044825-ABDB-8EAA-C3EE-CB9CE22CC877}"/>
+              <a16:creationId xmlns:a16="http://schemas.microsoft.com/office/drawing/2014/main" id="{B9157381-A7BF-ED84-9803-A8BAFD36B2C9}"/>
             </a:ext>
           </a:extLst>
         </p:cNvPr>
@@ -4936,10 +5174,10 @@
       </p:grpSpPr>
       <p:sp>
         <p:nvSpPr>
-          <p:cNvPr id="12" name="Rectangle 11">
-            <a:extLst>
-              <a:ext uri="{FF2B5EF4-FFF2-40B4-BE49-F238E27FC236}">
-                <a16:creationId xmlns:a16="http://schemas.microsoft.com/office/drawing/2014/main" id="{EF95FE46-085A-392E-98A4-28C0008F0E31}"/>
+          <p:cNvPr id="6" name="Triangle 5">
+            <a:extLst>
+              <a:ext uri="{FF2B5EF4-FFF2-40B4-BE49-F238E27FC236}">
+                <a16:creationId xmlns:a16="http://schemas.microsoft.com/office/drawing/2014/main" id="{F22FD359-6E31-8F89-6547-51B9F350B348}"/>
               </a:ext>
             </a:extLst>
           </p:cNvPr>
@@ -4947,19 +5185,17 @@
           <p:nvPr/>
         </p:nvSpPr>
         <p:spPr>
-          <a:xfrm rot="20788498">
-            <a:off x="7529318" y="1157342"/>
-            <a:ext cx="2717061" cy="353499"/>
-          </a:xfrm>
-          <a:prstGeom prst="rect">
+          <a:xfrm>
+            <a:off x="96253" y="452388"/>
+            <a:ext cx="8393230" cy="6294922"/>
+          </a:xfrm>
+          <a:prstGeom prst="triangle">
             <a:avLst/>
           </a:prstGeom>
-          <a:solidFill>
-            <a:schemeClr val="bg1"/>
-          </a:solidFill>
-          <a:ln>
-            <a:noFill/>
-          </a:ln>
+          <a:blipFill>
+            <a:blip r:embed="rId2"/>
+            <a:tile tx="0" ty="0" sx="100000" sy="100000" flip="none" algn="tl"/>
+          </a:blipFill>
         </p:spPr>
         <p:style>
           <a:lnRef idx="2">
@@ -4988,95 +5224,28 @@
       </p:sp>
       <p:sp>
         <p:nvSpPr>
-          <p:cNvPr id="24" name="TextBox 23">
-            <a:extLst>
-              <a:ext uri="{FF2B5EF4-FFF2-40B4-BE49-F238E27FC236}">
-                <a16:creationId xmlns:a16="http://schemas.microsoft.com/office/drawing/2014/main" id="{6635979C-61E4-9EE9-B8E7-33EA8659EF65}"/>
-              </a:ext>
-            </a:extLst>
-          </p:cNvPr>
-          <p:cNvSpPr txBox="1"/>
+          <p:cNvPr id="7" name="Triangle 6">
+            <a:extLst>
+              <a:ext uri="{FF2B5EF4-FFF2-40B4-BE49-F238E27FC236}">
+                <a16:creationId xmlns:a16="http://schemas.microsoft.com/office/drawing/2014/main" id="{7040823E-A5E6-EFD4-DD90-09344EFE8C0E}"/>
+              </a:ext>
+            </a:extLst>
+          </p:cNvPr>
+          <p:cNvSpPr/>
           <p:nvPr/>
         </p:nvSpPr>
         <p:spPr>
           <a:xfrm>
-            <a:off x="1105245" y="2517429"/>
-            <a:ext cx="1977849" cy="769441"/>
-          </a:xfrm>
-          <a:prstGeom prst="rect">
+            <a:off x="96253" y="452388"/>
+            <a:ext cx="8393230" cy="6294922"/>
+          </a:xfrm>
+          <a:prstGeom prst="triangle">
             <a:avLst/>
           </a:prstGeom>
-          <a:noFill/>
-        </p:spPr>
-        <p:txBody>
-          <a:bodyPr wrap="none" rtlCol="0">
-            <a:spAutoFit/>
-          </a:bodyPr>
-          <a:lstStyle/>
-          <a:p>
-            <a:r>
-              <a:rPr lang="en-US" sz="4400" dirty="0"/>
-              <a:t>Staging</a:t>
-            </a:r>
-          </a:p>
-        </p:txBody>
-      </p:sp>
-      <p:pic>
-        <p:nvPicPr>
-          <p:cNvPr id="27" name="Picture 26" descr="A colorful hot air balloon&#10;&#10;AI-generated content may be incorrect.">
-            <a:extLst>
-              <a:ext uri="{FF2B5EF4-FFF2-40B4-BE49-F238E27FC236}">
-                <a16:creationId xmlns:a16="http://schemas.microsoft.com/office/drawing/2014/main" id="{3438DC2A-28D5-4956-081A-646B2AB9BF2B}"/>
-              </a:ext>
-            </a:extLst>
-          </p:cNvPr>
-          <p:cNvPicPr>
-            <a:picLocks noChangeAspect="1"/>
-          </p:cNvPicPr>
-          <p:nvPr/>
-        </p:nvPicPr>
-        <p:blipFill>
-          <a:blip r:embed="rId3"/>
-          <a:stretch>
-            <a:fillRect/>
-          </a:stretch>
-        </p:blipFill>
-        <p:spPr>
-          <a:xfrm>
-            <a:off x="3083094" y="2070406"/>
-            <a:ext cx="1650628" cy="2717188"/>
-          </a:xfrm>
-          <a:prstGeom prst="rect">
-            <a:avLst/>
-          </a:prstGeom>
-        </p:spPr>
-      </p:pic>
-      <p:sp>
-        <p:nvSpPr>
-          <p:cNvPr id="29" name="Oval 28">
-            <a:extLst>
-              <a:ext uri="{FF2B5EF4-FFF2-40B4-BE49-F238E27FC236}">
-                <a16:creationId xmlns:a16="http://schemas.microsoft.com/office/drawing/2014/main" id="{4BD2475B-3B80-1D2F-97D0-4492392FBBF6}"/>
-              </a:ext>
-            </a:extLst>
-          </p:cNvPr>
-          <p:cNvSpPr/>
-          <p:nvPr/>
-        </p:nvSpPr>
-        <p:spPr>
-          <a:xfrm>
-            <a:off x="-128091" y="5844484"/>
-            <a:ext cx="8191099" cy="2550695"/>
-          </a:xfrm>
-          <a:prstGeom prst="ellipse">
-            <a:avLst/>
-          </a:prstGeom>
-          <a:solidFill>
-            <a:srgbClr val="4E8F00"/>
-          </a:solidFill>
-          <a:ln>
-            <a:noFill/>
-          </a:ln>
+          <a:blipFill>
+            <a:blip r:embed="rId3"/>
+            <a:tile tx="0" ty="0" sx="100000" sy="100000" flip="none" algn="tl"/>
+          </a:blipFill>
         </p:spPr>
         <p:style>
           <a:lnRef idx="2">
@@ -5105,49 +5274,116 @@
       </p:sp>
       <p:sp>
         <p:nvSpPr>
-          <p:cNvPr id="32" name="TextBox 31">
-            <a:extLst>
-              <a:ext uri="{FF2B5EF4-FFF2-40B4-BE49-F238E27FC236}">
-                <a16:creationId xmlns:a16="http://schemas.microsoft.com/office/drawing/2014/main" id="{EC62D0A2-990F-8CCE-24DF-9DC375F30528}"/>
-              </a:ext>
-            </a:extLst>
-          </p:cNvPr>
-          <p:cNvSpPr txBox="1"/>
+          <p:cNvPr id="8" name="Triangle 7">
+            <a:extLst>
+              <a:ext uri="{FF2B5EF4-FFF2-40B4-BE49-F238E27FC236}">
+                <a16:creationId xmlns:a16="http://schemas.microsoft.com/office/drawing/2014/main" id="{E1DC0ED3-8EC1-571E-54B5-F43A637CAB8E}"/>
+              </a:ext>
+            </a:extLst>
+          </p:cNvPr>
+          <p:cNvSpPr/>
           <p:nvPr/>
         </p:nvSpPr>
         <p:spPr>
           <a:xfrm>
-            <a:off x="2442842" y="5878880"/>
-            <a:ext cx="2864502" cy="769441"/>
-          </a:xfrm>
-          <a:prstGeom prst="rect">
+            <a:off x="2736381" y="452388"/>
+            <a:ext cx="3118586" cy="2342949"/>
+          </a:xfrm>
+          <a:prstGeom prst="triangle">
             <a:avLst/>
           </a:prstGeom>
-          <a:noFill/>
-        </p:spPr>
-        <p:txBody>
-          <a:bodyPr wrap="none" rtlCol="0">
-            <a:spAutoFit/>
-          </a:bodyPr>
-          <a:lstStyle/>
-          <a:p>
-            <a:r>
-              <a:rPr lang="en-US" sz="4400" dirty="0">
+          <a:blipFill>
+            <a:blip r:embed="rId2"/>
+            <a:tile tx="0" ty="0" sx="100000" sy="100000" flip="none" algn="tl"/>
+          </a:blipFill>
+        </p:spPr>
+        <p:style>
+          <a:lnRef idx="2">
+            <a:schemeClr val="accent1">
+              <a:shade val="15000"/>
+            </a:schemeClr>
+          </a:lnRef>
+          <a:fillRef idx="1">
+            <a:schemeClr val="accent1"/>
+          </a:fillRef>
+          <a:effectRef idx="0">
+            <a:schemeClr val="accent1"/>
+          </a:effectRef>
+          <a:fontRef idx="minor">
+            <a:schemeClr val="lt1"/>
+          </a:fontRef>
+        </p:style>
+        <p:txBody>
+          <a:bodyPr rtlCol="0" anchor="ctr"/>
+          <a:lstStyle/>
+          <a:p>
+            <a:pPr algn="ctr"/>
+            <a:endParaRPr lang="en-US" dirty="0"/>
+          </a:p>
+        </p:txBody>
+      </p:sp>
+      <p:sp>
+        <p:nvSpPr>
+          <p:cNvPr id="9" name="Rounded Rectangle 8">
+            <a:extLst>
+              <a:ext uri="{FF2B5EF4-FFF2-40B4-BE49-F238E27FC236}">
+                <a16:creationId xmlns:a16="http://schemas.microsoft.com/office/drawing/2014/main" id="{F3B8B874-C8C8-770D-7741-D307A2C3A425}"/>
+              </a:ext>
+            </a:extLst>
+          </p:cNvPr>
+          <p:cNvSpPr/>
+          <p:nvPr/>
+        </p:nvSpPr>
+        <p:spPr>
+          <a:xfrm>
+            <a:off x="2736381" y="3051209"/>
+            <a:ext cx="3118585" cy="1270534"/>
+          </a:xfrm>
+          <a:prstGeom prst="roundRect">
+            <a:avLst/>
+          </a:prstGeom>
+          <a:solidFill>
+            <a:schemeClr val="bg1"/>
+          </a:solidFill>
+        </p:spPr>
+        <p:style>
+          <a:lnRef idx="2">
+            <a:schemeClr val="accent1">
+              <a:shade val="15000"/>
+            </a:schemeClr>
+          </a:lnRef>
+          <a:fillRef idx="1">
+            <a:schemeClr val="accent1"/>
+          </a:fillRef>
+          <a:effectRef idx="0">
+            <a:schemeClr val="accent1"/>
+          </a:effectRef>
+          <a:fontRef idx="minor">
+            <a:schemeClr val="lt1"/>
+          </a:fontRef>
+        </p:style>
+        <p:txBody>
+          <a:bodyPr rtlCol="0" anchor="ctr"/>
+          <a:lstStyle/>
+          <a:p>
+            <a:pPr algn="ctr"/>
+            <a:r>
+              <a:rPr lang="en-US" sz="4000" dirty="0">
                 <a:solidFill>
-                  <a:schemeClr val="bg1"/>
+                  <a:schemeClr val="tx1"/>
                 </a:solidFill>
               </a:rPr>
-              <a:t>Production</a:t>
-            </a:r>
-          </a:p>
-        </p:txBody>
-      </p:sp>
-      <p:sp>
-        <p:nvSpPr>
-          <p:cNvPr id="2" name="Rounded Rectangle 1">
-            <a:extLst>
-              <a:ext uri="{FF2B5EF4-FFF2-40B4-BE49-F238E27FC236}">
-                <a16:creationId xmlns:a16="http://schemas.microsoft.com/office/drawing/2014/main" id="{1C3CD6C1-6312-C743-91F4-43BAF7A6DF97}"/>
+              <a:t>Healthy packages</a:t>
+            </a:r>
+          </a:p>
+        </p:txBody>
+      </p:sp>
+      <p:sp>
+        <p:nvSpPr>
+          <p:cNvPr id="10" name="Rounded Rectangle 9">
+            <a:extLst>
+              <a:ext uri="{FF2B5EF4-FFF2-40B4-BE49-F238E27FC236}">
+                <a16:creationId xmlns:a16="http://schemas.microsoft.com/office/drawing/2014/main" id="{92167F8B-45C3-182F-20C5-6B0FB90E5F85}"/>
               </a:ext>
             </a:extLst>
           </p:cNvPr>
@@ -5156,8 +5392,120 @@
         </p:nvSpPr>
         <p:spPr>
           <a:xfrm>
-            <a:off x="5084826" y="200628"/>
-            <a:ext cx="6996783" cy="2455946"/>
+            <a:off x="1327483" y="5157536"/>
+            <a:ext cx="2561925" cy="1039527"/>
+          </a:xfrm>
+          <a:prstGeom prst="roundRect">
+            <a:avLst/>
+          </a:prstGeom>
+          <a:solidFill>
+            <a:schemeClr val="bg1"/>
+          </a:solidFill>
+        </p:spPr>
+        <p:style>
+          <a:lnRef idx="2">
+            <a:schemeClr val="accent1">
+              <a:shade val="15000"/>
+            </a:schemeClr>
+          </a:lnRef>
+          <a:fillRef idx="1">
+            <a:schemeClr val="accent1"/>
+          </a:fillRef>
+          <a:effectRef idx="0">
+            <a:schemeClr val="accent1"/>
+          </a:effectRef>
+          <a:fontRef idx="minor">
+            <a:schemeClr val="lt1"/>
+          </a:fontRef>
+        </p:style>
+        <p:txBody>
+          <a:bodyPr rtlCol="0" anchor="ctr"/>
+          <a:lstStyle/>
+          <a:p>
+            <a:pPr algn="ctr"/>
+            <a:r>
+              <a:rPr lang="en-US" sz="4000" dirty="0">
+                <a:solidFill>
+                  <a:schemeClr val="tx1"/>
+                </a:solidFill>
+              </a:rPr>
+              <a:t>base R</a:t>
+            </a:r>
+          </a:p>
+        </p:txBody>
+      </p:sp>
+      <p:sp>
+        <p:nvSpPr>
+          <p:cNvPr id="11" name="Rounded Rectangle 10">
+            <a:extLst>
+              <a:ext uri="{FF2B5EF4-FFF2-40B4-BE49-F238E27FC236}">
+                <a16:creationId xmlns:a16="http://schemas.microsoft.com/office/drawing/2014/main" id="{D1F4FB6D-83FB-44ED-BA1E-94DA104C8444}"/>
+              </a:ext>
+            </a:extLst>
+          </p:cNvPr>
+          <p:cNvSpPr/>
+          <p:nvPr/>
+        </p:nvSpPr>
+        <p:spPr>
+          <a:xfrm>
+            <a:off x="4295674" y="4948989"/>
+            <a:ext cx="2735982" cy="1456623"/>
+          </a:xfrm>
+          <a:prstGeom prst="roundRect">
+            <a:avLst/>
+          </a:prstGeom>
+          <a:solidFill>
+            <a:schemeClr val="bg1"/>
+          </a:solidFill>
+        </p:spPr>
+        <p:style>
+          <a:lnRef idx="2">
+            <a:schemeClr val="accent1">
+              <a:shade val="15000"/>
+            </a:schemeClr>
+          </a:lnRef>
+          <a:fillRef idx="1">
+            <a:schemeClr val="accent1"/>
+          </a:fillRef>
+          <a:effectRef idx="0">
+            <a:schemeClr val="accent1"/>
+          </a:effectRef>
+          <a:fontRef idx="minor">
+            <a:schemeClr val="lt1"/>
+          </a:fontRef>
+        </p:style>
+        <p:txBody>
+          <a:bodyPr rtlCol="0" anchor="ctr"/>
+          <a:lstStyle/>
+          <a:p>
+            <a:pPr algn="ctr"/>
+            <a:r>
+              <a:rPr lang="en-US" sz="4000" dirty="0">
+                <a:solidFill>
+                  <a:schemeClr val="tx1"/>
+                </a:solidFill>
+              </a:rPr>
+              <a:t>CRAN packages</a:t>
+            </a:r>
+          </a:p>
+        </p:txBody>
+      </p:sp>
+      <p:sp>
+        <p:nvSpPr>
+          <p:cNvPr id="2" name="Rounded Rectangle 1">
+            <a:extLst>
+              <a:ext uri="{FF2B5EF4-FFF2-40B4-BE49-F238E27FC236}">
+                <a16:creationId xmlns:a16="http://schemas.microsoft.com/office/drawing/2014/main" id="{55E6FCB1-A6C6-3ABD-C7AE-4C5CFBE176C2}"/>
+              </a:ext>
+            </a:extLst>
+          </p:cNvPr>
+          <p:cNvSpPr/>
+          <p:nvPr/>
+        </p:nvSpPr>
+        <p:spPr>
+          <a:xfrm>
+            <a:off x="5755908" y="452388"/>
+            <a:ext cx="6057500" cy="1791801"/>
           </a:xfrm>
           <a:prstGeom prst="roundRect">
             <a:avLst/>
@@ -5200,29 +5548,29 @@
               <a:buChar char="ü"/>
             </a:pPr>
             <a:r>
-              <a:rPr lang="en-US" sz="4400" dirty="0">
+              <a:rPr lang="en-US" sz="3600" dirty="0">
                 <a:solidFill>
                   <a:schemeClr val="tx1"/>
                 </a:solidFill>
               </a:rPr>
-              <a:t> Freeze R and CRAN</a:t>
+              <a:t>Freeze base R and CRAN</a:t>
             </a:r>
           </a:p>
           <a:p>
             <a:pPr marL="571500" indent="-571500">
               <a:buClr>
-                <a:schemeClr val="accent6"/>
+                <a:srgbClr val="4E8F00"/>
               </a:buClr>
               <a:buFont typeface="Wingdings" pitchFamily="2" charset="2"/>
               <a:buChar char="ü"/>
             </a:pPr>
             <a:r>
-              <a:rPr lang="en-US" sz="4400" dirty="0">
+              <a:rPr lang="en-US" sz="3600" dirty="0">
                 <a:solidFill>
                   <a:schemeClr val="tx1"/>
                 </a:solidFill>
               </a:rPr>
-              <a:t> Freeze healthy releases</a:t>
+              <a:t>Freeze healthy releases</a:t>
             </a:r>
           </a:p>
           <a:p>
@@ -5231,12 +5579,176 @@
               <a:buChar char="q"/>
             </a:pPr>
             <a:r>
-              <a:rPr lang="en-US" sz="4400" dirty="0">
+              <a:rPr lang="en-US" sz="3600" dirty="0">
                 <a:solidFill>
                   <a:schemeClr val="tx1"/>
                 </a:solidFill>
               </a:rPr>
-              <a:t>  Snapshot Staging</a:t>
+              <a:t>  Create snapshot</a:t>
+            </a:r>
+          </a:p>
+        </p:txBody>
+      </p:sp>
+      <p:pic>
+        <p:nvPicPr>
+          <p:cNvPr id="19" name="Graphic 18" descr="Water with solid fill">
+            <a:extLst>
+              <a:ext uri="{FF2B5EF4-FFF2-40B4-BE49-F238E27FC236}">
+                <a16:creationId xmlns:a16="http://schemas.microsoft.com/office/drawing/2014/main" id="{0E2837BE-A076-45CE-26AD-E6D619C68A83}"/>
+              </a:ext>
+            </a:extLst>
+          </p:cNvPr>
+          <p:cNvPicPr>
+            <a:picLocks noChangeAspect="1"/>
+          </p:cNvPicPr>
+          <p:nvPr/>
+        </p:nvPicPr>
+        <p:blipFill>
+          <a:blip r:embed="rId4">
+            <a:extLst>
+              <a:ext uri="{96DAC541-7B7A-43D3-8B79-37D633B846F1}">
+                <asvg:svgBlip xmlns:asvg="http://schemas.microsoft.com/office/drawing/2016/SVG/main" r:embed="rId5"/>
+              </a:ext>
+            </a:extLst>
+          </a:blip>
+          <a:stretch>
+            <a:fillRect/>
+          </a:stretch>
+        </p:blipFill>
+        <p:spPr>
+          <a:xfrm>
+            <a:off x="4841508" y="625642"/>
+            <a:ext cx="914400" cy="914400"/>
+          </a:xfrm>
+          <a:prstGeom prst="rect">
+            <a:avLst/>
+          </a:prstGeom>
+        </p:spPr>
+      </p:pic>
+      <p:pic>
+        <p:nvPicPr>
+          <p:cNvPr id="20" name="Graphic 19" descr="Water with solid fill">
+            <a:extLst>
+              <a:ext uri="{FF2B5EF4-FFF2-40B4-BE49-F238E27FC236}">
+                <a16:creationId xmlns:a16="http://schemas.microsoft.com/office/drawing/2014/main" id="{0A62B2E0-59B1-ACA5-EBBE-5BF04D2B6A81}"/>
+              </a:ext>
+            </a:extLst>
+          </p:cNvPr>
+          <p:cNvPicPr>
+            <a:picLocks noChangeAspect="1"/>
+          </p:cNvPicPr>
+          <p:nvPr/>
+        </p:nvPicPr>
+        <p:blipFill>
+          <a:blip r:embed="rId4">
+            <a:extLst>
+              <a:ext uri="{96DAC541-7B7A-43D3-8B79-37D633B846F1}">
+                <asvg:svgBlip xmlns:asvg="http://schemas.microsoft.com/office/drawing/2016/SVG/main" r:embed="rId5"/>
+              </a:ext>
+            </a:extLst>
+          </a:blip>
+          <a:stretch>
+            <a:fillRect/>
+          </a:stretch>
+        </p:blipFill>
+        <p:spPr>
+          <a:xfrm>
+            <a:off x="2417345" y="1113220"/>
+            <a:ext cx="914400" cy="914400"/>
+          </a:xfrm>
+          <a:prstGeom prst="rect">
+            <a:avLst/>
+          </a:prstGeom>
+        </p:spPr>
+      </p:pic>
+      <p:pic>
+        <p:nvPicPr>
+          <p:cNvPr id="21" name="Graphic 20" descr="Water with solid fill">
+            <a:extLst>
+              <a:ext uri="{FF2B5EF4-FFF2-40B4-BE49-F238E27FC236}">
+                <a16:creationId xmlns:a16="http://schemas.microsoft.com/office/drawing/2014/main" id="{99D3AF99-BBC9-8E40-BA54-BF3C848CF87C}"/>
+              </a:ext>
+            </a:extLst>
+          </p:cNvPr>
+          <p:cNvPicPr>
+            <a:picLocks noChangeAspect="1"/>
+          </p:cNvPicPr>
+          <p:nvPr/>
+        </p:nvPicPr>
+        <p:blipFill>
+          <a:blip r:embed="rId4">
+            <a:extLst>
+              <a:ext uri="{96DAC541-7B7A-43D3-8B79-37D633B846F1}">
+                <asvg:svgBlip xmlns:asvg="http://schemas.microsoft.com/office/drawing/2016/SVG/main" r:embed="rId5"/>
+              </a:ext>
+            </a:extLst>
+          </a:blip>
+          <a:stretch>
+            <a:fillRect/>
+          </a:stretch>
+        </p:blipFill>
+        <p:spPr>
+          <a:xfrm>
+            <a:off x="2983830" y="105773"/>
+            <a:ext cx="914400" cy="914400"/>
+          </a:xfrm>
+          <a:prstGeom prst="rect">
+            <a:avLst/>
+          </a:prstGeom>
+        </p:spPr>
+      </p:pic>
+      <p:sp>
+        <p:nvSpPr>
+          <p:cNvPr id="3" name="Rounded Rectangle 2">
+            <a:extLst>
+              <a:ext uri="{FF2B5EF4-FFF2-40B4-BE49-F238E27FC236}">
+                <a16:creationId xmlns:a16="http://schemas.microsoft.com/office/drawing/2014/main" id="{11B1B798-567C-9DAC-E148-358DD3ABB0D9}"/>
+              </a:ext>
+            </a:extLst>
+          </p:cNvPr>
+          <p:cNvSpPr/>
+          <p:nvPr/>
+        </p:nvSpPr>
+        <p:spPr>
+          <a:xfrm>
+            <a:off x="3494371" y="1746265"/>
+            <a:ext cx="1596993" cy="754697"/>
+          </a:xfrm>
+          <a:prstGeom prst="roundRect">
+            <a:avLst/>
+          </a:prstGeom>
+          <a:solidFill>
+            <a:schemeClr val="bg1"/>
+          </a:solidFill>
+        </p:spPr>
+        <p:style>
+          <a:lnRef idx="2">
+            <a:schemeClr val="accent1">
+              <a:shade val="15000"/>
+            </a:schemeClr>
+          </a:lnRef>
+          <a:fillRef idx="1">
+            <a:schemeClr val="accent1"/>
+          </a:fillRef>
+          <a:effectRef idx="0">
+            <a:schemeClr val="accent1"/>
+          </a:effectRef>
+          <a:fontRef idx="minor">
+            <a:schemeClr val="lt1"/>
+          </a:fontRef>
+        </p:style>
+        <p:txBody>
+          <a:bodyPr rtlCol="0" anchor="ctr"/>
+          <a:lstStyle/>
+          <a:p>
+            <a:pPr algn="ctr"/>
+            <a:r>
+              <a:rPr lang="en-US" sz="4000" dirty="0">
+                <a:solidFill>
+                  <a:schemeClr val="tx1"/>
+                </a:solidFill>
+              </a:rPr>
+              <a:t>Bugs</a:t>
             </a:r>
           </a:p>
         </p:txBody>
@@ -5244,7 +5756,7 @@
     </p:spTree>
     <p:extLst>
       <p:ext uri="{BB962C8B-B14F-4D97-AF65-F5344CB8AC3E}">
-        <p14:creationId xmlns:p14="http://schemas.microsoft.com/office/powerpoint/2010/main" val="808995301"/>
+        <p14:creationId xmlns:p14="http://schemas.microsoft.com/office/powerpoint/2010/main" val="3301653793"/>
       </p:ext>
     </p:extLst>
   </p:cSld>
@@ -5262,7 +5774,7 @@
         <p:cNvPr id="1" name="">
           <a:extLst>
             <a:ext uri="{FF2B5EF4-FFF2-40B4-BE49-F238E27FC236}">
-              <a16:creationId xmlns:a16="http://schemas.microsoft.com/office/drawing/2014/main" id="{3AC1F3FF-BB75-9279-85F2-974DA4EA4C16}"/>
+              <a16:creationId xmlns:a16="http://schemas.microsoft.com/office/drawing/2014/main" id="{5C12B2F9-26F1-C523-3B13-567D0FDE183C}"/>
             </a:ext>
           </a:extLst>
         </p:cNvPr>
@@ -5279,10 +5791,10 @@
       </p:grpSpPr>
       <p:sp>
         <p:nvSpPr>
-          <p:cNvPr id="12" name="Rectangle 11">
-            <a:extLst>
-              <a:ext uri="{FF2B5EF4-FFF2-40B4-BE49-F238E27FC236}">
-                <a16:creationId xmlns:a16="http://schemas.microsoft.com/office/drawing/2014/main" id="{86E28012-407D-85E9-DB3D-CFEE1B08AFBD}"/>
+          <p:cNvPr id="6" name="Triangle 5">
+            <a:extLst>
+              <a:ext uri="{FF2B5EF4-FFF2-40B4-BE49-F238E27FC236}">
+                <a16:creationId xmlns:a16="http://schemas.microsoft.com/office/drawing/2014/main" id="{4B10ED5E-B064-E77A-A010-A5BA675430CE}"/>
               </a:ext>
             </a:extLst>
           </p:cNvPr>
@@ -5290,19 +5802,17 @@
           <p:nvPr/>
         </p:nvSpPr>
         <p:spPr>
-          <a:xfrm rot="20788498">
-            <a:off x="7529318" y="1157342"/>
-            <a:ext cx="2717061" cy="353499"/>
-          </a:xfrm>
-          <a:prstGeom prst="rect">
+          <a:xfrm>
+            <a:off x="96253" y="452388"/>
+            <a:ext cx="8393230" cy="6294922"/>
+          </a:xfrm>
+          <a:prstGeom prst="triangle">
             <a:avLst/>
           </a:prstGeom>
-          <a:solidFill>
-            <a:schemeClr val="bg1"/>
-          </a:solidFill>
-          <a:ln>
-            <a:noFill/>
-          </a:ln>
+          <a:blipFill>
+            <a:blip r:embed="rId2"/>
+            <a:tile tx="0" ty="0" sx="100000" sy="100000" flip="none" algn="tl"/>
+          </a:blipFill>
         </p:spPr>
         <p:style>
           <a:lnRef idx="2">
@@ -5331,95 +5841,28 @@
       </p:sp>
       <p:sp>
         <p:nvSpPr>
-          <p:cNvPr id="24" name="TextBox 23">
-            <a:extLst>
-              <a:ext uri="{FF2B5EF4-FFF2-40B4-BE49-F238E27FC236}">
-                <a16:creationId xmlns:a16="http://schemas.microsoft.com/office/drawing/2014/main" id="{6C30951E-7FA9-D922-64DE-51F486227D73}"/>
-              </a:ext>
-            </a:extLst>
-          </p:cNvPr>
-          <p:cNvSpPr txBox="1"/>
+          <p:cNvPr id="7" name="Triangle 6">
+            <a:extLst>
+              <a:ext uri="{FF2B5EF4-FFF2-40B4-BE49-F238E27FC236}">
+                <a16:creationId xmlns:a16="http://schemas.microsoft.com/office/drawing/2014/main" id="{B8B14800-D66E-7550-89D8-F5FA569B0696}"/>
+              </a:ext>
+            </a:extLst>
+          </p:cNvPr>
+          <p:cNvSpPr/>
           <p:nvPr/>
         </p:nvSpPr>
         <p:spPr>
           <a:xfrm>
-            <a:off x="1161021" y="3712905"/>
-            <a:ext cx="1977849" cy="769441"/>
-          </a:xfrm>
-          <a:prstGeom prst="rect">
+            <a:off x="96253" y="452388"/>
+            <a:ext cx="8393230" cy="6294922"/>
+          </a:xfrm>
+          <a:prstGeom prst="triangle">
             <a:avLst/>
           </a:prstGeom>
-          <a:noFill/>
-        </p:spPr>
-        <p:txBody>
-          <a:bodyPr wrap="none" rtlCol="0">
-            <a:spAutoFit/>
-          </a:bodyPr>
-          <a:lstStyle/>
-          <a:p>
-            <a:r>
-              <a:rPr lang="en-US" sz="4400" dirty="0"/>
-              <a:t>Staging</a:t>
-            </a:r>
-          </a:p>
-        </p:txBody>
-      </p:sp>
-      <p:pic>
-        <p:nvPicPr>
-          <p:cNvPr id="27" name="Picture 26" descr="A colorful hot air balloon&#10;&#10;AI-generated content may be incorrect.">
-            <a:extLst>
-              <a:ext uri="{FF2B5EF4-FFF2-40B4-BE49-F238E27FC236}">
-                <a16:creationId xmlns:a16="http://schemas.microsoft.com/office/drawing/2014/main" id="{3448F4B8-5EDC-B18F-968D-2A70A9ACE1FA}"/>
-              </a:ext>
-            </a:extLst>
-          </p:cNvPr>
-          <p:cNvPicPr>
-            <a:picLocks noChangeAspect="1"/>
-          </p:cNvPicPr>
-          <p:nvPr/>
-        </p:nvPicPr>
-        <p:blipFill>
-          <a:blip r:embed="rId3"/>
-          <a:stretch>
-            <a:fillRect/>
-          </a:stretch>
-        </p:blipFill>
-        <p:spPr>
-          <a:xfrm>
-            <a:off x="3102344" y="3127296"/>
-            <a:ext cx="1650628" cy="2717188"/>
-          </a:xfrm>
-          <a:prstGeom prst="rect">
-            <a:avLst/>
-          </a:prstGeom>
-        </p:spPr>
-      </p:pic>
-      <p:sp>
-        <p:nvSpPr>
-          <p:cNvPr id="29" name="Oval 28">
-            <a:extLst>
-              <a:ext uri="{FF2B5EF4-FFF2-40B4-BE49-F238E27FC236}">
-                <a16:creationId xmlns:a16="http://schemas.microsoft.com/office/drawing/2014/main" id="{CD566F5D-071A-8765-0659-0B77FC444C31}"/>
-              </a:ext>
-            </a:extLst>
-          </p:cNvPr>
-          <p:cNvSpPr/>
-          <p:nvPr/>
-        </p:nvSpPr>
-        <p:spPr>
-          <a:xfrm>
-            <a:off x="-128091" y="5844484"/>
-            <a:ext cx="8191099" cy="2550695"/>
-          </a:xfrm>
-          <a:prstGeom prst="ellipse">
-            <a:avLst/>
-          </a:prstGeom>
-          <a:solidFill>
-            <a:srgbClr val="4E8F00"/>
-          </a:solidFill>
-          <a:ln>
-            <a:noFill/>
-          </a:ln>
+          <a:blipFill>
+            <a:blip r:embed="rId3"/>
+            <a:tile tx="0" ty="0" sx="100000" sy="100000" flip="none" algn="tl"/>
+          </a:blipFill>
         </p:spPr>
         <p:style>
           <a:lnRef idx="2">
@@ -5448,49 +5891,66 @@
       </p:sp>
       <p:sp>
         <p:nvSpPr>
-          <p:cNvPr id="32" name="TextBox 31">
-            <a:extLst>
-              <a:ext uri="{FF2B5EF4-FFF2-40B4-BE49-F238E27FC236}">
-                <a16:creationId xmlns:a16="http://schemas.microsoft.com/office/drawing/2014/main" id="{D42DA444-630A-C876-7BE1-27DB203F4B54}"/>
-              </a:ext>
-            </a:extLst>
-          </p:cNvPr>
-          <p:cNvSpPr txBox="1"/>
+          <p:cNvPr id="9" name="Rounded Rectangle 8">
+            <a:extLst>
+              <a:ext uri="{FF2B5EF4-FFF2-40B4-BE49-F238E27FC236}">
+                <a16:creationId xmlns:a16="http://schemas.microsoft.com/office/drawing/2014/main" id="{E225CF30-81BF-CF5E-8492-B6B50F446779}"/>
+              </a:ext>
+            </a:extLst>
+          </p:cNvPr>
+          <p:cNvSpPr/>
           <p:nvPr/>
         </p:nvSpPr>
         <p:spPr>
           <a:xfrm>
-            <a:off x="2442842" y="5878880"/>
-            <a:ext cx="2864502" cy="769441"/>
-          </a:xfrm>
-          <a:prstGeom prst="rect">
+            <a:off x="2736381" y="3051209"/>
+            <a:ext cx="3118585" cy="1270534"/>
+          </a:xfrm>
+          <a:prstGeom prst="roundRect">
             <a:avLst/>
           </a:prstGeom>
-          <a:noFill/>
-        </p:spPr>
-        <p:txBody>
-          <a:bodyPr wrap="none" rtlCol="0">
-            <a:spAutoFit/>
-          </a:bodyPr>
-          <a:lstStyle/>
-          <a:p>
-            <a:r>
-              <a:rPr lang="en-US" sz="4400" dirty="0">
+          <a:solidFill>
+            <a:schemeClr val="bg1"/>
+          </a:solidFill>
+        </p:spPr>
+        <p:style>
+          <a:lnRef idx="2">
+            <a:schemeClr val="accent1">
+              <a:shade val="15000"/>
+            </a:schemeClr>
+          </a:lnRef>
+          <a:fillRef idx="1">
+            <a:schemeClr val="accent1"/>
+          </a:fillRef>
+          <a:effectRef idx="0">
+            <a:schemeClr val="accent1"/>
+          </a:effectRef>
+          <a:fontRef idx="minor">
+            <a:schemeClr val="lt1"/>
+          </a:fontRef>
+        </p:style>
+        <p:txBody>
+          <a:bodyPr rtlCol="0" anchor="ctr"/>
+          <a:lstStyle/>
+          <a:p>
+            <a:pPr algn="ctr"/>
+            <a:r>
+              <a:rPr lang="en-US" sz="4000" dirty="0">
                 <a:solidFill>
-                  <a:schemeClr val="bg1"/>
+                  <a:schemeClr val="tx1"/>
                 </a:solidFill>
               </a:rPr>
-              <a:t>Production</a:t>
-            </a:r>
-          </a:p>
-        </p:txBody>
-      </p:sp>
-      <p:sp>
-        <p:nvSpPr>
-          <p:cNvPr id="2" name="Rounded Rectangle 1">
-            <a:extLst>
-              <a:ext uri="{FF2B5EF4-FFF2-40B4-BE49-F238E27FC236}">
-                <a16:creationId xmlns:a16="http://schemas.microsoft.com/office/drawing/2014/main" id="{64ED1724-9A60-93C1-4101-4D1666AB097E}"/>
+              <a:t>Healthy packages</a:t>
+            </a:r>
+          </a:p>
+        </p:txBody>
+      </p:sp>
+      <p:sp>
+        <p:nvSpPr>
+          <p:cNvPr id="10" name="Rounded Rectangle 9">
+            <a:extLst>
+              <a:ext uri="{FF2B5EF4-FFF2-40B4-BE49-F238E27FC236}">
+                <a16:creationId xmlns:a16="http://schemas.microsoft.com/office/drawing/2014/main" id="{92D98277-260E-FAB9-0252-704593A93961}"/>
               </a:ext>
             </a:extLst>
           </p:cNvPr>
@@ -5499,8 +5959,120 @@
         </p:nvSpPr>
         <p:spPr>
           <a:xfrm>
-            <a:off x="5084826" y="200628"/>
-            <a:ext cx="6996783" cy="2455946"/>
+            <a:off x="1327483" y="5157536"/>
+            <a:ext cx="2561925" cy="1039527"/>
+          </a:xfrm>
+          <a:prstGeom prst="roundRect">
+            <a:avLst/>
+          </a:prstGeom>
+          <a:solidFill>
+            <a:schemeClr val="bg1"/>
+          </a:solidFill>
+        </p:spPr>
+        <p:style>
+          <a:lnRef idx="2">
+            <a:schemeClr val="accent1">
+              <a:shade val="15000"/>
+            </a:schemeClr>
+          </a:lnRef>
+          <a:fillRef idx="1">
+            <a:schemeClr val="accent1"/>
+          </a:fillRef>
+          <a:effectRef idx="0">
+            <a:schemeClr val="accent1"/>
+          </a:effectRef>
+          <a:fontRef idx="minor">
+            <a:schemeClr val="lt1"/>
+          </a:fontRef>
+        </p:style>
+        <p:txBody>
+          <a:bodyPr rtlCol="0" anchor="ctr"/>
+          <a:lstStyle/>
+          <a:p>
+            <a:pPr algn="ctr"/>
+            <a:r>
+              <a:rPr lang="en-US" sz="4000" dirty="0">
+                <a:solidFill>
+                  <a:schemeClr val="tx1"/>
+                </a:solidFill>
+              </a:rPr>
+              <a:t>base R</a:t>
+            </a:r>
+          </a:p>
+        </p:txBody>
+      </p:sp>
+      <p:sp>
+        <p:nvSpPr>
+          <p:cNvPr id="11" name="Rounded Rectangle 10">
+            <a:extLst>
+              <a:ext uri="{FF2B5EF4-FFF2-40B4-BE49-F238E27FC236}">
+                <a16:creationId xmlns:a16="http://schemas.microsoft.com/office/drawing/2014/main" id="{ED8F9CAE-A90D-8A0A-7631-FBA4942E513F}"/>
+              </a:ext>
+            </a:extLst>
+          </p:cNvPr>
+          <p:cNvSpPr/>
+          <p:nvPr/>
+        </p:nvSpPr>
+        <p:spPr>
+          <a:xfrm>
+            <a:off x="4295674" y="4948989"/>
+            <a:ext cx="2735982" cy="1456623"/>
+          </a:xfrm>
+          <a:prstGeom prst="roundRect">
+            <a:avLst/>
+          </a:prstGeom>
+          <a:solidFill>
+            <a:schemeClr val="bg1"/>
+          </a:solidFill>
+        </p:spPr>
+        <p:style>
+          <a:lnRef idx="2">
+            <a:schemeClr val="accent1">
+              <a:shade val="15000"/>
+            </a:schemeClr>
+          </a:lnRef>
+          <a:fillRef idx="1">
+            <a:schemeClr val="accent1"/>
+          </a:fillRef>
+          <a:effectRef idx="0">
+            <a:schemeClr val="accent1"/>
+          </a:effectRef>
+          <a:fontRef idx="minor">
+            <a:schemeClr val="lt1"/>
+          </a:fontRef>
+        </p:style>
+        <p:txBody>
+          <a:bodyPr rtlCol="0" anchor="ctr"/>
+          <a:lstStyle/>
+          <a:p>
+            <a:pPr algn="ctr"/>
+            <a:r>
+              <a:rPr lang="en-US" sz="4000" dirty="0">
+                <a:solidFill>
+                  <a:schemeClr val="tx1"/>
+                </a:solidFill>
+              </a:rPr>
+              <a:t>CRAN packages</a:t>
+            </a:r>
+          </a:p>
+        </p:txBody>
+      </p:sp>
+      <p:sp>
+        <p:nvSpPr>
+          <p:cNvPr id="2" name="Rounded Rectangle 1">
+            <a:extLst>
+              <a:ext uri="{FF2B5EF4-FFF2-40B4-BE49-F238E27FC236}">
+                <a16:creationId xmlns:a16="http://schemas.microsoft.com/office/drawing/2014/main" id="{E5345C1F-87BD-26FF-83AB-AB75B95E34E7}"/>
+              </a:ext>
+            </a:extLst>
+          </p:cNvPr>
+          <p:cNvSpPr/>
+          <p:nvPr/>
+        </p:nvSpPr>
+        <p:spPr>
+          <a:xfrm>
+            <a:off x="5755908" y="452388"/>
+            <a:ext cx="6057500" cy="1791801"/>
           </a:xfrm>
           <a:prstGeom prst="roundRect">
             <a:avLst/>
@@ -5543,54 +6115,152 @@
               <a:buChar char="ü"/>
             </a:pPr>
             <a:r>
-              <a:rPr lang="en-US" sz="4400" dirty="0">
+              <a:rPr lang="en-US" sz="3600" dirty="0">
                 <a:solidFill>
                   <a:schemeClr val="tx1"/>
                 </a:solidFill>
               </a:rPr>
-              <a:t> Freeze R and CRAN</a:t>
+              <a:t>Freeze base R and CRAN</a:t>
             </a:r>
           </a:p>
           <a:p>
             <a:pPr marL="571500" indent="-571500">
               <a:buClr>
-                <a:schemeClr val="accent6"/>
+                <a:srgbClr val="4E8F00"/>
               </a:buClr>
               <a:buFont typeface="Wingdings" pitchFamily="2" charset="2"/>
               <a:buChar char="ü"/>
             </a:pPr>
             <a:r>
-              <a:rPr lang="en-US" sz="4400" dirty="0">
+              <a:rPr lang="en-US" sz="3600" dirty="0">
                 <a:solidFill>
                   <a:schemeClr val="tx1"/>
                 </a:solidFill>
               </a:rPr>
-              <a:t> Freeze healthy releases</a:t>
+              <a:t>Freeze healthy releases</a:t>
             </a:r>
           </a:p>
           <a:p>
             <a:pPr marL="571500" indent="-571500">
               <a:buClr>
-                <a:schemeClr val="accent6"/>
+                <a:srgbClr val="4E8F00"/>
               </a:buClr>
               <a:buFont typeface="Wingdings" pitchFamily="2" charset="2"/>
               <a:buChar char="ü"/>
             </a:pPr>
             <a:r>
-              <a:rPr lang="en-US" sz="4400" dirty="0">
+              <a:rPr lang="en-US" sz="3600" dirty="0">
                 <a:solidFill>
                   <a:schemeClr val="tx1"/>
                 </a:solidFill>
               </a:rPr>
-              <a:t> Snapshot Staging</a:t>
-            </a:r>
-          </a:p>
-        </p:txBody>
-      </p:sp>
+              <a:t>Create snapshot</a:t>
+            </a:r>
+          </a:p>
+        </p:txBody>
+      </p:sp>
+      <p:sp>
+        <p:nvSpPr>
+          <p:cNvPr id="27" name="Triangle 26">
+            <a:extLst>
+              <a:ext uri="{FF2B5EF4-FFF2-40B4-BE49-F238E27FC236}">
+                <a16:creationId xmlns:a16="http://schemas.microsoft.com/office/drawing/2014/main" id="{12FFCFEE-C5DE-2E98-B46A-50238E33FB38}"/>
+              </a:ext>
+            </a:extLst>
+          </p:cNvPr>
+          <p:cNvSpPr/>
+          <p:nvPr/>
+        </p:nvSpPr>
+        <p:spPr>
+          <a:xfrm>
+            <a:off x="2794534" y="125531"/>
+            <a:ext cx="2904023" cy="1511166"/>
+          </a:xfrm>
+          <a:prstGeom prst="triangle">
+            <a:avLst/>
+          </a:prstGeom>
+          <a:solidFill>
+            <a:schemeClr val="bg1"/>
+          </a:solidFill>
+          <a:ln>
+            <a:noFill/>
+          </a:ln>
+        </p:spPr>
+        <p:style>
+          <a:lnRef idx="2">
+            <a:schemeClr val="accent1">
+              <a:shade val="15000"/>
+            </a:schemeClr>
+          </a:lnRef>
+          <a:fillRef idx="1">
+            <a:schemeClr val="accent1"/>
+          </a:fillRef>
+          <a:effectRef idx="0">
+            <a:schemeClr val="accent1"/>
+          </a:effectRef>
+          <a:fontRef idx="minor">
+            <a:schemeClr val="lt1"/>
+          </a:fontRef>
+        </p:style>
+        <p:txBody>
+          <a:bodyPr rtlCol="0" anchor="ctr"/>
+          <a:lstStyle/>
+          <a:p>
+            <a:pPr algn="ctr"/>
+            <a:endParaRPr lang="en-US" dirty="0"/>
+          </a:p>
+        </p:txBody>
+      </p:sp>
+      <p:cxnSp>
+        <p:nvCxnSpPr>
+          <p:cNvPr id="29" name="Straight Connector 28">
+            <a:extLst>
+              <a:ext uri="{FF2B5EF4-FFF2-40B4-BE49-F238E27FC236}">
+                <a16:creationId xmlns:a16="http://schemas.microsoft.com/office/drawing/2014/main" id="{6ACFD16A-E91E-8E40-3860-C2906BDBA837}"/>
+              </a:ext>
+            </a:extLst>
+          </p:cNvPr>
+          <p:cNvCxnSpPr>
+            <a:cxnSpLocks/>
+          </p:cNvCxnSpPr>
+          <p:nvPr/>
+        </p:nvCxnSpPr>
+        <p:spPr>
+          <a:xfrm>
+            <a:off x="3494371" y="1636697"/>
+            <a:ext cx="1578143" cy="0"/>
+          </a:xfrm>
+          <a:prstGeom prst="line">
+            <a:avLst/>
+          </a:prstGeom>
+          <a:ln w="19050">
+            <a:solidFill>
+              <a:schemeClr val="tx1">
+                <a:lumMod val="95000"/>
+                <a:lumOff val="5000"/>
+              </a:schemeClr>
+            </a:solidFill>
+          </a:ln>
+        </p:spPr>
+        <p:style>
+          <a:lnRef idx="2">
+            <a:schemeClr val="accent1"/>
+          </a:lnRef>
+          <a:fillRef idx="0">
+            <a:schemeClr val="accent1"/>
+          </a:fillRef>
+          <a:effectRef idx="1">
+            <a:schemeClr val="accent1"/>
+          </a:effectRef>
+          <a:fontRef idx="minor">
+            <a:schemeClr val="tx1"/>
+          </a:fontRef>
+        </p:style>
+      </p:cxnSp>
     </p:spTree>
     <p:extLst>
       <p:ext uri="{BB962C8B-B14F-4D97-AF65-F5344CB8AC3E}">
-        <p14:creationId xmlns:p14="http://schemas.microsoft.com/office/powerpoint/2010/main" val="302684673"/>
+        <p14:creationId xmlns:p14="http://schemas.microsoft.com/office/powerpoint/2010/main" val="2003381432"/>
       </p:ext>
     </p:extLst>
   </p:cSld>

--- a/images/snapshot.pptx
+++ b/images/snapshot.pptx
@@ -3756,6 +3756,7 @@
             <a:blip r:embed="rId3"/>
             <a:tile tx="0" ty="0" sx="100000" sy="100000" flip="none" algn="tl"/>
           </a:blipFill>
+          <a:ln w="31750"/>
         </p:spPr>
         <p:style>
           <a:lnRef idx="2">
@@ -3806,6 +3807,7 @@
             <a:blip r:embed="rId3"/>
             <a:tile tx="0" ty="0" sx="100000" sy="100000" flip="none" algn="tl"/>
           </a:blipFill>
+          <a:ln w="31750"/>
         </p:spPr>
         <p:style>
           <a:lnRef idx="2">
@@ -4110,6 +4112,7 @@
             <a:blip r:embed="rId2"/>
             <a:tile tx="0" ty="0" sx="100000" sy="100000" flip="none" algn="tl"/>
           </a:blipFill>
+          <a:ln w="31750"/>
         </p:spPr>
         <p:style>
           <a:lnRef idx="2">
@@ -4160,6 +4163,7 @@
             <a:blip r:embed="rId2"/>
             <a:tile tx="0" ty="0" sx="100000" sy="100000" flip="none" algn="tl"/>
           </a:blipFill>
+          <a:ln w="31750"/>
         </p:spPr>
         <p:style>
           <a:lnRef idx="2">
@@ -4688,6 +4692,7 @@
             <a:blip r:embed="rId3"/>
             <a:tile tx="0" ty="0" sx="100000" sy="100000" flip="none" algn="tl"/>
           </a:blipFill>
+          <a:ln w="31750"/>
         </p:spPr>
         <p:style>
           <a:lnRef idx="2">
@@ -4738,6 +4743,7 @@
             <a:blip r:embed="rId2"/>
             <a:tile tx="0" ty="0" sx="100000" sy="100000" flip="none" algn="tl"/>
           </a:blipFill>
+          <a:ln w="31750"/>
         </p:spPr>
         <p:style>
           <a:lnRef idx="2">
@@ -5246,6 +5252,7 @@
             <a:blip r:embed="rId3"/>
             <a:tile tx="0" ty="0" sx="100000" sy="100000" flip="none" algn="tl"/>
           </a:blipFill>
+          <a:ln w="31750"/>
         </p:spPr>
         <p:style>
           <a:lnRef idx="2">
@@ -5296,6 +5303,7 @@
             <a:blip r:embed="rId2"/>
             <a:tile tx="0" ty="0" sx="100000" sy="100000" flip="none" algn="tl"/>
           </a:blipFill>
+          <a:ln w="31750"/>
         </p:spPr>
         <p:style>
           <a:lnRef idx="2">
@@ -5750,6 +5758,54 @@
               </a:rPr>
               <a:t>Bugs</a:t>
             </a:r>
+          </a:p>
+        </p:txBody>
+      </p:sp>
+      <p:sp>
+        <p:nvSpPr>
+          <p:cNvPr id="4" name="Triangle 3">
+            <a:extLst>
+              <a:ext uri="{FF2B5EF4-FFF2-40B4-BE49-F238E27FC236}">
+                <a16:creationId xmlns:a16="http://schemas.microsoft.com/office/drawing/2014/main" id="{4797C6DA-8243-18D8-9C38-7347AA3D3986}"/>
+              </a:ext>
+            </a:extLst>
+          </p:cNvPr>
+          <p:cNvSpPr/>
+          <p:nvPr/>
+        </p:nvSpPr>
+        <p:spPr>
+          <a:xfrm>
+            <a:off x="1554080" y="452388"/>
+            <a:ext cx="5477576" cy="4138863"/>
+          </a:xfrm>
+          <a:prstGeom prst="triangle">
+            <a:avLst/>
+          </a:prstGeom>
+          <a:noFill/>
+          <a:ln w="31750"/>
+        </p:spPr>
+        <p:style>
+          <a:lnRef idx="2">
+            <a:schemeClr val="accent1">
+              <a:shade val="15000"/>
+            </a:schemeClr>
+          </a:lnRef>
+          <a:fillRef idx="1">
+            <a:schemeClr val="accent1"/>
+          </a:fillRef>
+          <a:effectRef idx="0">
+            <a:schemeClr val="accent1"/>
+          </a:effectRef>
+          <a:fontRef idx="minor">
+            <a:schemeClr val="lt1"/>
+          </a:fontRef>
+        </p:style>
+        <p:txBody>
+          <a:bodyPr rtlCol="0" anchor="ctr"/>
+          <a:lstStyle/>
+          <a:p>
+            <a:pPr algn="ctr"/>
+            <a:endParaRPr lang="en-US"/>
           </a:p>
         </p:txBody>
       </p:sp>
@@ -5863,6 +5919,7 @@
             <a:blip r:embed="rId3"/>
             <a:tile tx="0" ty="0" sx="100000" sy="100000" flip="none" algn="tl"/>
           </a:blipFill>
+          <a:ln w="31750"/>
         </p:spPr>
         <p:style>
           <a:lnRef idx="2">
@@ -6159,6 +6216,100 @@
           </a:p>
         </p:txBody>
       </p:sp>
+      <p:cxnSp>
+        <p:nvCxnSpPr>
+          <p:cNvPr id="29" name="Straight Connector 28">
+            <a:extLst>
+              <a:ext uri="{FF2B5EF4-FFF2-40B4-BE49-F238E27FC236}">
+                <a16:creationId xmlns:a16="http://schemas.microsoft.com/office/drawing/2014/main" id="{6ACFD16A-E91E-8E40-3860-C2906BDBA837}"/>
+              </a:ext>
+            </a:extLst>
+          </p:cNvPr>
+          <p:cNvCxnSpPr>
+            <a:cxnSpLocks/>
+          </p:cNvCxnSpPr>
+          <p:nvPr/>
+        </p:nvCxnSpPr>
+        <p:spPr>
+          <a:xfrm>
+            <a:off x="3494371" y="1636697"/>
+            <a:ext cx="1578143" cy="0"/>
+          </a:xfrm>
+          <a:prstGeom prst="line">
+            <a:avLst/>
+          </a:prstGeom>
+          <a:ln w="38100">
+            <a:solidFill>
+              <a:schemeClr val="tx1">
+                <a:lumMod val="95000"/>
+                <a:lumOff val="5000"/>
+              </a:schemeClr>
+            </a:solidFill>
+          </a:ln>
+        </p:spPr>
+        <p:style>
+          <a:lnRef idx="2">
+            <a:schemeClr val="accent1"/>
+          </a:lnRef>
+          <a:fillRef idx="0">
+            <a:schemeClr val="accent1"/>
+          </a:fillRef>
+          <a:effectRef idx="1">
+            <a:schemeClr val="accent1"/>
+          </a:effectRef>
+          <a:fontRef idx="minor">
+            <a:schemeClr val="tx1"/>
+          </a:fontRef>
+        </p:style>
+      </p:cxnSp>
+      <p:sp>
+        <p:nvSpPr>
+          <p:cNvPr id="3" name="Triangle 2">
+            <a:extLst>
+              <a:ext uri="{FF2B5EF4-FFF2-40B4-BE49-F238E27FC236}">
+                <a16:creationId xmlns:a16="http://schemas.microsoft.com/office/drawing/2014/main" id="{A186475E-4452-E6FC-EC55-7C6D8AAE3AF6}"/>
+              </a:ext>
+            </a:extLst>
+          </p:cNvPr>
+          <p:cNvSpPr/>
+          <p:nvPr/>
+        </p:nvSpPr>
+        <p:spPr>
+          <a:xfrm>
+            <a:off x="1554080" y="452388"/>
+            <a:ext cx="5477576" cy="4138863"/>
+          </a:xfrm>
+          <a:prstGeom prst="triangle">
+            <a:avLst/>
+          </a:prstGeom>
+          <a:noFill/>
+          <a:ln w="31750"/>
+        </p:spPr>
+        <p:style>
+          <a:lnRef idx="2">
+            <a:schemeClr val="accent1">
+              <a:shade val="15000"/>
+            </a:schemeClr>
+          </a:lnRef>
+          <a:fillRef idx="1">
+            <a:schemeClr val="accent1"/>
+          </a:fillRef>
+          <a:effectRef idx="0">
+            <a:schemeClr val="accent1"/>
+          </a:effectRef>
+          <a:fontRef idx="minor">
+            <a:schemeClr val="lt1"/>
+          </a:fontRef>
+        </p:style>
+        <p:txBody>
+          <a:bodyPr rtlCol="0" anchor="ctr"/>
+          <a:lstStyle/>
+          <a:p>
+            <a:pPr algn="ctr"/>
+            <a:endParaRPr lang="en-US"/>
+          </a:p>
+        </p:txBody>
+      </p:sp>
       <p:sp>
         <p:nvSpPr>
           <p:cNvPr id="27" name="Triangle 26">
@@ -6211,52 +6362,6 @@
           </a:p>
         </p:txBody>
       </p:sp>
-      <p:cxnSp>
-        <p:nvCxnSpPr>
-          <p:cNvPr id="29" name="Straight Connector 28">
-            <a:extLst>
-              <a:ext uri="{FF2B5EF4-FFF2-40B4-BE49-F238E27FC236}">
-                <a16:creationId xmlns:a16="http://schemas.microsoft.com/office/drawing/2014/main" id="{6ACFD16A-E91E-8E40-3860-C2906BDBA837}"/>
-              </a:ext>
-            </a:extLst>
-          </p:cNvPr>
-          <p:cNvCxnSpPr>
-            <a:cxnSpLocks/>
-          </p:cNvCxnSpPr>
-          <p:nvPr/>
-        </p:nvCxnSpPr>
-        <p:spPr>
-          <a:xfrm>
-            <a:off x="3494371" y="1636697"/>
-            <a:ext cx="1578143" cy="0"/>
-          </a:xfrm>
-          <a:prstGeom prst="line">
-            <a:avLst/>
-          </a:prstGeom>
-          <a:ln w="19050">
-            <a:solidFill>
-              <a:schemeClr val="tx1">
-                <a:lumMod val="95000"/>
-                <a:lumOff val="5000"/>
-              </a:schemeClr>
-            </a:solidFill>
-          </a:ln>
-        </p:spPr>
-        <p:style>
-          <a:lnRef idx="2">
-            <a:schemeClr val="accent1"/>
-          </a:lnRef>
-          <a:fillRef idx="0">
-            <a:schemeClr val="accent1"/>
-          </a:fillRef>
-          <a:effectRef idx="1">
-            <a:schemeClr val="accent1"/>
-          </a:effectRef>
-          <a:fontRef idx="minor">
-            <a:schemeClr val="tx1"/>
-          </a:fontRef>
-        </p:style>
-      </p:cxnSp>
     </p:spTree>
     <p:extLst>
       <p:ext uri="{BB962C8B-B14F-4D97-AF65-F5344CB8AC3E}">
